--- a/Docs/Poster.pptx
+++ b/Docs/Poster.pptx
@@ -5,10 +5,11 @@
     <p:sldMasterId id="2147483696" r:id="rId1"/>
   </p:sldMasterIdLst>
   <p:notesMasterIdLst>
-    <p:notesMasterId r:id="rId3"/>
+    <p:notesMasterId r:id="rId4"/>
   </p:notesMasterIdLst>
   <p:sldIdLst>
-    <p:sldId id="266" r:id="rId2"/>
+    <p:sldId id="268" r:id="rId2"/>
+    <p:sldId id="267" r:id="rId3"/>
   </p:sldIdLst>
   <p:sldSz cx="18000663" cy="25199975"/>
   <p:notesSz cx="6858000" cy="9144000"/>
@@ -1230,7 +1231,7 @@
         <p:cNvPr id="1" name="">
           <a:extLst>
             <a:ext uri="{FF2B5EF4-FFF2-40B4-BE49-F238E27FC236}">
-              <a16:creationId xmlns:a16="http://schemas.microsoft.com/office/drawing/2014/main" id="{7D3EF582-E6AF-C3C1-9767-5D2421128E04}"/>
+              <a16:creationId xmlns:a16="http://schemas.microsoft.com/office/drawing/2014/main" id="{D8E405B0-AEB7-BB83-DBF9-738D3AA27447}"/>
             </a:ext>
           </a:extLst>
         </p:cNvPr>
@@ -1250,7 +1251,7 @@
           <p:cNvPr id="6" name="Rectangle 7">
             <a:extLst>
               <a:ext uri="{FF2B5EF4-FFF2-40B4-BE49-F238E27FC236}">
-                <a16:creationId xmlns:a16="http://schemas.microsoft.com/office/drawing/2014/main" id="{2FD8DFD8-9B76-55A1-E587-E806070CE235}"/>
+                <a16:creationId xmlns:a16="http://schemas.microsoft.com/office/drawing/2014/main" id="{D7A7AA4F-404E-38D5-7E7F-903581673214}"/>
               </a:ext>
             </a:extLst>
           </p:cNvPr>
@@ -1282,7 +1283,7 @@
           <p:cNvPr id="6145" name="Rectangle 1">
             <a:extLst>
               <a:ext uri="{FF2B5EF4-FFF2-40B4-BE49-F238E27FC236}">
-                <a16:creationId xmlns:a16="http://schemas.microsoft.com/office/drawing/2014/main" id="{09BC2276-F28D-8F22-8C25-7CE0C5082D74}"/>
+                <a16:creationId xmlns:a16="http://schemas.microsoft.com/office/drawing/2014/main" id="{721E2C7E-C0BA-FF16-9231-7308143C263B}"/>
               </a:ext>
             </a:extLst>
           </p:cNvPr>
@@ -1330,7 +1331,7 @@
           <p:cNvPr id="6146" name="Rectangle 2">
             <a:extLst>
               <a:ext uri="{FF2B5EF4-FFF2-40B4-BE49-F238E27FC236}">
-                <a16:creationId xmlns:a16="http://schemas.microsoft.com/office/drawing/2014/main" id="{79BC1929-14B6-0EBC-575C-C67378951702}"/>
+                <a16:creationId xmlns:a16="http://schemas.microsoft.com/office/drawing/2014/main" id="{90F472ED-B8BC-8FC4-3B12-A509A6B75CE2}"/>
               </a:ext>
             </a:extLst>
           </p:cNvPr>
@@ -1393,7 +1394,7 @@
           <p:cNvPr id="6147" name="Text Box 3">
             <a:extLst>
               <a:ext uri="{FF2B5EF4-FFF2-40B4-BE49-F238E27FC236}">
-                <a16:creationId xmlns:a16="http://schemas.microsoft.com/office/drawing/2014/main" id="{F50811BB-8B23-DA01-7AEF-597E9FE6D706}"/>
+                <a16:creationId xmlns:a16="http://schemas.microsoft.com/office/drawing/2014/main" id="{BB9A28C7-1AA6-0BB0-47A3-4110B981505A}"/>
               </a:ext>
             </a:extLst>
           </p:cNvPr>
@@ -1725,7 +1726,528 @@
     </p:spTree>
     <p:extLst>
       <p:ext uri="{BB962C8B-B14F-4D97-AF65-F5344CB8AC3E}">
-        <p14:creationId xmlns:p14="http://schemas.microsoft.com/office/powerpoint/2010/main" val="42795183"/>
+        <p14:creationId xmlns:p14="http://schemas.microsoft.com/office/powerpoint/2010/main" val="477467224"/>
+      </p:ext>
+    </p:extLst>
+  </p:cSld>
+  <p:clrMapOvr>
+    <a:masterClrMapping/>
+  </p:clrMapOvr>
+</p:notes>
+</file>
+
+<file path=ppt/notesSlides/notesSlide2.xml><?xml version="1.0" encoding="utf-8"?>
+<p:notes xmlns:a="http://schemas.openxmlformats.org/drawingml/2006/main" xmlns:r="http://schemas.openxmlformats.org/officeDocument/2006/relationships" xmlns:p="http://schemas.openxmlformats.org/presentationml/2006/main">
+  <p:cSld>
+    <p:bg>
+      <p:bgPr>
+        <a:solidFill>
+          <a:srgbClr val="FFFFFF"/>
+        </a:solidFill>
+        <a:effectLst/>
+      </p:bgPr>
+    </p:bg>
+    <p:spTree>
+      <p:nvGrpSpPr>
+        <p:cNvPr id="1" name="">
+          <a:extLst>
+            <a:ext uri="{FF2B5EF4-FFF2-40B4-BE49-F238E27FC236}">
+              <a16:creationId xmlns:a16="http://schemas.microsoft.com/office/drawing/2014/main" id="{7BD81585-DC9B-0F9F-4A63-0DBD549488A6}"/>
+            </a:ext>
+          </a:extLst>
+        </p:cNvPr>
+        <p:cNvGrpSpPr/>
+        <p:nvPr/>
+      </p:nvGrpSpPr>
+      <p:grpSpPr>
+        <a:xfrm>
+          <a:off x="0" y="0"/>
+          <a:ext cx="0" cy="0"/>
+          <a:chOff x="0" y="0"/>
+          <a:chExt cx="0" cy="0"/>
+        </a:xfrm>
+      </p:grpSpPr>
+      <p:sp>
+        <p:nvSpPr>
+          <p:cNvPr id="6" name="Rectangle 7">
+            <a:extLst>
+              <a:ext uri="{FF2B5EF4-FFF2-40B4-BE49-F238E27FC236}">
+                <a16:creationId xmlns:a16="http://schemas.microsoft.com/office/drawing/2014/main" id="{1C75BD5A-588E-A2FD-C9AA-648F532C05CF}"/>
+              </a:ext>
+            </a:extLst>
+          </p:cNvPr>
+          <p:cNvSpPr>
+            <a:spLocks noGrp="1" noChangeArrowheads="1"/>
+          </p:cNvSpPr>
+          <p:nvPr>
+            <p:ph type="sldNum"/>
+          </p:nvPr>
+        </p:nvSpPr>
+        <p:spPr>
+          <a:ln/>
+        </p:spPr>
+        <p:txBody>
+          <a:bodyPr/>
+          <a:lstStyle/>
+          <a:p>
+            <a:fld id="{DF7E7D39-5AD4-455E-B980-770151F57357}" type="slidenum">
+              <a:rPr lang="en-US" altLang="en-US"/>
+              <a:pPr/>
+              <a:t>2</a:t>
+            </a:fld>
+            <a:endParaRPr lang="en-US" altLang="en-US"/>
+          </a:p>
+        </p:txBody>
+      </p:sp>
+      <p:sp>
+        <p:nvSpPr>
+          <p:cNvPr id="6145" name="Rectangle 1">
+            <a:extLst>
+              <a:ext uri="{FF2B5EF4-FFF2-40B4-BE49-F238E27FC236}">
+                <a16:creationId xmlns:a16="http://schemas.microsoft.com/office/drawing/2014/main" id="{E9876B2A-6AFF-6E85-EBFA-9C120561A273}"/>
+              </a:ext>
+            </a:extLst>
+          </p:cNvPr>
+          <p:cNvSpPr txBox="1">
+            <a:spLocks noGrp="1" noRot="1" noChangeAspect="1" noChangeArrowheads="1"/>
+          </p:cNvSpPr>
+          <p:nvPr>
+            <p:ph type="sldImg"/>
+          </p:nvPr>
+        </p:nvSpPr>
+        <p:spPr bwMode="auto">
+          <a:xfrm>
+            <a:off x="2205038" y="685800"/>
+            <a:ext cx="2447925" cy="3429000"/>
+          </a:xfrm>
+          <a:prstGeom prst="rect">
+            <a:avLst/>
+          </a:prstGeom>
+          <a:solidFill>
+            <a:srgbClr val="FFFFFF"/>
+          </a:solidFill>
+          <a:ln>
+            <a:solidFill>
+              <a:srgbClr val="000000"/>
+            </a:solidFill>
+            <a:miter lim="800000"/>
+            <a:headEnd/>
+            <a:tailEnd/>
+          </a:ln>
+          <a:extLst>
+            <a:ext uri="{AF507438-7753-43E0-B8FC-AC1667EBCBE1}">
+              <a14:hiddenEffects xmlns:a14="http://schemas.microsoft.com/office/drawing/2010/main">
+                <a:effectLst>
+                  <a:outerShdw dist="35921" dir="2700000" algn="ctr" rotWithShape="0">
+                    <a:srgbClr val="808080"/>
+                  </a:outerShdw>
+                </a:effectLst>
+              </a14:hiddenEffects>
+            </a:ext>
+          </a:extLst>
+        </p:spPr>
+      </p:sp>
+      <p:sp>
+        <p:nvSpPr>
+          <p:cNvPr id="6146" name="Rectangle 2">
+            <a:extLst>
+              <a:ext uri="{FF2B5EF4-FFF2-40B4-BE49-F238E27FC236}">
+                <a16:creationId xmlns:a16="http://schemas.microsoft.com/office/drawing/2014/main" id="{30B6181E-D542-BA3E-B6F9-9565CFF32D6A}"/>
+              </a:ext>
+            </a:extLst>
+          </p:cNvPr>
+          <p:cNvSpPr txBox="1">
+            <a:spLocks noGrp="1" noChangeArrowheads="1"/>
+          </p:cNvSpPr>
+          <p:nvPr>
+            <p:ph type="body" idx="1"/>
+          </p:nvPr>
+        </p:nvSpPr>
+        <p:spPr bwMode="auto">
+          <a:xfrm>
+            <a:off x="685800" y="4343400"/>
+            <a:ext cx="5486400" cy="4114800"/>
+          </a:xfrm>
+          <a:prstGeom prst="rect">
+            <a:avLst/>
+          </a:prstGeom>
+          <a:noFill/>
+          <a:ln/>
+          <a:extLst>
+            <a:ext uri="{909E8E84-426E-40DD-AFC4-6F175D3DCCD1}">
+              <a14:hiddenFill xmlns:a14="http://schemas.microsoft.com/office/drawing/2010/main">
+                <a:solidFill>
+                  <a:srgbClr val="FFFFFF"/>
+                </a:solidFill>
+              </a14:hiddenFill>
+            </a:ext>
+            <a:ext uri="{91240B29-F687-4F45-9708-019B960494DF}">
+              <a14:hiddenLine xmlns:a14="http://schemas.microsoft.com/office/drawing/2010/main" w="9525" cap="flat">
+                <a:solidFill>
+                  <a:srgbClr val="3465A4"/>
+                </a:solidFill>
+                <a:round/>
+                <a:headEnd/>
+                <a:tailEnd/>
+              </a14:hiddenLine>
+            </a:ext>
+            <a:ext uri="{AF507438-7753-43E0-B8FC-AC1667EBCBE1}">
+              <a14:hiddenEffects xmlns:a14="http://schemas.microsoft.com/office/drawing/2010/main">
+                <a:effectLst>
+                  <a:outerShdw dist="35921" dir="2700000" algn="ctr" rotWithShape="0">
+                    <a:srgbClr val="808080"/>
+                  </a:outerShdw>
+                </a:effectLst>
+              </a14:hiddenEffects>
+            </a:ext>
+          </a:extLst>
+        </p:spPr>
+        <p:txBody>
+          <a:bodyPr wrap="none" anchor="ctr"/>
+          <a:lstStyle/>
+          <a:p>
+            <a:endParaRPr lang="en-US" altLang="en-US"/>
+          </a:p>
+        </p:txBody>
+      </p:sp>
+      <p:sp>
+        <p:nvSpPr>
+          <p:cNvPr id="6147" name="Text Box 3">
+            <a:extLst>
+              <a:ext uri="{FF2B5EF4-FFF2-40B4-BE49-F238E27FC236}">
+                <a16:creationId xmlns:a16="http://schemas.microsoft.com/office/drawing/2014/main" id="{7D1551BD-66A9-582D-D196-0400D8A56549}"/>
+              </a:ext>
+            </a:extLst>
+          </p:cNvPr>
+          <p:cNvSpPr txBox="1">
+            <a:spLocks noChangeArrowheads="1"/>
+          </p:cNvSpPr>
+          <p:nvPr/>
+        </p:nvSpPr>
+        <p:spPr bwMode="auto">
+          <a:xfrm>
+            <a:off x="3884613" y="8685213"/>
+            <a:ext cx="2971800" cy="457200"/>
+          </a:xfrm>
+          <a:prstGeom prst="rect">
+            <a:avLst/>
+          </a:prstGeom>
+          <a:noFill/>
+          <a:ln>
+            <a:noFill/>
+          </a:ln>
+          <a:effectLst/>
+          <a:extLst>
+            <a:ext uri="{909E8E84-426E-40DD-AFC4-6F175D3DCCD1}">
+              <a14:hiddenFill xmlns:a14="http://schemas.microsoft.com/office/drawing/2010/main">
+                <a:solidFill>
+                  <a:srgbClr val="FFFFFF"/>
+                </a:solidFill>
+              </a14:hiddenFill>
+            </a:ext>
+            <a:ext uri="{91240B29-F687-4F45-9708-019B960494DF}">
+              <a14:hiddenLine xmlns:a14="http://schemas.microsoft.com/office/drawing/2010/main" w="9525" cap="flat">
+                <a:solidFill>
+                  <a:srgbClr val="3465A4"/>
+                </a:solidFill>
+                <a:round/>
+                <a:headEnd/>
+                <a:tailEnd/>
+              </a14:hiddenLine>
+            </a:ext>
+            <a:ext uri="{AF507438-7753-43E0-B8FC-AC1667EBCBE1}">
+              <a14:hiddenEffects xmlns:a14="http://schemas.microsoft.com/office/drawing/2010/main">
+                <a:effectLst>
+                  <a:outerShdw dist="35921" dir="2700000" algn="ctr" rotWithShape="0">
+                    <a:srgbClr val="808080"/>
+                  </a:outerShdw>
+                </a:effectLst>
+              </a14:hiddenEffects>
+            </a:ext>
+          </a:extLst>
+        </p:spPr>
+        <p:txBody>
+          <a:bodyPr lIns="90000" tIns="46800" rIns="90000" bIns="46800" anchor="b"/>
+          <a:lstStyle>
+            <a:lvl1pPr>
+              <a:tabLst>
+                <a:tab pos="0" algn="l"/>
+                <a:tab pos="914400" algn="l"/>
+                <a:tab pos="1828800" algn="l"/>
+                <a:tab pos="2743200" algn="l"/>
+                <a:tab pos="3657600" algn="l"/>
+                <a:tab pos="4572000" algn="l"/>
+                <a:tab pos="5486400" algn="l"/>
+                <a:tab pos="6400800" algn="l"/>
+                <a:tab pos="7315200" algn="l"/>
+                <a:tab pos="8229600" algn="l"/>
+                <a:tab pos="9144000" algn="l"/>
+                <a:tab pos="10058400" algn="l"/>
+              </a:tabLst>
+              <a:defRPr sz="7800">
+                <a:solidFill>
+                  <a:srgbClr val="000000"/>
+                </a:solidFill>
+                <a:latin typeface="Arial" panose="020B0604020202020204" pitchFamily="34" charset="0"/>
+                <a:ea typeface="ＭＳ Ｐゴシック" panose="020B0600070205080204" pitchFamily="34" charset="-128"/>
+              </a:defRPr>
+            </a:lvl1pPr>
+            <a:lvl2pPr>
+              <a:tabLst>
+                <a:tab pos="0" algn="l"/>
+                <a:tab pos="914400" algn="l"/>
+                <a:tab pos="1828800" algn="l"/>
+                <a:tab pos="2743200" algn="l"/>
+                <a:tab pos="3657600" algn="l"/>
+                <a:tab pos="4572000" algn="l"/>
+                <a:tab pos="5486400" algn="l"/>
+                <a:tab pos="6400800" algn="l"/>
+                <a:tab pos="7315200" algn="l"/>
+                <a:tab pos="8229600" algn="l"/>
+                <a:tab pos="9144000" algn="l"/>
+                <a:tab pos="10058400" algn="l"/>
+              </a:tabLst>
+              <a:defRPr sz="7800">
+                <a:solidFill>
+                  <a:srgbClr val="000000"/>
+                </a:solidFill>
+                <a:latin typeface="Arial" panose="020B0604020202020204" pitchFamily="34" charset="0"/>
+                <a:ea typeface="ＭＳ Ｐゴシック" panose="020B0600070205080204" pitchFamily="34" charset="-128"/>
+              </a:defRPr>
+            </a:lvl2pPr>
+            <a:lvl3pPr>
+              <a:tabLst>
+                <a:tab pos="0" algn="l"/>
+                <a:tab pos="914400" algn="l"/>
+                <a:tab pos="1828800" algn="l"/>
+                <a:tab pos="2743200" algn="l"/>
+                <a:tab pos="3657600" algn="l"/>
+                <a:tab pos="4572000" algn="l"/>
+                <a:tab pos="5486400" algn="l"/>
+                <a:tab pos="6400800" algn="l"/>
+                <a:tab pos="7315200" algn="l"/>
+                <a:tab pos="8229600" algn="l"/>
+                <a:tab pos="9144000" algn="l"/>
+                <a:tab pos="10058400" algn="l"/>
+              </a:tabLst>
+              <a:defRPr sz="7800">
+                <a:solidFill>
+                  <a:srgbClr val="000000"/>
+                </a:solidFill>
+                <a:latin typeface="Arial" panose="020B0604020202020204" pitchFamily="34" charset="0"/>
+                <a:ea typeface="ＭＳ Ｐゴシック" panose="020B0600070205080204" pitchFamily="34" charset="-128"/>
+              </a:defRPr>
+            </a:lvl3pPr>
+            <a:lvl4pPr>
+              <a:tabLst>
+                <a:tab pos="0" algn="l"/>
+                <a:tab pos="914400" algn="l"/>
+                <a:tab pos="1828800" algn="l"/>
+                <a:tab pos="2743200" algn="l"/>
+                <a:tab pos="3657600" algn="l"/>
+                <a:tab pos="4572000" algn="l"/>
+                <a:tab pos="5486400" algn="l"/>
+                <a:tab pos="6400800" algn="l"/>
+                <a:tab pos="7315200" algn="l"/>
+                <a:tab pos="8229600" algn="l"/>
+                <a:tab pos="9144000" algn="l"/>
+                <a:tab pos="10058400" algn="l"/>
+              </a:tabLst>
+              <a:defRPr sz="7800">
+                <a:solidFill>
+                  <a:srgbClr val="000000"/>
+                </a:solidFill>
+                <a:latin typeface="Arial" panose="020B0604020202020204" pitchFamily="34" charset="0"/>
+                <a:ea typeface="ＭＳ Ｐゴシック" panose="020B0600070205080204" pitchFamily="34" charset="-128"/>
+              </a:defRPr>
+            </a:lvl4pPr>
+            <a:lvl5pPr>
+              <a:tabLst>
+                <a:tab pos="0" algn="l"/>
+                <a:tab pos="914400" algn="l"/>
+                <a:tab pos="1828800" algn="l"/>
+                <a:tab pos="2743200" algn="l"/>
+                <a:tab pos="3657600" algn="l"/>
+                <a:tab pos="4572000" algn="l"/>
+                <a:tab pos="5486400" algn="l"/>
+                <a:tab pos="6400800" algn="l"/>
+                <a:tab pos="7315200" algn="l"/>
+                <a:tab pos="8229600" algn="l"/>
+                <a:tab pos="9144000" algn="l"/>
+                <a:tab pos="10058400" algn="l"/>
+              </a:tabLst>
+              <a:defRPr sz="7800">
+                <a:solidFill>
+                  <a:srgbClr val="000000"/>
+                </a:solidFill>
+                <a:latin typeface="Arial" panose="020B0604020202020204" pitchFamily="34" charset="0"/>
+                <a:ea typeface="ＭＳ Ｐゴシック" panose="020B0600070205080204" pitchFamily="34" charset="-128"/>
+              </a:defRPr>
+            </a:lvl5pPr>
+            <a:lvl6pPr marL="2514600" indent="-228600" defTabSz="449263" eaLnBrk="0" fontAlgn="base" hangingPunct="0">
+              <a:spcBef>
+                <a:spcPct val="0"/>
+              </a:spcBef>
+              <a:spcAft>
+                <a:spcPct val="0"/>
+              </a:spcAft>
+              <a:buClr>
+                <a:srgbClr val="000000"/>
+              </a:buClr>
+              <a:buSzPct val="100000"/>
+              <a:buFont typeface="Times New Roman" panose="02020603050405020304" pitchFamily="18" charset="0"/>
+              <a:tabLst>
+                <a:tab pos="0" algn="l"/>
+                <a:tab pos="914400" algn="l"/>
+                <a:tab pos="1828800" algn="l"/>
+                <a:tab pos="2743200" algn="l"/>
+                <a:tab pos="3657600" algn="l"/>
+                <a:tab pos="4572000" algn="l"/>
+                <a:tab pos="5486400" algn="l"/>
+                <a:tab pos="6400800" algn="l"/>
+                <a:tab pos="7315200" algn="l"/>
+                <a:tab pos="8229600" algn="l"/>
+                <a:tab pos="9144000" algn="l"/>
+                <a:tab pos="10058400" algn="l"/>
+              </a:tabLst>
+              <a:defRPr sz="7800">
+                <a:solidFill>
+                  <a:srgbClr val="000000"/>
+                </a:solidFill>
+                <a:latin typeface="Arial" panose="020B0604020202020204" pitchFamily="34" charset="0"/>
+                <a:ea typeface="ＭＳ Ｐゴシック" panose="020B0600070205080204" pitchFamily="34" charset="-128"/>
+              </a:defRPr>
+            </a:lvl6pPr>
+            <a:lvl7pPr marL="2971800" indent="-228600" defTabSz="449263" eaLnBrk="0" fontAlgn="base" hangingPunct="0">
+              <a:spcBef>
+                <a:spcPct val="0"/>
+              </a:spcBef>
+              <a:spcAft>
+                <a:spcPct val="0"/>
+              </a:spcAft>
+              <a:buClr>
+                <a:srgbClr val="000000"/>
+              </a:buClr>
+              <a:buSzPct val="100000"/>
+              <a:buFont typeface="Times New Roman" panose="02020603050405020304" pitchFamily="18" charset="0"/>
+              <a:tabLst>
+                <a:tab pos="0" algn="l"/>
+                <a:tab pos="914400" algn="l"/>
+                <a:tab pos="1828800" algn="l"/>
+                <a:tab pos="2743200" algn="l"/>
+                <a:tab pos="3657600" algn="l"/>
+                <a:tab pos="4572000" algn="l"/>
+                <a:tab pos="5486400" algn="l"/>
+                <a:tab pos="6400800" algn="l"/>
+                <a:tab pos="7315200" algn="l"/>
+                <a:tab pos="8229600" algn="l"/>
+                <a:tab pos="9144000" algn="l"/>
+                <a:tab pos="10058400" algn="l"/>
+              </a:tabLst>
+              <a:defRPr sz="7800">
+                <a:solidFill>
+                  <a:srgbClr val="000000"/>
+                </a:solidFill>
+                <a:latin typeface="Arial" panose="020B0604020202020204" pitchFamily="34" charset="0"/>
+                <a:ea typeface="ＭＳ Ｐゴシック" panose="020B0600070205080204" pitchFamily="34" charset="-128"/>
+              </a:defRPr>
+            </a:lvl7pPr>
+            <a:lvl8pPr marL="3429000" indent="-228600" defTabSz="449263" eaLnBrk="0" fontAlgn="base" hangingPunct="0">
+              <a:spcBef>
+                <a:spcPct val="0"/>
+              </a:spcBef>
+              <a:spcAft>
+                <a:spcPct val="0"/>
+              </a:spcAft>
+              <a:buClr>
+                <a:srgbClr val="000000"/>
+              </a:buClr>
+              <a:buSzPct val="100000"/>
+              <a:buFont typeface="Times New Roman" panose="02020603050405020304" pitchFamily="18" charset="0"/>
+              <a:tabLst>
+                <a:tab pos="0" algn="l"/>
+                <a:tab pos="914400" algn="l"/>
+                <a:tab pos="1828800" algn="l"/>
+                <a:tab pos="2743200" algn="l"/>
+                <a:tab pos="3657600" algn="l"/>
+                <a:tab pos="4572000" algn="l"/>
+                <a:tab pos="5486400" algn="l"/>
+                <a:tab pos="6400800" algn="l"/>
+                <a:tab pos="7315200" algn="l"/>
+                <a:tab pos="8229600" algn="l"/>
+                <a:tab pos="9144000" algn="l"/>
+                <a:tab pos="10058400" algn="l"/>
+              </a:tabLst>
+              <a:defRPr sz="7800">
+                <a:solidFill>
+                  <a:srgbClr val="000000"/>
+                </a:solidFill>
+                <a:latin typeface="Arial" panose="020B0604020202020204" pitchFamily="34" charset="0"/>
+                <a:ea typeface="ＭＳ Ｐゴシック" panose="020B0600070205080204" pitchFamily="34" charset="-128"/>
+              </a:defRPr>
+            </a:lvl8pPr>
+            <a:lvl9pPr marL="3886200" indent="-228600" defTabSz="449263" eaLnBrk="0" fontAlgn="base" hangingPunct="0">
+              <a:spcBef>
+                <a:spcPct val="0"/>
+              </a:spcBef>
+              <a:spcAft>
+                <a:spcPct val="0"/>
+              </a:spcAft>
+              <a:buClr>
+                <a:srgbClr val="000000"/>
+              </a:buClr>
+              <a:buSzPct val="100000"/>
+              <a:buFont typeface="Times New Roman" panose="02020603050405020304" pitchFamily="18" charset="0"/>
+              <a:tabLst>
+                <a:tab pos="0" algn="l"/>
+                <a:tab pos="914400" algn="l"/>
+                <a:tab pos="1828800" algn="l"/>
+                <a:tab pos="2743200" algn="l"/>
+                <a:tab pos="3657600" algn="l"/>
+                <a:tab pos="4572000" algn="l"/>
+                <a:tab pos="5486400" algn="l"/>
+                <a:tab pos="6400800" algn="l"/>
+                <a:tab pos="7315200" algn="l"/>
+                <a:tab pos="8229600" algn="l"/>
+                <a:tab pos="9144000" algn="l"/>
+                <a:tab pos="10058400" algn="l"/>
+              </a:tabLst>
+              <a:defRPr sz="7800">
+                <a:solidFill>
+                  <a:srgbClr val="000000"/>
+                </a:solidFill>
+                <a:latin typeface="Arial" panose="020B0604020202020204" pitchFamily="34" charset="0"/>
+                <a:ea typeface="ＭＳ Ｐゴシック" panose="020B0600070205080204" pitchFamily="34" charset="-128"/>
+              </a:defRPr>
+            </a:lvl9pPr>
+          </a:lstStyle>
+          <a:p>
+            <a:pPr algn="r" eaLnBrk="1" hangingPunct="1">
+              <a:buClrTx/>
+              <a:buFontTx/>
+              <a:buNone/>
+            </a:pPr>
+            <a:fld id="{B028D3B8-C761-4C87-9198-D1E7745DDA92}" type="slidenum">
+              <a:rPr lang="en-US" altLang="en-US" sz="1200">
+                <a:cs typeface="Arial" panose="020B0604020202020204" pitchFamily="34" charset="0"/>
+              </a:rPr>
+              <a:pPr algn="r" eaLnBrk="1" hangingPunct="1">
+                <a:buClrTx/>
+                <a:buFontTx/>
+                <a:buNone/>
+              </a:pPr>
+              <a:t>2</a:t>
+            </a:fld>
+            <a:endParaRPr lang="en-US" altLang="en-US" sz="1200">
+              <a:cs typeface="Arial" panose="020B0604020202020204" pitchFamily="34" charset="0"/>
+            </a:endParaRPr>
+          </a:p>
+        </p:txBody>
+      </p:sp>
+    </p:spTree>
+    <p:extLst>
+      <p:ext uri="{BB962C8B-B14F-4D97-AF65-F5344CB8AC3E}">
+        <p14:creationId xmlns:p14="http://schemas.microsoft.com/office/powerpoint/2010/main" val="2472329239"/>
       </p:ext>
     </p:extLst>
   </p:cSld>
@@ -1966,7 +2488,7 @@
           <a:p>
             <a:fld id="{C764DE79-268F-4C1A-8933-263129D2AF90}" type="datetimeFigureOut">
               <a:rPr lang="en-US" dirty="0"/>
-              <a:t>3/5/2025</a:t>
+              <a:t>3/14/2025</a:t>
             </a:fld>
             <a:endParaRPr lang="en-US" dirty="0"/>
           </a:p>
@@ -2352,7 +2874,7 @@
         <p:cNvPr id="1" name="">
           <a:extLst>
             <a:ext uri="{FF2B5EF4-FFF2-40B4-BE49-F238E27FC236}">
-              <a16:creationId xmlns:a16="http://schemas.microsoft.com/office/drawing/2014/main" id="{D80E7A89-2B67-F194-CF22-884B890124F4}"/>
+              <a16:creationId xmlns:a16="http://schemas.microsoft.com/office/drawing/2014/main" id="{C077523A-3B1C-4D27-F088-6483024B4C7D}"/>
             </a:ext>
           </a:extLst>
         </p:cNvPr>
@@ -2369,10 +2891,679 @@
       </p:grpSpPr>
       <p:sp>
         <p:nvSpPr>
+          <p:cNvPr id="11" name="Text Box 8">
+            <a:extLst>
+              <a:ext uri="{FF2B5EF4-FFF2-40B4-BE49-F238E27FC236}">
+                <a16:creationId xmlns:a16="http://schemas.microsoft.com/office/drawing/2014/main" id="{11A7660F-8572-9AA5-7A15-C7C047D82F05}"/>
+              </a:ext>
+            </a:extLst>
+          </p:cNvPr>
+          <p:cNvSpPr txBox="1">
+            <a:spLocks noChangeArrowheads="1"/>
+          </p:cNvSpPr>
+          <p:nvPr/>
+        </p:nvSpPr>
+        <p:spPr bwMode="auto">
+          <a:xfrm>
+            <a:off x="352909" y="3644931"/>
+            <a:ext cx="8496000" cy="4609348"/>
+          </a:xfrm>
+          <a:prstGeom prst="rect">
+            <a:avLst/>
+          </a:prstGeom>
+          <a:noFill/>
+          <a:ln>
+            <a:noFill/>
+          </a:ln>
+          <a:effectLst/>
+          <a:extLst>
+            <a:ext uri="{909E8E84-426E-40DD-AFC4-6F175D3DCCD1}">
+              <a14:hiddenFill xmlns:a14="http://schemas.microsoft.com/office/drawing/2010/main">
+                <a:solidFill>
+                  <a:srgbClr val="FFFFFF"/>
+                </a:solidFill>
+              </a14:hiddenFill>
+            </a:ext>
+            <a:ext uri="{91240B29-F687-4F45-9708-019B960494DF}">
+              <a14:hiddenLine xmlns:a14="http://schemas.microsoft.com/office/drawing/2010/main" w="9525" cap="flat">
+                <a:solidFill>
+                  <a:srgbClr val="3465A4"/>
+                </a:solidFill>
+                <a:round/>
+                <a:headEnd/>
+                <a:tailEnd/>
+              </a14:hiddenLine>
+            </a:ext>
+            <a:ext uri="{AF507438-7753-43E0-B8FC-AC1667EBCBE1}">
+              <a14:hiddenEffects xmlns:a14="http://schemas.microsoft.com/office/drawing/2010/main">
+                <a:effectLst>
+                  <a:outerShdw dist="35921" dir="2700000" algn="ctr" rotWithShape="0">
+                    <a:srgbClr val="808080"/>
+                  </a:outerShdw>
+                </a:effectLst>
+              </a14:hiddenEffects>
+            </a:ext>
+          </a:extLst>
+        </p:spPr>
+        <p:txBody>
+          <a:bodyPr wrap="square" lIns="175649" tIns="87825" rIns="175649" bIns="87825">
+            <a:spAutoFit/>
+          </a:bodyPr>
+          <a:lstStyle>
+            <a:lvl1pPr marL="512763" indent="-512763">
+              <a:tabLst>
+                <a:tab pos="512763" algn="l"/>
+                <a:tab pos="1427163" algn="l"/>
+                <a:tab pos="2341563" algn="l"/>
+                <a:tab pos="3255963" algn="l"/>
+                <a:tab pos="4170363" algn="l"/>
+                <a:tab pos="5084763" algn="l"/>
+                <a:tab pos="5999163" algn="l"/>
+                <a:tab pos="6913563" algn="l"/>
+                <a:tab pos="7827963" algn="l"/>
+                <a:tab pos="8742363" algn="l"/>
+                <a:tab pos="9656763" algn="l"/>
+                <a:tab pos="10571163" algn="l"/>
+                <a:tab pos="10782300" algn="l"/>
+                <a:tab pos="11231563" algn="l"/>
+                <a:tab pos="11680825" algn="l"/>
+                <a:tab pos="12130088" algn="l"/>
+                <a:tab pos="12579350" algn="l"/>
+                <a:tab pos="13028613" algn="l"/>
+                <a:tab pos="13477875" algn="l"/>
+                <a:tab pos="13927138" algn="l"/>
+                <a:tab pos="14376400" algn="l"/>
+                <a:tab pos="14825663" algn="l"/>
+                <a:tab pos="15274925" algn="l"/>
+              </a:tabLst>
+              <a:defRPr sz="7800">
+                <a:solidFill>
+                  <a:srgbClr val="000000"/>
+                </a:solidFill>
+                <a:latin typeface="Arial" panose="020B0604020202020204" pitchFamily="34" charset="0"/>
+                <a:ea typeface="ＭＳ Ｐゴシック" panose="020B0600070205080204" pitchFamily="34" charset="-128"/>
+              </a:defRPr>
+            </a:lvl1pPr>
+            <a:lvl2pPr>
+              <a:tabLst>
+                <a:tab pos="512763" algn="l"/>
+                <a:tab pos="1427163" algn="l"/>
+                <a:tab pos="2341563" algn="l"/>
+                <a:tab pos="3255963" algn="l"/>
+                <a:tab pos="4170363" algn="l"/>
+                <a:tab pos="5084763" algn="l"/>
+                <a:tab pos="5999163" algn="l"/>
+                <a:tab pos="6913563" algn="l"/>
+                <a:tab pos="7827963" algn="l"/>
+                <a:tab pos="8742363" algn="l"/>
+                <a:tab pos="9656763" algn="l"/>
+                <a:tab pos="10571163" algn="l"/>
+                <a:tab pos="10782300" algn="l"/>
+                <a:tab pos="11231563" algn="l"/>
+                <a:tab pos="11680825" algn="l"/>
+                <a:tab pos="12130088" algn="l"/>
+                <a:tab pos="12579350" algn="l"/>
+                <a:tab pos="13028613" algn="l"/>
+                <a:tab pos="13477875" algn="l"/>
+                <a:tab pos="13927138" algn="l"/>
+                <a:tab pos="14376400" algn="l"/>
+                <a:tab pos="14825663" algn="l"/>
+                <a:tab pos="15274925" algn="l"/>
+              </a:tabLst>
+              <a:defRPr sz="7800">
+                <a:solidFill>
+                  <a:srgbClr val="000000"/>
+                </a:solidFill>
+                <a:latin typeface="Arial" panose="020B0604020202020204" pitchFamily="34" charset="0"/>
+                <a:ea typeface="ＭＳ Ｐゴシック" panose="020B0600070205080204" pitchFamily="34" charset="-128"/>
+              </a:defRPr>
+            </a:lvl2pPr>
+            <a:lvl3pPr>
+              <a:tabLst>
+                <a:tab pos="512763" algn="l"/>
+                <a:tab pos="1427163" algn="l"/>
+                <a:tab pos="2341563" algn="l"/>
+                <a:tab pos="3255963" algn="l"/>
+                <a:tab pos="4170363" algn="l"/>
+                <a:tab pos="5084763" algn="l"/>
+                <a:tab pos="5999163" algn="l"/>
+                <a:tab pos="6913563" algn="l"/>
+                <a:tab pos="7827963" algn="l"/>
+                <a:tab pos="8742363" algn="l"/>
+                <a:tab pos="9656763" algn="l"/>
+                <a:tab pos="10571163" algn="l"/>
+                <a:tab pos="10782300" algn="l"/>
+                <a:tab pos="11231563" algn="l"/>
+                <a:tab pos="11680825" algn="l"/>
+                <a:tab pos="12130088" algn="l"/>
+                <a:tab pos="12579350" algn="l"/>
+                <a:tab pos="13028613" algn="l"/>
+                <a:tab pos="13477875" algn="l"/>
+                <a:tab pos="13927138" algn="l"/>
+                <a:tab pos="14376400" algn="l"/>
+                <a:tab pos="14825663" algn="l"/>
+                <a:tab pos="15274925" algn="l"/>
+              </a:tabLst>
+              <a:defRPr sz="7800">
+                <a:solidFill>
+                  <a:srgbClr val="000000"/>
+                </a:solidFill>
+                <a:latin typeface="Arial" panose="020B0604020202020204" pitchFamily="34" charset="0"/>
+                <a:ea typeface="ＭＳ Ｐゴシック" panose="020B0600070205080204" pitchFamily="34" charset="-128"/>
+              </a:defRPr>
+            </a:lvl3pPr>
+            <a:lvl4pPr>
+              <a:tabLst>
+                <a:tab pos="512763" algn="l"/>
+                <a:tab pos="1427163" algn="l"/>
+                <a:tab pos="2341563" algn="l"/>
+                <a:tab pos="3255963" algn="l"/>
+                <a:tab pos="4170363" algn="l"/>
+                <a:tab pos="5084763" algn="l"/>
+                <a:tab pos="5999163" algn="l"/>
+                <a:tab pos="6913563" algn="l"/>
+                <a:tab pos="7827963" algn="l"/>
+                <a:tab pos="8742363" algn="l"/>
+                <a:tab pos="9656763" algn="l"/>
+                <a:tab pos="10571163" algn="l"/>
+                <a:tab pos="10782300" algn="l"/>
+                <a:tab pos="11231563" algn="l"/>
+                <a:tab pos="11680825" algn="l"/>
+                <a:tab pos="12130088" algn="l"/>
+                <a:tab pos="12579350" algn="l"/>
+                <a:tab pos="13028613" algn="l"/>
+                <a:tab pos="13477875" algn="l"/>
+                <a:tab pos="13927138" algn="l"/>
+                <a:tab pos="14376400" algn="l"/>
+                <a:tab pos="14825663" algn="l"/>
+                <a:tab pos="15274925" algn="l"/>
+              </a:tabLst>
+              <a:defRPr sz="7800">
+                <a:solidFill>
+                  <a:srgbClr val="000000"/>
+                </a:solidFill>
+                <a:latin typeface="Arial" panose="020B0604020202020204" pitchFamily="34" charset="0"/>
+                <a:ea typeface="ＭＳ Ｐゴシック" panose="020B0600070205080204" pitchFamily="34" charset="-128"/>
+              </a:defRPr>
+            </a:lvl4pPr>
+            <a:lvl5pPr>
+              <a:tabLst>
+                <a:tab pos="512763" algn="l"/>
+                <a:tab pos="1427163" algn="l"/>
+                <a:tab pos="2341563" algn="l"/>
+                <a:tab pos="3255963" algn="l"/>
+                <a:tab pos="4170363" algn="l"/>
+                <a:tab pos="5084763" algn="l"/>
+                <a:tab pos="5999163" algn="l"/>
+                <a:tab pos="6913563" algn="l"/>
+                <a:tab pos="7827963" algn="l"/>
+                <a:tab pos="8742363" algn="l"/>
+                <a:tab pos="9656763" algn="l"/>
+                <a:tab pos="10571163" algn="l"/>
+                <a:tab pos="10782300" algn="l"/>
+                <a:tab pos="11231563" algn="l"/>
+                <a:tab pos="11680825" algn="l"/>
+                <a:tab pos="12130088" algn="l"/>
+                <a:tab pos="12579350" algn="l"/>
+                <a:tab pos="13028613" algn="l"/>
+                <a:tab pos="13477875" algn="l"/>
+                <a:tab pos="13927138" algn="l"/>
+                <a:tab pos="14376400" algn="l"/>
+                <a:tab pos="14825663" algn="l"/>
+                <a:tab pos="15274925" algn="l"/>
+              </a:tabLst>
+              <a:defRPr sz="7800">
+                <a:solidFill>
+                  <a:srgbClr val="000000"/>
+                </a:solidFill>
+                <a:latin typeface="Arial" panose="020B0604020202020204" pitchFamily="34" charset="0"/>
+                <a:ea typeface="ＭＳ Ｐゴシック" panose="020B0600070205080204" pitchFamily="34" charset="-128"/>
+              </a:defRPr>
+            </a:lvl5pPr>
+            <a:lvl6pPr marL="2514600" indent="-228600" defTabSz="449263" eaLnBrk="0" fontAlgn="base" hangingPunct="0">
+              <a:spcBef>
+                <a:spcPct val="0"/>
+              </a:spcBef>
+              <a:spcAft>
+                <a:spcPct val="0"/>
+              </a:spcAft>
+              <a:buClr>
+                <a:srgbClr val="000000"/>
+              </a:buClr>
+              <a:buSzPct val="100000"/>
+              <a:buFont typeface="Times New Roman" panose="02020603050405020304" pitchFamily="18" charset="0"/>
+              <a:tabLst>
+                <a:tab pos="512763" algn="l"/>
+                <a:tab pos="1427163" algn="l"/>
+                <a:tab pos="2341563" algn="l"/>
+                <a:tab pos="3255963" algn="l"/>
+                <a:tab pos="4170363" algn="l"/>
+                <a:tab pos="5084763" algn="l"/>
+                <a:tab pos="5999163" algn="l"/>
+                <a:tab pos="6913563" algn="l"/>
+                <a:tab pos="7827963" algn="l"/>
+                <a:tab pos="8742363" algn="l"/>
+                <a:tab pos="9656763" algn="l"/>
+                <a:tab pos="10571163" algn="l"/>
+                <a:tab pos="10782300" algn="l"/>
+                <a:tab pos="11231563" algn="l"/>
+                <a:tab pos="11680825" algn="l"/>
+                <a:tab pos="12130088" algn="l"/>
+                <a:tab pos="12579350" algn="l"/>
+                <a:tab pos="13028613" algn="l"/>
+                <a:tab pos="13477875" algn="l"/>
+                <a:tab pos="13927138" algn="l"/>
+                <a:tab pos="14376400" algn="l"/>
+                <a:tab pos="14825663" algn="l"/>
+                <a:tab pos="15274925" algn="l"/>
+              </a:tabLst>
+              <a:defRPr sz="7800">
+                <a:solidFill>
+                  <a:srgbClr val="000000"/>
+                </a:solidFill>
+                <a:latin typeface="Arial" panose="020B0604020202020204" pitchFamily="34" charset="0"/>
+                <a:ea typeface="ＭＳ Ｐゴシック" panose="020B0600070205080204" pitchFamily="34" charset="-128"/>
+              </a:defRPr>
+            </a:lvl6pPr>
+            <a:lvl7pPr marL="2971800" indent="-228600" defTabSz="449263" eaLnBrk="0" fontAlgn="base" hangingPunct="0">
+              <a:spcBef>
+                <a:spcPct val="0"/>
+              </a:spcBef>
+              <a:spcAft>
+                <a:spcPct val="0"/>
+              </a:spcAft>
+              <a:buClr>
+                <a:srgbClr val="000000"/>
+              </a:buClr>
+              <a:buSzPct val="100000"/>
+              <a:buFont typeface="Times New Roman" panose="02020603050405020304" pitchFamily="18" charset="0"/>
+              <a:tabLst>
+                <a:tab pos="512763" algn="l"/>
+                <a:tab pos="1427163" algn="l"/>
+                <a:tab pos="2341563" algn="l"/>
+                <a:tab pos="3255963" algn="l"/>
+                <a:tab pos="4170363" algn="l"/>
+                <a:tab pos="5084763" algn="l"/>
+                <a:tab pos="5999163" algn="l"/>
+                <a:tab pos="6913563" algn="l"/>
+                <a:tab pos="7827963" algn="l"/>
+                <a:tab pos="8742363" algn="l"/>
+                <a:tab pos="9656763" algn="l"/>
+                <a:tab pos="10571163" algn="l"/>
+                <a:tab pos="10782300" algn="l"/>
+                <a:tab pos="11231563" algn="l"/>
+                <a:tab pos="11680825" algn="l"/>
+                <a:tab pos="12130088" algn="l"/>
+                <a:tab pos="12579350" algn="l"/>
+                <a:tab pos="13028613" algn="l"/>
+                <a:tab pos="13477875" algn="l"/>
+                <a:tab pos="13927138" algn="l"/>
+                <a:tab pos="14376400" algn="l"/>
+                <a:tab pos="14825663" algn="l"/>
+                <a:tab pos="15274925" algn="l"/>
+              </a:tabLst>
+              <a:defRPr sz="7800">
+                <a:solidFill>
+                  <a:srgbClr val="000000"/>
+                </a:solidFill>
+                <a:latin typeface="Arial" panose="020B0604020202020204" pitchFamily="34" charset="0"/>
+                <a:ea typeface="ＭＳ Ｐゴシック" panose="020B0600070205080204" pitchFamily="34" charset="-128"/>
+              </a:defRPr>
+            </a:lvl7pPr>
+            <a:lvl8pPr marL="3429000" indent="-228600" defTabSz="449263" eaLnBrk="0" fontAlgn="base" hangingPunct="0">
+              <a:spcBef>
+                <a:spcPct val="0"/>
+              </a:spcBef>
+              <a:spcAft>
+                <a:spcPct val="0"/>
+              </a:spcAft>
+              <a:buClr>
+                <a:srgbClr val="000000"/>
+              </a:buClr>
+              <a:buSzPct val="100000"/>
+              <a:buFont typeface="Times New Roman" panose="02020603050405020304" pitchFamily="18" charset="0"/>
+              <a:tabLst>
+                <a:tab pos="512763" algn="l"/>
+                <a:tab pos="1427163" algn="l"/>
+                <a:tab pos="2341563" algn="l"/>
+                <a:tab pos="3255963" algn="l"/>
+                <a:tab pos="4170363" algn="l"/>
+                <a:tab pos="5084763" algn="l"/>
+                <a:tab pos="5999163" algn="l"/>
+                <a:tab pos="6913563" algn="l"/>
+                <a:tab pos="7827963" algn="l"/>
+                <a:tab pos="8742363" algn="l"/>
+                <a:tab pos="9656763" algn="l"/>
+                <a:tab pos="10571163" algn="l"/>
+                <a:tab pos="10782300" algn="l"/>
+                <a:tab pos="11231563" algn="l"/>
+                <a:tab pos="11680825" algn="l"/>
+                <a:tab pos="12130088" algn="l"/>
+                <a:tab pos="12579350" algn="l"/>
+                <a:tab pos="13028613" algn="l"/>
+                <a:tab pos="13477875" algn="l"/>
+                <a:tab pos="13927138" algn="l"/>
+                <a:tab pos="14376400" algn="l"/>
+                <a:tab pos="14825663" algn="l"/>
+                <a:tab pos="15274925" algn="l"/>
+              </a:tabLst>
+              <a:defRPr sz="7800">
+                <a:solidFill>
+                  <a:srgbClr val="000000"/>
+                </a:solidFill>
+                <a:latin typeface="Arial" panose="020B0604020202020204" pitchFamily="34" charset="0"/>
+                <a:ea typeface="ＭＳ Ｐゴシック" panose="020B0600070205080204" pitchFamily="34" charset="-128"/>
+              </a:defRPr>
+            </a:lvl8pPr>
+            <a:lvl9pPr marL="3886200" indent="-228600" defTabSz="449263" eaLnBrk="0" fontAlgn="base" hangingPunct="0">
+              <a:spcBef>
+                <a:spcPct val="0"/>
+              </a:spcBef>
+              <a:spcAft>
+                <a:spcPct val="0"/>
+              </a:spcAft>
+              <a:buClr>
+                <a:srgbClr val="000000"/>
+              </a:buClr>
+              <a:buSzPct val="100000"/>
+              <a:buFont typeface="Times New Roman" panose="02020603050405020304" pitchFamily="18" charset="0"/>
+              <a:tabLst>
+                <a:tab pos="512763" algn="l"/>
+                <a:tab pos="1427163" algn="l"/>
+                <a:tab pos="2341563" algn="l"/>
+                <a:tab pos="3255963" algn="l"/>
+                <a:tab pos="4170363" algn="l"/>
+                <a:tab pos="5084763" algn="l"/>
+                <a:tab pos="5999163" algn="l"/>
+                <a:tab pos="6913563" algn="l"/>
+                <a:tab pos="7827963" algn="l"/>
+                <a:tab pos="8742363" algn="l"/>
+                <a:tab pos="9656763" algn="l"/>
+                <a:tab pos="10571163" algn="l"/>
+                <a:tab pos="10782300" algn="l"/>
+                <a:tab pos="11231563" algn="l"/>
+                <a:tab pos="11680825" algn="l"/>
+                <a:tab pos="12130088" algn="l"/>
+                <a:tab pos="12579350" algn="l"/>
+                <a:tab pos="13028613" algn="l"/>
+                <a:tab pos="13477875" algn="l"/>
+                <a:tab pos="13927138" algn="l"/>
+                <a:tab pos="14376400" algn="l"/>
+                <a:tab pos="14825663" algn="l"/>
+                <a:tab pos="15274925" algn="l"/>
+              </a:tabLst>
+              <a:defRPr sz="7800">
+                <a:solidFill>
+                  <a:srgbClr val="000000"/>
+                </a:solidFill>
+                <a:latin typeface="Arial" panose="020B0604020202020204" pitchFamily="34" charset="0"/>
+                <a:ea typeface="ＭＳ Ｐゴシック" panose="020B0600070205080204" pitchFamily="34" charset="-128"/>
+              </a:defRPr>
+            </a:lvl9pPr>
+          </a:lstStyle>
+          <a:p>
+            <a:pPr>
+              <a:buFont typeface="Arial" panose="020B0604020202020204" pitchFamily="34" charset="0"/>
+              <a:buChar char="•"/>
+            </a:pPr>
+            <a:r>
+              <a:rPr lang="en-US" sz="2400" b="1" dirty="0">
+                <a:effectLst/>
+                <a:latin typeface="Arial Narrow" panose="020B0606020202030204" pitchFamily="34" charset="0"/>
+                <a:ea typeface="Cambria" panose="02040503050406030204" pitchFamily="18" charset="0"/>
+                <a:cs typeface="Times New Roman" panose="02020603050405020304" pitchFamily="18" charset="0"/>
+              </a:rPr>
+              <a:t>University Course Timetabling Problem </a:t>
+            </a:r>
+            <a:r>
+              <a:rPr lang="en-US" sz="2400" dirty="0">
+                <a:effectLst/>
+                <a:latin typeface="Arial Narrow" panose="020B0606020202030204" pitchFamily="34" charset="0"/>
+                <a:ea typeface="Cambria" panose="02040503050406030204" pitchFamily="18" charset="0"/>
+                <a:cs typeface="Times New Roman" panose="02020603050405020304" pitchFamily="18" charset="0"/>
+              </a:rPr>
+              <a:t>(UCTTP) is a complex combinatorial optimization problem that consists of allocating </a:t>
+            </a:r>
+            <a:r>
+              <a:rPr lang="en-US" sz="2400" u="sng" dirty="0">
+                <a:effectLst/>
+                <a:latin typeface="Arial Narrow" panose="020B0606020202030204" pitchFamily="34" charset="0"/>
+                <a:ea typeface="Cambria" panose="02040503050406030204" pitchFamily="18" charset="0"/>
+                <a:cs typeface="Times New Roman" panose="02020603050405020304" pitchFamily="18" charset="0"/>
+              </a:rPr>
+              <a:t>events</a:t>
+            </a:r>
+            <a:r>
+              <a:rPr lang="en-US" sz="2400" dirty="0">
+                <a:effectLst/>
+                <a:latin typeface="Arial Narrow" panose="020B0606020202030204" pitchFamily="34" charset="0"/>
+                <a:ea typeface="Cambria" panose="02040503050406030204" pitchFamily="18" charset="0"/>
+                <a:cs typeface="Times New Roman" panose="02020603050405020304" pitchFamily="18" charset="0"/>
+              </a:rPr>
+              <a:t>, </a:t>
+            </a:r>
+            <a:r>
+              <a:rPr lang="en-US" sz="2400" u="sng" dirty="0">
+                <a:effectLst/>
+                <a:latin typeface="Arial Narrow" panose="020B0606020202030204" pitchFamily="34" charset="0"/>
+                <a:ea typeface="Cambria" panose="02040503050406030204" pitchFamily="18" charset="0"/>
+                <a:cs typeface="Times New Roman" panose="02020603050405020304" pitchFamily="18" charset="0"/>
+              </a:rPr>
+              <a:t>rooms</a:t>
+            </a:r>
+            <a:r>
+              <a:rPr lang="en-US" sz="2400" dirty="0">
+                <a:effectLst/>
+                <a:latin typeface="Arial Narrow" panose="020B0606020202030204" pitchFamily="34" charset="0"/>
+                <a:ea typeface="Cambria" panose="02040503050406030204" pitchFamily="18" charset="0"/>
+                <a:cs typeface="Times New Roman" panose="02020603050405020304" pitchFamily="18" charset="0"/>
+              </a:rPr>
+              <a:t>, </a:t>
+            </a:r>
+            <a:r>
+              <a:rPr lang="en-US" sz="2400" u="sng" dirty="0">
+                <a:effectLst/>
+                <a:latin typeface="Arial Narrow" panose="020B0606020202030204" pitchFamily="34" charset="0"/>
+                <a:ea typeface="Cambria" panose="02040503050406030204" pitchFamily="18" charset="0"/>
+                <a:cs typeface="Times New Roman" panose="02020603050405020304" pitchFamily="18" charset="0"/>
+              </a:rPr>
+              <a:t>lecturers</a:t>
+            </a:r>
+            <a:r>
+              <a:rPr lang="en-US" sz="2400" dirty="0">
+                <a:effectLst/>
+                <a:latin typeface="Arial Narrow" panose="020B0606020202030204" pitchFamily="34" charset="0"/>
+                <a:ea typeface="Cambria" panose="02040503050406030204" pitchFamily="18" charset="0"/>
+                <a:cs typeface="Times New Roman" panose="02020603050405020304" pitchFamily="18" charset="0"/>
+              </a:rPr>
+              <a:t>, and </a:t>
+            </a:r>
+            <a:r>
+              <a:rPr lang="en-US" sz="2400" u="sng" dirty="0">
+                <a:effectLst/>
+                <a:latin typeface="Arial Narrow" panose="020B0606020202030204" pitchFamily="34" charset="0"/>
+                <a:ea typeface="Cambria" panose="02040503050406030204" pitchFamily="18" charset="0"/>
+                <a:cs typeface="Times New Roman" panose="02020603050405020304" pitchFamily="18" charset="0"/>
+              </a:rPr>
+              <a:t>students</a:t>
+            </a:r>
+            <a:r>
+              <a:rPr lang="en-US" sz="2400" dirty="0">
+                <a:effectLst/>
+                <a:latin typeface="Arial Narrow" panose="020B0606020202030204" pitchFamily="34" charset="0"/>
+                <a:ea typeface="Cambria" panose="02040503050406030204" pitchFamily="18" charset="0"/>
+                <a:cs typeface="Times New Roman" panose="02020603050405020304" pitchFamily="18" charset="0"/>
+              </a:rPr>
+              <a:t> to weekly schedules while meeting certain </a:t>
+            </a:r>
+            <a:r>
+              <a:rPr lang="en-US" sz="2400" u="sng" dirty="0">
+                <a:effectLst/>
+                <a:latin typeface="Arial Narrow" panose="020B0606020202030204" pitchFamily="34" charset="0"/>
+                <a:ea typeface="Cambria" panose="02040503050406030204" pitchFamily="18" charset="0"/>
+                <a:cs typeface="Times New Roman" panose="02020603050405020304" pitchFamily="18" charset="0"/>
+              </a:rPr>
+              <a:t>constraints</a:t>
+            </a:r>
+            <a:r>
+              <a:rPr lang="en-US" sz="2400" dirty="0">
+                <a:effectLst/>
+                <a:latin typeface="Arial Narrow" panose="020B0606020202030204" pitchFamily="34" charset="0"/>
+                <a:ea typeface="Cambria" panose="02040503050406030204" pitchFamily="18" charset="0"/>
+                <a:cs typeface="Times New Roman" panose="02020603050405020304" pitchFamily="18" charset="0"/>
+              </a:rPr>
+              <a:t>. </a:t>
+            </a:r>
+          </a:p>
+          <a:p>
+            <a:pPr>
+              <a:buFont typeface="Arial" panose="020B0604020202020204" pitchFamily="34" charset="0"/>
+              <a:buChar char="•"/>
+            </a:pPr>
+            <a:r>
+              <a:rPr lang="en-US" sz="2400" dirty="0">
+                <a:effectLst/>
+                <a:latin typeface="Arial Narrow" panose="020B0606020202030204" pitchFamily="34" charset="0"/>
+                <a:ea typeface="Cambria" panose="02040503050406030204" pitchFamily="18" charset="0"/>
+                <a:cs typeface="Times New Roman" panose="02020603050405020304" pitchFamily="18" charset="0"/>
+              </a:rPr>
+              <a:t>FCUP’s timetabling building process is </a:t>
+            </a:r>
+            <a:r>
+              <a:rPr lang="en-US" sz="2400" u="sng" dirty="0">
+                <a:effectLst/>
+                <a:latin typeface="Arial Narrow" panose="020B0606020202030204" pitchFamily="34" charset="0"/>
+                <a:ea typeface="Cambria" panose="02040503050406030204" pitchFamily="18" charset="0"/>
+                <a:cs typeface="Times New Roman" panose="02020603050405020304" pitchFamily="18" charset="0"/>
+              </a:rPr>
+              <a:t>time-consuming</a:t>
+            </a:r>
+            <a:r>
+              <a:rPr lang="en-US" sz="2400" dirty="0">
+                <a:effectLst/>
+                <a:latin typeface="Arial Narrow" panose="020B0606020202030204" pitchFamily="34" charset="0"/>
+                <a:ea typeface="Cambria" panose="02040503050406030204" pitchFamily="18" charset="0"/>
+                <a:cs typeface="Times New Roman" panose="02020603050405020304" pitchFamily="18" charset="0"/>
+              </a:rPr>
+              <a:t>, </a:t>
+            </a:r>
+            <a:r>
+              <a:rPr lang="en-US" sz="2400" u="sng" dirty="0">
+                <a:effectLst/>
+                <a:latin typeface="Arial Narrow" panose="020B0606020202030204" pitchFamily="34" charset="0"/>
+                <a:ea typeface="Cambria" panose="02040503050406030204" pitchFamily="18" charset="0"/>
+                <a:cs typeface="Times New Roman" panose="02020603050405020304" pitchFamily="18" charset="0"/>
+              </a:rPr>
+              <a:t>not automated</a:t>
+            </a:r>
+            <a:r>
+              <a:rPr lang="en-US" sz="2400" dirty="0">
+                <a:effectLst/>
+                <a:latin typeface="Arial Narrow" panose="020B0606020202030204" pitchFamily="34" charset="0"/>
+                <a:ea typeface="Cambria" panose="02040503050406030204" pitchFamily="18" charset="0"/>
+                <a:cs typeface="Times New Roman" panose="02020603050405020304" pitchFamily="18" charset="0"/>
+              </a:rPr>
+              <a:t>, and the </a:t>
+            </a:r>
+            <a:r>
+              <a:rPr lang="en-US" sz="2400" u="sng" dirty="0">
+                <a:effectLst/>
+                <a:latin typeface="Arial Narrow" panose="020B0606020202030204" pitchFamily="34" charset="0"/>
+                <a:ea typeface="Cambria" panose="02040503050406030204" pitchFamily="18" charset="0"/>
+                <a:cs typeface="Times New Roman" panose="02020603050405020304" pitchFamily="18" charset="0"/>
+              </a:rPr>
+              <a:t>results are not the most satisfactory</a:t>
+            </a:r>
+            <a:r>
+              <a:rPr lang="en-US" sz="2400" dirty="0">
+                <a:effectLst/>
+                <a:latin typeface="Arial Narrow" panose="020B0606020202030204" pitchFamily="34" charset="0"/>
+                <a:ea typeface="Cambria" panose="02040503050406030204" pitchFamily="18" charset="0"/>
+                <a:cs typeface="Times New Roman" panose="02020603050405020304" pitchFamily="18" charset="0"/>
+              </a:rPr>
+              <a:t>. </a:t>
+            </a:r>
+          </a:p>
+          <a:p>
+            <a:pPr>
+              <a:buFont typeface="Arial" panose="020B0604020202020204" pitchFamily="34" charset="0"/>
+              <a:buChar char="•"/>
+            </a:pPr>
+            <a:r>
+              <a:rPr lang="en-US" sz="2400" dirty="0">
+                <a:effectLst/>
+                <a:latin typeface="Arial Narrow" panose="020B0606020202030204" pitchFamily="34" charset="0"/>
+                <a:ea typeface="Cambria" panose="02040503050406030204" pitchFamily="18" charset="0"/>
+                <a:cs typeface="Times New Roman" panose="02020603050405020304" pitchFamily="18" charset="0"/>
+              </a:rPr>
+              <a:t>Current tools focus primarily on visualizing timetables or on basic conflict detection without offering optimized solutions.</a:t>
+            </a:r>
+          </a:p>
+          <a:p>
+            <a:pPr>
+              <a:buFont typeface="Arial" panose="020B0604020202020204" pitchFamily="34" charset="0"/>
+              <a:buChar char="•"/>
+            </a:pPr>
+            <a:r>
+              <a:rPr lang="en-US" sz="2400" b="1" dirty="0">
+                <a:effectLst/>
+                <a:latin typeface="Arial Narrow" panose="020B0606020202030204" pitchFamily="34" charset="0"/>
+                <a:ea typeface="Cambria" panose="02040503050406030204" pitchFamily="18" charset="0"/>
+                <a:cs typeface="Times New Roman" panose="02020603050405020304" pitchFamily="18" charset="0"/>
+              </a:rPr>
+              <a:t>Monte Carlo Tree Search </a:t>
+            </a:r>
+            <a:r>
+              <a:rPr lang="en-US" sz="2400" dirty="0">
+                <a:effectLst/>
+                <a:latin typeface="Arial Narrow" panose="020B0606020202030204" pitchFamily="34" charset="0"/>
+                <a:ea typeface="Cambria" panose="02040503050406030204" pitchFamily="18" charset="0"/>
+                <a:cs typeface="Times New Roman" panose="02020603050405020304" pitchFamily="18" charset="0"/>
+              </a:rPr>
+              <a:t>(MCTS) chosen due to its effectiveness in games and optimization problems (Figure 1).</a:t>
+            </a:r>
+          </a:p>
+          <a:p>
+            <a:pPr>
+              <a:buFont typeface="Arial" panose="020B0604020202020204" pitchFamily="34" charset="0"/>
+              <a:buChar char="•"/>
+            </a:pPr>
+            <a:r>
+              <a:rPr lang="en-US" sz="2400" b="1" dirty="0">
+                <a:effectLst/>
+                <a:latin typeface="Arial Narrow" panose="020B0606020202030204" pitchFamily="34" charset="0"/>
+                <a:ea typeface="Cambria" panose="02040503050406030204" pitchFamily="18" charset="0"/>
+                <a:cs typeface="Times New Roman" panose="02020603050405020304" pitchFamily="18" charset="0"/>
+              </a:rPr>
+              <a:t>Hill Climbing </a:t>
+            </a:r>
+            <a:r>
+              <a:rPr lang="en-US" sz="2400" dirty="0">
+                <a:effectLst/>
+                <a:latin typeface="Arial Narrow" panose="020B0606020202030204" pitchFamily="34" charset="0"/>
+                <a:ea typeface="Cambria" panose="02040503050406030204" pitchFamily="18" charset="0"/>
+                <a:cs typeface="Times New Roman" panose="02020603050405020304" pitchFamily="18" charset="0"/>
+              </a:rPr>
+              <a:t>(HC) used in simulation phase for local optimization.</a:t>
+            </a:r>
+          </a:p>
+          <a:p>
+            <a:pPr>
+              <a:buFont typeface="Arial" panose="020B0604020202020204" pitchFamily="34" charset="0"/>
+              <a:buChar char="•"/>
+            </a:pPr>
+            <a:endParaRPr lang="en-US" altLang="en-US" sz="2400" dirty="0">
+              <a:latin typeface="Arial Narrow" panose="020B0606020202030204" pitchFamily="34" charset="0"/>
+            </a:endParaRPr>
+          </a:p>
+        </p:txBody>
+      </p:sp>
+      <p:sp>
+        <p:nvSpPr>
           <p:cNvPr id="22" name="TextBox 21">
             <a:extLst>
               <a:ext uri="{FF2B5EF4-FFF2-40B4-BE49-F238E27FC236}">
-                <a16:creationId xmlns:a16="http://schemas.microsoft.com/office/drawing/2014/main" id="{208C6CAA-E6A6-64A8-3F3E-67592B802418}"/>
+                <a16:creationId xmlns:a16="http://schemas.microsoft.com/office/drawing/2014/main" id="{A9D98763-24EA-CC2A-F0FE-0CFFABE7740E}"/>
               </a:ext>
             </a:extLst>
           </p:cNvPr>
@@ -2409,7 +3600,7 @@
           <p:cNvPr id="5" name="Rectangle 4">
             <a:extLst>
               <a:ext uri="{FF2B5EF4-FFF2-40B4-BE49-F238E27FC236}">
-                <a16:creationId xmlns:a16="http://schemas.microsoft.com/office/drawing/2014/main" id="{9FA4AA82-4517-0B00-CEB4-A5F5690B497E}"/>
+                <a16:creationId xmlns:a16="http://schemas.microsoft.com/office/drawing/2014/main" id="{C5B9890B-857B-1CBC-3707-59EC78BF3346}"/>
               </a:ext>
             </a:extLst>
           </p:cNvPr>
@@ -2454,14 +3645,14 @@
               </a:spcBef>
             </a:pPr>
             <a:r>
-              <a:rPr lang="en-GB" altLang="en-US" sz="5334" b="1" dirty="0">
+              <a:rPr lang="en-US" altLang="en-US" sz="5334" b="1" dirty="0">
                 <a:solidFill>
                   <a:srgbClr val="FFFFFF"/>
                 </a:solidFill>
                 <a:latin typeface="Arial" panose="020B0604020202020204" pitchFamily="34" charset="0"/>
                 <a:ea typeface="ＭＳ Ｐゴシック" panose="020B0600070205080204" pitchFamily="34" charset="-128"/>
               </a:rPr>
-              <a:t>Title</a:t>
+              <a:t>An interactive tool for supporting university timetabling</a:t>
             </a:r>
             <a:br>
               <a:rPr lang="en-GB" altLang="en-US" sz="4399" b="1" dirty="0">
@@ -2479,7 +3670,7 @@
                 <a:latin typeface="Arial" panose="020B0604020202020204" pitchFamily="34" charset="0"/>
                 <a:ea typeface="ＭＳ Ｐゴシック" panose="020B0600070205080204" pitchFamily="34" charset="-128"/>
               </a:rPr>
-              <a:t>Candidate’s name (First and Last)</a:t>
+              <a:t>Daniela Tomás</a:t>
             </a:r>
             <a:r>
               <a:rPr lang="en-GB" altLang="en-US" sz="2667" b="1" baseline="30000" dirty="0">
@@ -2499,7 +3690,27 @@
                 <a:latin typeface="Arial" panose="020B0604020202020204" pitchFamily="34" charset="0"/>
                 <a:ea typeface="ＭＳ Ｐゴシック" panose="020B0600070205080204" pitchFamily="34" charset="-128"/>
               </a:rPr>
-              <a:t> | Supervisor’s name</a:t>
+              <a:t> | João Pedroso</a:t>
+            </a:r>
+            <a:r>
+              <a:rPr lang="en-GB" altLang="en-US" sz="2667" b="1" baseline="30000" dirty="0">
+                <a:solidFill>
+                  <a:srgbClr val="FFFFFF"/>
+                </a:solidFill>
+                <a:latin typeface="Arial" panose="020B0604020202020204" pitchFamily="34" charset="0"/>
+                <a:ea typeface="ＭＳ Ｐゴシック" panose="020B0600070205080204" pitchFamily="34" charset="-128"/>
+              </a:rPr>
+              <a:t>1</a:t>
+            </a:r>
+            <a:r>
+              <a:rPr lang="en-GB" altLang="en-US" sz="2667" b="1" dirty="0">
+                <a:solidFill>
+                  <a:srgbClr val="FFFFFF"/>
+                </a:solidFill>
+                <a:latin typeface="Arial" panose="020B0604020202020204" pitchFamily="34" charset="0"/>
+                <a:ea typeface="ＭＳ Ｐゴシック" panose="020B0600070205080204" pitchFamily="34" charset="-128"/>
+              </a:rPr>
+              <a:t> | Pedro Vasconcelos</a:t>
             </a:r>
             <a:r>
               <a:rPr lang="en-GB" altLang="en-US" sz="2667" b="1" baseline="30000" dirty="0">
@@ -2593,7 +3804,7 @@
           <p:cNvPr id="6" name="Line 3">
             <a:extLst>
               <a:ext uri="{FF2B5EF4-FFF2-40B4-BE49-F238E27FC236}">
-                <a16:creationId xmlns:a16="http://schemas.microsoft.com/office/drawing/2014/main" id="{BADA3D18-915C-5947-D571-6B2B9037B3C6}"/>
+                <a16:creationId xmlns:a16="http://schemas.microsoft.com/office/drawing/2014/main" id="{D141A5F8-5893-573A-D7F1-89291A490BB3}"/>
               </a:ext>
             </a:extLst>
           </p:cNvPr>
@@ -2651,7 +3862,7016 @@
           <p:cNvPr id="7" name="Text Box 4">
             <a:extLst>
               <a:ext uri="{FF2B5EF4-FFF2-40B4-BE49-F238E27FC236}">
-                <a16:creationId xmlns:a16="http://schemas.microsoft.com/office/drawing/2014/main" id="{92B63531-D6A5-6442-C6A4-693653324037}"/>
+                <a16:creationId xmlns:a16="http://schemas.microsoft.com/office/drawing/2014/main" id="{C0D8F25D-D3DC-1171-5942-0F913CC26261}"/>
+              </a:ext>
+            </a:extLst>
+          </p:cNvPr>
+          <p:cNvSpPr txBox="1">
+            <a:spLocks noChangeArrowheads="1"/>
+          </p:cNvSpPr>
+          <p:nvPr/>
+        </p:nvSpPr>
+        <p:spPr bwMode="auto">
+          <a:xfrm>
+            <a:off x="153285" y="15612588"/>
+            <a:ext cx="8820000" cy="587799"/>
+          </a:xfrm>
+          <a:prstGeom prst="rect">
+            <a:avLst/>
+          </a:prstGeom>
+          <a:noFill/>
+          <a:ln>
+            <a:noFill/>
+          </a:ln>
+          <a:effectLst/>
+          <a:extLst>
+            <a:ext uri="{909E8E84-426E-40DD-AFC4-6F175D3DCCD1}">
+              <a14:hiddenFill xmlns:a14="http://schemas.microsoft.com/office/drawing/2010/main">
+                <a:solidFill>
+                  <a:srgbClr val="FFFFFF"/>
+                </a:solidFill>
+              </a14:hiddenFill>
+            </a:ext>
+            <a:ext uri="{91240B29-F687-4F45-9708-019B960494DF}">
+              <a14:hiddenLine xmlns:a14="http://schemas.microsoft.com/office/drawing/2010/main" w="9525" cap="flat">
+                <a:solidFill>
+                  <a:srgbClr val="3465A4"/>
+                </a:solidFill>
+                <a:round/>
+                <a:headEnd/>
+                <a:tailEnd/>
+              </a14:hiddenLine>
+            </a:ext>
+            <a:ext uri="{AF507438-7753-43E0-B8FC-AC1667EBCBE1}">
+              <a14:hiddenEffects xmlns:a14="http://schemas.microsoft.com/office/drawing/2010/main">
+                <a:effectLst>
+                  <a:outerShdw dist="35921" dir="2700000" algn="ctr" rotWithShape="0">
+                    <a:srgbClr val="808080"/>
+                  </a:outerShdw>
+                </a:effectLst>
+              </a14:hiddenEffects>
+            </a:ext>
+          </a:extLst>
+        </p:spPr>
+        <p:txBody>
+          <a:bodyPr wrap="square" lIns="175649" tIns="87825" rIns="175649" bIns="87825">
+            <a:spAutoFit/>
+          </a:bodyPr>
+          <a:lstStyle>
+            <a:lvl1pPr>
+              <a:tabLst>
+                <a:tab pos="0" algn="l"/>
+                <a:tab pos="914400" algn="l"/>
+                <a:tab pos="1828800" algn="l"/>
+                <a:tab pos="2743200" algn="l"/>
+                <a:tab pos="3657600" algn="l"/>
+                <a:tab pos="4572000" algn="l"/>
+                <a:tab pos="5486400" algn="l"/>
+                <a:tab pos="6400800" algn="l"/>
+                <a:tab pos="7315200" algn="l"/>
+                <a:tab pos="8229600" algn="l"/>
+                <a:tab pos="9144000" algn="l"/>
+                <a:tab pos="10058400" algn="l"/>
+                <a:tab pos="10333038" algn="l"/>
+                <a:tab pos="10782300" algn="l"/>
+                <a:tab pos="11231563" algn="l"/>
+                <a:tab pos="11680825" algn="l"/>
+                <a:tab pos="12130088" algn="l"/>
+                <a:tab pos="12579350" algn="l"/>
+                <a:tab pos="13028613" algn="l"/>
+                <a:tab pos="13477875" algn="l"/>
+                <a:tab pos="13927138" algn="l"/>
+                <a:tab pos="14376400" algn="l"/>
+                <a:tab pos="14825663" algn="l"/>
+                <a:tab pos="15274925" algn="l"/>
+              </a:tabLst>
+              <a:defRPr sz="7800">
+                <a:solidFill>
+                  <a:srgbClr val="000000"/>
+                </a:solidFill>
+                <a:latin typeface="Arial" panose="020B0604020202020204" pitchFamily="34" charset="0"/>
+                <a:ea typeface="ＭＳ Ｐゴシック" panose="020B0600070205080204" pitchFamily="34" charset="-128"/>
+              </a:defRPr>
+            </a:lvl1pPr>
+            <a:lvl2pPr>
+              <a:tabLst>
+                <a:tab pos="0" algn="l"/>
+                <a:tab pos="914400" algn="l"/>
+                <a:tab pos="1828800" algn="l"/>
+                <a:tab pos="2743200" algn="l"/>
+                <a:tab pos="3657600" algn="l"/>
+                <a:tab pos="4572000" algn="l"/>
+                <a:tab pos="5486400" algn="l"/>
+                <a:tab pos="6400800" algn="l"/>
+                <a:tab pos="7315200" algn="l"/>
+                <a:tab pos="8229600" algn="l"/>
+                <a:tab pos="9144000" algn="l"/>
+                <a:tab pos="10058400" algn="l"/>
+                <a:tab pos="10333038" algn="l"/>
+                <a:tab pos="10782300" algn="l"/>
+                <a:tab pos="11231563" algn="l"/>
+                <a:tab pos="11680825" algn="l"/>
+                <a:tab pos="12130088" algn="l"/>
+                <a:tab pos="12579350" algn="l"/>
+                <a:tab pos="13028613" algn="l"/>
+                <a:tab pos="13477875" algn="l"/>
+                <a:tab pos="13927138" algn="l"/>
+                <a:tab pos="14376400" algn="l"/>
+                <a:tab pos="14825663" algn="l"/>
+                <a:tab pos="15274925" algn="l"/>
+              </a:tabLst>
+              <a:defRPr sz="7800">
+                <a:solidFill>
+                  <a:srgbClr val="000000"/>
+                </a:solidFill>
+                <a:latin typeface="Arial" panose="020B0604020202020204" pitchFamily="34" charset="0"/>
+                <a:ea typeface="ＭＳ Ｐゴシック" panose="020B0600070205080204" pitchFamily="34" charset="-128"/>
+              </a:defRPr>
+            </a:lvl2pPr>
+            <a:lvl3pPr>
+              <a:tabLst>
+                <a:tab pos="0" algn="l"/>
+                <a:tab pos="914400" algn="l"/>
+                <a:tab pos="1828800" algn="l"/>
+                <a:tab pos="2743200" algn="l"/>
+                <a:tab pos="3657600" algn="l"/>
+                <a:tab pos="4572000" algn="l"/>
+                <a:tab pos="5486400" algn="l"/>
+                <a:tab pos="6400800" algn="l"/>
+                <a:tab pos="7315200" algn="l"/>
+                <a:tab pos="8229600" algn="l"/>
+                <a:tab pos="9144000" algn="l"/>
+                <a:tab pos="10058400" algn="l"/>
+                <a:tab pos="10333038" algn="l"/>
+                <a:tab pos="10782300" algn="l"/>
+                <a:tab pos="11231563" algn="l"/>
+                <a:tab pos="11680825" algn="l"/>
+                <a:tab pos="12130088" algn="l"/>
+                <a:tab pos="12579350" algn="l"/>
+                <a:tab pos="13028613" algn="l"/>
+                <a:tab pos="13477875" algn="l"/>
+                <a:tab pos="13927138" algn="l"/>
+                <a:tab pos="14376400" algn="l"/>
+                <a:tab pos="14825663" algn="l"/>
+                <a:tab pos="15274925" algn="l"/>
+              </a:tabLst>
+              <a:defRPr sz="7800">
+                <a:solidFill>
+                  <a:srgbClr val="000000"/>
+                </a:solidFill>
+                <a:latin typeface="Arial" panose="020B0604020202020204" pitchFamily="34" charset="0"/>
+                <a:ea typeface="ＭＳ Ｐゴシック" panose="020B0600070205080204" pitchFamily="34" charset="-128"/>
+              </a:defRPr>
+            </a:lvl3pPr>
+            <a:lvl4pPr>
+              <a:tabLst>
+                <a:tab pos="0" algn="l"/>
+                <a:tab pos="914400" algn="l"/>
+                <a:tab pos="1828800" algn="l"/>
+                <a:tab pos="2743200" algn="l"/>
+                <a:tab pos="3657600" algn="l"/>
+                <a:tab pos="4572000" algn="l"/>
+                <a:tab pos="5486400" algn="l"/>
+                <a:tab pos="6400800" algn="l"/>
+                <a:tab pos="7315200" algn="l"/>
+                <a:tab pos="8229600" algn="l"/>
+                <a:tab pos="9144000" algn="l"/>
+                <a:tab pos="10058400" algn="l"/>
+                <a:tab pos="10333038" algn="l"/>
+                <a:tab pos="10782300" algn="l"/>
+                <a:tab pos="11231563" algn="l"/>
+                <a:tab pos="11680825" algn="l"/>
+                <a:tab pos="12130088" algn="l"/>
+                <a:tab pos="12579350" algn="l"/>
+                <a:tab pos="13028613" algn="l"/>
+                <a:tab pos="13477875" algn="l"/>
+                <a:tab pos="13927138" algn="l"/>
+                <a:tab pos="14376400" algn="l"/>
+                <a:tab pos="14825663" algn="l"/>
+                <a:tab pos="15274925" algn="l"/>
+              </a:tabLst>
+              <a:defRPr sz="7800">
+                <a:solidFill>
+                  <a:srgbClr val="000000"/>
+                </a:solidFill>
+                <a:latin typeface="Arial" panose="020B0604020202020204" pitchFamily="34" charset="0"/>
+                <a:ea typeface="ＭＳ Ｐゴシック" panose="020B0600070205080204" pitchFamily="34" charset="-128"/>
+              </a:defRPr>
+            </a:lvl4pPr>
+            <a:lvl5pPr>
+              <a:tabLst>
+                <a:tab pos="0" algn="l"/>
+                <a:tab pos="914400" algn="l"/>
+                <a:tab pos="1828800" algn="l"/>
+                <a:tab pos="2743200" algn="l"/>
+                <a:tab pos="3657600" algn="l"/>
+                <a:tab pos="4572000" algn="l"/>
+                <a:tab pos="5486400" algn="l"/>
+                <a:tab pos="6400800" algn="l"/>
+                <a:tab pos="7315200" algn="l"/>
+                <a:tab pos="8229600" algn="l"/>
+                <a:tab pos="9144000" algn="l"/>
+                <a:tab pos="10058400" algn="l"/>
+                <a:tab pos="10333038" algn="l"/>
+                <a:tab pos="10782300" algn="l"/>
+                <a:tab pos="11231563" algn="l"/>
+                <a:tab pos="11680825" algn="l"/>
+                <a:tab pos="12130088" algn="l"/>
+                <a:tab pos="12579350" algn="l"/>
+                <a:tab pos="13028613" algn="l"/>
+                <a:tab pos="13477875" algn="l"/>
+                <a:tab pos="13927138" algn="l"/>
+                <a:tab pos="14376400" algn="l"/>
+                <a:tab pos="14825663" algn="l"/>
+                <a:tab pos="15274925" algn="l"/>
+              </a:tabLst>
+              <a:defRPr sz="7800">
+                <a:solidFill>
+                  <a:srgbClr val="000000"/>
+                </a:solidFill>
+                <a:latin typeface="Arial" panose="020B0604020202020204" pitchFamily="34" charset="0"/>
+                <a:ea typeface="ＭＳ Ｐゴシック" panose="020B0600070205080204" pitchFamily="34" charset="-128"/>
+              </a:defRPr>
+            </a:lvl5pPr>
+            <a:lvl6pPr marL="2514600" indent="-228600" defTabSz="449263" eaLnBrk="0" fontAlgn="base" hangingPunct="0">
+              <a:spcBef>
+                <a:spcPct val="0"/>
+              </a:spcBef>
+              <a:spcAft>
+                <a:spcPct val="0"/>
+              </a:spcAft>
+              <a:buClr>
+                <a:srgbClr val="000000"/>
+              </a:buClr>
+              <a:buSzPct val="100000"/>
+              <a:buFont typeface="Times New Roman" panose="02020603050405020304" pitchFamily="18" charset="0"/>
+              <a:tabLst>
+                <a:tab pos="0" algn="l"/>
+                <a:tab pos="914400" algn="l"/>
+                <a:tab pos="1828800" algn="l"/>
+                <a:tab pos="2743200" algn="l"/>
+                <a:tab pos="3657600" algn="l"/>
+                <a:tab pos="4572000" algn="l"/>
+                <a:tab pos="5486400" algn="l"/>
+                <a:tab pos="6400800" algn="l"/>
+                <a:tab pos="7315200" algn="l"/>
+                <a:tab pos="8229600" algn="l"/>
+                <a:tab pos="9144000" algn="l"/>
+                <a:tab pos="10058400" algn="l"/>
+                <a:tab pos="10333038" algn="l"/>
+                <a:tab pos="10782300" algn="l"/>
+                <a:tab pos="11231563" algn="l"/>
+                <a:tab pos="11680825" algn="l"/>
+                <a:tab pos="12130088" algn="l"/>
+                <a:tab pos="12579350" algn="l"/>
+                <a:tab pos="13028613" algn="l"/>
+                <a:tab pos="13477875" algn="l"/>
+                <a:tab pos="13927138" algn="l"/>
+                <a:tab pos="14376400" algn="l"/>
+                <a:tab pos="14825663" algn="l"/>
+                <a:tab pos="15274925" algn="l"/>
+              </a:tabLst>
+              <a:defRPr sz="7800">
+                <a:solidFill>
+                  <a:srgbClr val="000000"/>
+                </a:solidFill>
+                <a:latin typeface="Arial" panose="020B0604020202020204" pitchFamily="34" charset="0"/>
+                <a:ea typeface="ＭＳ Ｐゴシック" panose="020B0600070205080204" pitchFamily="34" charset="-128"/>
+              </a:defRPr>
+            </a:lvl6pPr>
+            <a:lvl7pPr marL="2971800" indent="-228600" defTabSz="449263" eaLnBrk="0" fontAlgn="base" hangingPunct="0">
+              <a:spcBef>
+                <a:spcPct val="0"/>
+              </a:spcBef>
+              <a:spcAft>
+                <a:spcPct val="0"/>
+              </a:spcAft>
+              <a:buClr>
+                <a:srgbClr val="000000"/>
+              </a:buClr>
+              <a:buSzPct val="100000"/>
+              <a:buFont typeface="Times New Roman" panose="02020603050405020304" pitchFamily="18" charset="0"/>
+              <a:tabLst>
+                <a:tab pos="0" algn="l"/>
+                <a:tab pos="914400" algn="l"/>
+                <a:tab pos="1828800" algn="l"/>
+                <a:tab pos="2743200" algn="l"/>
+                <a:tab pos="3657600" algn="l"/>
+                <a:tab pos="4572000" algn="l"/>
+                <a:tab pos="5486400" algn="l"/>
+                <a:tab pos="6400800" algn="l"/>
+                <a:tab pos="7315200" algn="l"/>
+                <a:tab pos="8229600" algn="l"/>
+                <a:tab pos="9144000" algn="l"/>
+                <a:tab pos="10058400" algn="l"/>
+                <a:tab pos="10333038" algn="l"/>
+                <a:tab pos="10782300" algn="l"/>
+                <a:tab pos="11231563" algn="l"/>
+                <a:tab pos="11680825" algn="l"/>
+                <a:tab pos="12130088" algn="l"/>
+                <a:tab pos="12579350" algn="l"/>
+                <a:tab pos="13028613" algn="l"/>
+                <a:tab pos="13477875" algn="l"/>
+                <a:tab pos="13927138" algn="l"/>
+                <a:tab pos="14376400" algn="l"/>
+                <a:tab pos="14825663" algn="l"/>
+                <a:tab pos="15274925" algn="l"/>
+              </a:tabLst>
+              <a:defRPr sz="7800">
+                <a:solidFill>
+                  <a:srgbClr val="000000"/>
+                </a:solidFill>
+                <a:latin typeface="Arial" panose="020B0604020202020204" pitchFamily="34" charset="0"/>
+                <a:ea typeface="ＭＳ Ｐゴシック" panose="020B0600070205080204" pitchFamily="34" charset="-128"/>
+              </a:defRPr>
+            </a:lvl7pPr>
+            <a:lvl8pPr marL="3429000" indent="-228600" defTabSz="449263" eaLnBrk="0" fontAlgn="base" hangingPunct="0">
+              <a:spcBef>
+                <a:spcPct val="0"/>
+              </a:spcBef>
+              <a:spcAft>
+                <a:spcPct val="0"/>
+              </a:spcAft>
+              <a:buClr>
+                <a:srgbClr val="000000"/>
+              </a:buClr>
+              <a:buSzPct val="100000"/>
+              <a:buFont typeface="Times New Roman" panose="02020603050405020304" pitchFamily="18" charset="0"/>
+              <a:tabLst>
+                <a:tab pos="0" algn="l"/>
+                <a:tab pos="914400" algn="l"/>
+                <a:tab pos="1828800" algn="l"/>
+                <a:tab pos="2743200" algn="l"/>
+                <a:tab pos="3657600" algn="l"/>
+                <a:tab pos="4572000" algn="l"/>
+                <a:tab pos="5486400" algn="l"/>
+                <a:tab pos="6400800" algn="l"/>
+                <a:tab pos="7315200" algn="l"/>
+                <a:tab pos="8229600" algn="l"/>
+                <a:tab pos="9144000" algn="l"/>
+                <a:tab pos="10058400" algn="l"/>
+                <a:tab pos="10333038" algn="l"/>
+                <a:tab pos="10782300" algn="l"/>
+                <a:tab pos="11231563" algn="l"/>
+                <a:tab pos="11680825" algn="l"/>
+                <a:tab pos="12130088" algn="l"/>
+                <a:tab pos="12579350" algn="l"/>
+                <a:tab pos="13028613" algn="l"/>
+                <a:tab pos="13477875" algn="l"/>
+                <a:tab pos="13927138" algn="l"/>
+                <a:tab pos="14376400" algn="l"/>
+                <a:tab pos="14825663" algn="l"/>
+                <a:tab pos="15274925" algn="l"/>
+              </a:tabLst>
+              <a:defRPr sz="7800">
+                <a:solidFill>
+                  <a:srgbClr val="000000"/>
+                </a:solidFill>
+                <a:latin typeface="Arial" panose="020B0604020202020204" pitchFamily="34" charset="0"/>
+                <a:ea typeface="ＭＳ Ｐゴシック" panose="020B0600070205080204" pitchFamily="34" charset="-128"/>
+              </a:defRPr>
+            </a:lvl8pPr>
+            <a:lvl9pPr marL="3886200" indent="-228600" defTabSz="449263" eaLnBrk="0" fontAlgn="base" hangingPunct="0">
+              <a:spcBef>
+                <a:spcPct val="0"/>
+              </a:spcBef>
+              <a:spcAft>
+                <a:spcPct val="0"/>
+              </a:spcAft>
+              <a:buClr>
+                <a:srgbClr val="000000"/>
+              </a:buClr>
+              <a:buSzPct val="100000"/>
+              <a:buFont typeface="Times New Roman" panose="02020603050405020304" pitchFamily="18" charset="0"/>
+              <a:tabLst>
+                <a:tab pos="0" algn="l"/>
+                <a:tab pos="914400" algn="l"/>
+                <a:tab pos="1828800" algn="l"/>
+                <a:tab pos="2743200" algn="l"/>
+                <a:tab pos="3657600" algn="l"/>
+                <a:tab pos="4572000" algn="l"/>
+                <a:tab pos="5486400" algn="l"/>
+                <a:tab pos="6400800" algn="l"/>
+                <a:tab pos="7315200" algn="l"/>
+                <a:tab pos="8229600" algn="l"/>
+                <a:tab pos="9144000" algn="l"/>
+                <a:tab pos="10058400" algn="l"/>
+                <a:tab pos="10333038" algn="l"/>
+                <a:tab pos="10782300" algn="l"/>
+                <a:tab pos="11231563" algn="l"/>
+                <a:tab pos="11680825" algn="l"/>
+                <a:tab pos="12130088" algn="l"/>
+                <a:tab pos="12579350" algn="l"/>
+                <a:tab pos="13028613" algn="l"/>
+                <a:tab pos="13477875" algn="l"/>
+                <a:tab pos="13927138" algn="l"/>
+                <a:tab pos="14376400" algn="l"/>
+                <a:tab pos="14825663" algn="l"/>
+                <a:tab pos="15274925" algn="l"/>
+              </a:tabLst>
+              <a:defRPr sz="7800">
+                <a:solidFill>
+                  <a:srgbClr val="000000"/>
+                </a:solidFill>
+                <a:latin typeface="Arial" panose="020B0604020202020204" pitchFamily="34" charset="0"/>
+                <a:ea typeface="ＭＳ Ｐゴシック" panose="020B0600070205080204" pitchFamily="34" charset="-128"/>
+              </a:defRPr>
+            </a:lvl9pPr>
+          </a:lstStyle>
+          <a:p>
+            <a:pPr algn="ctr" eaLnBrk="1" hangingPunct="1">
+              <a:buClrTx/>
+              <a:buFontTx/>
+              <a:buNone/>
+            </a:pPr>
+            <a:r>
+              <a:rPr lang="en-GB" altLang="en-US" sz="2667" b="1" dirty="0">
+                <a:solidFill>
+                  <a:srgbClr val="004377"/>
+                </a:solidFill>
+              </a:rPr>
+              <a:t>Objective(s)</a:t>
+            </a:r>
+          </a:p>
+        </p:txBody>
+      </p:sp>
+      <p:sp>
+        <p:nvSpPr>
+          <p:cNvPr id="8" name="Text Box 5">
+            <a:extLst>
+              <a:ext uri="{FF2B5EF4-FFF2-40B4-BE49-F238E27FC236}">
+                <a16:creationId xmlns:a16="http://schemas.microsoft.com/office/drawing/2014/main" id="{E664C2C5-17E9-4422-DD75-89CFFB4C45F2}"/>
+              </a:ext>
+            </a:extLst>
+          </p:cNvPr>
+          <p:cNvSpPr txBox="1">
+            <a:spLocks noChangeArrowheads="1"/>
+          </p:cNvSpPr>
+          <p:nvPr/>
+        </p:nvSpPr>
+        <p:spPr bwMode="auto">
+          <a:xfrm>
+            <a:off x="9073457" y="8639547"/>
+            <a:ext cx="8820000" cy="587799"/>
+          </a:xfrm>
+          <a:prstGeom prst="rect">
+            <a:avLst/>
+          </a:prstGeom>
+          <a:noFill/>
+          <a:ln>
+            <a:noFill/>
+          </a:ln>
+          <a:effectLst/>
+          <a:extLst>
+            <a:ext uri="{909E8E84-426E-40DD-AFC4-6F175D3DCCD1}">
+              <a14:hiddenFill xmlns:a14="http://schemas.microsoft.com/office/drawing/2010/main">
+                <a:solidFill>
+                  <a:srgbClr val="FFFFFF"/>
+                </a:solidFill>
+              </a14:hiddenFill>
+            </a:ext>
+            <a:ext uri="{91240B29-F687-4F45-9708-019B960494DF}">
+              <a14:hiddenLine xmlns:a14="http://schemas.microsoft.com/office/drawing/2010/main" w="9525" cap="flat">
+                <a:solidFill>
+                  <a:srgbClr val="3465A4"/>
+                </a:solidFill>
+                <a:round/>
+                <a:headEnd/>
+                <a:tailEnd/>
+              </a14:hiddenLine>
+            </a:ext>
+            <a:ext uri="{AF507438-7753-43E0-B8FC-AC1667EBCBE1}">
+              <a14:hiddenEffects xmlns:a14="http://schemas.microsoft.com/office/drawing/2010/main">
+                <a:effectLst>
+                  <a:outerShdw dist="35921" dir="2700000" algn="ctr" rotWithShape="0">
+                    <a:srgbClr val="808080"/>
+                  </a:outerShdw>
+                </a:effectLst>
+              </a14:hiddenEffects>
+            </a:ext>
+          </a:extLst>
+        </p:spPr>
+        <p:txBody>
+          <a:bodyPr wrap="square" lIns="175649" tIns="87825" rIns="175649" bIns="87825">
+            <a:spAutoFit/>
+          </a:bodyPr>
+          <a:lstStyle>
+            <a:lvl1pPr>
+              <a:tabLst>
+                <a:tab pos="0" algn="l"/>
+                <a:tab pos="914400" algn="l"/>
+                <a:tab pos="1828800" algn="l"/>
+                <a:tab pos="2743200" algn="l"/>
+                <a:tab pos="3657600" algn="l"/>
+                <a:tab pos="4572000" algn="l"/>
+                <a:tab pos="5486400" algn="l"/>
+                <a:tab pos="6400800" algn="l"/>
+                <a:tab pos="7315200" algn="l"/>
+                <a:tab pos="8229600" algn="l"/>
+                <a:tab pos="9144000" algn="l"/>
+                <a:tab pos="10058400" algn="l"/>
+                <a:tab pos="10333038" algn="l"/>
+                <a:tab pos="10782300" algn="l"/>
+                <a:tab pos="11231563" algn="l"/>
+                <a:tab pos="11680825" algn="l"/>
+                <a:tab pos="12130088" algn="l"/>
+                <a:tab pos="12579350" algn="l"/>
+                <a:tab pos="13028613" algn="l"/>
+                <a:tab pos="13477875" algn="l"/>
+                <a:tab pos="13927138" algn="l"/>
+                <a:tab pos="14376400" algn="l"/>
+              </a:tabLst>
+              <a:defRPr sz="7800">
+                <a:solidFill>
+                  <a:srgbClr val="000000"/>
+                </a:solidFill>
+                <a:latin typeface="Arial" panose="020B0604020202020204" pitchFamily="34" charset="0"/>
+                <a:ea typeface="ＭＳ Ｐゴシック" panose="020B0600070205080204" pitchFamily="34" charset="-128"/>
+              </a:defRPr>
+            </a:lvl1pPr>
+            <a:lvl2pPr>
+              <a:tabLst>
+                <a:tab pos="0" algn="l"/>
+                <a:tab pos="914400" algn="l"/>
+                <a:tab pos="1828800" algn="l"/>
+                <a:tab pos="2743200" algn="l"/>
+                <a:tab pos="3657600" algn="l"/>
+                <a:tab pos="4572000" algn="l"/>
+                <a:tab pos="5486400" algn="l"/>
+                <a:tab pos="6400800" algn="l"/>
+                <a:tab pos="7315200" algn="l"/>
+                <a:tab pos="8229600" algn="l"/>
+                <a:tab pos="9144000" algn="l"/>
+                <a:tab pos="10058400" algn="l"/>
+                <a:tab pos="10333038" algn="l"/>
+                <a:tab pos="10782300" algn="l"/>
+                <a:tab pos="11231563" algn="l"/>
+                <a:tab pos="11680825" algn="l"/>
+                <a:tab pos="12130088" algn="l"/>
+                <a:tab pos="12579350" algn="l"/>
+                <a:tab pos="13028613" algn="l"/>
+                <a:tab pos="13477875" algn="l"/>
+                <a:tab pos="13927138" algn="l"/>
+                <a:tab pos="14376400" algn="l"/>
+              </a:tabLst>
+              <a:defRPr sz="7800">
+                <a:solidFill>
+                  <a:srgbClr val="000000"/>
+                </a:solidFill>
+                <a:latin typeface="Arial" panose="020B0604020202020204" pitchFamily="34" charset="0"/>
+                <a:ea typeface="ＭＳ Ｐゴシック" panose="020B0600070205080204" pitchFamily="34" charset="-128"/>
+              </a:defRPr>
+            </a:lvl2pPr>
+            <a:lvl3pPr>
+              <a:tabLst>
+                <a:tab pos="0" algn="l"/>
+                <a:tab pos="914400" algn="l"/>
+                <a:tab pos="1828800" algn="l"/>
+                <a:tab pos="2743200" algn="l"/>
+                <a:tab pos="3657600" algn="l"/>
+                <a:tab pos="4572000" algn="l"/>
+                <a:tab pos="5486400" algn="l"/>
+                <a:tab pos="6400800" algn="l"/>
+                <a:tab pos="7315200" algn="l"/>
+                <a:tab pos="8229600" algn="l"/>
+                <a:tab pos="9144000" algn="l"/>
+                <a:tab pos="10058400" algn="l"/>
+                <a:tab pos="10333038" algn="l"/>
+                <a:tab pos="10782300" algn="l"/>
+                <a:tab pos="11231563" algn="l"/>
+                <a:tab pos="11680825" algn="l"/>
+                <a:tab pos="12130088" algn="l"/>
+                <a:tab pos="12579350" algn="l"/>
+                <a:tab pos="13028613" algn="l"/>
+                <a:tab pos="13477875" algn="l"/>
+                <a:tab pos="13927138" algn="l"/>
+                <a:tab pos="14376400" algn="l"/>
+              </a:tabLst>
+              <a:defRPr sz="7800">
+                <a:solidFill>
+                  <a:srgbClr val="000000"/>
+                </a:solidFill>
+                <a:latin typeface="Arial" panose="020B0604020202020204" pitchFamily="34" charset="0"/>
+                <a:ea typeface="ＭＳ Ｐゴシック" panose="020B0600070205080204" pitchFamily="34" charset="-128"/>
+              </a:defRPr>
+            </a:lvl3pPr>
+            <a:lvl4pPr>
+              <a:tabLst>
+                <a:tab pos="0" algn="l"/>
+                <a:tab pos="914400" algn="l"/>
+                <a:tab pos="1828800" algn="l"/>
+                <a:tab pos="2743200" algn="l"/>
+                <a:tab pos="3657600" algn="l"/>
+                <a:tab pos="4572000" algn="l"/>
+                <a:tab pos="5486400" algn="l"/>
+                <a:tab pos="6400800" algn="l"/>
+                <a:tab pos="7315200" algn="l"/>
+                <a:tab pos="8229600" algn="l"/>
+                <a:tab pos="9144000" algn="l"/>
+                <a:tab pos="10058400" algn="l"/>
+                <a:tab pos="10333038" algn="l"/>
+                <a:tab pos="10782300" algn="l"/>
+                <a:tab pos="11231563" algn="l"/>
+                <a:tab pos="11680825" algn="l"/>
+                <a:tab pos="12130088" algn="l"/>
+                <a:tab pos="12579350" algn="l"/>
+                <a:tab pos="13028613" algn="l"/>
+                <a:tab pos="13477875" algn="l"/>
+                <a:tab pos="13927138" algn="l"/>
+                <a:tab pos="14376400" algn="l"/>
+              </a:tabLst>
+              <a:defRPr sz="7800">
+                <a:solidFill>
+                  <a:srgbClr val="000000"/>
+                </a:solidFill>
+                <a:latin typeface="Arial" panose="020B0604020202020204" pitchFamily="34" charset="0"/>
+                <a:ea typeface="ＭＳ Ｐゴシック" panose="020B0600070205080204" pitchFamily="34" charset="-128"/>
+              </a:defRPr>
+            </a:lvl4pPr>
+            <a:lvl5pPr>
+              <a:tabLst>
+                <a:tab pos="0" algn="l"/>
+                <a:tab pos="914400" algn="l"/>
+                <a:tab pos="1828800" algn="l"/>
+                <a:tab pos="2743200" algn="l"/>
+                <a:tab pos="3657600" algn="l"/>
+                <a:tab pos="4572000" algn="l"/>
+                <a:tab pos="5486400" algn="l"/>
+                <a:tab pos="6400800" algn="l"/>
+                <a:tab pos="7315200" algn="l"/>
+                <a:tab pos="8229600" algn="l"/>
+                <a:tab pos="9144000" algn="l"/>
+                <a:tab pos="10058400" algn="l"/>
+                <a:tab pos="10333038" algn="l"/>
+                <a:tab pos="10782300" algn="l"/>
+                <a:tab pos="11231563" algn="l"/>
+                <a:tab pos="11680825" algn="l"/>
+                <a:tab pos="12130088" algn="l"/>
+                <a:tab pos="12579350" algn="l"/>
+                <a:tab pos="13028613" algn="l"/>
+                <a:tab pos="13477875" algn="l"/>
+                <a:tab pos="13927138" algn="l"/>
+                <a:tab pos="14376400" algn="l"/>
+              </a:tabLst>
+              <a:defRPr sz="7800">
+                <a:solidFill>
+                  <a:srgbClr val="000000"/>
+                </a:solidFill>
+                <a:latin typeface="Arial" panose="020B0604020202020204" pitchFamily="34" charset="0"/>
+                <a:ea typeface="ＭＳ Ｐゴシック" panose="020B0600070205080204" pitchFamily="34" charset="-128"/>
+              </a:defRPr>
+            </a:lvl5pPr>
+            <a:lvl6pPr marL="2514600" indent="-228600" defTabSz="449263" eaLnBrk="0" fontAlgn="base" hangingPunct="0">
+              <a:spcBef>
+                <a:spcPct val="0"/>
+              </a:spcBef>
+              <a:spcAft>
+                <a:spcPct val="0"/>
+              </a:spcAft>
+              <a:buClr>
+                <a:srgbClr val="000000"/>
+              </a:buClr>
+              <a:buSzPct val="100000"/>
+              <a:buFont typeface="Times New Roman" panose="02020603050405020304" pitchFamily="18" charset="0"/>
+              <a:tabLst>
+                <a:tab pos="0" algn="l"/>
+                <a:tab pos="914400" algn="l"/>
+                <a:tab pos="1828800" algn="l"/>
+                <a:tab pos="2743200" algn="l"/>
+                <a:tab pos="3657600" algn="l"/>
+                <a:tab pos="4572000" algn="l"/>
+                <a:tab pos="5486400" algn="l"/>
+                <a:tab pos="6400800" algn="l"/>
+                <a:tab pos="7315200" algn="l"/>
+                <a:tab pos="8229600" algn="l"/>
+                <a:tab pos="9144000" algn="l"/>
+                <a:tab pos="10058400" algn="l"/>
+                <a:tab pos="10333038" algn="l"/>
+                <a:tab pos="10782300" algn="l"/>
+                <a:tab pos="11231563" algn="l"/>
+                <a:tab pos="11680825" algn="l"/>
+                <a:tab pos="12130088" algn="l"/>
+                <a:tab pos="12579350" algn="l"/>
+                <a:tab pos="13028613" algn="l"/>
+                <a:tab pos="13477875" algn="l"/>
+                <a:tab pos="13927138" algn="l"/>
+                <a:tab pos="14376400" algn="l"/>
+              </a:tabLst>
+              <a:defRPr sz="7800">
+                <a:solidFill>
+                  <a:srgbClr val="000000"/>
+                </a:solidFill>
+                <a:latin typeface="Arial" panose="020B0604020202020204" pitchFamily="34" charset="0"/>
+                <a:ea typeface="ＭＳ Ｐゴシック" panose="020B0600070205080204" pitchFamily="34" charset="-128"/>
+              </a:defRPr>
+            </a:lvl6pPr>
+            <a:lvl7pPr marL="2971800" indent="-228600" defTabSz="449263" eaLnBrk="0" fontAlgn="base" hangingPunct="0">
+              <a:spcBef>
+                <a:spcPct val="0"/>
+              </a:spcBef>
+              <a:spcAft>
+                <a:spcPct val="0"/>
+              </a:spcAft>
+              <a:buClr>
+                <a:srgbClr val="000000"/>
+              </a:buClr>
+              <a:buSzPct val="100000"/>
+              <a:buFont typeface="Times New Roman" panose="02020603050405020304" pitchFamily="18" charset="0"/>
+              <a:tabLst>
+                <a:tab pos="0" algn="l"/>
+                <a:tab pos="914400" algn="l"/>
+                <a:tab pos="1828800" algn="l"/>
+                <a:tab pos="2743200" algn="l"/>
+                <a:tab pos="3657600" algn="l"/>
+                <a:tab pos="4572000" algn="l"/>
+                <a:tab pos="5486400" algn="l"/>
+                <a:tab pos="6400800" algn="l"/>
+                <a:tab pos="7315200" algn="l"/>
+                <a:tab pos="8229600" algn="l"/>
+                <a:tab pos="9144000" algn="l"/>
+                <a:tab pos="10058400" algn="l"/>
+                <a:tab pos="10333038" algn="l"/>
+                <a:tab pos="10782300" algn="l"/>
+                <a:tab pos="11231563" algn="l"/>
+                <a:tab pos="11680825" algn="l"/>
+                <a:tab pos="12130088" algn="l"/>
+                <a:tab pos="12579350" algn="l"/>
+                <a:tab pos="13028613" algn="l"/>
+                <a:tab pos="13477875" algn="l"/>
+                <a:tab pos="13927138" algn="l"/>
+                <a:tab pos="14376400" algn="l"/>
+              </a:tabLst>
+              <a:defRPr sz="7800">
+                <a:solidFill>
+                  <a:srgbClr val="000000"/>
+                </a:solidFill>
+                <a:latin typeface="Arial" panose="020B0604020202020204" pitchFamily="34" charset="0"/>
+                <a:ea typeface="ＭＳ Ｐゴシック" panose="020B0600070205080204" pitchFamily="34" charset="-128"/>
+              </a:defRPr>
+            </a:lvl7pPr>
+            <a:lvl8pPr marL="3429000" indent="-228600" defTabSz="449263" eaLnBrk="0" fontAlgn="base" hangingPunct="0">
+              <a:spcBef>
+                <a:spcPct val="0"/>
+              </a:spcBef>
+              <a:spcAft>
+                <a:spcPct val="0"/>
+              </a:spcAft>
+              <a:buClr>
+                <a:srgbClr val="000000"/>
+              </a:buClr>
+              <a:buSzPct val="100000"/>
+              <a:buFont typeface="Times New Roman" panose="02020603050405020304" pitchFamily="18" charset="0"/>
+              <a:tabLst>
+                <a:tab pos="0" algn="l"/>
+                <a:tab pos="914400" algn="l"/>
+                <a:tab pos="1828800" algn="l"/>
+                <a:tab pos="2743200" algn="l"/>
+                <a:tab pos="3657600" algn="l"/>
+                <a:tab pos="4572000" algn="l"/>
+                <a:tab pos="5486400" algn="l"/>
+                <a:tab pos="6400800" algn="l"/>
+                <a:tab pos="7315200" algn="l"/>
+                <a:tab pos="8229600" algn="l"/>
+                <a:tab pos="9144000" algn="l"/>
+                <a:tab pos="10058400" algn="l"/>
+                <a:tab pos="10333038" algn="l"/>
+                <a:tab pos="10782300" algn="l"/>
+                <a:tab pos="11231563" algn="l"/>
+                <a:tab pos="11680825" algn="l"/>
+                <a:tab pos="12130088" algn="l"/>
+                <a:tab pos="12579350" algn="l"/>
+                <a:tab pos="13028613" algn="l"/>
+                <a:tab pos="13477875" algn="l"/>
+                <a:tab pos="13927138" algn="l"/>
+                <a:tab pos="14376400" algn="l"/>
+              </a:tabLst>
+              <a:defRPr sz="7800">
+                <a:solidFill>
+                  <a:srgbClr val="000000"/>
+                </a:solidFill>
+                <a:latin typeface="Arial" panose="020B0604020202020204" pitchFamily="34" charset="0"/>
+                <a:ea typeface="ＭＳ Ｐゴシック" panose="020B0600070205080204" pitchFamily="34" charset="-128"/>
+              </a:defRPr>
+            </a:lvl8pPr>
+            <a:lvl9pPr marL="3886200" indent="-228600" defTabSz="449263" eaLnBrk="0" fontAlgn="base" hangingPunct="0">
+              <a:spcBef>
+                <a:spcPct val="0"/>
+              </a:spcBef>
+              <a:spcAft>
+                <a:spcPct val="0"/>
+              </a:spcAft>
+              <a:buClr>
+                <a:srgbClr val="000000"/>
+              </a:buClr>
+              <a:buSzPct val="100000"/>
+              <a:buFont typeface="Times New Roman" panose="02020603050405020304" pitchFamily="18" charset="0"/>
+              <a:tabLst>
+                <a:tab pos="0" algn="l"/>
+                <a:tab pos="914400" algn="l"/>
+                <a:tab pos="1828800" algn="l"/>
+                <a:tab pos="2743200" algn="l"/>
+                <a:tab pos="3657600" algn="l"/>
+                <a:tab pos="4572000" algn="l"/>
+                <a:tab pos="5486400" algn="l"/>
+                <a:tab pos="6400800" algn="l"/>
+                <a:tab pos="7315200" algn="l"/>
+                <a:tab pos="8229600" algn="l"/>
+                <a:tab pos="9144000" algn="l"/>
+                <a:tab pos="10058400" algn="l"/>
+                <a:tab pos="10333038" algn="l"/>
+                <a:tab pos="10782300" algn="l"/>
+                <a:tab pos="11231563" algn="l"/>
+                <a:tab pos="11680825" algn="l"/>
+                <a:tab pos="12130088" algn="l"/>
+                <a:tab pos="12579350" algn="l"/>
+                <a:tab pos="13028613" algn="l"/>
+                <a:tab pos="13477875" algn="l"/>
+                <a:tab pos="13927138" algn="l"/>
+                <a:tab pos="14376400" algn="l"/>
+              </a:tabLst>
+              <a:defRPr sz="7800">
+                <a:solidFill>
+                  <a:srgbClr val="000000"/>
+                </a:solidFill>
+                <a:latin typeface="Arial" panose="020B0604020202020204" pitchFamily="34" charset="0"/>
+                <a:ea typeface="ＭＳ Ｐゴシック" panose="020B0600070205080204" pitchFamily="34" charset="-128"/>
+              </a:defRPr>
+            </a:lvl9pPr>
+          </a:lstStyle>
+          <a:p>
+            <a:pPr algn="ctr" eaLnBrk="1" hangingPunct="1">
+              <a:buClrTx/>
+              <a:buFontTx/>
+              <a:buNone/>
+            </a:pPr>
+            <a:r>
+              <a:rPr lang="en-GB" altLang="en-US" sz="2667" b="1" dirty="0">
+                <a:solidFill>
+                  <a:srgbClr val="004377"/>
+                </a:solidFill>
+              </a:rPr>
+              <a:t>Preliminary results</a:t>
+            </a:r>
+          </a:p>
+        </p:txBody>
+      </p:sp>
+      <p:sp>
+        <p:nvSpPr>
+          <p:cNvPr id="9" name="Text Box 6">
+            <a:extLst>
+              <a:ext uri="{FF2B5EF4-FFF2-40B4-BE49-F238E27FC236}">
+                <a16:creationId xmlns:a16="http://schemas.microsoft.com/office/drawing/2014/main" id="{ABCAAFFB-0E32-5524-C518-5AE3E68B7E99}"/>
+              </a:ext>
+            </a:extLst>
+          </p:cNvPr>
+          <p:cNvSpPr txBox="1">
+            <a:spLocks noChangeArrowheads="1"/>
+          </p:cNvSpPr>
+          <p:nvPr/>
+        </p:nvSpPr>
+        <p:spPr bwMode="auto">
+          <a:xfrm>
+            <a:off x="9034260" y="16848459"/>
+            <a:ext cx="8820000" cy="587799"/>
+          </a:xfrm>
+          <a:prstGeom prst="rect">
+            <a:avLst/>
+          </a:prstGeom>
+          <a:noFill/>
+          <a:ln>
+            <a:noFill/>
+          </a:ln>
+          <a:effectLst/>
+          <a:extLst>
+            <a:ext uri="{909E8E84-426E-40DD-AFC4-6F175D3DCCD1}">
+              <a14:hiddenFill xmlns:a14="http://schemas.microsoft.com/office/drawing/2010/main">
+                <a:solidFill>
+                  <a:srgbClr val="FFFFFF"/>
+                </a:solidFill>
+              </a14:hiddenFill>
+            </a:ext>
+            <a:ext uri="{91240B29-F687-4F45-9708-019B960494DF}">
+              <a14:hiddenLine xmlns:a14="http://schemas.microsoft.com/office/drawing/2010/main" w="9525" cap="flat">
+                <a:solidFill>
+                  <a:srgbClr val="3465A4"/>
+                </a:solidFill>
+                <a:round/>
+                <a:headEnd/>
+                <a:tailEnd/>
+              </a14:hiddenLine>
+            </a:ext>
+            <a:ext uri="{AF507438-7753-43E0-B8FC-AC1667EBCBE1}">
+              <a14:hiddenEffects xmlns:a14="http://schemas.microsoft.com/office/drawing/2010/main">
+                <a:effectLst>
+                  <a:outerShdw dist="35921" dir="2700000" algn="ctr" rotWithShape="0">
+                    <a:srgbClr val="808080"/>
+                  </a:outerShdw>
+                </a:effectLst>
+              </a14:hiddenEffects>
+            </a:ext>
+          </a:extLst>
+        </p:spPr>
+        <p:txBody>
+          <a:bodyPr wrap="square" lIns="175649" tIns="87825" rIns="175649" bIns="87825">
+            <a:spAutoFit/>
+          </a:bodyPr>
+          <a:lstStyle>
+            <a:lvl1pPr>
+              <a:tabLst>
+                <a:tab pos="0" algn="l"/>
+                <a:tab pos="914400" algn="l"/>
+                <a:tab pos="1828800" algn="l"/>
+                <a:tab pos="2743200" algn="l"/>
+                <a:tab pos="3657600" algn="l"/>
+                <a:tab pos="4572000" algn="l"/>
+                <a:tab pos="5486400" algn="l"/>
+                <a:tab pos="6400800" algn="l"/>
+                <a:tab pos="7315200" algn="l"/>
+                <a:tab pos="8229600" algn="l"/>
+                <a:tab pos="9144000" algn="l"/>
+                <a:tab pos="10058400" algn="l"/>
+                <a:tab pos="10333038" algn="l"/>
+                <a:tab pos="10782300" algn="l"/>
+                <a:tab pos="11231563" algn="l"/>
+                <a:tab pos="11680825" algn="l"/>
+                <a:tab pos="12130088" algn="l"/>
+                <a:tab pos="12579350" algn="l"/>
+                <a:tab pos="13028613" algn="l"/>
+                <a:tab pos="13477875" algn="l"/>
+                <a:tab pos="13927138" algn="l"/>
+                <a:tab pos="14376400" algn="l"/>
+              </a:tabLst>
+              <a:defRPr sz="7800">
+                <a:solidFill>
+                  <a:srgbClr val="000000"/>
+                </a:solidFill>
+                <a:latin typeface="Arial" panose="020B0604020202020204" pitchFamily="34" charset="0"/>
+                <a:ea typeface="ＭＳ Ｐゴシック" panose="020B0600070205080204" pitchFamily="34" charset="-128"/>
+              </a:defRPr>
+            </a:lvl1pPr>
+            <a:lvl2pPr>
+              <a:tabLst>
+                <a:tab pos="0" algn="l"/>
+                <a:tab pos="914400" algn="l"/>
+                <a:tab pos="1828800" algn="l"/>
+                <a:tab pos="2743200" algn="l"/>
+                <a:tab pos="3657600" algn="l"/>
+                <a:tab pos="4572000" algn="l"/>
+                <a:tab pos="5486400" algn="l"/>
+                <a:tab pos="6400800" algn="l"/>
+                <a:tab pos="7315200" algn="l"/>
+                <a:tab pos="8229600" algn="l"/>
+                <a:tab pos="9144000" algn="l"/>
+                <a:tab pos="10058400" algn="l"/>
+                <a:tab pos="10333038" algn="l"/>
+                <a:tab pos="10782300" algn="l"/>
+                <a:tab pos="11231563" algn="l"/>
+                <a:tab pos="11680825" algn="l"/>
+                <a:tab pos="12130088" algn="l"/>
+                <a:tab pos="12579350" algn="l"/>
+                <a:tab pos="13028613" algn="l"/>
+                <a:tab pos="13477875" algn="l"/>
+                <a:tab pos="13927138" algn="l"/>
+                <a:tab pos="14376400" algn="l"/>
+              </a:tabLst>
+              <a:defRPr sz="7800">
+                <a:solidFill>
+                  <a:srgbClr val="000000"/>
+                </a:solidFill>
+                <a:latin typeface="Arial" panose="020B0604020202020204" pitchFamily="34" charset="0"/>
+                <a:ea typeface="ＭＳ Ｐゴシック" panose="020B0600070205080204" pitchFamily="34" charset="-128"/>
+              </a:defRPr>
+            </a:lvl2pPr>
+            <a:lvl3pPr>
+              <a:tabLst>
+                <a:tab pos="0" algn="l"/>
+                <a:tab pos="914400" algn="l"/>
+                <a:tab pos="1828800" algn="l"/>
+                <a:tab pos="2743200" algn="l"/>
+                <a:tab pos="3657600" algn="l"/>
+                <a:tab pos="4572000" algn="l"/>
+                <a:tab pos="5486400" algn="l"/>
+                <a:tab pos="6400800" algn="l"/>
+                <a:tab pos="7315200" algn="l"/>
+                <a:tab pos="8229600" algn="l"/>
+                <a:tab pos="9144000" algn="l"/>
+                <a:tab pos="10058400" algn="l"/>
+                <a:tab pos="10333038" algn="l"/>
+                <a:tab pos="10782300" algn="l"/>
+                <a:tab pos="11231563" algn="l"/>
+                <a:tab pos="11680825" algn="l"/>
+                <a:tab pos="12130088" algn="l"/>
+                <a:tab pos="12579350" algn="l"/>
+                <a:tab pos="13028613" algn="l"/>
+                <a:tab pos="13477875" algn="l"/>
+                <a:tab pos="13927138" algn="l"/>
+                <a:tab pos="14376400" algn="l"/>
+              </a:tabLst>
+              <a:defRPr sz="7800">
+                <a:solidFill>
+                  <a:srgbClr val="000000"/>
+                </a:solidFill>
+                <a:latin typeface="Arial" panose="020B0604020202020204" pitchFamily="34" charset="0"/>
+                <a:ea typeface="ＭＳ Ｐゴシック" panose="020B0600070205080204" pitchFamily="34" charset="-128"/>
+              </a:defRPr>
+            </a:lvl3pPr>
+            <a:lvl4pPr>
+              <a:tabLst>
+                <a:tab pos="0" algn="l"/>
+                <a:tab pos="914400" algn="l"/>
+                <a:tab pos="1828800" algn="l"/>
+                <a:tab pos="2743200" algn="l"/>
+                <a:tab pos="3657600" algn="l"/>
+                <a:tab pos="4572000" algn="l"/>
+                <a:tab pos="5486400" algn="l"/>
+                <a:tab pos="6400800" algn="l"/>
+                <a:tab pos="7315200" algn="l"/>
+                <a:tab pos="8229600" algn="l"/>
+                <a:tab pos="9144000" algn="l"/>
+                <a:tab pos="10058400" algn="l"/>
+                <a:tab pos="10333038" algn="l"/>
+                <a:tab pos="10782300" algn="l"/>
+                <a:tab pos="11231563" algn="l"/>
+                <a:tab pos="11680825" algn="l"/>
+                <a:tab pos="12130088" algn="l"/>
+                <a:tab pos="12579350" algn="l"/>
+                <a:tab pos="13028613" algn="l"/>
+                <a:tab pos="13477875" algn="l"/>
+                <a:tab pos="13927138" algn="l"/>
+                <a:tab pos="14376400" algn="l"/>
+              </a:tabLst>
+              <a:defRPr sz="7800">
+                <a:solidFill>
+                  <a:srgbClr val="000000"/>
+                </a:solidFill>
+                <a:latin typeface="Arial" panose="020B0604020202020204" pitchFamily="34" charset="0"/>
+                <a:ea typeface="ＭＳ Ｐゴシック" panose="020B0600070205080204" pitchFamily="34" charset="-128"/>
+              </a:defRPr>
+            </a:lvl4pPr>
+            <a:lvl5pPr>
+              <a:tabLst>
+                <a:tab pos="0" algn="l"/>
+                <a:tab pos="914400" algn="l"/>
+                <a:tab pos="1828800" algn="l"/>
+                <a:tab pos="2743200" algn="l"/>
+                <a:tab pos="3657600" algn="l"/>
+                <a:tab pos="4572000" algn="l"/>
+                <a:tab pos="5486400" algn="l"/>
+                <a:tab pos="6400800" algn="l"/>
+                <a:tab pos="7315200" algn="l"/>
+                <a:tab pos="8229600" algn="l"/>
+                <a:tab pos="9144000" algn="l"/>
+                <a:tab pos="10058400" algn="l"/>
+                <a:tab pos="10333038" algn="l"/>
+                <a:tab pos="10782300" algn="l"/>
+                <a:tab pos="11231563" algn="l"/>
+                <a:tab pos="11680825" algn="l"/>
+                <a:tab pos="12130088" algn="l"/>
+                <a:tab pos="12579350" algn="l"/>
+                <a:tab pos="13028613" algn="l"/>
+                <a:tab pos="13477875" algn="l"/>
+                <a:tab pos="13927138" algn="l"/>
+                <a:tab pos="14376400" algn="l"/>
+              </a:tabLst>
+              <a:defRPr sz="7800">
+                <a:solidFill>
+                  <a:srgbClr val="000000"/>
+                </a:solidFill>
+                <a:latin typeface="Arial" panose="020B0604020202020204" pitchFamily="34" charset="0"/>
+                <a:ea typeface="ＭＳ Ｐゴシック" panose="020B0600070205080204" pitchFamily="34" charset="-128"/>
+              </a:defRPr>
+            </a:lvl5pPr>
+            <a:lvl6pPr marL="2514600" indent="-228600" defTabSz="449263" eaLnBrk="0" fontAlgn="base" hangingPunct="0">
+              <a:spcBef>
+                <a:spcPct val="0"/>
+              </a:spcBef>
+              <a:spcAft>
+                <a:spcPct val="0"/>
+              </a:spcAft>
+              <a:buClr>
+                <a:srgbClr val="000000"/>
+              </a:buClr>
+              <a:buSzPct val="100000"/>
+              <a:buFont typeface="Times New Roman" panose="02020603050405020304" pitchFamily="18" charset="0"/>
+              <a:tabLst>
+                <a:tab pos="0" algn="l"/>
+                <a:tab pos="914400" algn="l"/>
+                <a:tab pos="1828800" algn="l"/>
+                <a:tab pos="2743200" algn="l"/>
+                <a:tab pos="3657600" algn="l"/>
+                <a:tab pos="4572000" algn="l"/>
+                <a:tab pos="5486400" algn="l"/>
+                <a:tab pos="6400800" algn="l"/>
+                <a:tab pos="7315200" algn="l"/>
+                <a:tab pos="8229600" algn="l"/>
+                <a:tab pos="9144000" algn="l"/>
+                <a:tab pos="10058400" algn="l"/>
+                <a:tab pos="10333038" algn="l"/>
+                <a:tab pos="10782300" algn="l"/>
+                <a:tab pos="11231563" algn="l"/>
+                <a:tab pos="11680825" algn="l"/>
+                <a:tab pos="12130088" algn="l"/>
+                <a:tab pos="12579350" algn="l"/>
+                <a:tab pos="13028613" algn="l"/>
+                <a:tab pos="13477875" algn="l"/>
+                <a:tab pos="13927138" algn="l"/>
+                <a:tab pos="14376400" algn="l"/>
+              </a:tabLst>
+              <a:defRPr sz="7800">
+                <a:solidFill>
+                  <a:srgbClr val="000000"/>
+                </a:solidFill>
+                <a:latin typeface="Arial" panose="020B0604020202020204" pitchFamily="34" charset="0"/>
+                <a:ea typeface="ＭＳ Ｐゴシック" panose="020B0600070205080204" pitchFamily="34" charset="-128"/>
+              </a:defRPr>
+            </a:lvl6pPr>
+            <a:lvl7pPr marL="2971800" indent="-228600" defTabSz="449263" eaLnBrk="0" fontAlgn="base" hangingPunct="0">
+              <a:spcBef>
+                <a:spcPct val="0"/>
+              </a:spcBef>
+              <a:spcAft>
+                <a:spcPct val="0"/>
+              </a:spcAft>
+              <a:buClr>
+                <a:srgbClr val="000000"/>
+              </a:buClr>
+              <a:buSzPct val="100000"/>
+              <a:buFont typeface="Times New Roman" panose="02020603050405020304" pitchFamily="18" charset="0"/>
+              <a:tabLst>
+                <a:tab pos="0" algn="l"/>
+                <a:tab pos="914400" algn="l"/>
+                <a:tab pos="1828800" algn="l"/>
+                <a:tab pos="2743200" algn="l"/>
+                <a:tab pos="3657600" algn="l"/>
+                <a:tab pos="4572000" algn="l"/>
+                <a:tab pos="5486400" algn="l"/>
+                <a:tab pos="6400800" algn="l"/>
+                <a:tab pos="7315200" algn="l"/>
+                <a:tab pos="8229600" algn="l"/>
+                <a:tab pos="9144000" algn="l"/>
+                <a:tab pos="10058400" algn="l"/>
+                <a:tab pos="10333038" algn="l"/>
+                <a:tab pos="10782300" algn="l"/>
+                <a:tab pos="11231563" algn="l"/>
+                <a:tab pos="11680825" algn="l"/>
+                <a:tab pos="12130088" algn="l"/>
+                <a:tab pos="12579350" algn="l"/>
+                <a:tab pos="13028613" algn="l"/>
+                <a:tab pos="13477875" algn="l"/>
+                <a:tab pos="13927138" algn="l"/>
+                <a:tab pos="14376400" algn="l"/>
+              </a:tabLst>
+              <a:defRPr sz="7800">
+                <a:solidFill>
+                  <a:srgbClr val="000000"/>
+                </a:solidFill>
+                <a:latin typeface="Arial" panose="020B0604020202020204" pitchFamily="34" charset="0"/>
+                <a:ea typeface="ＭＳ Ｐゴシック" panose="020B0600070205080204" pitchFamily="34" charset="-128"/>
+              </a:defRPr>
+            </a:lvl7pPr>
+            <a:lvl8pPr marL="3429000" indent="-228600" defTabSz="449263" eaLnBrk="0" fontAlgn="base" hangingPunct="0">
+              <a:spcBef>
+                <a:spcPct val="0"/>
+              </a:spcBef>
+              <a:spcAft>
+                <a:spcPct val="0"/>
+              </a:spcAft>
+              <a:buClr>
+                <a:srgbClr val="000000"/>
+              </a:buClr>
+              <a:buSzPct val="100000"/>
+              <a:buFont typeface="Times New Roman" panose="02020603050405020304" pitchFamily="18" charset="0"/>
+              <a:tabLst>
+                <a:tab pos="0" algn="l"/>
+                <a:tab pos="914400" algn="l"/>
+                <a:tab pos="1828800" algn="l"/>
+                <a:tab pos="2743200" algn="l"/>
+                <a:tab pos="3657600" algn="l"/>
+                <a:tab pos="4572000" algn="l"/>
+                <a:tab pos="5486400" algn="l"/>
+                <a:tab pos="6400800" algn="l"/>
+                <a:tab pos="7315200" algn="l"/>
+                <a:tab pos="8229600" algn="l"/>
+                <a:tab pos="9144000" algn="l"/>
+                <a:tab pos="10058400" algn="l"/>
+                <a:tab pos="10333038" algn="l"/>
+                <a:tab pos="10782300" algn="l"/>
+                <a:tab pos="11231563" algn="l"/>
+                <a:tab pos="11680825" algn="l"/>
+                <a:tab pos="12130088" algn="l"/>
+                <a:tab pos="12579350" algn="l"/>
+                <a:tab pos="13028613" algn="l"/>
+                <a:tab pos="13477875" algn="l"/>
+                <a:tab pos="13927138" algn="l"/>
+                <a:tab pos="14376400" algn="l"/>
+              </a:tabLst>
+              <a:defRPr sz="7800">
+                <a:solidFill>
+                  <a:srgbClr val="000000"/>
+                </a:solidFill>
+                <a:latin typeface="Arial" panose="020B0604020202020204" pitchFamily="34" charset="0"/>
+                <a:ea typeface="ＭＳ Ｐゴシック" panose="020B0600070205080204" pitchFamily="34" charset="-128"/>
+              </a:defRPr>
+            </a:lvl8pPr>
+            <a:lvl9pPr marL="3886200" indent="-228600" defTabSz="449263" eaLnBrk="0" fontAlgn="base" hangingPunct="0">
+              <a:spcBef>
+                <a:spcPct val="0"/>
+              </a:spcBef>
+              <a:spcAft>
+                <a:spcPct val="0"/>
+              </a:spcAft>
+              <a:buClr>
+                <a:srgbClr val="000000"/>
+              </a:buClr>
+              <a:buSzPct val="100000"/>
+              <a:buFont typeface="Times New Roman" panose="02020603050405020304" pitchFamily="18" charset="0"/>
+              <a:tabLst>
+                <a:tab pos="0" algn="l"/>
+                <a:tab pos="914400" algn="l"/>
+                <a:tab pos="1828800" algn="l"/>
+                <a:tab pos="2743200" algn="l"/>
+                <a:tab pos="3657600" algn="l"/>
+                <a:tab pos="4572000" algn="l"/>
+                <a:tab pos="5486400" algn="l"/>
+                <a:tab pos="6400800" algn="l"/>
+                <a:tab pos="7315200" algn="l"/>
+                <a:tab pos="8229600" algn="l"/>
+                <a:tab pos="9144000" algn="l"/>
+                <a:tab pos="10058400" algn="l"/>
+                <a:tab pos="10333038" algn="l"/>
+                <a:tab pos="10782300" algn="l"/>
+                <a:tab pos="11231563" algn="l"/>
+                <a:tab pos="11680825" algn="l"/>
+                <a:tab pos="12130088" algn="l"/>
+                <a:tab pos="12579350" algn="l"/>
+                <a:tab pos="13028613" algn="l"/>
+                <a:tab pos="13477875" algn="l"/>
+                <a:tab pos="13927138" algn="l"/>
+                <a:tab pos="14376400" algn="l"/>
+              </a:tabLst>
+              <a:defRPr sz="7800">
+                <a:solidFill>
+                  <a:srgbClr val="000000"/>
+                </a:solidFill>
+                <a:latin typeface="Arial" panose="020B0604020202020204" pitchFamily="34" charset="0"/>
+                <a:ea typeface="ＭＳ Ｐゴシック" panose="020B0600070205080204" pitchFamily="34" charset="-128"/>
+              </a:defRPr>
+            </a:lvl9pPr>
+          </a:lstStyle>
+          <a:p>
+            <a:pPr algn="ctr" eaLnBrk="1" hangingPunct="1">
+              <a:buClrTx/>
+              <a:buFontTx/>
+              <a:buNone/>
+            </a:pPr>
+            <a:r>
+              <a:rPr lang="en-GB" altLang="en-US" sz="2667" b="1" dirty="0">
+                <a:solidFill>
+                  <a:srgbClr val="004377"/>
+                </a:solidFill>
+              </a:rPr>
+              <a:t>References</a:t>
+            </a:r>
+          </a:p>
+        </p:txBody>
+      </p:sp>
+      <p:sp>
+        <p:nvSpPr>
+          <p:cNvPr id="10" name="Text Box 7">
+            <a:extLst>
+              <a:ext uri="{FF2B5EF4-FFF2-40B4-BE49-F238E27FC236}">
+                <a16:creationId xmlns:a16="http://schemas.microsoft.com/office/drawing/2014/main" id="{2D951617-A8E5-2D46-7F22-4F823DF45B3A}"/>
+              </a:ext>
+            </a:extLst>
+          </p:cNvPr>
+          <p:cNvSpPr txBox="1">
+            <a:spLocks noChangeArrowheads="1"/>
+          </p:cNvSpPr>
+          <p:nvPr/>
+        </p:nvSpPr>
+        <p:spPr bwMode="auto">
+          <a:xfrm>
+            <a:off x="153285" y="3094931"/>
+            <a:ext cx="8820000" cy="587799"/>
+          </a:xfrm>
+          <a:prstGeom prst="rect">
+            <a:avLst/>
+          </a:prstGeom>
+          <a:noFill/>
+          <a:ln>
+            <a:noFill/>
+          </a:ln>
+          <a:effectLst/>
+          <a:extLst>
+            <a:ext uri="{909E8E84-426E-40DD-AFC4-6F175D3DCCD1}">
+              <a14:hiddenFill xmlns:a14="http://schemas.microsoft.com/office/drawing/2010/main">
+                <a:solidFill>
+                  <a:srgbClr val="FFFFFF"/>
+                </a:solidFill>
+              </a14:hiddenFill>
+            </a:ext>
+            <a:ext uri="{91240B29-F687-4F45-9708-019B960494DF}">
+              <a14:hiddenLine xmlns:a14="http://schemas.microsoft.com/office/drawing/2010/main" w="9525" cap="flat">
+                <a:solidFill>
+                  <a:srgbClr val="3465A4"/>
+                </a:solidFill>
+                <a:round/>
+                <a:headEnd/>
+                <a:tailEnd/>
+              </a14:hiddenLine>
+            </a:ext>
+            <a:ext uri="{AF507438-7753-43E0-B8FC-AC1667EBCBE1}">
+              <a14:hiddenEffects xmlns:a14="http://schemas.microsoft.com/office/drawing/2010/main">
+                <a:effectLst>
+                  <a:outerShdw dist="35921" dir="2700000" algn="ctr" rotWithShape="0">
+                    <a:srgbClr val="808080"/>
+                  </a:outerShdw>
+                </a:effectLst>
+              </a14:hiddenEffects>
+            </a:ext>
+          </a:extLst>
+        </p:spPr>
+        <p:txBody>
+          <a:bodyPr wrap="square" lIns="175649" tIns="87825" rIns="175649" bIns="87825">
+            <a:spAutoFit/>
+          </a:bodyPr>
+          <a:lstStyle>
+            <a:lvl1pPr>
+              <a:tabLst>
+                <a:tab pos="0" algn="l"/>
+                <a:tab pos="914400" algn="l"/>
+                <a:tab pos="1828800" algn="l"/>
+                <a:tab pos="2743200" algn="l"/>
+                <a:tab pos="3657600" algn="l"/>
+                <a:tab pos="4572000" algn="l"/>
+                <a:tab pos="5486400" algn="l"/>
+                <a:tab pos="6400800" algn="l"/>
+                <a:tab pos="7315200" algn="l"/>
+                <a:tab pos="8229600" algn="l"/>
+                <a:tab pos="9144000" algn="l"/>
+                <a:tab pos="10058400" algn="l"/>
+                <a:tab pos="10333038" algn="l"/>
+                <a:tab pos="10782300" algn="l"/>
+                <a:tab pos="11231563" algn="l"/>
+                <a:tab pos="11680825" algn="l"/>
+                <a:tab pos="12130088" algn="l"/>
+                <a:tab pos="12579350" algn="l"/>
+                <a:tab pos="13028613" algn="l"/>
+                <a:tab pos="13477875" algn="l"/>
+                <a:tab pos="13927138" algn="l"/>
+                <a:tab pos="14376400" algn="l"/>
+                <a:tab pos="14825663" algn="l"/>
+                <a:tab pos="15274925" algn="l"/>
+              </a:tabLst>
+              <a:defRPr sz="7800">
+                <a:solidFill>
+                  <a:srgbClr val="000000"/>
+                </a:solidFill>
+                <a:latin typeface="Arial" panose="020B0604020202020204" pitchFamily="34" charset="0"/>
+                <a:ea typeface="ＭＳ Ｐゴシック" panose="020B0600070205080204" pitchFamily="34" charset="-128"/>
+              </a:defRPr>
+            </a:lvl1pPr>
+            <a:lvl2pPr>
+              <a:tabLst>
+                <a:tab pos="0" algn="l"/>
+                <a:tab pos="914400" algn="l"/>
+                <a:tab pos="1828800" algn="l"/>
+                <a:tab pos="2743200" algn="l"/>
+                <a:tab pos="3657600" algn="l"/>
+                <a:tab pos="4572000" algn="l"/>
+                <a:tab pos="5486400" algn="l"/>
+                <a:tab pos="6400800" algn="l"/>
+                <a:tab pos="7315200" algn="l"/>
+                <a:tab pos="8229600" algn="l"/>
+                <a:tab pos="9144000" algn="l"/>
+                <a:tab pos="10058400" algn="l"/>
+                <a:tab pos="10333038" algn="l"/>
+                <a:tab pos="10782300" algn="l"/>
+                <a:tab pos="11231563" algn="l"/>
+                <a:tab pos="11680825" algn="l"/>
+                <a:tab pos="12130088" algn="l"/>
+                <a:tab pos="12579350" algn="l"/>
+                <a:tab pos="13028613" algn="l"/>
+                <a:tab pos="13477875" algn="l"/>
+                <a:tab pos="13927138" algn="l"/>
+                <a:tab pos="14376400" algn="l"/>
+                <a:tab pos="14825663" algn="l"/>
+                <a:tab pos="15274925" algn="l"/>
+              </a:tabLst>
+              <a:defRPr sz="7800">
+                <a:solidFill>
+                  <a:srgbClr val="000000"/>
+                </a:solidFill>
+                <a:latin typeface="Arial" panose="020B0604020202020204" pitchFamily="34" charset="0"/>
+                <a:ea typeface="ＭＳ Ｐゴシック" panose="020B0600070205080204" pitchFamily="34" charset="-128"/>
+              </a:defRPr>
+            </a:lvl2pPr>
+            <a:lvl3pPr>
+              <a:tabLst>
+                <a:tab pos="0" algn="l"/>
+                <a:tab pos="914400" algn="l"/>
+                <a:tab pos="1828800" algn="l"/>
+                <a:tab pos="2743200" algn="l"/>
+                <a:tab pos="3657600" algn="l"/>
+                <a:tab pos="4572000" algn="l"/>
+                <a:tab pos="5486400" algn="l"/>
+                <a:tab pos="6400800" algn="l"/>
+                <a:tab pos="7315200" algn="l"/>
+                <a:tab pos="8229600" algn="l"/>
+                <a:tab pos="9144000" algn="l"/>
+                <a:tab pos="10058400" algn="l"/>
+                <a:tab pos="10333038" algn="l"/>
+                <a:tab pos="10782300" algn="l"/>
+                <a:tab pos="11231563" algn="l"/>
+                <a:tab pos="11680825" algn="l"/>
+                <a:tab pos="12130088" algn="l"/>
+                <a:tab pos="12579350" algn="l"/>
+                <a:tab pos="13028613" algn="l"/>
+                <a:tab pos="13477875" algn="l"/>
+                <a:tab pos="13927138" algn="l"/>
+                <a:tab pos="14376400" algn="l"/>
+                <a:tab pos="14825663" algn="l"/>
+                <a:tab pos="15274925" algn="l"/>
+              </a:tabLst>
+              <a:defRPr sz="7800">
+                <a:solidFill>
+                  <a:srgbClr val="000000"/>
+                </a:solidFill>
+                <a:latin typeface="Arial" panose="020B0604020202020204" pitchFamily="34" charset="0"/>
+                <a:ea typeface="ＭＳ Ｐゴシック" panose="020B0600070205080204" pitchFamily="34" charset="-128"/>
+              </a:defRPr>
+            </a:lvl3pPr>
+            <a:lvl4pPr>
+              <a:tabLst>
+                <a:tab pos="0" algn="l"/>
+                <a:tab pos="914400" algn="l"/>
+                <a:tab pos="1828800" algn="l"/>
+                <a:tab pos="2743200" algn="l"/>
+                <a:tab pos="3657600" algn="l"/>
+                <a:tab pos="4572000" algn="l"/>
+                <a:tab pos="5486400" algn="l"/>
+                <a:tab pos="6400800" algn="l"/>
+                <a:tab pos="7315200" algn="l"/>
+                <a:tab pos="8229600" algn="l"/>
+                <a:tab pos="9144000" algn="l"/>
+                <a:tab pos="10058400" algn="l"/>
+                <a:tab pos="10333038" algn="l"/>
+                <a:tab pos="10782300" algn="l"/>
+                <a:tab pos="11231563" algn="l"/>
+                <a:tab pos="11680825" algn="l"/>
+                <a:tab pos="12130088" algn="l"/>
+                <a:tab pos="12579350" algn="l"/>
+                <a:tab pos="13028613" algn="l"/>
+                <a:tab pos="13477875" algn="l"/>
+                <a:tab pos="13927138" algn="l"/>
+                <a:tab pos="14376400" algn="l"/>
+                <a:tab pos="14825663" algn="l"/>
+                <a:tab pos="15274925" algn="l"/>
+              </a:tabLst>
+              <a:defRPr sz="7800">
+                <a:solidFill>
+                  <a:srgbClr val="000000"/>
+                </a:solidFill>
+                <a:latin typeface="Arial" panose="020B0604020202020204" pitchFamily="34" charset="0"/>
+                <a:ea typeface="ＭＳ Ｐゴシック" panose="020B0600070205080204" pitchFamily="34" charset="-128"/>
+              </a:defRPr>
+            </a:lvl4pPr>
+            <a:lvl5pPr>
+              <a:tabLst>
+                <a:tab pos="0" algn="l"/>
+                <a:tab pos="914400" algn="l"/>
+                <a:tab pos="1828800" algn="l"/>
+                <a:tab pos="2743200" algn="l"/>
+                <a:tab pos="3657600" algn="l"/>
+                <a:tab pos="4572000" algn="l"/>
+                <a:tab pos="5486400" algn="l"/>
+                <a:tab pos="6400800" algn="l"/>
+                <a:tab pos="7315200" algn="l"/>
+                <a:tab pos="8229600" algn="l"/>
+                <a:tab pos="9144000" algn="l"/>
+                <a:tab pos="10058400" algn="l"/>
+                <a:tab pos="10333038" algn="l"/>
+                <a:tab pos="10782300" algn="l"/>
+                <a:tab pos="11231563" algn="l"/>
+                <a:tab pos="11680825" algn="l"/>
+                <a:tab pos="12130088" algn="l"/>
+                <a:tab pos="12579350" algn="l"/>
+                <a:tab pos="13028613" algn="l"/>
+                <a:tab pos="13477875" algn="l"/>
+                <a:tab pos="13927138" algn="l"/>
+                <a:tab pos="14376400" algn="l"/>
+                <a:tab pos="14825663" algn="l"/>
+                <a:tab pos="15274925" algn="l"/>
+              </a:tabLst>
+              <a:defRPr sz="7800">
+                <a:solidFill>
+                  <a:srgbClr val="000000"/>
+                </a:solidFill>
+                <a:latin typeface="Arial" panose="020B0604020202020204" pitchFamily="34" charset="0"/>
+                <a:ea typeface="ＭＳ Ｐゴシック" panose="020B0600070205080204" pitchFamily="34" charset="-128"/>
+              </a:defRPr>
+            </a:lvl5pPr>
+            <a:lvl6pPr marL="2514600" indent="-228600" defTabSz="449263" eaLnBrk="0" fontAlgn="base" hangingPunct="0">
+              <a:spcBef>
+                <a:spcPct val="0"/>
+              </a:spcBef>
+              <a:spcAft>
+                <a:spcPct val="0"/>
+              </a:spcAft>
+              <a:buClr>
+                <a:srgbClr val="000000"/>
+              </a:buClr>
+              <a:buSzPct val="100000"/>
+              <a:buFont typeface="Times New Roman" panose="02020603050405020304" pitchFamily="18" charset="0"/>
+              <a:tabLst>
+                <a:tab pos="0" algn="l"/>
+                <a:tab pos="914400" algn="l"/>
+                <a:tab pos="1828800" algn="l"/>
+                <a:tab pos="2743200" algn="l"/>
+                <a:tab pos="3657600" algn="l"/>
+                <a:tab pos="4572000" algn="l"/>
+                <a:tab pos="5486400" algn="l"/>
+                <a:tab pos="6400800" algn="l"/>
+                <a:tab pos="7315200" algn="l"/>
+                <a:tab pos="8229600" algn="l"/>
+                <a:tab pos="9144000" algn="l"/>
+                <a:tab pos="10058400" algn="l"/>
+                <a:tab pos="10333038" algn="l"/>
+                <a:tab pos="10782300" algn="l"/>
+                <a:tab pos="11231563" algn="l"/>
+                <a:tab pos="11680825" algn="l"/>
+                <a:tab pos="12130088" algn="l"/>
+                <a:tab pos="12579350" algn="l"/>
+                <a:tab pos="13028613" algn="l"/>
+                <a:tab pos="13477875" algn="l"/>
+                <a:tab pos="13927138" algn="l"/>
+                <a:tab pos="14376400" algn="l"/>
+                <a:tab pos="14825663" algn="l"/>
+                <a:tab pos="15274925" algn="l"/>
+              </a:tabLst>
+              <a:defRPr sz="7800">
+                <a:solidFill>
+                  <a:srgbClr val="000000"/>
+                </a:solidFill>
+                <a:latin typeface="Arial" panose="020B0604020202020204" pitchFamily="34" charset="0"/>
+                <a:ea typeface="ＭＳ Ｐゴシック" panose="020B0600070205080204" pitchFamily="34" charset="-128"/>
+              </a:defRPr>
+            </a:lvl6pPr>
+            <a:lvl7pPr marL="2971800" indent="-228600" defTabSz="449263" eaLnBrk="0" fontAlgn="base" hangingPunct="0">
+              <a:spcBef>
+                <a:spcPct val="0"/>
+              </a:spcBef>
+              <a:spcAft>
+                <a:spcPct val="0"/>
+              </a:spcAft>
+              <a:buClr>
+                <a:srgbClr val="000000"/>
+              </a:buClr>
+              <a:buSzPct val="100000"/>
+              <a:buFont typeface="Times New Roman" panose="02020603050405020304" pitchFamily="18" charset="0"/>
+              <a:tabLst>
+                <a:tab pos="0" algn="l"/>
+                <a:tab pos="914400" algn="l"/>
+                <a:tab pos="1828800" algn="l"/>
+                <a:tab pos="2743200" algn="l"/>
+                <a:tab pos="3657600" algn="l"/>
+                <a:tab pos="4572000" algn="l"/>
+                <a:tab pos="5486400" algn="l"/>
+                <a:tab pos="6400800" algn="l"/>
+                <a:tab pos="7315200" algn="l"/>
+                <a:tab pos="8229600" algn="l"/>
+                <a:tab pos="9144000" algn="l"/>
+                <a:tab pos="10058400" algn="l"/>
+                <a:tab pos="10333038" algn="l"/>
+                <a:tab pos="10782300" algn="l"/>
+                <a:tab pos="11231563" algn="l"/>
+                <a:tab pos="11680825" algn="l"/>
+                <a:tab pos="12130088" algn="l"/>
+                <a:tab pos="12579350" algn="l"/>
+                <a:tab pos="13028613" algn="l"/>
+                <a:tab pos="13477875" algn="l"/>
+                <a:tab pos="13927138" algn="l"/>
+                <a:tab pos="14376400" algn="l"/>
+                <a:tab pos="14825663" algn="l"/>
+                <a:tab pos="15274925" algn="l"/>
+              </a:tabLst>
+              <a:defRPr sz="7800">
+                <a:solidFill>
+                  <a:srgbClr val="000000"/>
+                </a:solidFill>
+                <a:latin typeface="Arial" panose="020B0604020202020204" pitchFamily="34" charset="0"/>
+                <a:ea typeface="ＭＳ Ｐゴシック" panose="020B0600070205080204" pitchFamily="34" charset="-128"/>
+              </a:defRPr>
+            </a:lvl7pPr>
+            <a:lvl8pPr marL="3429000" indent="-228600" defTabSz="449263" eaLnBrk="0" fontAlgn="base" hangingPunct="0">
+              <a:spcBef>
+                <a:spcPct val="0"/>
+              </a:spcBef>
+              <a:spcAft>
+                <a:spcPct val="0"/>
+              </a:spcAft>
+              <a:buClr>
+                <a:srgbClr val="000000"/>
+              </a:buClr>
+              <a:buSzPct val="100000"/>
+              <a:buFont typeface="Times New Roman" panose="02020603050405020304" pitchFamily="18" charset="0"/>
+              <a:tabLst>
+                <a:tab pos="0" algn="l"/>
+                <a:tab pos="914400" algn="l"/>
+                <a:tab pos="1828800" algn="l"/>
+                <a:tab pos="2743200" algn="l"/>
+                <a:tab pos="3657600" algn="l"/>
+                <a:tab pos="4572000" algn="l"/>
+                <a:tab pos="5486400" algn="l"/>
+                <a:tab pos="6400800" algn="l"/>
+                <a:tab pos="7315200" algn="l"/>
+                <a:tab pos="8229600" algn="l"/>
+                <a:tab pos="9144000" algn="l"/>
+                <a:tab pos="10058400" algn="l"/>
+                <a:tab pos="10333038" algn="l"/>
+                <a:tab pos="10782300" algn="l"/>
+                <a:tab pos="11231563" algn="l"/>
+                <a:tab pos="11680825" algn="l"/>
+                <a:tab pos="12130088" algn="l"/>
+                <a:tab pos="12579350" algn="l"/>
+                <a:tab pos="13028613" algn="l"/>
+                <a:tab pos="13477875" algn="l"/>
+                <a:tab pos="13927138" algn="l"/>
+                <a:tab pos="14376400" algn="l"/>
+                <a:tab pos="14825663" algn="l"/>
+                <a:tab pos="15274925" algn="l"/>
+              </a:tabLst>
+              <a:defRPr sz="7800">
+                <a:solidFill>
+                  <a:srgbClr val="000000"/>
+                </a:solidFill>
+                <a:latin typeface="Arial" panose="020B0604020202020204" pitchFamily="34" charset="0"/>
+                <a:ea typeface="ＭＳ Ｐゴシック" panose="020B0600070205080204" pitchFamily="34" charset="-128"/>
+              </a:defRPr>
+            </a:lvl8pPr>
+            <a:lvl9pPr marL="3886200" indent="-228600" defTabSz="449263" eaLnBrk="0" fontAlgn="base" hangingPunct="0">
+              <a:spcBef>
+                <a:spcPct val="0"/>
+              </a:spcBef>
+              <a:spcAft>
+                <a:spcPct val="0"/>
+              </a:spcAft>
+              <a:buClr>
+                <a:srgbClr val="000000"/>
+              </a:buClr>
+              <a:buSzPct val="100000"/>
+              <a:buFont typeface="Times New Roman" panose="02020603050405020304" pitchFamily="18" charset="0"/>
+              <a:tabLst>
+                <a:tab pos="0" algn="l"/>
+                <a:tab pos="914400" algn="l"/>
+                <a:tab pos="1828800" algn="l"/>
+                <a:tab pos="2743200" algn="l"/>
+                <a:tab pos="3657600" algn="l"/>
+                <a:tab pos="4572000" algn="l"/>
+                <a:tab pos="5486400" algn="l"/>
+                <a:tab pos="6400800" algn="l"/>
+                <a:tab pos="7315200" algn="l"/>
+                <a:tab pos="8229600" algn="l"/>
+                <a:tab pos="9144000" algn="l"/>
+                <a:tab pos="10058400" algn="l"/>
+                <a:tab pos="10333038" algn="l"/>
+                <a:tab pos="10782300" algn="l"/>
+                <a:tab pos="11231563" algn="l"/>
+                <a:tab pos="11680825" algn="l"/>
+                <a:tab pos="12130088" algn="l"/>
+                <a:tab pos="12579350" algn="l"/>
+                <a:tab pos="13028613" algn="l"/>
+                <a:tab pos="13477875" algn="l"/>
+                <a:tab pos="13927138" algn="l"/>
+                <a:tab pos="14376400" algn="l"/>
+                <a:tab pos="14825663" algn="l"/>
+                <a:tab pos="15274925" algn="l"/>
+              </a:tabLst>
+              <a:defRPr sz="7800">
+                <a:solidFill>
+                  <a:srgbClr val="000000"/>
+                </a:solidFill>
+                <a:latin typeface="Arial" panose="020B0604020202020204" pitchFamily="34" charset="0"/>
+                <a:ea typeface="ＭＳ Ｐゴシック" panose="020B0600070205080204" pitchFamily="34" charset="-128"/>
+              </a:defRPr>
+            </a:lvl9pPr>
+          </a:lstStyle>
+          <a:p>
+            <a:pPr algn="ctr" eaLnBrk="1" hangingPunct="1">
+              <a:buClrTx/>
+              <a:buFontTx/>
+              <a:buNone/>
+            </a:pPr>
+            <a:r>
+              <a:rPr lang="en-GB" altLang="en-US" sz="2667" b="1" dirty="0">
+                <a:solidFill>
+                  <a:srgbClr val="004377"/>
+                </a:solidFill>
+              </a:rPr>
+              <a:t>Introduction</a:t>
+            </a:r>
+          </a:p>
+        </p:txBody>
+      </p:sp>
+      <p:sp>
+        <p:nvSpPr>
+          <p:cNvPr id="12" name="Text Box 9">
+            <a:extLst>
+              <a:ext uri="{FF2B5EF4-FFF2-40B4-BE49-F238E27FC236}">
+                <a16:creationId xmlns:a16="http://schemas.microsoft.com/office/drawing/2014/main" id="{8526764C-F820-DB7C-75A2-F6D3ABFD0A92}"/>
+              </a:ext>
+            </a:extLst>
+          </p:cNvPr>
+          <p:cNvSpPr txBox="1">
+            <a:spLocks noChangeArrowheads="1"/>
+          </p:cNvSpPr>
+          <p:nvPr/>
+        </p:nvSpPr>
+        <p:spPr bwMode="auto">
+          <a:xfrm>
+            <a:off x="201323" y="16155934"/>
+            <a:ext cx="8424000" cy="2393357"/>
+          </a:xfrm>
+          <a:prstGeom prst="rect">
+            <a:avLst/>
+          </a:prstGeom>
+          <a:noFill/>
+          <a:ln>
+            <a:noFill/>
+          </a:ln>
+          <a:effectLst/>
+          <a:extLst>
+            <a:ext uri="{909E8E84-426E-40DD-AFC4-6F175D3DCCD1}">
+              <a14:hiddenFill xmlns:a14="http://schemas.microsoft.com/office/drawing/2010/main">
+                <a:solidFill>
+                  <a:srgbClr val="FFFFFF"/>
+                </a:solidFill>
+              </a14:hiddenFill>
+            </a:ext>
+            <a:ext uri="{91240B29-F687-4F45-9708-019B960494DF}">
+              <a14:hiddenLine xmlns:a14="http://schemas.microsoft.com/office/drawing/2010/main" w="9525" cap="flat">
+                <a:solidFill>
+                  <a:srgbClr val="3465A4"/>
+                </a:solidFill>
+                <a:round/>
+                <a:headEnd/>
+                <a:tailEnd/>
+              </a14:hiddenLine>
+            </a:ext>
+            <a:ext uri="{AF507438-7753-43E0-B8FC-AC1667EBCBE1}">
+              <a14:hiddenEffects xmlns:a14="http://schemas.microsoft.com/office/drawing/2010/main">
+                <a:effectLst>
+                  <a:outerShdw dist="35921" dir="2700000" algn="ctr" rotWithShape="0">
+                    <a:srgbClr val="808080"/>
+                  </a:outerShdw>
+                </a:effectLst>
+              </a14:hiddenEffects>
+            </a:ext>
+          </a:extLst>
+        </p:spPr>
+        <p:txBody>
+          <a:bodyPr wrap="square" lIns="175649" tIns="87825" rIns="175649" bIns="87825">
+            <a:spAutoFit/>
+          </a:bodyPr>
+          <a:lstStyle>
+            <a:lvl1pPr marL="512763" indent="-512763">
+              <a:tabLst>
+                <a:tab pos="512763" algn="l"/>
+                <a:tab pos="1427163" algn="l"/>
+                <a:tab pos="2341563" algn="l"/>
+                <a:tab pos="3255963" algn="l"/>
+                <a:tab pos="4170363" algn="l"/>
+                <a:tab pos="5084763" algn="l"/>
+                <a:tab pos="5999163" algn="l"/>
+                <a:tab pos="6913563" algn="l"/>
+                <a:tab pos="7827963" algn="l"/>
+                <a:tab pos="8742363" algn="l"/>
+                <a:tab pos="9656763" algn="l"/>
+                <a:tab pos="10571163" algn="l"/>
+                <a:tab pos="10782300" algn="l"/>
+                <a:tab pos="11231563" algn="l"/>
+                <a:tab pos="11680825" algn="l"/>
+                <a:tab pos="12130088" algn="l"/>
+                <a:tab pos="12579350" algn="l"/>
+                <a:tab pos="13028613" algn="l"/>
+                <a:tab pos="13477875" algn="l"/>
+                <a:tab pos="13927138" algn="l"/>
+                <a:tab pos="14376400" algn="l"/>
+                <a:tab pos="14825663" algn="l"/>
+                <a:tab pos="15274925" algn="l"/>
+              </a:tabLst>
+              <a:defRPr sz="7800">
+                <a:solidFill>
+                  <a:srgbClr val="000000"/>
+                </a:solidFill>
+                <a:latin typeface="Arial" panose="020B0604020202020204" pitchFamily="34" charset="0"/>
+                <a:ea typeface="ＭＳ Ｐゴシック" panose="020B0600070205080204" pitchFamily="34" charset="-128"/>
+              </a:defRPr>
+            </a:lvl1pPr>
+            <a:lvl2pPr>
+              <a:tabLst>
+                <a:tab pos="512763" algn="l"/>
+                <a:tab pos="1427163" algn="l"/>
+                <a:tab pos="2341563" algn="l"/>
+                <a:tab pos="3255963" algn="l"/>
+                <a:tab pos="4170363" algn="l"/>
+                <a:tab pos="5084763" algn="l"/>
+                <a:tab pos="5999163" algn="l"/>
+                <a:tab pos="6913563" algn="l"/>
+                <a:tab pos="7827963" algn="l"/>
+                <a:tab pos="8742363" algn="l"/>
+                <a:tab pos="9656763" algn="l"/>
+                <a:tab pos="10571163" algn="l"/>
+                <a:tab pos="10782300" algn="l"/>
+                <a:tab pos="11231563" algn="l"/>
+                <a:tab pos="11680825" algn="l"/>
+                <a:tab pos="12130088" algn="l"/>
+                <a:tab pos="12579350" algn="l"/>
+                <a:tab pos="13028613" algn="l"/>
+                <a:tab pos="13477875" algn="l"/>
+                <a:tab pos="13927138" algn="l"/>
+                <a:tab pos="14376400" algn="l"/>
+                <a:tab pos="14825663" algn="l"/>
+                <a:tab pos="15274925" algn="l"/>
+              </a:tabLst>
+              <a:defRPr sz="7800">
+                <a:solidFill>
+                  <a:srgbClr val="000000"/>
+                </a:solidFill>
+                <a:latin typeface="Arial" panose="020B0604020202020204" pitchFamily="34" charset="0"/>
+                <a:ea typeface="ＭＳ Ｐゴシック" panose="020B0600070205080204" pitchFamily="34" charset="-128"/>
+              </a:defRPr>
+            </a:lvl2pPr>
+            <a:lvl3pPr>
+              <a:tabLst>
+                <a:tab pos="512763" algn="l"/>
+                <a:tab pos="1427163" algn="l"/>
+                <a:tab pos="2341563" algn="l"/>
+                <a:tab pos="3255963" algn="l"/>
+                <a:tab pos="4170363" algn="l"/>
+                <a:tab pos="5084763" algn="l"/>
+                <a:tab pos="5999163" algn="l"/>
+                <a:tab pos="6913563" algn="l"/>
+                <a:tab pos="7827963" algn="l"/>
+                <a:tab pos="8742363" algn="l"/>
+                <a:tab pos="9656763" algn="l"/>
+                <a:tab pos="10571163" algn="l"/>
+                <a:tab pos="10782300" algn="l"/>
+                <a:tab pos="11231563" algn="l"/>
+                <a:tab pos="11680825" algn="l"/>
+                <a:tab pos="12130088" algn="l"/>
+                <a:tab pos="12579350" algn="l"/>
+                <a:tab pos="13028613" algn="l"/>
+                <a:tab pos="13477875" algn="l"/>
+                <a:tab pos="13927138" algn="l"/>
+                <a:tab pos="14376400" algn="l"/>
+                <a:tab pos="14825663" algn="l"/>
+                <a:tab pos="15274925" algn="l"/>
+              </a:tabLst>
+              <a:defRPr sz="7800">
+                <a:solidFill>
+                  <a:srgbClr val="000000"/>
+                </a:solidFill>
+                <a:latin typeface="Arial" panose="020B0604020202020204" pitchFamily="34" charset="0"/>
+                <a:ea typeface="ＭＳ Ｐゴシック" panose="020B0600070205080204" pitchFamily="34" charset="-128"/>
+              </a:defRPr>
+            </a:lvl3pPr>
+            <a:lvl4pPr>
+              <a:tabLst>
+                <a:tab pos="512763" algn="l"/>
+                <a:tab pos="1427163" algn="l"/>
+                <a:tab pos="2341563" algn="l"/>
+                <a:tab pos="3255963" algn="l"/>
+                <a:tab pos="4170363" algn="l"/>
+                <a:tab pos="5084763" algn="l"/>
+                <a:tab pos="5999163" algn="l"/>
+                <a:tab pos="6913563" algn="l"/>
+                <a:tab pos="7827963" algn="l"/>
+                <a:tab pos="8742363" algn="l"/>
+                <a:tab pos="9656763" algn="l"/>
+                <a:tab pos="10571163" algn="l"/>
+                <a:tab pos="10782300" algn="l"/>
+                <a:tab pos="11231563" algn="l"/>
+                <a:tab pos="11680825" algn="l"/>
+                <a:tab pos="12130088" algn="l"/>
+                <a:tab pos="12579350" algn="l"/>
+                <a:tab pos="13028613" algn="l"/>
+                <a:tab pos="13477875" algn="l"/>
+                <a:tab pos="13927138" algn="l"/>
+                <a:tab pos="14376400" algn="l"/>
+                <a:tab pos="14825663" algn="l"/>
+                <a:tab pos="15274925" algn="l"/>
+              </a:tabLst>
+              <a:defRPr sz="7800">
+                <a:solidFill>
+                  <a:srgbClr val="000000"/>
+                </a:solidFill>
+                <a:latin typeface="Arial" panose="020B0604020202020204" pitchFamily="34" charset="0"/>
+                <a:ea typeface="ＭＳ Ｐゴシック" panose="020B0600070205080204" pitchFamily="34" charset="-128"/>
+              </a:defRPr>
+            </a:lvl4pPr>
+            <a:lvl5pPr>
+              <a:tabLst>
+                <a:tab pos="512763" algn="l"/>
+                <a:tab pos="1427163" algn="l"/>
+                <a:tab pos="2341563" algn="l"/>
+                <a:tab pos="3255963" algn="l"/>
+                <a:tab pos="4170363" algn="l"/>
+                <a:tab pos="5084763" algn="l"/>
+                <a:tab pos="5999163" algn="l"/>
+                <a:tab pos="6913563" algn="l"/>
+                <a:tab pos="7827963" algn="l"/>
+                <a:tab pos="8742363" algn="l"/>
+                <a:tab pos="9656763" algn="l"/>
+                <a:tab pos="10571163" algn="l"/>
+                <a:tab pos="10782300" algn="l"/>
+                <a:tab pos="11231563" algn="l"/>
+                <a:tab pos="11680825" algn="l"/>
+                <a:tab pos="12130088" algn="l"/>
+                <a:tab pos="12579350" algn="l"/>
+                <a:tab pos="13028613" algn="l"/>
+                <a:tab pos="13477875" algn="l"/>
+                <a:tab pos="13927138" algn="l"/>
+                <a:tab pos="14376400" algn="l"/>
+                <a:tab pos="14825663" algn="l"/>
+                <a:tab pos="15274925" algn="l"/>
+              </a:tabLst>
+              <a:defRPr sz="7800">
+                <a:solidFill>
+                  <a:srgbClr val="000000"/>
+                </a:solidFill>
+                <a:latin typeface="Arial" panose="020B0604020202020204" pitchFamily="34" charset="0"/>
+                <a:ea typeface="ＭＳ Ｐゴシック" panose="020B0600070205080204" pitchFamily="34" charset="-128"/>
+              </a:defRPr>
+            </a:lvl5pPr>
+            <a:lvl6pPr marL="2514600" indent="-228600" defTabSz="449263" eaLnBrk="0" fontAlgn="base" hangingPunct="0">
+              <a:spcBef>
+                <a:spcPct val="0"/>
+              </a:spcBef>
+              <a:spcAft>
+                <a:spcPct val="0"/>
+              </a:spcAft>
+              <a:buClr>
+                <a:srgbClr val="000000"/>
+              </a:buClr>
+              <a:buSzPct val="100000"/>
+              <a:buFont typeface="Times New Roman" panose="02020603050405020304" pitchFamily="18" charset="0"/>
+              <a:tabLst>
+                <a:tab pos="512763" algn="l"/>
+                <a:tab pos="1427163" algn="l"/>
+                <a:tab pos="2341563" algn="l"/>
+                <a:tab pos="3255963" algn="l"/>
+                <a:tab pos="4170363" algn="l"/>
+                <a:tab pos="5084763" algn="l"/>
+                <a:tab pos="5999163" algn="l"/>
+                <a:tab pos="6913563" algn="l"/>
+                <a:tab pos="7827963" algn="l"/>
+                <a:tab pos="8742363" algn="l"/>
+                <a:tab pos="9656763" algn="l"/>
+                <a:tab pos="10571163" algn="l"/>
+                <a:tab pos="10782300" algn="l"/>
+                <a:tab pos="11231563" algn="l"/>
+                <a:tab pos="11680825" algn="l"/>
+                <a:tab pos="12130088" algn="l"/>
+                <a:tab pos="12579350" algn="l"/>
+                <a:tab pos="13028613" algn="l"/>
+                <a:tab pos="13477875" algn="l"/>
+                <a:tab pos="13927138" algn="l"/>
+                <a:tab pos="14376400" algn="l"/>
+                <a:tab pos="14825663" algn="l"/>
+                <a:tab pos="15274925" algn="l"/>
+              </a:tabLst>
+              <a:defRPr sz="7800">
+                <a:solidFill>
+                  <a:srgbClr val="000000"/>
+                </a:solidFill>
+                <a:latin typeface="Arial" panose="020B0604020202020204" pitchFamily="34" charset="0"/>
+                <a:ea typeface="ＭＳ Ｐゴシック" panose="020B0600070205080204" pitchFamily="34" charset="-128"/>
+              </a:defRPr>
+            </a:lvl6pPr>
+            <a:lvl7pPr marL="2971800" indent="-228600" defTabSz="449263" eaLnBrk="0" fontAlgn="base" hangingPunct="0">
+              <a:spcBef>
+                <a:spcPct val="0"/>
+              </a:spcBef>
+              <a:spcAft>
+                <a:spcPct val="0"/>
+              </a:spcAft>
+              <a:buClr>
+                <a:srgbClr val="000000"/>
+              </a:buClr>
+              <a:buSzPct val="100000"/>
+              <a:buFont typeface="Times New Roman" panose="02020603050405020304" pitchFamily="18" charset="0"/>
+              <a:tabLst>
+                <a:tab pos="512763" algn="l"/>
+                <a:tab pos="1427163" algn="l"/>
+                <a:tab pos="2341563" algn="l"/>
+                <a:tab pos="3255963" algn="l"/>
+                <a:tab pos="4170363" algn="l"/>
+                <a:tab pos="5084763" algn="l"/>
+                <a:tab pos="5999163" algn="l"/>
+                <a:tab pos="6913563" algn="l"/>
+                <a:tab pos="7827963" algn="l"/>
+                <a:tab pos="8742363" algn="l"/>
+                <a:tab pos="9656763" algn="l"/>
+                <a:tab pos="10571163" algn="l"/>
+                <a:tab pos="10782300" algn="l"/>
+                <a:tab pos="11231563" algn="l"/>
+                <a:tab pos="11680825" algn="l"/>
+                <a:tab pos="12130088" algn="l"/>
+                <a:tab pos="12579350" algn="l"/>
+                <a:tab pos="13028613" algn="l"/>
+                <a:tab pos="13477875" algn="l"/>
+                <a:tab pos="13927138" algn="l"/>
+                <a:tab pos="14376400" algn="l"/>
+                <a:tab pos="14825663" algn="l"/>
+                <a:tab pos="15274925" algn="l"/>
+              </a:tabLst>
+              <a:defRPr sz="7800">
+                <a:solidFill>
+                  <a:srgbClr val="000000"/>
+                </a:solidFill>
+                <a:latin typeface="Arial" panose="020B0604020202020204" pitchFamily="34" charset="0"/>
+                <a:ea typeface="ＭＳ Ｐゴシック" panose="020B0600070205080204" pitchFamily="34" charset="-128"/>
+              </a:defRPr>
+            </a:lvl7pPr>
+            <a:lvl8pPr marL="3429000" indent="-228600" defTabSz="449263" eaLnBrk="0" fontAlgn="base" hangingPunct="0">
+              <a:spcBef>
+                <a:spcPct val="0"/>
+              </a:spcBef>
+              <a:spcAft>
+                <a:spcPct val="0"/>
+              </a:spcAft>
+              <a:buClr>
+                <a:srgbClr val="000000"/>
+              </a:buClr>
+              <a:buSzPct val="100000"/>
+              <a:buFont typeface="Times New Roman" panose="02020603050405020304" pitchFamily="18" charset="0"/>
+              <a:tabLst>
+                <a:tab pos="512763" algn="l"/>
+                <a:tab pos="1427163" algn="l"/>
+                <a:tab pos="2341563" algn="l"/>
+                <a:tab pos="3255963" algn="l"/>
+                <a:tab pos="4170363" algn="l"/>
+                <a:tab pos="5084763" algn="l"/>
+                <a:tab pos="5999163" algn="l"/>
+                <a:tab pos="6913563" algn="l"/>
+                <a:tab pos="7827963" algn="l"/>
+                <a:tab pos="8742363" algn="l"/>
+                <a:tab pos="9656763" algn="l"/>
+                <a:tab pos="10571163" algn="l"/>
+                <a:tab pos="10782300" algn="l"/>
+                <a:tab pos="11231563" algn="l"/>
+                <a:tab pos="11680825" algn="l"/>
+                <a:tab pos="12130088" algn="l"/>
+                <a:tab pos="12579350" algn="l"/>
+                <a:tab pos="13028613" algn="l"/>
+                <a:tab pos="13477875" algn="l"/>
+                <a:tab pos="13927138" algn="l"/>
+                <a:tab pos="14376400" algn="l"/>
+                <a:tab pos="14825663" algn="l"/>
+                <a:tab pos="15274925" algn="l"/>
+              </a:tabLst>
+              <a:defRPr sz="7800">
+                <a:solidFill>
+                  <a:srgbClr val="000000"/>
+                </a:solidFill>
+                <a:latin typeface="Arial" panose="020B0604020202020204" pitchFamily="34" charset="0"/>
+                <a:ea typeface="ＭＳ Ｐゴシック" panose="020B0600070205080204" pitchFamily="34" charset="-128"/>
+              </a:defRPr>
+            </a:lvl8pPr>
+            <a:lvl9pPr marL="3886200" indent="-228600" defTabSz="449263" eaLnBrk="0" fontAlgn="base" hangingPunct="0">
+              <a:spcBef>
+                <a:spcPct val="0"/>
+              </a:spcBef>
+              <a:spcAft>
+                <a:spcPct val="0"/>
+              </a:spcAft>
+              <a:buClr>
+                <a:srgbClr val="000000"/>
+              </a:buClr>
+              <a:buSzPct val="100000"/>
+              <a:buFont typeface="Times New Roman" panose="02020603050405020304" pitchFamily="18" charset="0"/>
+              <a:tabLst>
+                <a:tab pos="512763" algn="l"/>
+                <a:tab pos="1427163" algn="l"/>
+                <a:tab pos="2341563" algn="l"/>
+                <a:tab pos="3255963" algn="l"/>
+                <a:tab pos="4170363" algn="l"/>
+                <a:tab pos="5084763" algn="l"/>
+                <a:tab pos="5999163" algn="l"/>
+                <a:tab pos="6913563" algn="l"/>
+                <a:tab pos="7827963" algn="l"/>
+                <a:tab pos="8742363" algn="l"/>
+                <a:tab pos="9656763" algn="l"/>
+                <a:tab pos="10571163" algn="l"/>
+                <a:tab pos="10782300" algn="l"/>
+                <a:tab pos="11231563" algn="l"/>
+                <a:tab pos="11680825" algn="l"/>
+                <a:tab pos="12130088" algn="l"/>
+                <a:tab pos="12579350" algn="l"/>
+                <a:tab pos="13028613" algn="l"/>
+                <a:tab pos="13477875" algn="l"/>
+                <a:tab pos="13927138" algn="l"/>
+                <a:tab pos="14376400" algn="l"/>
+                <a:tab pos="14825663" algn="l"/>
+                <a:tab pos="15274925" algn="l"/>
+              </a:tabLst>
+              <a:defRPr sz="7800">
+                <a:solidFill>
+                  <a:srgbClr val="000000"/>
+                </a:solidFill>
+                <a:latin typeface="Arial" panose="020B0604020202020204" pitchFamily="34" charset="0"/>
+                <a:ea typeface="ＭＳ Ｐゴシック" panose="020B0600070205080204" pitchFamily="34" charset="-128"/>
+              </a:defRPr>
+            </a:lvl9pPr>
+          </a:lstStyle>
+          <a:p>
+            <a:pPr>
+              <a:buFont typeface="Arial" panose="020B0604020202020204" pitchFamily="34" charset="0"/>
+              <a:buChar char="•"/>
+            </a:pPr>
+            <a:r>
+              <a:rPr lang="en-US" altLang="en-US" sz="2400" dirty="0">
+                <a:latin typeface="Arial Narrow" panose="020B0606020202030204" pitchFamily="34" charset="0"/>
+              </a:rPr>
+              <a:t>Enhance the </a:t>
+            </a:r>
+            <a:r>
+              <a:rPr lang="en-US" altLang="en-US" sz="2400" b="1" dirty="0">
+                <a:latin typeface="Arial Narrow" panose="020B0606020202030204" pitchFamily="34" charset="0"/>
+              </a:rPr>
+              <a:t>efficiency</a:t>
+            </a:r>
+            <a:r>
+              <a:rPr lang="en-US" altLang="en-US" sz="2400" dirty="0">
+                <a:latin typeface="Arial Narrow" panose="020B0606020202030204" pitchFamily="34" charset="0"/>
+              </a:rPr>
+              <a:t> and </a:t>
+            </a:r>
+            <a:r>
+              <a:rPr lang="en-US" altLang="en-US" sz="2400" b="1" dirty="0">
+                <a:latin typeface="Arial Narrow" panose="020B0606020202030204" pitchFamily="34" charset="0"/>
+              </a:rPr>
+              <a:t>quality</a:t>
+            </a:r>
+            <a:r>
+              <a:rPr lang="en-US" altLang="en-US" sz="2400" dirty="0">
+                <a:latin typeface="Arial Narrow" panose="020B0606020202030204" pitchFamily="34" charset="0"/>
+              </a:rPr>
+              <a:t> of FCUP's weekly timetable development.</a:t>
+            </a:r>
+          </a:p>
+          <a:p>
+            <a:pPr>
+              <a:buFont typeface="Arial" panose="020B0604020202020204" pitchFamily="34" charset="0"/>
+              <a:buChar char="•"/>
+            </a:pPr>
+            <a:r>
+              <a:rPr lang="en-US" altLang="en-US" sz="2400" dirty="0">
+                <a:latin typeface="Arial Narrow" panose="020B0606020202030204" pitchFamily="34" charset="0"/>
+              </a:rPr>
+              <a:t>Provide step-by-step interactive </a:t>
+            </a:r>
+            <a:r>
+              <a:rPr lang="en-US" altLang="en-US" sz="2400" b="1" dirty="0">
+                <a:latin typeface="Arial Narrow" panose="020B0606020202030204" pitchFamily="34" charset="0"/>
+              </a:rPr>
+              <a:t>recommendations</a:t>
+            </a:r>
+            <a:r>
+              <a:rPr lang="en-US" altLang="en-US" sz="2400" dirty="0">
+                <a:latin typeface="Arial Narrow" panose="020B0606020202030204" pitchFamily="34" charset="0"/>
+              </a:rPr>
+              <a:t>.</a:t>
+            </a:r>
+          </a:p>
+          <a:p>
+            <a:pPr>
+              <a:buFont typeface="Arial" panose="020B0604020202020204" pitchFamily="34" charset="0"/>
+              <a:buChar char="•"/>
+            </a:pPr>
+            <a:r>
+              <a:rPr lang="en-US" altLang="en-US" sz="2400" dirty="0">
+                <a:latin typeface="Arial Narrow" panose="020B0606020202030204" pitchFamily="34" charset="0"/>
+              </a:rPr>
+              <a:t>Detect potential </a:t>
+            </a:r>
+            <a:r>
+              <a:rPr lang="en-US" altLang="en-US" sz="2400" b="1" dirty="0">
+                <a:latin typeface="Arial Narrow" panose="020B0606020202030204" pitchFamily="34" charset="0"/>
+              </a:rPr>
+              <a:t>conflicts</a:t>
+            </a:r>
+            <a:r>
+              <a:rPr lang="en-US" altLang="en-US" sz="2400" dirty="0">
+                <a:latin typeface="Arial Narrow" panose="020B0606020202030204" pitchFamily="34" charset="0"/>
+              </a:rPr>
+              <a:t>. </a:t>
+            </a:r>
+          </a:p>
+          <a:p>
+            <a:pPr>
+              <a:buFont typeface="Arial" panose="020B0604020202020204" pitchFamily="34" charset="0"/>
+              <a:buChar char="•"/>
+            </a:pPr>
+            <a:r>
+              <a:rPr lang="en-US" altLang="en-US" sz="2400" dirty="0">
+                <a:latin typeface="Arial Narrow" panose="020B0606020202030204" pitchFamily="34" charset="0"/>
+              </a:rPr>
+              <a:t>Integrate these functionalities into a timetable visualization interface that was previously developed using reactive programming.</a:t>
+            </a:r>
+          </a:p>
+        </p:txBody>
+      </p:sp>
+      <p:sp>
+        <p:nvSpPr>
+          <p:cNvPr id="13" name="Text Box 10">
+            <a:extLst>
+              <a:ext uri="{FF2B5EF4-FFF2-40B4-BE49-F238E27FC236}">
+                <a16:creationId xmlns:a16="http://schemas.microsoft.com/office/drawing/2014/main" id="{3182FAD4-C4F2-C5F4-3D9A-F81CAE24DB9B}"/>
+              </a:ext>
+            </a:extLst>
+          </p:cNvPr>
+          <p:cNvSpPr txBox="1">
+            <a:spLocks noChangeArrowheads="1"/>
+          </p:cNvSpPr>
+          <p:nvPr/>
+        </p:nvSpPr>
+        <p:spPr bwMode="auto">
+          <a:xfrm>
+            <a:off x="153285" y="18636924"/>
+            <a:ext cx="8820000" cy="587799"/>
+          </a:xfrm>
+          <a:prstGeom prst="rect">
+            <a:avLst/>
+          </a:prstGeom>
+          <a:noFill/>
+          <a:ln>
+            <a:noFill/>
+          </a:ln>
+          <a:effectLst/>
+          <a:extLst>
+            <a:ext uri="{909E8E84-426E-40DD-AFC4-6F175D3DCCD1}">
+              <a14:hiddenFill xmlns:a14="http://schemas.microsoft.com/office/drawing/2010/main">
+                <a:solidFill>
+                  <a:srgbClr val="FFFFFF"/>
+                </a:solidFill>
+              </a14:hiddenFill>
+            </a:ext>
+            <a:ext uri="{91240B29-F687-4F45-9708-019B960494DF}">
+              <a14:hiddenLine xmlns:a14="http://schemas.microsoft.com/office/drawing/2010/main" w="9525" cap="flat">
+                <a:solidFill>
+                  <a:srgbClr val="3465A4"/>
+                </a:solidFill>
+                <a:round/>
+                <a:headEnd/>
+                <a:tailEnd/>
+              </a14:hiddenLine>
+            </a:ext>
+            <a:ext uri="{AF507438-7753-43E0-B8FC-AC1667EBCBE1}">
+              <a14:hiddenEffects xmlns:a14="http://schemas.microsoft.com/office/drawing/2010/main">
+                <a:effectLst>
+                  <a:outerShdw dist="35921" dir="2700000" algn="ctr" rotWithShape="0">
+                    <a:srgbClr val="808080"/>
+                  </a:outerShdw>
+                </a:effectLst>
+              </a14:hiddenEffects>
+            </a:ext>
+          </a:extLst>
+        </p:spPr>
+        <p:txBody>
+          <a:bodyPr wrap="square" lIns="175649" tIns="87825" rIns="175649" bIns="87825">
+            <a:spAutoFit/>
+          </a:bodyPr>
+          <a:lstStyle>
+            <a:lvl1pPr>
+              <a:tabLst>
+                <a:tab pos="0" algn="l"/>
+                <a:tab pos="914400" algn="l"/>
+                <a:tab pos="1828800" algn="l"/>
+                <a:tab pos="2743200" algn="l"/>
+                <a:tab pos="3657600" algn="l"/>
+                <a:tab pos="4572000" algn="l"/>
+                <a:tab pos="5486400" algn="l"/>
+                <a:tab pos="6400800" algn="l"/>
+                <a:tab pos="7315200" algn="l"/>
+                <a:tab pos="8229600" algn="l"/>
+                <a:tab pos="9144000" algn="l"/>
+                <a:tab pos="10058400" algn="l"/>
+                <a:tab pos="10333038" algn="l"/>
+                <a:tab pos="10782300" algn="l"/>
+                <a:tab pos="11231563" algn="l"/>
+                <a:tab pos="11680825" algn="l"/>
+                <a:tab pos="12130088" algn="l"/>
+                <a:tab pos="12579350" algn="l"/>
+                <a:tab pos="13028613" algn="l"/>
+                <a:tab pos="13477875" algn="l"/>
+                <a:tab pos="13927138" algn="l"/>
+                <a:tab pos="14376400" algn="l"/>
+                <a:tab pos="14825663" algn="l"/>
+                <a:tab pos="15274925" algn="l"/>
+              </a:tabLst>
+              <a:defRPr sz="7800">
+                <a:solidFill>
+                  <a:srgbClr val="000000"/>
+                </a:solidFill>
+                <a:latin typeface="Arial" panose="020B0604020202020204" pitchFamily="34" charset="0"/>
+                <a:ea typeface="ＭＳ Ｐゴシック" panose="020B0600070205080204" pitchFamily="34" charset="-128"/>
+              </a:defRPr>
+            </a:lvl1pPr>
+            <a:lvl2pPr>
+              <a:tabLst>
+                <a:tab pos="0" algn="l"/>
+                <a:tab pos="914400" algn="l"/>
+                <a:tab pos="1828800" algn="l"/>
+                <a:tab pos="2743200" algn="l"/>
+                <a:tab pos="3657600" algn="l"/>
+                <a:tab pos="4572000" algn="l"/>
+                <a:tab pos="5486400" algn="l"/>
+                <a:tab pos="6400800" algn="l"/>
+                <a:tab pos="7315200" algn="l"/>
+                <a:tab pos="8229600" algn="l"/>
+                <a:tab pos="9144000" algn="l"/>
+                <a:tab pos="10058400" algn="l"/>
+                <a:tab pos="10333038" algn="l"/>
+                <a:tab pos="10782300" algn="l"/>
+                <a:tab pos="11231563" algn="l"/>
+                <a:tab pos="11680825" algn="l"/>
+                <a:tab pos="12130088" algn="l"/>
+                <a:tab pos="12579350" algn="l"/>
+                <a:tab pos="13028613" algn="l"/>
+                <a:tab pos="13477875" algn="l"/>
+                <a:tab pos="13927138" algn="l"/>
+                <a:tab pos="14376400" algn="l"/>
+                <a:tab pos="14825663" algn="l"/>
+                <a:tab pos="15274925" algn="l"/>
+              </a:tabLst>
+              <a:defRPr sz="7800">
+                <a:solidFill>
+                  <a:srgbClr val="000000"/>
+                </a:solidFill>
+                <a:latin typeface="Arial" panose="020B0604020202020204" pitchFamily="34" charset="0"/>
+                <a:ea typeface="ＭＳ Ｐゴシック" panose="020B0600070205080204" pitchFamily="34" charset="-128"/>
+              </a:defRPr>
+            </a:lvl2pPr>
+            <a:lvl3pPr>
+              <a:tabLst>
+                <a:tab pos="0" algn="l"/>
+                <a:tab pos="914400" algn="l"/>
+                <a:tab pos="1828800" algn="l"/>
+                <a:tab pos="2743200" algn="l"/>
+                <a:tab pos="3657600" algn="l"/>
+                <a:tab pos="4572000" algn="l"/>
+                <a:tab pos="5486400" algn="l"/>
+                <a:tab pos="6400800" algn="l"/>
+                <a:tab pos="7315200" algn="l"/>
+                <a:tab pos="8229600" algn="l"/>
+                <a:tab pos="9144000" algn="l"/>
+                <a:tab pos="10058400" algn="l"/>
+                <a:tab pos="10333038" algn="l"/>
+                <a:tab pos="10782300" algn="l"/>
+                <a:tab pos="11231563" algn="l"/>
+                <a:tab pos="11680825" algn="l"/>
+                <a:tab pos="12130088" algn="l"/>
+                <a:tab pos="12579350" algn="l"/>
+                <a:tab pos="13028613" algn="l"/>
+                <a:tab pos="13477875" algn="l"/>
+                <a:tab pos="13927138" algn="l"/>
+                <a:tab pos="14376400" algn="l"/>
+                <a:tab pos="14825663" algn="l"/>
+                <a:tab pos="15274925" algn="l"/>
+              </a:tabLst>
+              <a:defRPr sz="7800">
+                <a:solidFill>
+                  <a:srgbClr val="000000"/>
+                </a:solidFill>
+                <a:latin typeface="Arial" panose="020B0604020202020204" pitchFamily="34" charset="0"/>
+                <a:ea typeface="ＭＳ Ｐゴシック" panose="020B0600070205080204" pitchFamily="34" charset="-128"/>
+              </a:defRPr>
+            </a:lvl3pPr>
+            <a:lvl4pPr>
+              <a:tabLst>
+                <a:tab pos="0" algn="l"/>
+                <a:tab pos="914400" algn="l"/>
+                <a:tab pos="1828800" algn="l"/>
+                <a:tab pos="2743200" algn="l"/>
+                <a:tab pos="3657600" algn="l"/>
+                <a:tab pos="4572000" algn="l"/>
+                <a:tab pos="5486400" algn="l"/>
+                <a:tab pos="6400800" algn="l"/>
+                <a:tab pos="7315200" algn="l"/>
+                <a:tab pos="8229600" algn="l"/>
+                <a:tab pos="9144000" algn="l"/>
+                <a:tab pos="10058400" algn="l"/>
+                <a:tab pos="10333038" algn="l"/>
+                <a:tab pos="10782300" algn="l"/>
+                <a:tab pos="11231563" algn="l"/>
+                <a:tab pos="11680825" algn="l"/>
+                <a:tab pos="12130088" algn="l"/>
+                <a:tab pos="12579350" algn="l"/>
+                <a:tab pos="13028613" algn="l"/>
+                <a:tab pos="13477875" algn="l"/>
+                <a:tab pos="13927138" algn="l"/>
+                <a:tab pos="14376400" algn="l"/>
+                <a:tab pos="14825663" algn="l"/>
+                <a:tab pos="15274925" algn="l"/>
+              </a:tabLst>
+              <a:defRPr sz="7800">
+                <a:solidFill>
+                  <a:srgbClr val="000000"/>
+                </a:solidFill>
+                <a:latin typeface="Arial" panose="020B0604020202020204" pitchFamily="34" charset="0"/>
+                <a:ea typeface="ＭＳ Ｐゴシック" panose="020B0600070205080204" pitchFamily="34" charset="-128"/>
+              </a:defRPr>
+            </a:lvl4pPr>
+            <a:lvl5pPr>
+              <a:tabLst>
+                <a:tab pos="0" algn="l"/>
+                <a:tab pos="914400" algn="l"/>
+                <a:tab pos="1828800" algn="l"/>
+                <a:tab pos="2743200" algn="l"/>
+                <a:tab pos="3657600" algn="l"/>
+                <a:tab pos="4572000" algn="l"/>
+                <a:tab pos="5486400" algn="l"/>
+                <a:tab pos="6400800" algn="l"/>
+                <a:tab pos="7315200" algn="l"/>
+                <a:tab pos="8229600" algn="l"/>
+                <a:tab pos="9144000" algn="l"/>
+                <a:tab pos="10058400" algn="l"/>
+                <a:tab pos="10333038" algn="l"/>
+                <a:tab pos="10782300" algn="l"/>
+                <a:tab pos="11231563" algn="l"/>
+                <a:tab pos="11680825" algn="l"/>
+                <a:tab pos="12130088" algn="l"/>
+                <a:tab pos="12579350" algn="l"/>
+                <a:tab pos="13028613" algn="l"/>
+                <a:tab pos="13477875" algn="l"/>
+                <a:tab pos="13927138" algn="l"/>
+                <a:tab pos="14376400" algn="l"/>
+                <a:tab pos="14825663" algn="l"/>
+                <a:tab pos="15274925" algn="l"/>
+              </a:tabLst>
+              <a:defRPr sz="7800">
+                <a:solidFill>
+                  <a:srgbClr val="000000"/>
+                </a:solidFill>
+                <a:latin typeface="Arial" panose="020B0604020202020204" pitchFamily="34" charset="0"/>
+                <a:ea typeface="ＭＳ Ｐゴシック" panose="020B0600070205080204" pitchFamily="34" charset="-128"/>
+              </a:defRPr>
+            </a:lvl5pPr>
+            <a:lvl6pPr marL="2514600" indent="-228600" defTabSz="449263" eaLnBrk="0" fontAlgn="base" hangingPunct="0">
+              <a:spcBef>
+                <a:spcPct val="0"/>
+              </a:spcBef>
+              <a:spcAft>
+                <a:spcPct val="0"/>
+              </a:spcAft>
+              <a:buClr>
+                <a:srgbClr val="000000"/>
+              </a:buClr>
+              <a:buSzPct val="100000"/>
+              <a:buFont typeface="Times New Roman" panose="02020603050405020304" pitchFamily="18" charset="0"/>
+              <a:tabLst>
+                <a:tab pos="0" algn="l"/>
+                <a:tab pos="914400" algn="l"/>
+                <a:tab pos="1828800" algn="l"/>
+                <a:tab pos="2743200" algn="l"/>
+                <a:tab pos="3657600" algn="l"/>
+                <a:tab pos="4572000" algn="l"/>
+                <a:tab pos="5486400" algn="l"/>
+                <a:tab pos="6400800" algn="l"/>
+                <a:tab pos="7315200" algn="l"/>
+                <a:tab pos="8229600" algn="l"/>
+                <a:tab pos="9144000" algn="l"/>
+                <a:tab pos="10058400" algn="l"/>
+                <a:tab pos="10333038" algn="l"/>
+                <a:tab pos="10782300" algn="l"/>
+                <a:tab pos="11231563" algn="l"/>
+                <a:tab pos="11680825" algn="l"/>
+                <a:tab pos="12130088" algn="l"/>
+                <a:tab pos="12579350" algn="l"/>
+                <a:tab pos="13028613" algn="l"/>
+                <a:tab pos="13477875" algn="l"/>
+                <a:tab pos="13927138" algn="l"/>
+                <a:tab pos="14376400" algn="l"/>
+                <a:tab pos="14825663" algn="l"/>
+                <a:tab pos="15274925" algn="l"/>
+              </a:tabLst>
+              <a:defRPr sz="7800">
+                <a:solidFill>
+                  <a:srgbClr val="000000"/>
+                </a:solidFill>
+                <a:latin typeface="Arial" panose="020B0604020202020204" pitchFamily="34" charset="0"/>
+                <a:ea typeface="ＭＳ Ｐゴシック" panose="020B0600070205080204" pitchFamily="34" charset="-128"/>
+              </a:defRPr>
+            </a:lvl6pPr>
+            <a:lvl7pPr marL="2971800" indent="-228600" defTabSz="449263" eaLnBrk="0" fontAlgn="base" hangingPunct="0">
+              <a:spcBef>
+                <a:spcPct val="0"/>
+              </a:spcBef>
+              <a:spcAft>
+                <a:spcPct val="0"/>
+              </a:spcAft>
+              <a:buClr>
+                <a:srgbClr val="000000"/>
+              </a:buClr>
+              <a:buSzPct val="100000"/>
+              <a:buFont typeface="Times New Roman" panose="02020603050405020304" pitchFamily="18" charset="0"/>
+              <a:tabLst>
+                <a:tab pos="0" algn="l"/>
+                <a:tab pos="914400" algn="l"/>
+                <a:tab pos="1828800" algn="l"/>
+                <a:tab pos="2743200" algn="l"/>
+                <a:tab pos="3657600" algn="l"/>
+                <a:tab pos="4572000" algn="l"/>
+                <a:tab pos="5486400" algn="l"/>
+                <a:tab pos="6400800" algn="l"/>
+                <a:tab pos="7315200" algn="l"/>
+                <a:tab pos="8229600" algn="l"/>
+                <a:tab pos="9144000" algn="l"/>
+                <a:tab pos="10058400" algn="l"/>
+                <a:tab pos="10333038" algn="l"/>
+                <a:tab pos="10782300" algn="l"/>
+                <a:tab pos="11231563" algn="l"/>
+                <a:tab pos="11680825" algn="l"/>
+                <a:tab pos="12130088" algn="l"/>
+                <a:tab pos="12579350" algn="l"/>
+                <a:tab pos="13028613" algn="l"/>
+                <a:tab pos="13477875" algn="l"/>
+                <a:tab pos="13927138" algn="l"/>
+                <a:tab pos="14376400" algn="l"/>
+                <a:tab pos="14825663" algn="l"/>
+                <a:tab pos="15274925" algn="l"/>
+              </a:tabLst>
+              <a:defRPr sz="7800">
+                <a:solidFill>
+                  <a:srgbClr val="000000"/>
+                </a:solidFill>
+                <a:latin typeface="Arial" panose="020B0604020202020204" pitchFamily="34" charset="0"/>
+                <a:ea typeface="ＭＳ Ｐゴシック" panose="020B0600070205080204" pitchFamily="34" charset="-128"/>
+              </a:defRPr>
+            </a:lvl7pPr>
+            <a:lvl8pPr marL="3429000" indent="-228600" defTabSz="449263" eaLnBrk="0" fontAlgn="base" hangingPunct="0">
+              <a:spcBef>
+                <a:spcPct val="0"/>
+              </a:spcBef>
+              <a:spcAft>
+                <a:spcPct val="0"/>
+              </a:spcAft>
+              <a:buClr>
+                <a:srgbClr val="000000"/>
+              </a:buClr>
+              <a:buSzPct val="100000"/>
+              <a:buFont typeface="Times New Roman" panose="02020603050405020304" pitchFamily="18" charset="0"/>
+              <a:tabLst>
+                <a:tab pos="0" algn="l"/>
+                <a:tab pos="914400" algn="l"/>
+                <a:tab pos="1828800" algn="l"/>
+                <a:tab pos="2743200" algn="l"/>
+                <a:tab pos="3657600" algn="l"/>
+                <a:tab pos="4572000" algn="l"/>
+                <a:tab pos="5486400" algn="l"/>
+                <a:tab pos="6400800" algn="l"/>
+                <a:tab pos="7315200" algn="l"/>
+                <a:tab pos="8229600" algn="l"/>
+                <a:tab pos="9144000" algn="l"/>
+                <a:tab pos="10058400" algn="l"/>
+                <a:tab pos="10333038" algn="l"/>
+                <a:tab pos="10782300" algn="l"/>
+                <a:tab pos="11231563" algn="l"/>
+                <a:tab pos="11680825" algn="l"/>
+                <a:tab pos="12130088" algn="l"/>
+                <a:tab pos="12579350" algn="l"/>
+                <a:tab pos="13028613" algn="l"/>
+                <a:tab pos="13477875" algn="l"/>
+                <a:tab pos="13927138" algn="l"/>
+                <a:tab pos="14376400" algn="l"/>
+                <a:tab pos="14825663" algn="l"/>
+                <a:tab pos="15274925" algn="l"/>
+              </a:tabLst>
+              <a:defRPr sz="7800">
+                <a:solidFill>
+                  <a:srgbClr val="000000"/>
+                </a:solidFill>
+                <a:latin typeface="Arial" panose="020B0604020202020204" pitchFamily="34" charset="0"/>
+                <a:ea typeface="ＭＳ Ｐゴシック" panose="020B0600070205080204" pitchFamily="34" charset="-128"/>
+              </a:defRPr>
+            </a:lvl8pPr>
+            <a:lvl9pPr marL="3886200" indent="-228600" defTabSz="449263" eaLnBrk="0" fontAlgn="base" hangingPunct="0">
+              <a:spcBef>
+                <a:spcPct val="0"/>
+              </a:spcBef>
+              <a:spcAft>
+                <a:spcPct val="0"/>
+              </a:spcAft>
+              <a:buClr>
+                <a:srgbClr val="000000"/>
+              </a:buClr>
+              <a:buSzPct val="100000"/>
+              <a:buFont typeface="Times New Roman" panose="02020603050405020304" pitchFamily="18" charset="0"/>
+              <a:tabLst>
+                <a:tab pos="0" algn="l"/>
+                <a:tab pos="914400" algn="l"/>
+                <a:tab pos="1828800" algn="l"/>
+                <a:tab pos="2743200" algn="l"/>
+                <a:tab pos="3657600" algn="l"/>
+                <a:tab pos="4572000" algn="l"/>
+                <a:tab pos="5486400" algn="l"/>
+                <a:tab pos="6400800" algn="l"/>
+                <a:tab pos="7315200" algn="l"/>
+                <a:tab pos="8229600" algn="l"/>
+                <a:tab pos="9144000" algn="l"/>
+                <a:tab pos="10058400" algn="l"/>
+                <a:tab pos="10333038" algn="l"/>
+                <a:tab pos="10782300" algn="l"/>
+                <a:tab pos="11231563" algn="l"/>
+                <a:tab pos="11680825" algn="l"/>
+                <a:tab pos="12130088" algn="l"/>
+                <a:tab pos="12579350" algn="l"/>
+                <a:tab pos="13028613" algn="l"/>
+                <a:tab pos="13477875" algn="l"/>
+                <a:tab pos="13927138" algn="l"/>
+                <a:tab pos="14376400" algn="l"/>
+                <a:tab pos="14825663" algn="l"/>
+                <a:tab pos="15274925" algn="l"/>
+              </a:tabLst>
+              <a:defRPr sz="7800">
+                <a:solidFill>
+                  <a:srgbClr val="000000"/>
+                </a:solidFill>
+                <a:latin typeface="Arial" panose="020B0604020202020204" pitchFamily="34" charset="0"/>
+                <a:ea typeface="ＭＳ Ｐゴシック" panose="020B0600070205080204" pitchFamily="34" charset="-128"/>
+              </a:defRPr>
+            </a:lvl9pPr>
+          </a:lstStyle>
+          <a:p>
+            <a:pPr algn="ctr" eaLnBrk="1" hangingPunct="1">
+              <a:buClrTx/>
+              <a:buFontTx/>
+              <a:buNone/>
+            </a:pPr>
+            <a:r>
+              <a:rPr lang="en-GB" altLang="en-US" sz="2667" b="1" dirty="0">
+                <a:solidFill>
+                  <a:srgbClr val="004377"/>
+                </a:solidFill>
+              </a:rPr>
+              <a:t>State-of-the-Art</a:t>
+            </a:r>
+          </a:p>
+        </p:txBody>
+      </p:sp>
+      <p:sp>
+        <p:nvSpPr>
+          <p:cNvPr id="14" name="Text Box 11">
+            <a:extLst>
+              <a:ext uri="{FF2B5EF4-FFF2-40B4-BE49-F238E27FC236}">
+                <a16:creationId xmlns:a16="http://schemas.microsoft.com/office/drawing/2014/main" id="{8419F88D-7A7F-AECD-4E8A-769E216CFCF5}"/>
+              </a:ext>
+            </a:extLst>
+          </p:cNvPr>
+          <p:cNvSpPr txBox="1">
+            <a:spLocks noChangeArrowheads="1"/>
+          </p:cNvSpPr>
+          <p:nvPr/>
+        </p:nvSpPr>
+        <p:spPr bwMode="auto">
+          <a:xfrm>
+            <a:off x="226701" y="19170463"/>
+            <a:ext cx="8496000" cy="3870684"/>
+          </a:xfrm>
+          <a:prstGeom prst="rect">
+            <a:avLst/>
+          </a:prstGeom>
+          <a:noFill/>
+          <a:ln>
+            <a:noFill/>
+          </a:ln>
+          <a:effectLst/>
+          <a:extLst>
+            <a:ext uri="{909E8E84-426E-40DD-AFC4-6F175D3DCCD1}">
+              <a14:hiddenFill xmlns:a14="http://schemas.microsoft.com/office/drawing/2010/main">
+                <a:solidFill>
+                  <a:srgbClr val="FFFFFF"/>
+                </a:solidFill>
+              </a14:hiddenFill>
+            </a:ext>
+            <a:ext uri="{91240B29-F687-4F45-9708-019B960494DF}">
+              <a14:hiddenLine xmlns:a14="http://schemas.microsoft.com/office/drawing/2010/main" w="9525" cap="flat">
+                <a:solidFill>
+                  <a:srgbClr val="3465A4"/>
+                </a:solidFill>
+                <a:round/>
+                <a:headEnd/>
+                <a:tailEnd/>
+              </a14:hiddenLine>
+            </a:ext>
+            <a:ext uri="{AF507438-7753-43E0-B8FC-AC1667EBCBE1}">
+              <a14:hiddenEffects xmlns:a14="http://schemas.microsoft.com/office/drawing/2010/main">
+                <a:effectLst>
+                  <a:outerShdw dist="35921" dir="2700000" algn="ctr" rotWithShape="0">
+                    <a:srgbClr val="808080"/>
+                  </a:outerShdw>
+                </a:effectLst>
+              </a14:hiddenEffects>
+            </a:ext>
+          </a:extLst>
+        </p:spPr>
+        <p:txBody>
+          <a:bodyPr wrap="square" lIns="175649" tIns="87825" rIns="175649" bIns="87825">
+            <a:spAutoFit/>
+          </a:bodyPr>
+          <a:lstStyle>
+            <a:lvl1pPr marL="512763" indent="-512763">
+              <a:tabLst>
+                <a:tab pos="512763" algn="l"/>
+                <a:tab pos="1427163" algn="l"/>
+                <a:tab pos="2341563" algn="l"/>
+                <a:tab pos="3255963" algn="l"/>
+                <a:tab pos="4170363" algn="l"/>
+                <a:tab pos="5084763" algn="l"/>
+                <a:tab pos="5999163" algn="l"/>
+                <a:tab pos="6913563" algn="l"/>
+                <a:tab pos="7827963" algn="l"/>
+                <a:tab pos="8742363" algn="l"/>
+                <a:tab pos="9656763" algn="l"/>
+                <a:tab pos="10571163" algn="l"/>
+                <a:tab pos="10782300" algn="l"/>
+                <a:tab pos="11231563" algn="l"/>
+                <a:tab pos="11680825" algn="l"/>
+                <a:tab pos="12130088" algn="l"/>
+                <a:tab pos="12579350" algn="l"/>
+                <a:tab pos="13028613" algn="l"/>
+                <a:tab pos="13477875" algn="l"/>
+                <a:tab pos="13927138" algn="l"/>
+                <a:tab pos="14376400" algn="l"/>
+                <a:tab pos="14825663" algn="l"/>
+                <a:tab pos="15274925" algn="l"/>
+              </a:tabLst>
+              <a:defRPr sz="7800">
+                <a:solidFill>
+                  <a:srgbClr val="000000"/>
+                </a:solidFill>
+                <a:latin typeface="Arial" panose="020B0604020202020204" pitchFamily="34" charset="0"/>
+                <a:ea typeface="ＭＳ Ｐゴシック" panose="020B0600070205080204" pitchFamily="34" charset="-128"/>
+              </a:defRPr>
+            </a:lvl1pPr>
+            <a:lvl2pPr>
+              <a:tabLst>
+                <a:tab pos="512763" algn="l"/>
+                <a:tab pos="1427163" algn="l"/>
+                <a:tab pos="2341563" algn="l"/>
+                <a:tab pos="3255963" algn="l"/>
+                <a:tab pos="4170363" algn="l"/>
+                <a:tab pos="5084763" algn="l"/>
+                <a:tab pos="5999163" algn="l"/>
+                <a:tab pos="6913563" algn="l"/>
+                <a:tab pos="7827963" algn="l"/>
+                <a:tab pos="8742363" algn="l"/>
+                <a:tab pos="9656763" algn="l"/>
+                <a:tab pos="10571163" algn="l"/>
+                <a:tab pos="10782300" algn="l"/>
+                <a:tab pos="11231563" algn="l"/>
+                <a:tab pos="11680825" algn="l"/>
+                <a:tab pos="12130088" algn="l"/>
+                <a:tab pos="12579350" algn="l"/>
+                <a:tab pos="13028613" algn="l"/>
+                <a:tab pos="13477875" algn="l"/>
+                <a:tab pos="13927138" algn="l"/>
+                <a:tab pos="14376400" algn="l"/>
+                <a:tab pos="14825663" algn="l"/>
+                <a:tab pos="15274925" algn="l"/>
+              </a:tabLst>
+              <a:defRPr sz="7800">
+                <a:solidFill>
+                  <a:srgbClr val="000000"/>
+                </a:solidFill>
+                <a:latin typeface="Arial" panose="020B0604020202020204" pitchFamily="34" charset="0"/>
+                <a:ea typeface="ＭＳ Ｐゴシック" panose="020B0600070205080204" pitchFamily="34" charset="-128"/>
+              </a:defRPr>
+            </a:lvl2pPr>
+            <a:lvl3pPr>
+              <a:tabLst>
+                <a:tab pos="512763" algn="l"/>
+                <a:tab pos="1427163" algn="l"/>
+                <a:tab pos="2341563" algn="l"/>
+                <a:tab pos="3255963" algn="l"/>
+                <a:tab pos="4170363" algn="l"/>
+                <a:tab pos="5084763" algn="l"/>
+                <a:tab pos="5999163" algn="l"/>
+                <a:tab pos="6913563" algn="l"/>
+                <a:tab pos="7827963" algn="l"/>
+                <a:tab pos="8742363" algn="l"/>
+                <a:tab pos="9656763" algn="l"/>
+                <a:tab pos="10571163" algn="l"/>
+                <a:tab pos="10782300" algn="l"/>
+                <a:tab pos="11231563" algn="l"/>
+                <a:tab pos="11680825" algn="l"/>
+                <a:tab pos="12130088" algn="l"/>
+                <a:tab pos="12579350" algn="l"/>
+                <a:tab pos="13028613" algn="l"/>
+                <a:tab pos="13477875" algn="l"/>
+                <a:tab pos="13927138" algn="l"/>
+                <a:tab pos="14376400" algn="l"/>
+                <a:tab pos="14825663" algn="l"/>
+                <a:tab pos="15274925" algn="l"/>
+              </a:tabLst>
+              <a:defRPr sz="7800">
+                <a:solidFill>
+                  <a:srgbClr val="000000"/>
+                </a:solidFill>
+                <a:latin typeface="Arial" panose="020B0604020202020204" pitchFamily="34" charset="0"/>
+                <a:ea typeface="ＭＳ Ｐゴシック" panose="020B0600070205080204" pitchFamily="34" charset="-128"/>
+              </a:defRPr>
+            </a:lvl3pPr>
+            <a:lvl4pPr>
+              <a:tabLst>
+                <a:tab pos="512763" algn="l"/>
+                <a:tab pos="1427163" algn="l"/>
+                <a:tab pos="2341563" algn="l"/>
+                <a:tab pos="3255963" algn="l"/>
+                <a:tab pos="4170363" algn="l"/>
+                <a:tab pos="5084763" algn="l"/>
+                <a:tab pos="5999163" algn="l"/>
+                <a:tab pos="6913563" algn="l"/>
+                <a:tab pos="7827963" algn="l"/>
+                <a:tab pos="8742363" algn="l"/>
+                <a:tab pos="9656763" algn="l"/>
+                <a:tab pos="10571163" algn="l"/>
+                <a:tab pos="10782300" algn="l"/>
+                <a:tab pos="11231563" algn="l"/>
+                <a:tab pos="11680825" algn="l"/>
+                <a:tab pos="12130088" algn="l"/>
+                <a:tab pos="12579350" algn="l"/>
+                <a:tab pos="13028613" algn="l"/>
+                <a:tab pos="13477875" algn="l"/>
+                <a:tab pos="13927138" algn="l"/>
+                <a:tab pos="14376400" algn="l"/>
+                <a:tab pos="14825663" algn="l"/>
+                <a:tab pos="15274925" algn="l"/>
+              </a:tabLst>
+              <a:defRPr sz="7800">
+                <a:solidFill>
+                  <a:srgbClr val="000000"/>
+                </a:solidFill>
+                <a:latin typeface="Arial" panose="020B0604020202020204" pitchFamily="34" charset="0"/>
+                <a:ea typeface="ＭＳ Ｐゴシック" panose="020B0600070205080204" pitchFamily="34" charset="-128"/>
+              </a:defRPr>
+            </a:lvl4pPr>
+            <a:lvl5pPr>
+              <a:tabLst>
+                <a:tab pos="512763" algn="l"/>
+                <a:tab pos="1427163" algn="l"/>
+                <a:tab pos="2341563" algn="l"/>
+                <a:tab pos="3255963" algn="l"/>
+                <a:tab pos="4170363" algn="l"/>
+                <a:tab pos="5084763" algn="l"/>
+                <a:tab pos="5999163" algn="l"/>
+                <a:tab pos="6913563" algn="l"/>
+                <a:tab pos="7827963" algn="l"/>
+                <a:tab pos="8742363" algn="l"/>
+                <a:tab pos="9656763" algn="l"/>
+                <a:tab pos="10571163" algn="l"/>
+                <a:tab pos="10782300" algn="l"/>
+                <a:tab pos="11231563" algn="l"/>
+                <a:tab pos="11680825" algn="l"/>
+                <a:tab pos="12130088" algn="l"/>
+                <a:tab pos="12579350" algn="l"/>
+                <a:tab pos="13028613" algn="l"/>
+                <a:tab pos="13477875" algn="l"/>
+                <a:tab pos="13927138" algn="l"/>
+                <a:tab pos="14376400" algn="l"/>
+                <a:tab pos="14825663" algn="l"/>
+                <a:tab pos="15274925" algn="l"/>
+              </a:tabLst>
+              <a:defRPr sz="7800">
+                <a:solidFill>
+                  <a:srgbClr val="000000"/>
+                </a:solidFill>
+                <a:latin typeface="Arial" panose="020B0604020202020204" pitchFamily="34" charset="0"/>
+                <a:ea typeface="ＭＳ Ｐゴシック" panose="020B0600070205080204" pitchFamily="34" charset="-128"/>
+              </a:defRPr>
+            </a:lvl5pPr>
+            <a:lvl6pPr marL="2514600" indent="-228600" defTabSz="449263" eaLnBrk="0" fontAlgn="base" hangingPunct="0">
+              <a:spcBef>
+                <a:spcPct val="0"/>
+              </a:spcBef>
+              <a:spcAft>
+                <a:spcPct val="0"/>
+              </a:spcAft>
+              <a:buClr>
+                <a:srgbClr val="000000"/>
+              </a:buClr>
+              <a:buSzPct val="100000"/>
+              <a:buFont typeface="Times New Roman" panose="02020603050405020304" pitchFamily="18" charset="0"/>
+              <a:tabLst>
+                <a:tab pos="512763" algn="l"/>
+                <a:tab pos="1427163" algn="l"/>
+                <a:tab pos="2341563" algn="l"/>
+                <a:tab pos="3255963" algn="l"/>
+                <a:tab pos="4170363" algn="l"/>
+                <a:tab pos="5084763" algn="l"/>
+                <a:tab pos="5999163" algn="l"/>
+                <a:tab pos="6913563" algn="l"/>
+                <a:tab pos="7827963" algn="l"/>
+                <a:tab pos="8742363" algn="l"/>
+                <a:tab pos="9656763" algn="l"/>
+                <a:tab pos="10571163" algn="l"/>
+                <a:tab pos="10782300" algn="l"/>
+                <a:tab pos="11231563" algn="l"/>
+                <a:tab pos="11680825" algn="l"/>
+                <a:tab pos="12130088" algn="l"/>
+                <a:tab pos="12579350" algn="l"/>
+                <a:tab pos="13028613" algn="l"/>
+                <a:tab pos="13477875" algn="l"/>
+                <a:tab pos="13927138" algn="l"/>
+                <a:tab pos="14376400" algn="l"/>
+                <a:tab pos="14825663" algn="l"/>
+                <a:tab pos="15274925" algn="l"/>
+              </a:tabLst>
+              <a:defRPr sz="7800">
+                <a:solidFill>
+                  <a:srgbClr val="000000"/>
+                </a:solidFill>
+                <a:latin typeface="Arial" panose="020B0604020202020204" pitchFamily="34" charset="0"/>
+                <a:ea typeface="ＭＳ Ｐゴシック" panose="020B0600070205080204" pitchFamily="34" charset="-128"/>
+              </a:defRPr>
+            </a:lvl6pPr>
+            <a:lvl7pPr marL="2971800" indent="-228600" defTabSz="449263" eaLnBrk="0" fontAlgn="base" hangingPunct="0">
+              <a:spcBef>
+                <a:spcPct val="0"/>
+              </a:spcBef>
+              <a:spcAft>
+                <a:spcPct val="0"/>
+              </a:spcAft>
+              <a:buClr>
+                <a:srgbClr val="000000"/>
+              </a:buClr>
+              <a:buSzPct val="100000"/>
+              <a:buFont typeface="Times New Roman" panose="02020603050405020304" pitchFamily="18" charset="0"/>
+              <a:tabLst>
+                <a:tab pos="512763" algn="l"/>
+                <a:tab pos="1427163" algn="l"/>
+                <a:tab pos="2341563" algn="l"/>
+                <a:tab pos="3255963" algn="l"/>
+                <a:tab pos="4170363" algn="l"/>
+                <a:tab pos="5084763" algn="l"/>
+                <a:tab pos="5999163" algn="l"/>
+                <a:tab pos="6913563" algn="l"/>
+                <a:tab pos="7827963" algn="l"/>
+                <a:tab pos="8742363" algn="l"/>
+                <a:tab pos="9656763" algn="l"/>
+                <a:tab pos="10571163" algn="l"/>
+                <a:tab pos="10782300" algn="l"/>
+                <a:tab pos="11231563" algn="l"/>
+                <a:tab pos="11680825" algn="l"/>
+                <a:tab pos="12130088" algn="l"/>
+                <a:tab pos="12579350" algn="l"/>
+                <a:tab pos="13028613" algn="l"/>
+                <a:tab pos="13477875" algn="l"/>
+                <a:tab pos="13927138" algn="l"/>
+                <a:tab pos="14376400" algn="l"/>
+                <a:tab pos="14825663" algn="l"/>
+                <a:tab pos="15274925" algn="l"/>
+              </a:tabLst>
+              <a:defRPr sz="7800">
+                <a:solidFill>
+                  <a:srgbClr val="000000"/>
+                </a:solidFill>
+                <a:latin typeface="Arial" panose="020B0604020202020204" pitchFamily="34" charset="0"/>
+                <a:ea typeface="ＭＳ Ｐゴシック" panose="020B0600070205080204" pitchFamily="34" charset="-128"/>
+              </a:defRPr>
+            </a:lvl7pPr>
+            <a:lvl8pPr marL="3429000" indent="-228600" defTabSz="449263" eaLnBrk="0" fontAlgn="base" hangingPunct="0">
+              <a:spcBef>
+                <a:spcPct val="0"/>
+              </a:spcBef>
+              <a:spcAft>
+                <a:spcPct val="0"/>
+              </a:spcAft>
+              <a:buClr>
+                <a:srgbClr val="000000"/>
+              </a:buClr>
+              <a:buSzPct val="100000"/>
+              <a:buFont typeface="Times New Roman" panose="02020603050405020304" pitchFamily="18" charset="0"/>
+              <a:tabLst>
+                <a:tab pos="512763" algn="l"/>
+                <a:tab pos="1427163" algn="l"/>
+                <a:tab pos="2341563" algn="l"/>
+                <a:tab pos="3255963" algn="l"/>
+                <a:tab pos="4170363" algn="l"/>
+                <a:tab pos="5084763" algn="l"/>
+                <a:tab pos="5999163" algn="l"/>
+                <a:tab pos="6913563" algn="l"/>
+                <a:tab pos="7827963" algn="l"/>
+                <a:tab pos="8742363" algn="l"/>
+                <a:tab pos="9656763" algn="l"/>
+                <a:tab pos="10571163" algn="l"/>
+                <a:tab pos="10782300" algn="l"/>
+                <a:tab pos="11231563" algn="l"/>
+                <a:tab pos="11680825" algn="l"/>
+                <a:tab pos="12130088" algn="l"/>
+                <a:tab pos="12579350" algn="l"/>
+                <a:tab pos="13028613" algn="l"/>
+                <a:tab pos="13477875" algn="l"/>
+                <a:tab pos="13927138" algn="l"/>
+                <a:tab pos="14376400" algn="l"/>
+                <a:tab pos="14825663" algn="l"/>
+                <a:tab pos="15274925" algn="l"/>
+              </a:tabLst>
+              <a:defRPr sz="7800">
+                <a:solidFill>
+                  <a:srgbClr val="000000"/>
+                </a:solidFill>
+                <a:latin typeface="Arial" panose="020B0604020202020204" pitchFamily="34" charset="0"/>
+                <a:ea typeface="ＭＳ Ｐゴシック" panose="020B0600070205080204" pitchFamily="34" charset="-128"/>
+              </a:defRPr>
+            </a:lvl8pPr>
+            <a:lvl9pPr marL="3886200" indent="-228600" defTabSz="449263" eaLnBrk="0" fontAlgn="base" hangingPunct="0">
+              <a:spcBef>
+                <a:spcPct val="0"/>
+              </a:spcBef>
+              <a:spcAft>
+                <a:spcPct val="0"/>
+              </a:spcAft>
+              <a:buClr>
+                <a:srgbClr val="000000"/>
+              </a:buClr>
+              <a:buSzPct val="100000"/>
+              <a:buFont typeface="Times New Roman" panose="02020603050405020304" pitchFamily="18" charset="0"/>
+              <a:tabLst>
+                <a:tab pos="512763" algn="l"/>
+                <a:tab pos="1427163" algn="l"/>
+                <a:tab pos="2341563" algn="l"/>
+                <a:tab pos="3255963" algn="l"/>
+                <a:tab pos="4170363" algn="l"/>
+                <a:tab pos="5084763" algn="l"/>
+                <a:tab pos="5999163" algn="l"/>
+                <a:tab pos="6913563" algn="l"/>
+                <a:tab pos="7827963" algn="l"/>
+                <a:tab pos="8742363" algn="l"/>
+                <a:tab pos="9656763" algn="l"/>
+                <a:tab pos="10571163" algn="l"/>
+                <a:tab pos="10782300" algn="l"/>
+                <a:tab pos="11231563" algn="l"/>
+                <a:tab pos="11680825" algn="l"/>
+                <a:tab pos="12130088" algn="l"/>
+                <a:tab pos="12579350" algn="l"/>
+                <a:tab pos="13028613" algn="l"/>
+                <a:tab pos="13477875" algn="l"/>
+                <a:tab pos="13927138" algn="l"/>
+                <a:tab pos="14376400" algn="l"/>
+                <a:tab pos="14825663" algn="l"/>
+                <a:tab pos="15274925" algn="l"/>
+              </a:tabLst>
+              <a:defRPr sz="7800">
+                <a:solidFill>
+                  <a:srgbClr val="000000"/>
+                </a:solidFill>
+                <a:latin typeface="Arial" panose="020B0604020202020204" pitchFamily="34" charset="0"/>
+                <a:ea typeface="ＭＳ Ｐゴシック" panose="020B0600070205080204" pitchFamily="34" charset="-128"/>
+              </a:defRPr>
+            </a:lvl9pPr>
+          </a:lstStyle>
+          <a:p>
+            <a:pPr>
+              <a:buFont typeface="Arial" panose="020B0604020202020204" pitchFamily="34" charset="0"/>
+              <a:buChar char="•"/>
+            </a:pPr>
+            <a:r>
+              <a:rPr lang="en-US" altLang="en-US" sz="2400" dirty="0">
+                <a:latin typeface="Arial Narrow" panose="020B0606020202030204" pitchFamily="34" charset="0"/>
+              </a:rPr>
+              <a:t>Analyzed various </a:t>
+            </a:r>
+            <a:r>
+              <a:rPr lang="en-US" altLang="en-US" sz="2400" b="1" dirty="0">
+                <a:latin typeface="Arial Narrow" panose="020B0606020202030204" pitchFamily="34" charset="0"/>
+              </a:rPr>
+              <a:t>surveys</a:t>
+            </a:r>
+            <a:r>
+              <a:rPr lang="en-US" altLang="en-US" sz="2400" dirty="0">
+                <a:latin typeface="Arial Narrow" panose="020B0606020202030204" pitchFamily="34" charset="0"/>
+              </a:rPr>
+              <a:t> [1,2,3,4] and categorized UCTTP solutions based on their problem-solving strategies.</a:t>
+            </a:r>
+          </a:p>
+          <a:p>
+            <a:pPr>
+              <a:buFont typeface="Arial" panose="020B0604020202020204" pitchFamily="34" charset="0"/>
+              <a:buChar char="•"/>
+            </a:pPr>
+            <a:r>
+              <a:rPr lang="en-US" altLang="en-US" sz="2400" dirty="0">
+                <a:latin typeface="Arial Narrow" panose="020B0606020202030204" pitchFamily="34" charset="0"/>
+              </a:rPr>
+              <a:t>Among the approaches, </a:t>
+            </a:r>
+            <a:r>
+              <a:rPr lang="en-US" altLang="en-US" sz="2400" b="1" dirty="0">
+                <a:latin typeface="Arial Narrow" panose="020B0606020202030204" pitchFamily="34" charset="0"/>
+              </a:rPr>
+              <a:t>metaheuristics</a:t>
+            </a:r>
+            <a:r>
+              <a:rPr lang="en-US" altLang="en-US" sz="2400" dirty="0">
+                <a:latin typeface="Arial Narrow" panose="020B0606020202030204" pitchFamily="34" charset="0"/>
+              </a:rPr>
+              <a:t> emerged as the most promising, particularly single-solution-based algorithms like </a:t>
+            </a:r>
+            <a:r>
+              <a:rPr lang="en-US" altLang="en-US" sz="2400" b="1" dirty="0">
+                <a:latin typeface="Arial Narrow" panose="020B0606020202030204" pitchFamily="34" charset="0"/>
+              </a:rPr>
+              <a:t>Simulated Annealing</a:t>
+            </a:r>
+            <a:r>
+              <a:rPr lang="en-US" altLang="en-US" sz="2400" dirty="0">
+                <a:latin typeface="Arial Narrow" panose="020B0606020202030204" pitchFamily="34" charset="0"/>
+              </a:rPr>
+              <a:t> and </a:t>
+            </a:r>
+            <a:r>
+              <a:rPr lang="en-US" altLang="en-US" sz="2400" b="1" dirty="0">
+                <a:latin typeface="Arial Narrow" panose="020B0606020202030204" pitchFamily="34" charset="0"/>
+              </a:rPr>
+              <a:t>Tabu Search</a:t>
+            </a:r>
+            <a:r>
+              <a:rPr lang="en-US" altLang="en-US" sz="2400" dirty="0">
+                <a:latin typeface="Arial Narrow" panose="020B0606020202030204" pitchFamily="34" charset="0"/>
+              </a:rPr>
+              <a:t>.</a:t>
+            </a:r>
+          </a:p>
+          <a:p>
+            <a:pPr>
+              <a:buFont typeface="Arial" panose="020B0604020202020204" pitchFamily="34" charset="0"/>
+              <a:buChar char="•"/>
+            </a:pPr>
+            <a:r>
+              <a:rPr lang="en-US" sz="2400" b="1" dirty="0">
+                <a:latin typeface="Arial Narrow" panose="020B0606020202030204" pitchFamily="34" charset="0"/>
+              </a:rPr>
+              <a:t>Hybrid approaches</a:t>
+            </a:r>
+            <a:r>
+              <a:rPr lang="en-US" sz="2400" dirty="0">
+                <a:latin typeface="Arial Narrow" panose="020B0606020202030204" pitchFamily="34" charset="0"/>
+              </a:rPr>
+              <a:t>, such as the one used by Tomáš Müller [5] in the Second International Timetabling Competition (</a:t>
+            </a:r>
+            <a:r>
+              <a:rPr lang="en-US" sz="2400" b="1" dirty="0">
+                <a:latin typeface="Arial Narrow" panose="020B0606020202030204" pitchFamily="34" charset="0"/>
+              </a:rPr>
+              <a:t>ITC-2007</a:t>
+            </a:r>
+            <a:r>
+              <a:rPr lang="en-US" sz="2400" dirty="0">
+                <a:latin typeface="Arial Narrow" panose="020B0606020202030204" pitchFamily="34" charset="0"/>
+              </a:rPr>
+              <a:t>), were also shown to be effective.</a:t>
+            </a:r>
+            <a:endParaRPr lang="en-US" altLang="en-US" sz="2400" dirty="0">
+              <a:latin typeface="Arial Narrow" panose="020B0606020202030204" pitchFamily="34" charset="0"/>
+            </a:endParaRPr>
+          </a:p>
+          <a:p>
+            <a:pPr>
+              <a:buFont typeface="Arial" panose="020B0604020202020204" pitchFamily="34" charset="0"/>
+              <a:buChar char="•"/>
+            </a:pPr>
+            <a:r>
+              <a:rPr lang="en-US" sz="2400" b="1" dirty="0">
+                <a:latin typeface="Arial Narrow" panose="020B0606020202030204" pitchFamily="34" charset="0"/>
+              </a:rPr>
+              <a:t>MCTS </a:t>
+            </a:r>
+            <a:r>
+              <a:rPr lang="en-US" sz="2400" dirty="0">
+                <a:latin typeface="Arial Narrow" panose="020B0606020202030204" pitchFamily="34" charset="0"/>
+              </a:rPr>
+              <a:t>has not been explored in the context of UCTTP, and this is the </a:t>
+            </a:r>
+            <a:r>
+              <a:rPr lang="en-US" sz="2400" b="1" dirty="0">
+                <a:latin typeface="Arial Narrow" panose="020B0606020202030204" pitchFamily="34" charset="0"/>
+              </a:rPr>
+              <a:t>novel contribution</a:t>
+            </a:r>
+            <a:r>
+              <a:rPr lang="en-US" sz="2400" dirty="0">
+                <a:latin typeface="Arial Narrow" panose="020B0606020202030204" pitchFamily="34" charset="0"/>
+              </a:rPr>
+              <a:t> of our work.</a:t>
+            </a:r>
+            <a:endParaRPr lang="en-US" altLang="en-US" sz="2400" dirty="0">
+              <a:latin typeface="Arial Narrow" panose="020B0606020202030204" pitchFamily="34" charset="0"/>
+            </a:endParaRPr>
+          </a:p>
+        </p:txBody>
+      </p:sp>
+      <p:sp>
+        <p:nvSpPr>
+          <p:cNvPr id="15" name="Text Box 12">
+            <a:extLst>
+              <a:ext uri="{FF2B5EF4-FFF2-40B4-BE49-F238E27FC236}">
+                <a16:creationId xmlns:a16="http://schemas.microsoft.com/office/drawing/2014/main" id="{9DFE8FF2-1319-72E9-F4BD-9946E6666EED}"/>
+              </a:ext>
+            </a:extLst>
+          </p:cNvPr>
+          <p:cNvSpPr txBox="1">
+            <a:spLocks noChangeArrowheads="1"/>
+          </p:cNvSpPr>
+          <p:nvPr/>
+        </p:nvSpPr>
+        <p:spPr bwMode="auto">
+          <a:xfrm>
+            <a:off x="9187589" y="17352515"/>
+            <a:ext cx="8460000" cy="6025120"/>
+          </a:xfrm>
+          <a:prstGeom prst="rect">
+            <a:avLst/>
+          </a:prstGeom>
+          <a:noFill/>
+          <a:ln>
+            <a:noFill/>
+          </a:ln>
+          <a:effectLst/>
+          <a:extLst>
+            <a:ext uri="{909E8E84-426E-40DD-AFC4-6F175D3DCCD1}">
+              <a14:hiddenFill xmlns:a14="http://schemas.microsoft.com/office/drawing/2010/main">
+                <a:solidFill>
+                  <a:srgbClr val="FFFFFF"/>
+                </a:solidFill>
+              </a14:hiddenFill>
+            </a:ext>
+            <a:ext uri="{91240B29-F687-4F45-9708-019B960494DF}">
+              <a14:hiddenLine xmlns:a14="http://schemas.microsoft.com/office/drawing/2010/main" w="9525" cap="flat">
+                <a:solidFill>
+                  <a:srgbClr val="3465A4"/>
+                </a:solidFill>
+                <a:round/>
+                <a:headEnd/>
+                <a:tailEnd/>
+              </a14:hiddenLine>
+            </a:ext>
+            <a:ext uri="{AF507438-7753-43E0-B8FC-AC1667EBCBE1}">
+              <a14:hiddenEffects xmlns:a14="http://schemas.microsoft.com/office/drawing/2010/main">
+                <a:effectLst>
+                  <a:outerShdw dist="35921" dir="2700000" algn="ctr" rotWithShape="0">
+                    <a:srgbClr val="808080"/>
+                  </a:outerShdw>
+                </a:effectLst>
+              </a14:hiddenEffects>
+            </a:ext>
+          </a:extLst>
+        </p:spPr>
+        <p:txBody>
+          <a:bodyPr lIns="175649" tIns="87825" rIns="175649" bIns="87825">
+            <a:spAutoFit/>
+          </a:bodyPr>
+          <a:lstStyle>
+            <a:lvl1pPr marL="512763" indent="-512763">
+              <a:tabLst>
+                <a:tab pos="512763" algn="l"/>
+                <a:tab pos="1427163" algn="l"/>
+                <a:tab pos="2341563" algn="l"/>
+                <a:tab pos="3255963" algn="l"/>
+                <a:tab pos="4170363" algn="l"/>
+                <a:tab pos="5084763" algn="l"/>
+                <a:tab pos="5999163" algn="l"/>
+                <a:tab pos="6913563" algn="l"/>
+                <a:tab pos="7827963" algn="l"/>
+                <a:tab pos="8742363" algn="l"/>
+                <a:tab pos="9656763" algn="l"/>
+                <a:tab pos="10571163" algn="l"/>
+                <a:tab pos="10782300" algn="l"/>
+                <a:tab pos="11231563" algn="l"/>
+                <a:tab pos="11680825" algn="l"/>
+                <a:tab pos="12130088" algn="l"/>
+                <a:tab pos="12579350" algn="l"/>
+                <a:tab pos="13028613" algn="l"/>
+                <a:tab pos="13477875" algn="l"/>
+              </a:tabLst>
+              <a:defRPr sz="7800">
+                <a:solidFill>
+                  <a:srgbClr val="000000"/>
+                </a:solidFill>
+                <a:latin typeface="Arial" panose="020B0604020202020204" pitchFamily="34" charset="0"/>
+                <a:ea typeface="ＭＳ Ｐゴシック" panose="020B0600070205080204" pitchFamily="34" charset="-128"/>
+              </a:defRPr>
+            </a:lvl1pPr>
+            <a:lvl2pPr>
+              <a:tabLst>
+                <a:tab pos="512763" algn="l"/>
+                <a:tab pos="1427163" algn="l"/>
+                <a:tab pos="2341563" algn="l"/>
+                <a:tab pos="3255963" algn="l"/>
+                <a:tab pos="4170363" algn="l"/>
+                <a:tab pos="5084763" algn="l"/>
+                <a:tab pos="5999163" algn="l"/>
+                <a:tab pos="6913563" algn="l"/>
+                <a:tab pos="7827963" algn="l"/>
+                <a:tab pos="8742363" algn="l"/>
+                <a:tab pos="9656763" algn="l"/>
+                <a:tab pos="10571163" algn="l"/>
+                <a:tab pos="10782300" algn="l"/>
+                <a:tab pos="11231563" algn="l"/>
+                <a:tab pos="11680825" algn="l"/>
+                <a:tab pos="12130088" algn="l"/>
+                <a:tab pos="12579350" algn="l"/>
+                <a:tab pos="13028613" algn="l"/>
+                <a:tab pos="13477875" algn="l"/>
+              </a:tabLst>
+              <a:defRPr sz="7800">
+                <a:solidFill>
+                  <a:srgbClr val="000000"/>
+                </a:solidFill>
+                <a:latin typeface="Arial" panose="020B0604020202020204" pitchFamily="34" charset="0"/>
+                <a:ea typeface="ＭＳ Ｐゴシック" panose="020B0600070205080204" pitchFamily="34" charset="-128"/>
+              </a:defRPr>
+            </a:lvl2pPr>
+            <a:lvl3pPr>
+              <a:tabLst>
+                <a:tab pos="512763" algn="l"/>
+                <a:tab pos="1427163" algn="l"/>
+                <a:tab pos="2341563" algn="l"/>
+                <a:tab pos="3255963" algn="l"/>
+                <a:tab pos="4170363" algn="l"/>
+                <a:tab pos="5084763" algn="l"/>
+                <a:tab pos="5999163" algn="l"/>
+                <a:tab pos="6913563" algn="l"/>
+                <a:tab pos="7827963" algn="l"/>
+                <a:tab pos="8742363" algn="l"/>
+                <a:tab pos="9656763" algn="l"/>
+                <a:tab pos="10571163" algn="l"/>
+                <a:tab pos="10782300" algn="l"/>
+                <a:tab pos="11231563" algn="l"/>
+                <a:tab pos="11680825" algn="l"/>
+                <a:tab pos="12130088" algn="l"/>
+                <a:tab pos="12579350" algn="l"/>
+                <a:tab pos="13028613" algn="l"/>
+                <a:tab pos="13477875" algn="l"/>
+              </a:tabLst>
+              <a:defRPr sz="7800">
+                <a:solidFill>
+                  <a:srgbClr val="000000"/>
+                </a:solidFill>
+                <a:latin typeface="Arial" panose="020B0604020202020204" pitchFamily="34" charset="0"/>
+                <a:ea typeface="ＭＳ Ｐゴシック" panose="020B0600070205080204" pitchFamily="34" charset="-128"/>
+              </a:defRPr>
+            </a:lvl3pPr>
+            <a:lvl4pPr>
+              <a:tabLst>
+                <a:tab pos="512763" algn="l"/>
+                <a:tab pos="1427163" algn="l"/>
+                <a:tab pos="2341563" algn="l"/>
+                <a:tab pos="3255963" algn="l"/>
+                <a:tab pos="4170363" algn="l"/>
+                <a:tab pos="5084763" algn="l"/>
+                <a:tab pos="5999163" algn="l"/>
+                <a:tab pos="6913563" algn="l"/>
+                <a:tab pos="7827963" algn="l"/>
+                <a:tab pos="8742363" algn="l"/>
+                <a:tab pos="9656763" algn="l"/>
+                <a:tab pos="10571163" algn="l"/>
+                <a:tab pos="10782300" algn="l"/>
+                <a:tab pos="11231563" algn="l"/>
+                <a:tab pos="11680825" algn="l"/>
+                <a:tab pos="12130088" algn="l"/>
+                <a:tab pos="12579350" algn="l"/>
+                <a:tab pos="13028613" algn="l"/>
+                <a:tab pos="13477875" algn="l"/>
+              </a:tabLst>
+              <a:defRPr sz="7800">
+                <a:solidFill>
+                  <a:srgbClr val="000000"/>
+                </a:solidFill>
+                <a:latin typeface="Arial" panose="020B0604020202020204" pitchFamily="34" charset="0"/>
+                <a:ea typeface="ＭＳ Ｐゴシック" panose="020B0600070205080204" pitchFamily="34" charset="-128"/>
+              </a:defRPr>
+            </a:lvl4pPr>
+            <a:lvl5pPr>
+              <a:tabLst>
+                <a:tab pos="512763" algn="l"/>
+                <a:tab pos="1427163" algn="l"/>
+                <a:tab pos="2341563" algn="l"/>
+                <a:tab pos="3255963" algn="l"/>
+                <a:tab pos="4170363" algn="l"/>
+                <a:tab pos="5084763" algn="l"/>
+                <a:tab pos="5999163" algn="l"/>
+                <a:tab pos="6913563" algn="l"/>
+                <a:tab pos="7827963" algn="l"/>
+                <a:tab pos="8742363" algn="l"/>
+                <a:tab pos="9656763" algn="l"/>
+                <a:tab pos="10571163" algn="l"/>
+                <a:tab pos="10782300" algn="l"/>
+                <a:tab pos="11231563" algn="l"/>
+                <a:tab pos="11680825" algn="l"/>
+                <a:tab pos="12130088" algn="l"/>
+                <a:tab pos="12579350" algn="l"/>
+                <a:tab pos="13028613" algn="l"/>
+                <a:tab pos="13477875" algn="l"/>
+              </a:tabLst>
+              <a:defRPr sz="7800">
+                <a:solidFill>
+                  <a:srgbClr val="000000"/>
+                </a:solidFill>
+                <a:latin typeface="Arial" panose="020B0604020202020204" pitchFamily="34" charset="0"/>
+                <a:ea typeface="ＭＳ Ｐゴシック" panose="020B0600070205080204" pitchFamily="34" charset="-128"/>
+              </a:defRPr>
+            </a:lvl5pPr>
+            <a:lvl6pPr marL="2514600" indent="-228600" defTabSz="449263" eaLnBrk="0" fontAlgn="base" hangingPunct="0">
+              <a:spcBef>
+                <a:spcPct val="0"/>
+              </a:spcBef>
+              <a:spcAft>
+                <a:spcPct val="0"/>
+              </a:spcAft>
+              <a:buClr>
+                <a:srgbClr val="000000"/>
+              </a:buClr>
+              <a:buSzPct val="100000"/>
+              <a:buFont typeface="Times New Roman" panose="02020603050405020304" pitchFamily="18" charset="0"/>
+              <a:tabLst>
+                <a:tab pos="512763" algn="l"/>
+                <a:tab pos="1427163" algn="l"/>
+                <a:tab pos="2341563" algn="l"/>
+                <a:tab pos="3255963" algn="l"/>
+                <a:tab pos="4170363" algn="l"/>
+                <a:tab pos="5084763" algn="l"/>
+                <a:tab pos="5999163" algn="l"/>
+                <a:tab pos="6913563" algn="l"/>
+                <a:tab pos="7827963" algn="l"/>
+                <a:tab pos="8742363" algn="l"/>
+                <a:tab pos="9656763" algn="l"/>
+                <a:tab pos="10571163" algn="l"/>
+                <a:tab pos="10782300" algn="l"/>
+                <a:tab pos="11231563" algn="l"/>
+                <a:tab pos="11680825" algn="l"/>
+                <a:tab pos="12130088" algn="l"/>
+                <a:tab pos="12579350" algn="l"/>
+                <a:tab pos="13028613" algn="l"/>
+                <a:tab pos="13477875" algn="l"/>
+              </a:tabLst>
+              <a:defRPr sz="7800">
+                <a:solidFill>
+                  <a:srgbClr val="000000"/>
+                </a:solidFill>
+                <a:latin typeface="Arial" panose="020B0604020202020204" pitchFamily="34" charset="0"/>
+                <a:ea typeface="ＭＳ Ｐゴシック" panose="020B0600070205080204" pitchFamily="34" charset="-128"/>
+              </a:defRPr>
+            </a:lvl6pPr>
+            <a:lvl7pPr marL="2971800" indent="-228600" defTabSz="449263" eaLnBrk="0" fontAlgn="base" hangingPunct="0">
+              <a:spcBef>
+                <a:spcPct val="0"/>
+              </a:spcBef>
+              <a:spcAft>
+                <a:spcPct val="0"/>
+              </a:spcAft>
+              <a:buClr>
+                <a:srgbClr val="000000"/>
+              </a:buClr>
+              <a:buSzPct val="100000"/>
+              <a:buFont typeface="Times New Roman" panose="02020603050405020304" pitchFamily="18" charset="0"/>
+              <a:tabLst>
+                <a:tab pos="512763" algn="l"/>
+                <a:tab pos="1427163" algn="l"/>
+                <a:tab pos="2341563" algn="l"/>
+                <a:tab pos="3255963" algn="l"/>
+                <a:tab pos="4170363" algn="l"/>
+                <a:tab pos="5084763" algn="l"/>
+                <a:tab pos="5999163" algn="l"/>
+                <a:tab pos="6913563" algn="l"/>
+                <a:tab pos="7827963" algn="l"/>
+                <a:tab pos="8742363" algn="l"/>
+                <a:tab pos="9656763" algn="l"/>
+                <a:tab pos="10571163" algn="l"/>
+                <a:tab pos="10782300" algn="l"/>
+                <a:tab pos="11231563" algn="l"/>
+                <a:tab pos="11680825" algn="l"/>
+                <a:tab pos="12130088" algn="l"/>
+                <a:tab pos="12579350" algn="l"/>
+                <a:tab pos="13028613" algn="l"/>
+                <a:tab pos="13477875" algn="l"/>
+              </a:tabLst>
+              <a:defRPr sz="7800">
+                <a:solidFill>
+                  <a:srgbClr val="000000"/>
+                </a:solidFill>
+                <a:latin typeface="Arial" panose="020B0604020202020204" pitchFamily="34" charset="0"/>
+                <a:ea typeface="ＭＳ Ｐゴシック" panose="020B0600070205080204" pitchFamily="34" charset="-128"/>
+              </a:defRPr>
+            </a:lvl7pPr>
+            <a:lvl8pPr marL="3429000" indent="-228600" defTabSz="449263" eaLnBrk="0" fontAlgn="base" hangingPunct="0">
+              <a:spcBef>
+                <a:spcPct val="0"/>
+              </a:spcBef>
+              <a:spcAft>
+                <a:spcPct val="0"/>
+              </a:spcAft>
+              <a:buClr>
+                <a:srgbClr val="000000"/>
+              </a:buClr>
+              <a:buSzPct val="100000"/>
+              <a:buFont typeface="Times New Roman" panose="02020603050405020304" pitchFamily="18" charset="0"/>
+              <a:tabLst>
+                <a:tab pos="512763" algn="l"/>
+                <a:tab pos="1427163" algn="l"/>
+                <a:tab pos="2341563" algn="l"/>
+                <a:tab pos="3255963" algn="l"/>
+                <a:tab pos="4170363" algn="l"/>
+                <a:tab pos="5084763" algn="l"/>
+                <a:tab pos="5999163" algn="l"/>
+                <a:tab pos="6913563" algn="l"/>
+                <a:tab pos="7827963" algn="l"/>
+                <a:tab pos="8742363" algn="l"/>
+                <a:tab pos="9656763" algn="l"/>
+                <a:tab pos="10571163" algn="l"/>
+                <a:tab pos="10782300" algn="l"/>
+                <a:tab pos="11231563" algn="l"/>
+                <a:tab pos="11680825" algn="l"/>
+                <a:tab pos="12130088" algn="l"/>
+                <a:tab pos="12579350" algn="l"/>
+                <a:tab pos="13028613" algn="l"/>
+                <a:tab pos="13477875" algn="l"/>
+              </a:tabLst>
+              <a:defRPr sz="7800">
+                <a:solidFill>
+                  <a:srgbClr val="000000"/>
+                </a:solidFill>
+                <a:latin typeface="Arial" panose="020B0604020202020204" pitchFamily="34" charset="0"/>
+                <a:ea typeface="ＭＳ Ｐゴシック" panose="020B0600070205080204" pitchFamily="34" charset="-128"/>
+              </a:defRPr>
+            </a:lvl8pPr>
+            <a:lvl9pPr marL="3886200" indent="-228600" defTabSz="449263" eaLnBrk="0" fontAlgn="base" hangingPunct="0">
+              <a:spcBef>
+                <a:spcPct val="0"/>
+              </a:spcBef>
+              <a:spcAft>
+                <a:spcPct val="0"/>
+              </a:spcAft>
+              <a:buClr>
+                <a:srgbClr val="000000"/>
+              </a:buClr>
+              <a:buSzPct val="100000"/>
+              <a:buFont typeface="Times New Roman" panose="02020603050405020304" pitchFamily="18" charset="0"/>
+              <a:tabLst>
+                <a:tab pos="512763" algn="l"/>
+                <a:tab pos="1427163" algn="l"/>
+                <a:tab pos="2341563" algn="l"/>
+                <a:tab pos="3255963" algn="l"/>
+                <a:tab pos="4170363" algn="l"/>
+                <a:tab pos="5084763" algn="l"/>
+                <a:tab pos="5999163" algn="l"/>
+                <a:tab pos="6913563" algn="l"/>
+                <a:tab pos="7827963" algn="l"/>
+                <a:tab pos="8742363" algn="l"/>
+                <a:tab pos="9656763" algn="l"/>
+                <a:tab pos="10571163" algn="l"/>
+                <a:tab pos="10782300" algn="l"/>
+                <a:tab pos="11231563" algn="l"/>
+                <a:tab pos="11680825" algn="l"/>
+                <a:tab pos="12130088" algn="l"/>
+                <a:tab pos="12579350" algn="l"/>
+                <a:tab pos="13028613" algn="l"/>
+                <a:tab pos="13477875" algn="l"/>
+              </a:tabLst>
+              <a:defRPr sz="7800">
+                <a:solidFill>
+                  <a:srgbClr val="000000"/>
+                </a:solidFill>
+                <a:latin typeface="Arial" panose="020B0604020202020204" pitchFamily="34" charset="0"/>
+                <a:ea typeface="ＭＳ Ｐゴシック" panose="020B0600070205080204" pitchFamily="34" charset="-128"/>
+              </a:defRPr>
+            </a:lvl9pPr>
+          </a:lstStyle>
+          <a:p>
+            <a:pPr marL="0" indent="0"/>
+            <a:r>
+              <a:rPr lang="en-US" altLang="en-US" sz="2000" dirty="0">
+                <a:solidFill>
+                  <a:schemeClr val="tx1"/>
+                </a:solidFill>
+                <a:latin typeface="Arial Narrow" panose="020B0606020202030204" pitchFamily="34" charset="0"/>
+              </a:rPr>
+              <a:t>[1]	R. Lewis, “A survey of metaheuristic-based techniques for university timetabling</a:t>
+            </a:r>
+          </a:p>
+          <a:p>
+            <a:pPr marL="0" indent="0"/>
+            <a:r>
+              <a:rPr lang="en-US" altLang="en-US" sz="2000" dirty="0">
+                <a:solidFill>
+                  <a:schemeClr val="tx1"/>
+                </a:solidFill>
+                <a:latin typeface="Arial Narrow" panose="020B0606020202030204" pitchFamily="34" charset="0"/>
+              </a:rPr>
+              <a:t>	problems,” OR Spectrum, vol. 30, no. 1, pp. 167–190, Jan. 2008. [Online]. 	Available: </a:t>
+            </a:r>
+            <a:r>
+              <a:rPr lang="en-US" altLang="en-US" sz="2000" dirty="0">
+                <a:solidFill>
+                  <a:schemeClr val="tx1"/>
+                </a:solidFill>
+                <a:latin typeface="Arial Narrow" panose="020B0606020202030204" pitchFamily="34" charset="0"/>
+                <a:hlinkClick r:id="rId3">
+                  <a:extLst>
+                    <a:ext uri="{A12FA001-AC4F-418D-AE19-62706E023703}">
+                      <ahyp:hlinkClr xmlns:ahyp="http://schemas.microsoft.com/office/drawing/2018/hyperlinkcolor" val="tx"/>
+                    </a:ext>
+                  </a:extLst>
+                </a:hlinkClick>
+              </a:rPr>
+              <a:t>https://doi.org/10.1007/s00291-007-0097-0</a:t>
+            </a:r>
+            <a:endParaRPr lang="en-US" altLang="en-US" sz="2000" dirty="0">
+              <a:solidFill>
+                <a:schemeClr val="tx1"/>
+              </a:solidFill>
+              <a:latin typeface="Arial Narrow" panose="020B0606020202030204" pitchFamily="34" charset="0"/>
+            </a:endParaRPr>
+          </a:p>
+          <a:p>
+            <a:pPr marL="0" indent="0"/>
+            <a:r>
+              <a:rPr lang="en-US" altLang="en-US" sz="2000" dirty="0">
+                <a:solidFill>
+                  <a:schemeClr val="tx1"/>
+                </a:solidFill>
+                <a:latin typeface="Arial Narrow" panose="020B0606020202030204" pitchFamily="34" charset="0"/>
+              </a:rPr>
+              <a:t>[2]	S. </a:t>
+            </a:r>
+            <a:r>
+              <a:rPr lang="en-US" altLang="en-US" sz="2000" dirty="0" err="1">
+                <a:solidFill>
+                  <a:schemeClr val="tx1"/>
+                </a:solidFill>
+                <a:latin typeface="Arial Narrow" panose="020B0606020202030204" pitchFamily="34" charset="0"/>
+              </a:rPr>
+              <a:t>Abdipoor</a:t>
+            </a:r>
+            <a:r>
+              <a:rPr lang="en-US" altLang="en-US" sz="2000" dirty="0">
+                <a:solidFill>
+                  <a:schemeClr val="tx1"/>
+                </a:solidFill>
+                <a:latin typeface="Arial Narrow" panose="020B0606020202030204" pitchFamily="34" charset="0"/>
+              </a:rPr>
+              <a:t>, R. Yaakob, S. L. Goh, and S. Abdullah, “Meta-heuristic approaches</a:t>
+            </a:r>
+          </a:p>
+          <a:p>
+            <a:pPr marL="0" indent="0"/>
+            <a:r>
+              <a:rPr lang="en-US" altLang="en-US" sz="2000" dirty="0">
+                <a:solidFill>
+                  <a:schemeClr val="tx1"/>
+                </a:solidFill>
+                <a:latin typeface="Arial Narrow" panose="020B0606020202030204" pitchFamily="34" charset="0"/>
+              </a:rPr>
+              <a:t>	for the university course timetabling problem,” Intelligent Systems with 	Applications, vol. 19, p. 200253, Sep. 2023. [Online]. Available: 	https://linkinghub.elsevier.com/retrieve/pii/S2667305323000789</a:t>
+            </a:r>
+          </a:p>
+          <a:p>
+            <a:pPr marL="0" indent="0"/>
+            <a:r>
+              <a:rPr lang="en-US" altLang="en-US" sz="2000" dirty="0">
+                <a:solidFill>
+                  <a:schemeClr val="tx1"/>
+                </a:solidFill>
+                <a:latin typeface="Arial Narrow" panose="020B0606020202030204" pitchFamily="34" charset="0"/>
+              </a:rPr>
+              <a:t>[3]	H. Babaei, J. Karimpour, and A. </a:t>
+            </a:r>
+            <a:r>
+              <a:rPr lang="en-US" altLang="en-US" sz="2000" dirty="0" err="1">
+                <a:solidFill>
+                  <a:schemeClr val="tx1"/>
+                </a:solidFill>
+                <a:latin typeface="Arial Narrow" panose="020B0606020202030204" pitchFamily="34" charset="0"/>
+              </a:rPr>
+              <a:t>Hadidi</a:t>
+            </a:r>
+            <a:r>
+              <a:rPr lang="en-US" altLang="en-US" sz="2000" dirty="0">
+                <a:solidFill>
+                  <a:schemeClr val="tx1"/>
+                </a:solidFill>
+                <a:latin typeface="Arial Narrow" panose="020B0606020202030204" pitchFamily="34" charset="0"/>
+              </a:rPr>
+              <a:t>, “A survey of approaches for university 	course timetabling problem,” Computers &amp; Industrial Engineering, vol. 86, pp. 43–	59, Aug. 2015. [Online]. Available: 	</a:t>
+            </a:r>
+            <a:r>
+              <a:rPr lang="en-US" altLang="en-US" sz="2000" dirty="0">
+                <a:solidFill>
+                  <a:schemeClr val="tx1"/>
+                </a:solidFill>
+                <a:latin typeface="Arial Narrow" panose="020B0606020202030204" pitchFamily="34" charset="0"/>
+                <a:hlinkClick r:id="rId4">
+                  <a:extLst>
+                    <a:ext uri="{A12FA001-AC4F-418D-AE19-62706E023703}">
+                      <ahyp:hlinkClr xmlns:ahyp="http://schemas.microsoft.com/office/drawing/2018/hyperlinkcolor" val="tx"/>
+                    </a:ext>
+                  </a:extLst>
+                </a:hlinkClick>
+              </a:rPr>
+              <a:t>https://linkinghub.elsevier.com/retrieve/pii/S0360835214003714</a:t>
+            </a:r>
+            <a:endParaRPr lang="en-US" altLang="en-US" sz="2000" dirty="0">
+              <a:solidFill>
+                <a:schemeClr val="tx1"/>
+              </a:solidFill>
+              <a:latin typeface="Arial Narrow" panose="020B0606020202030204" pitchFamily="34" charset="0"/>
+            </a:endParaRPr>
+          </a:p>
+          <a:p>
+            <a:pPr marL="0" indent="0"/>
+            <a:r>
+              <a:rPr lang="en-US" altLang="en-US" sz="2000" dirty="0">
+                <a:solidFill>
+                  <a:schemeClr val="tx1"/>
+                </a:solidFill>
+                <a:latin typeface="Arial Narrow" panose="020B0606020202030204" pitchFamily="34" charset="0"/>
+              </a:rPr>
+              <a:t>[4]	M. C. Chen, S. N. Sze, S. L. Goh, N. R. Sabar, and G. Kendall, “A survey of 	university course timetabling problem: Perspectives, trends and opportunities,” 	IEEE Access, vol. 9, pp. 106 515–106 529, 2021, conference Name: IEEE Access. 	[Online]. Available: 	</a:t>
+            </a:r>
+            <a:r>
+              <a:rPr lang="en-US" altLang="en-US" sz="2000" dirty="0">
+                <a:solidFill>
+                  <a:schemeClr val="tx1"/>
+                </a:solidFill>
+                <a:latin typeface="Arial Narrow" panose="020B0606020202030204" pitchFamily="34" charset="0"/>
+                <a:hlinkClick r:id="rId5">
+                  <a:extLst>
+                    <a:ext uri="{A12FA001-AC4F-418D-AE19-62706E023703}">
+                      <ahyp:hlinkClr xmlns:ahyp="http://schemas.microsoft.com/office/drawing/2018/hyperlinkcolor" val="tx"/>
+                    </a:ext>
+                  </a:extLst>
+                </a:hlinkClick>
+              </a:rPr>
+              <a:t>https://ieeexplore.ieee.org/document/9499056/?arnumber=9499056</a:t>
+            </a:r>
+            <a:endParaRPr lang="en-US" altLang="en-US" sz="2000" dirty="0">
+              <a:solidFill>
+                <a:schemeClr val="tx1"/>
+              </a:solidFill>
+              <a:latin typeface="Arial Narrow" panose="020B0606020202030204" pitchFamily="34" charset="0"/>
+            </a:endParaRPr>
+          </a:p>
+          <a:p>
+            <a:pPr marL="0" indent="0"/>
+            <a:r>
+              <a:rPr lang="en-US" altLang="en-US" sz="2000" dirty="0">
+                <a:latin typeface="Arial Narrow" panose="020B0606020202030204" pitchFamily="34" charset="0"/>
+              </a:rPr>
+              <a:t>[5]	T. Müller, “Itc2007 solver description: a hybrid approach,” Annals of Operations 	Research, vol. 172, no. 1, pp. 429–446, Nov. 2009. [Online]. Available: 	</a:t>
+            </a:r>
+            <a:r>
+              <a:rPr lang="en-US" altLang="en-US" sz="2000" dirty="0">
+                <a:solidFill>
+                  <a:schemeClr val="tx1"/>
+                </a:solidFill>
+                <a:latin typeface="Arial Narrow" panose="020B0606020202030204" pitchFamily="34" charset="0"/>
+                <a:hlinkClick r:id="rId6">
+                  <a:extLst>
+                    <a:ext uri="{A12FA001-AC4F-418D-AE19-62706E023703}">
+                      <ahyp:hlinkClr xmlns:ahyp="http://schemas.microsoft.com/office/drawing/2018/hyperlinkcolor" val="tx"/>
+                    </a:ext>
+                  </a:extLst>
+                </a:hlinkClick>
+              </a:rPr>
+              <a:t>http://link.springer.com/10.1007/s10479-009-0644-y</a:t>
+            </a:r>
+            <a:endParaRPr lang="en-US" altLang="en-US" sz="2000" dirty="0">
+              <a:solidFill>
+                <a:schemeClr val="tx1"/>
+              </a:solidFill>
+              <a:latin typeface="Arial Narrow" panose="020B0606020202030204" pitchFamily="34" charset="0"/>
+            </a:endParaRPr>
+          </a:p>
+        </p:txBody>
+      </p:sp>
+      <p:sp>
+        <p:nvSpPr>
+          <p:cNvPr id="16" name="Line 13">
+            <a:extLst>
+              <a:ext uri="{FF2B5EF4-FFF2-40B4-BE49-F238E27FC236}">
+                <a16:creationId xmlns:a16="http://schemas.microsoft.com/office/drawing/2014/main" id="{9E572881-A5F8-37AE-80CA-5872C0AE21F0}"/>
+              </a:ext>
+            </a:extLst>
+          </p:cNvPr>
+          <p:cNvSpPr>
+            <a:spLocks noChangeShapeType="1"/>
+          </p:cNvSpPr>
+          <p:nvPr/>
+        </p:nvSpPr>
+        <p:spPr bwMode="auto">
+          <a:xfrm flipH="1">
+            <a:off x="-669" y="23617936"/>
+            <a:ext cx="18000000" cy="34727"/>
+          </a:xfrm>
+          <a:prstGeom prst="line">
+            <a:avLst/>
+          </a:prstGeom>
+          <a:noFill/>
+          <a:ln w="38160" cap="sq">
+            <a:solidFill>
+              <a:srgbClr val="004377"/>
+            </a:solidFill>
+            <a:prstDash val="dash"/>
+            <a:miter lim="800000"/>
+            <a:headEnd/>
+            <a:tailEnd/>
+          </a:ln>
+          <a:effectLst/>
+          <a:extLst>
+            <a:ext uri="{909E8E84-426E-40DD-AFC4-6F175D3DCCD1}">
+              <a14:hiddenFill xmlns:a14="http://schemas.microsoft.com/office/drawing/2010/main">
+                <a:noFill/>
+              </a14:hiddenFill>
+            </a:ext>
+            <a:ext uri="{AF507438-7753-43E0-B8FC-AC1667EBCBE1}">
+              <a14:hiddenEffects xmlns:a14="http://schemas.microsoft.com/office/drawing/2010/main">
+                <a:effectLst>
+                  <a:outerShdw dist="35921" dir="2700000" algn="ctr" rotWithShape="0">
+                    <a:srgbClr val="808080"/>
+                  </a:outerShdw>
+                </a:effectLst>
+              </a14:hiddenEffects>
+            </a:ext>
+          </a:extLst>
+        </p:spPr>
+        <p:txBody>
+          <a:bodyPr/>
+          <a:lstStyle/>
+          <a:p>
+            <a:endParaRPr lang="en-US" sz="2741"/>
+          </a:p>
+        </p:txBody>
+      </p:sp>
+      <p:sp>
+        <p:nvSpPr>
+          <p:cNvPr id="19" name="Text Box 16">
+            <a:extLst>
+              <a:ext uri="{FF2B5EF4-FFF2-40B4-BE49-F238E27FC236}">
+                <a16:creationId xmlns:a16="http://schemas.microsoft.com/office/drawing/2014/main" id="{91EEE7CE-FBCD-BE08-BFEE-A3D140B45EFA}"/>
+              </a:ext>
+            </a:extLst>
+          </p:cNvPr>
+          <p:cNvSpPr txBox="1">
+            <a:spLocks noChangeArrowheads="1"/>
+          </p:cNvSpPr>
+          <p:nvPr/>
+        </p:nvSpPr>
+        <p:spPr bwMode="auto">
+          <a:xfrm>
+            <a:off x="9073457" y="9145094"/>
+            <a:ext cx="8496000" cy="1654693"/>
+          </a:xfrm>
+          <a:prstGeom prst="rect">
+            <a:avLst/>
+          </a:prstGeom>
+          <a:noFill/>
+          <a:ln>
+            <a:noFill/>
+          </a:ln>
+          <a:effectLst/>
+          <a:extLst>
+            <a:ext uri="{909E8E84-426E-40DD-AFC4-6F175D3DCCD1}">
+              <a14:hiddenFill xmlns:a14="http://schemas.microsoft.com/office/drawing/2010/main">
+                <a:solidFill>
+                  <a:srgbClr val="FFFFFF"/>
+                </a:solidFill>
+              </a14:hiddenFill>
+            </a:ext>
+            <a:ext uri="{91240B29-F687-4F45-9708-019B960494DF}">
+              <a14:hiddenLine xmlns:a14="http://schemas.microsoft.com/office/drawing/2010/main" w="9525" cap="flat">
+                <a:solidFill>
+                  <a:srgbClr val="3465A4"/>
+                </a:solidFill>
+                <a:round/>
+                <a:headEnd/>
+                <a:tailEnd/>
+              </a14:hiddenLine>
+            </a:ext>
+            <a:ext uri="{AF507438-7753-43E0-B8FC-AC1667EBCBE1}">
+              <a14:hiddenEffects xmlns:a14="http://schemas.microsoft.com/office/drawing/2010/main">
+                <a:effectLst>
+                  <a:outerShdw dist="35921" dir="2700000" algn="ctr" rotWithShape="0">
+                    <a:srgbClr val="808080"/>
+                  </a:outerShdw>
+                </a:effectLst>
+              </a14:hiddenEffects>
+            </a:ext>
+          </a:extLst>
+        </p:spPr>
+        <p:txBody>
+          <a:bodyPr lIns="175649" tIns="87825" rIns="175649" bIns="87825">
+            <a:spAutoFit/>
+          </a:bodyPr>
+          <a:lstStyle>
+            <a:lvl1pPr marL="512763" indent="-512763">
+              <a:tabLst>
+                <a:tab pos="512763" algn="l"/>
+                <a:tab pos="1427163" algn="l"/>
+                <a:tab pos="2341563" algn="l"/>
+                <a:tab pos="3255963" algn="l"/>
+                <a:tab pos="4170363" algn="l"/>
+                <a:tab pos="5084763" algn="l"/>
+                <a:tab pos="5999163" algn="l"/>
+                <a:tab pos="6913563" algn="l"/>
+                <a:tab pos="7827963" algn="l"/>
+                <a:tab pos="8742363" algn="l"/>
+                <a:tab pos="9656763" algn="l"/>
+                <a:tab pos="10571163" algn="l"/>
+                <a:tab pos="10782300" algn="l"/>
+                <a:tab pos="11231563" algn="l"/>
+                <a:tab pos="11680825" algn="l"/>
+                <a:tab pos="12130088" algn="l"/>
+                <a:tab pos="12579350" algn="l"/>
+                <a:tab pos="13028613" algn="l"/>
+                <a:tab pos="13477875" algn="l"/>
+              </a:tabLst>
+              <a:defRPr sz="7800">
+                <a:solidFill>
+                  <a:srgbClr val="000000"/>
+                </a:solidFill>
+                <a:latin typeface="Arial" panose="020B0604020202020204" pitchFamily="34" charset="0"/>
+                <a:ea typeface="ＭＳ Ｐゴシック" panose="020B0600070205080204" pitchFamily="34" charset="-128"/>
+              </a:defRPr>
+            </a:lvl1pPr>
+            <a:lvl2pPr>
+              <a:tabLst>
+                <a:tab pos="512763" algn="l"/>
+                <a:tab pos="1427163" algn="l"/>
+                <a:tab pos="2341563" algn="l"/>
+                <a:tab pos="3255963" algn="l"/>
+                <a:tab pos="4170363" algn="l"/>
+                <a:tab pos="5084763" algn="l"/>
+                <a:tab pos="5999163" algn="l"/>
+                <a:tab pos="6913563" algn="l"/>
+                <a:tab pos="7827963" algn="l"/>
+                <a:tab pos="8742363" algn="l"/>
+                <a:tab pos="9656763" algn="l"/>
+                <a:tab pos="10571163" algn="l"/>
+                <a:tab pos="10782300" algn="l"/>
+                <a:tab pos="11231563" algn="l"/>
+                <a:tab pos="11680825" algn="l"/>
+                <a:tab pos="12130088" algn="l"/>
+                <a:tab pos="12579350" algn="l"/>
+                <a:tab pos="13028613" algn="l"/>
+                <a:tab pos="13477875" algn="l"/>
+              </a:tabLst>
+              <a:defRPr sz="7800">
+                <a:solidFill>
+                  <a:srgbClr val="000000"/>
+                </a:solidFill>
+                <a:latin typeface="Arial" panose="020B0604020202020204" pitchFamily="34" charset="0"/>
+                <a:ea typeface="ＭＳ Ｐゴシック" panose="020B0600070205080204" pitchFamily="34" charset="-128"/>
+              </a:defRPr>
+            </a:lvl2pPr>
+            <a:lvl3pPr>
+              <a:tabLst>
+                <a:tab pos="512763" algn="l"/>
+                <a:tab pos="1427163" algn="l"/>
+                <a:tab pos="2341563" algn="l"/>
+                <a:tab pos="3255963" algn="l"/>
+                <a:tab pos="4170363" algn="l"/>
+                <a:tab pos="5084763" algn="l"/>
+                <a:tab pos="5999163" algn="l"/>
+                <a:tab pos="6913563" algn="l"/>
+                <a:tab pos="7827963" algn="l"/>
+                <a:tab pos="8742363" algn="l"/>
+                <a:tab pos="9656763" algn="l"/>
+                <a:tab pos="10571163" algn="l"/>
+                <a:tab pos="10782300" algn="l"/>
+                <a:tab pos="11231563" algn="l"/>
+                <a:tab pos="11680825" algn="l"/>
+                <a:tab pos="12130088" algn="l"/>
+                <a:tab pos="12579350" algn="l"/>
+                <a:tab pos="13028613" algn="l"/>
+                <a:tab pos="13477875" algn="l"/>
+              </a:tabLst>
+              <a:defRPr sz="7800">
+                <a:solidFill>
+                  <a:srgbClr val="000000"/>
+                </a:solidFill>
+                <a:latin typeface="Arial" panose="020B0604020202020204" pitchFamily="34" charset="0"/>
+                <a:ea typeface="ＭＳ Ｐゴシック" panose="020B0600070205080204" pitchFamily="34" charset="-128"/>
+              </a:defRPr>
+            </a:lvl3pPr>
+            <a:lvl4pPr>
+              <a:tabLst>
+                <a:tab pos="512763" algn="l"/>
+                <a:tab pos="1427163" algn="l"/>
+                <a:tab pos="2341563" algn="l"/>
+                <a:tab pos="3255963" algn="l"/>
+                <a:tab pos="4170363" algn="l"/>
+                <a:tab pos="5084763" algn="l"/>
+                <a:tab pos="5999163" algn="l"/>
+                <a:tab pos="6913563" algn="l"/>
+                <a:tab pos="7827963" algn="l"/>
+                <a:tab pos="8742363" algn="l"/>
+                <a:tab pos="9656763" algn="l"/>
+                <a:tab pos="10571163" algn="l"/>
+                <a:tab pos="10782300" algn="l"/>
+                <a:tab pos="11231563" algn="l"/>
+                <a:tab pos="11680825" algn="l"/>
+                <a:tab pos="12130088" algn="l"/>
+                <a:tab pos="12579350" algn="l"/>
+                <a:tab pos="13028613" algn="l"/>
+                <a:tab pos="13477875" algn="l"/>
+              </a:tabLst>
+              <a:defRPr sz="7800">
+                <a:solidFill>
+                  <a:srgbClr val="000000"/>
+                </a:solidFill>
+                <a:latin typeface="Arial" panose="020B0604020202020204" pitchFamily="34" charset="0"/>
+                <a:ea typeface="ＭＳ Ｐゴシック" panose="020B0600070205080204" pitchFamily="34" charset="-128"/>
+              </a:defRPr>
+            </a:lvl4pPr>
+            <a:lvl5pPr>
+              <a:tabLst>
+                <a:tab pos="512763" algn="l"/>
+                <a:tab pos="1427163" algn="l"/>
+                <a:tab pos="2341563" algn="l"/>
+                <a:tab pos="3255963" algn="l"/>
+                <a:tab pos="4170363" algn="l"/>
+                <a:tab pos="5084763" algn="l"/>
+                <a:tab pos="5999163" algn="l"/>
+                <a:tab pos="6913563" algn="l"/>
+                <a:tab pos="7827963" algn="l"/>
+                <a:tab pos="8742363" algn="l"/>
+                <a:tab pos="9656763" algn="l"/>
+                <a:tab pos="10571163" algn="l"/>
+                <a:tab pos="10782300" algn="l"/>
+                <a:tab pos="11231563" algn="l"/>
+                <a:tab pos="11680825" algn="l"/>
+                <a:tab pos="12130088" algn="l"/>
+                <a:tab pos="12579350" algn="l"/>
+                <a:tab pos="13028613" algn="l"/>
+                <a:tab pos="13477875" algn="l"/>
+              </a:tabLst>
+              <a:defRPr sz="7800">
+                <a:solidFill>
+                  <a:srgbClr val="000000"/>
+                </a:solidFill>
+                <a:latin typeface="Arial" panose="020B0604020202020204" pitchFamily="34" charset="0"/>
+                <a:ea typeface="ＭＳ Ｐゴシック" panose="020B0600070205080204" pitchFamily="34" charset="-128"/>
+              </a:defRPr>
+            </a:lvl5pPr>
+            <a:lvl6pPr marL="2514600" indent="-228600" defTabSz="449263" eaLnBrk="0" fontAlgn="base" hangingPunct="0">
+              <a:spcBef>
+                <a:spcPct val="0"/>
+              </a:spcBef>
+              <a:spcAft>
+                <a:spcPct val="0"/>
+              </a:spcAft>
+              <a:buClr>
+                <a:srgbClr val="000000"/>
+              </a:buClr>
+              <a:buSzPct val="100000"/>
+              <a:buFont typeface="Times New Roman" panose="02020603050405020304" pitchFamily="18" charset="0"/>
+              <a:tabLst>
+                <a:tab pos="512763" algn="l"/>
+                <a:tab pos="1427163" algn="l"/>
+                <a:tab pos="2341563" algn="l"/>
+                <a:tab pos="3255963" algn="l"/>
+                <a:tab pos="4170363" algn="l"/>
+                <a:tab pos="5084763" algn="l"/>
+                <a:tab pos="5999163" algn="l"/>
+                <a:tab pos="6913563" algn="l"/>
+                <a:tab pos="7827963" algn="l"/>
+                <a:tab pos="8742363" algn="l"/>
+                <a:tab pos="9656763" algn="l"/>
+                <a:tab pos="10571163" algn="l"/>
+                <a:tab pos="10782300" algn="l"/>
+                <a:tab pos="11231563" algn="l"/>
+                <a:tab pos="11680825" algn="l"/>
+                <a:tab pos="12130088" algn="l"/>
+                <a:tab pos="12579350" algn="l"/>
+                <a:tab pos="13028613" algn="l"/>
+                <a:tab pos="13477875" algn="l"/>
+              </a:tabLst>
+              <a:defRPr sz="7800">
+                <a:solidFill>
+                  <a:srgbClr val="000000"/>
+                </a:solidFill>
+                <a:latin typeface="Arial" panose="020B0604020202020204" pitchFamily="34" charset="0"/>
+                <a:ea typeface="ＭＳ Ｐゴシック" panose="020B0600070205080204" pitchFamily="34" charset="-128"/>
+              </a:defRPr>
+            </a:lvl6pPr>
+            <a:lvl7pPr marL="2971800" indent="-228600" defTabSz="449263" eaLnBrk="0" fontAlgn="base" hangingPunct="0">
+              <a:spcBef>
+                <a:spcPct val="0"/>
+              </a:spcBef>
+              <a:spcAft>
+                <a:spcPct val="0"/>
+              </a:spcAft>
+              <a:buClr>
+                <a:srgbClr val="000000"/>
+              </a:buClr>
+              <a:buSzPct val="100000"/>
+              <a:buFont typeface="Times New Roman" panose="02020603050405020304" pitchFamily="18" charset="0"/>
+              <a:tabLst>
+                <a:tab pos="512763" algn="l"/>
+                <a:tab pos="1427163" algn="l"/>
+                <a:tab pos="2341563" algn="l"/>
+                <a:tab pos="3255963" algn="l"/>
+                <a:tab pos="4170363" algn="l"/>
+                <a:tab pos="5084763" algn="l"/>
+                <a:tab pos="5999163" algn="l"/>
+                <a:tab pos="6913563" algn="l"/>
+                <a:tab pos="7827963" algn="l"/>
+                <a:tab pos="8742363" algn="l"/>
+                <a:tab pos="9656763" algn="l"/>
+                <a:tab pos="10571163" algn="l"/>
+                <a:tab pos="10782300" algn="l"/>
+                <a:tab pos="11231563" algn="l"/>
+                <a:tab pos="11680825" algn="l"/>
+                <a:tab pos="12130088" algn="l"/>
+                <a:tab pos="12579350" algn="l"/>
+                <a:tab pos="13028613" algn="l"/>
+                <a:tab pos="13477875" algn="l"/>
+              </a:tabLst>
+              <a:defRPr sz="7800">
+                <a:solidFill>
+                  <a:srgbClr val="000000"/>
+                </a:solidFill>
+                <a:latin typeface="Arial" panose="020B0604020202020204" pitchFamily="34" charset="0"/>
+                <a:ea typeface="ＭＳ Ｐゴシック" panose="020B0600070205080204" pitchFamily="34" charset="-128"/>
+              </a:defRPr>
+            </a:lvl7pPr>
+            <a:lvl8pPr marL="3429000" indent="-228600" defTabSz="449263" eaLnBrk="0" fontAlgn="base" hangingPunct="0">
+              <a:spcBef>
+                <a:spcPct val="0"/>
+              </a:spcBef>
+              <a:spcAft>
+                <a:spcPct val="0"/>
+              </a:spcAft>
+              <a:buClr>
+                <a:srgbClr val="000000"/>
+              </a:buClr>
+              <a:buSzPct val="100000"/>
+              <a:buFont typeface="Times New Roman" panose="02020603050405020304" pitchFamily="18" charset="0"/>
+              <a:tabLst>
+                <a:tab pos="512763" algn="l"/>
+                <a:tab pos="1427163" algn="l"/>
+                <a:tab pos="2341563" algn="l"/>
+                <a:tab pos="3255963" algn="l"/>
+                <a:tab pos="4170363" algn="l"/>
+                <a:tab pos="5084763" algn="l"/>
+                <a:tab pos="5999163" algn="l"/>
+                <a:tab pos="6913563" algn="l"/>
+                <a:tab pos="7827963" algn="l"/>
+                <a:tab pos="8742363" algn="l"/>
+                <a:tab pos="9656763" algn="l"/>
+                <a:tab pos="10571163" algn="l"/>
+                <a:tab pos="10782300" algn="l"/>
+                <a:tab pos="11231563" algn="l"/>
+                <a:tab pos="11680825" algn="l"/>
+                <a:tab pos="12130088" algn="l"/>
+                <a:tab pos="12579350" algn="l"/>
+                <a:tab pos="13028613" algn="l"/>
+                <a:tab pos="13477875" algn="l"/>
+              </a:tabLst>
+              <a:defRPr sz="7800">
+                <a:solidFill>
+                  <a:srgbClr val="000000"/>
+                </a:solidFill>
+                <a:latin typeface="Arial" panose="020B0604020202020204" pitchFamily="34" charset="0"/>
+                <a:ea typeface="ＭＳ Ｐゴシック" panose="020B0600070205080204" pitchFamily="34" charset="-128"/>
+              </a:defRPr>
+            </a:lvl8pPr>
+            <a:lvl9pPr marL="3886200" indent="-228600" defTabSz="449263" eaLnBrk="0" fontAlgn="base" hangingPunct="0">
+              <a:spcBef>
+                <a:spcPct val="0"/>
+              </a:spcBef>
+              <a:spcAft>
+                <a:spcPct val="0"/>
+              </a:spcAft>
+              <a:buClr>
+                <a:srgbClr val="000000"/>
+              </a:buClr>
+              <a:buSzPct val="100000"/>
+              <a:buFont typeface="Times New Roman" panose="02020603050405020304" pitchFamily="18" charset="0"/>
+              <a:tabLst>
+                <a:tab pos="512763" algn="l"/>
+                <a:tab pos="1427163" algn="l"/>
+                <a:tab pos="2341563" algn="l"/>
+                <a:tab pos="3255963" algn="l"/>
+                <a:tab pos="4170363" algn="l"/>
+                <a:tab pos="5084763" algn="l"/>
+                <a:tab pos="5999163" algn="l"/>
+                <a:tab pos="6913563" algn="l"/>
+                <a:tab pos="7827963" algn="l"/>
+                <a:tab pos="8742363" algn="l"/>
+                <a:tab pos="9656763" algn="l"/>
+                <a:tab pos="10571163" algn="l"/>
+                <a:tab pos="10782300" algn="l"/>
+                <a:tab pos="11231563" algn="l"/>
+                <a:tab pos="11680825" algn="l"/>
+                <a:tab pos="12130088" algn="l"/>
+                <a:tab pos="12579350" algn="l"/>
+                <a:tab pos="13028613" algn="l"/>
+                <a:tab pos="13477875" algn="l"/>
+              </a:tabLst>
+              <a:defRPr sz="7800">
+                <a:solidFill>
+                  <a:srgbClr val="000000"/>
+                </a:solidFill>
+                <a:latin typeface="Arial" panose="020B0604020202020204" pitchFamily="34" charset="0"/>
+                <a:ea typeface="ＭＳ Ｐゴシック" panose="020B0600070205080204" pitchFamily="34" charset="-128"/>
+              </a:defRPr>
+            </a:lvl9pPr>
+          </a:lstStyle>
+          <a:p>
+            <a:pPr>
+              <a:buFont typeface="Arial" panose="020B0604020202020204" pitchFamily="34" charset="0"/>
+              <a:buChar char="•"/>
+            </a:pPr>
+            <a:r>
+              <a:rPr lang="en-US" altLang="en-US" sz="2400" dirty="0">
+                <a:latin typeface="Arial Narrow" panose="020B0606020202030204" pitchFamily="34" charset="0"/>
+              </a:rPr>
+              <a:t>Show some results</a:t>
+            </a:r>
+          </a:p>
+          <a:p>
+            <a:pPr>
+              <a:buFont typeface="Arial" panose="020B0604020202020204" pitchFamily="34" charset="0"/>
+              <a:buChar char="•"/>
+            </a:pPr>
+            <a:r>
+              <a:rPr lang="en-US" altLang="en-US" sz="2400" dirty="0">
+                <a:latin typeface="Arial Narrow" panose="020B0606020202030204" pitchFamily="34" charset="0"/>
+              </a:rPr>
+              <a:t>Focus on what is more promising</a:t>
+            </a:r>
+          </a:p>
+          <a:p>
+            <a:pPr>
+              <a:buFont typeface="Arial" panose="020B0604020202020204" pitchFamily="34" charset="0"/>
+              <a:buChar char="•"/>
+            </a:pPr>
+            <a:r>
+              <a:rPr lang="en-US" altLang="en-US" sz="2400" dirty="0">
+                <a:latin typeface="Arial Narrow" panose="020B0606020202030204" pitchFamily="34" charset="0"/>
+              </a:rPr>
+              <a:t>Show plots, visualizations, diagrams</a:t>
+            </a:r>
+          </a:p>
+          <a:p>
+            <a:pPr>
+              <a:buFont typeface="Arial" panose="020B0604020202020204" pitchFamily="34" charset="0"/>
+              <a:buChar char="•"/>
+            </a:pPr>
+            <a:r>
+              <a:rPr lang="en-US" altLang="en-US" sz="2400" dirty="0">
+                <a:latin typeface="Arial Narrow" panose="020B0606020202030204" pitchFamily="34" charset="0"/>
+              </a:rPr>
+              <a:t>What are your expectations for the next developments?</a:t>
+            </a:r>
+          </a:p>
+        </p:txBody>
+      </p:sp>
+      <p:pic>
+        <p:nvPicPr>
+          <p:cNvPr id="20" name="Picture 17">
+            <a:extLst>
+              <a:ext uri="{FF2B5EF4-FFF2-40B4-BE49-F238E27FC236}">
+                <a16:creationId xmlns:a16="http://schemas.microsoft.com/office/drawing/2014/main" id="{9877BF72-74C1-5EF3-AA56-859D04DD3AD0}"/>
+              </a:ext>
+            </a:extLst>
+          </p:cNvPr>
+          <p:cNvPicPr>
+            <a:picLocks noChangeAspect="1" noChangeArrowheads="1"/>
+          </p:cNvPicPr>
+          <p:nvPr/>
+        </p:nvPicPr>
+        <p:blipFill rotWithShape="1">
+          <a:blip r:embed="rId7">
+            <a:extLst>
+              <a:ext uri="{28A0092B-C50C-407E-A947-70E740481C1C}">
+                <a14:useLocalDpi xmlns:a14="http://schemas.microsoft.com/office/drawing/2010/main" val="0"/>
+              </a:ext>
+            </a:extLst>
+          </a:blip>
+          <a:srcRect t="8736" b="11179"/>
+          <a:stretch/>
+        </p:blipFill>
+        <p:spPr bwMode="auto">
+          <a:xfrm>
+            <a:off x="7234914" y="23735543"/>
+            <a:ext cx="3668243" cy="1395999"/>
+          </a:xfrm>
+          <a:prstGeom prst="rect">
+            <a:avLst/>
+          </a:prstGeom>
+          <a:noFill/>
+          <a:ln>
+            <a:noFill/>
+          </a:ln>
+          <a:effectLst/>
+          <a:extLst>
+            <a:ext uri="{909E8E84-426E-40DD-AFC4-6F175D3DCCD1}">
+              <a14:hiddenFill xmlns:a14="http://schemas.microsoft.com/office/drawing/2010/main">
+                <a:blipFill dpi="0" rotWithShape="0">
+                  <a:blip/>
+                  <a:srcRect/>
+                  <a:stretch>
+                    <a:fillRect/>
+                  </a:stretch>
+                </a:blipFill>
+              </a14:hiddenFill>
+            </a:ext>
+            <a:ext uri="{91240B29-F687-4F45-9708-019B960494DF}">
+              <a14:hiddenLine xmlns:a14="http://schemas.microsoft.com/office/drawing/2010/main" w="9525" cap="flat">
+                <a:solidFill>
+                  <a:srgbClr val="3465A4"/>
+                </a:solidFill>
+                <a:round/>
+                <a:headEnd/>
+                <a:tailEnd/>
+              </a14:hiddenLine>
+            </a:ext>
+            <a:ext uri="{AF507438-7753-43E0-B8FC-AC1667EBCBE1}">
+              <a14:hiddenEffects xmlns:a14="http://schemas.microsoft.com/office/drawing/2010/main">
+                <a:effectLst>
+                  <a:outerShdw dist="35921" dir="2700000" algn="ctr" rotWithShape="0">
+                    <a:srgbClr val="808080"/>
+                  </a:outerShdw>
+                </a:effectLst>
+              </a14:hiddenEffects>
+            </a:ext>
+          </a:extLst>
+        </p:spPr>
+      </p:pic>
+      <p:pic>
+        <p:nvPicPr>
+          <p:cNvPr id="21" name="Picture 18">
+            <a:extLst>
+              <a:ext uri="{FF2B5EF4-FFF2-40B4-BE49-F238E27FC236}">
+                <a16:creationId xmlns:a16="http://schemas.microsoft.com/office/drawing/2014/main" id="{10BBE1E7-9952-5DEB-8978-37D761E07BCD}"/>
+              </a:ext>
+            </a:extLst>
+          </p:cNvPr>
+          <p:cNvPicPr>
+            <a:picLocks noChangeAspect="1" noChangeArrowheads="1"/>
+          </p:cNvPicPr>
+          <p:nvPr/>
+        </p:nvPicPr>
+        <p:blipFill>
+          <a:blip r:embed="rId8">
+            <a:extLst>
+              <a:ext uri="{28A0092B-C50C-407E-A947-70E740481C1C}">
+                <a14:useLocalDpi xmlns:a14="http://schemas.microsoft.com/office/drawing/2010/main" val="0"/>
+              </a:ext>
+            </a:extLst>
+          </a:blip>
+          <a:srcRect/>
+          <a:stretch>
+            <a:fillRect/>
+          </a:stretch>
+        </p:blipFill>
+        <p:spPr bwMode="auto">
+          <a:xfrm>
+            <a:off x="201325" y="23812228"/>
+            <a:ext cx="2534326" cy="1242627"/>
+          </a:xfrm>
+          <a:prstGeom prst="rect">
+            <a:avLst/>
+          </a:prstGeom>
+          <a:noFill/>
+          <a:ln>
+            <a:noFill/>
+          </a:ln>
+          <a:effectLst/>
+          <a:extLst>
+            <a:ext uri="{909E8E84-426E-40DD-AFC4-6F175D3DCCD1}">
+              <a14:hiddenFill xmlns:a14="http://schemas.microsoft.com/office/drawing/2010/main">
+                <a:blipFill dpi="0" rotWithShape="0">
+                  <a:blip/>
+                  <a:srcRect/>
+                  <a:stretch>
+                    <a:fillRect/>
+                  </a:stretch>
+                </a:blipFill>
+              </a14:hiddenFill>
+            </a:ext>
+            <a:ext uri="{91240B29-F687-4F45-9708-019B960494DF}">
+              <a14:hiddenLine xmlns:a14="http://schemas.microsoft.com/office/drawing/2010/main" w="9525" cap="flat">
+                <a:solidFill>
+                  <a:srgbClr val="3465A4"/>
+                </a:solidFill>
+                <a:round/>
+                <a:headEnd/>
+                <a:tailEnd/>
+              </a14:hiddenLine>
+            </a:ext>
+            <a:ext uri="{AF507438-7753-43E0-B8FC-AC1667EBCBE1}">
+              <a14:hiddenEffects xmlns:a14="http://schemas.microsoft.com/office/drawing/2010/main">
+                <a:effectLst>
+                  <a:outerShdw dist="35921" dir="2700000" algn="ctr" rotWithShape="0">
+                    <a:srgbClr val="808080"/>
+                  </a:outerShdw>
+                </a:effectLst>
+              </a14:hiddenEffects>
+            </a:ext>
+          </a:extLst>
+        </p:spPr>
+      </p:pic>
+      <p:sp>
+        <p:nvSpPr>
+          <p:cNvPr id="28" name="Rectangle 27">
+            <a:extLst>
+              <a:ext uri="{FF2B5EF4-FFF2-40B4-BE49-F238E27FC236}">
+                <a16:creationId xmlns:a16="http://schemas.microsoft.com/office/drawing/2014/main" id="{08985C4D-32C4-4278-04A2-0DE7C7C5B695}"/>
+              </a:ext>
+            </a:extLst>
+          </p:cNvPr>
+          <p:cNvSpPr/>
+          <p:nvPr/>
+        </p:nvSpPr>
+        <p:spPr>
+          <a:xfrm>
+            <a:off x="14287395" y="23761387"/>
+            <a:ext cx="3690873" cy="1440000"/>
+          </a:xfrm>
+          <a:prstGeom prst="rect">
+            <a:avLst/>
+          </a:prstGeom>
+          <a:solidFill>
+            <a:srgbClr val="264074"/>
+          </a:solidFill>
+        </p:spPr>
+        <p:style>
+          <a:lnRef idx="2">
+            <a:schemeClr val="accent1">
+              <a:shade val="50000"/>
+            </a:schemeClr>
+          </a:lnRef>
+          <a:fillRef idx="1">
+            <a:schemeClr val="accent1"/>
+          </a:fillRef>
+          <a:effectRef idx="0">
+            <a:schemeClr val="accent1"/>
+          </a:effectRef>
+          <a:fontRef idx="minor">
+            <a:schemeClr val="lt1"/>
+          </a:fontRef>
+        </p:style>
+        <p:txBody>
+          <a:bodyPr rot="0" spcFirstLastPara="0" vertOverflow="overflow" horzOverflow="overflow" vert="horz" wrap="square" lIns="60960" tIns="30480" rIns="60960" bIns="30480" numCol="1" spcCol="0" rtlCol="0" fromWordArt="0" anchor="ctr" anchorCtr="0" forceAA="0" compatLnSpc="1">
+            <a:prstTxWarp prst="textNoShape">
+              <a:avLst/>
+            </a:prstTxWarp>
+            <a:noAutofit/>
+          </a:bodyPr>
+          <a:lstStyle/>
+          <a:p>
+            <a:pPr algn="ctr">
+              <a:spcBef>
+                <a:spcPts val="267"/>
+              </a:spcBef>
+            </a:pPr>
+            <a:endParaRPr lang="en-US" sz="5334" b="1">
+              <a:solidFill>
+                <a:srgbClr val="FFFFFF"/>
+              </a:solidFill>
+              <a:latin typeface="Arial" panose="020B0604020202020204" pitchFamily="34" charset="0"/>
+              <a:ea typeface="ＭＳ Ｐゴシック" panose="020B0600070205080204" pitchFamily="34" charset="-128"/>
+            </a:endParaRPr>
+          </a:p>
+        </p:txBody>
+      </p:sp>
+      <p:sp>
+        <p:nvSpPr>
+          <p:cNvPr id="29" name="TextBox 28">
+            <a:extLst>
+              <a:ext uri="{FF2B5EF4-FFF2-40B4-BE49-F238E27FC236}">
+                <a16:creationId xmlns:a16="http://schemas.microsoft.com/office/drawing/2014/main" id="{3BF60314-7238-BCBF-7015-987E28BC8C4F}"/>
+              </a:ext>
+            </a:extLst>
+          </p:cNvPr>
+          <p:cNvSpPr txBox="1"/>
+          <p:nvPr/>
+        </p:nvSpPr>
+        <p:spPr>
+          <a:xfrm>
+            <a:off x="14713723" y="23894931"/>
+            <a:ext cx="2960682" cy="1077218"/>
+          </a:xfrm>
+          <a:prstGeom prst="rect">
+            <a:avLst/>
+          </a:prstGeom>
+          <a:noFill/>
+        </p:spPr>
+        <p:txBody>
+          <a:bodyPr wrap="none" rtlCol="0">
+            <a:spAutoFit/>
+          </a:bodyPr>
+          <a:lstStyle/>
+          <a:p>
+            <a:r>
+              <a:rPr lang="en-US" sz="6400" b="1" u="sng" dirty="0">
+                <a:latin typeface="Arial Nova" panose="020B0504020202020204" pitchFamily="34" charset="0"/>
+              </a:rPr>
+              <a:t>M:ERSI</a:t>
+            </a:r>
+          </a:p>
+        </p:txBody>
+      </p:sp>
+      <p:sp>
+        <p:nvSpPr>
+          <p:cNvPr id="2" name="Text Box 5">
+            <a:extLst>
+              <a:ext uri="{FF2B5EF4-FFF2-40B4-BE49-F238E27FC236}">
+                <a16:creationId xmlns:a16="http://schemas.microsoft.com/office/drawing/2014/main" id="{4E98E804-2D67-E3C4-6657-37DE9F5D80E6}"/>
+              </a:ext>
+            </a:extLst>
+          </p:cNvPr>
+          <p:cNvSpPr txBox="1">
+            <a:spLocks noChangeArrowheads="1"/>
+          </p:cNvSpPr>
+          <p:nvPr/>
+        </p:nvSpPr>
+        <p:spPr bwMode="auto">
+          <a:xfrm>
+            <a:off x="9037796" y="3094931"/>
+            <a:ext cx="8820000" cy="587799"/>
+          </a:xfrm>
+          <a:prstGeom prst="rect">
+            <a:avLst/>
+          </a:prstGeom>
+          <a:noFill/>
+          <a:ln>
+            <a:noFill/>
+          </a:ln>
+          <a:effectLst/>
+          <a:extLst>
+            <a:ext uri="{909E8E84-426E-40DD-AFC4-6F175D3DCCD1}">
+              <a14:hiddenFill xmlns:a14="http://schemas.microsoft.com/office/drawing/2010/main">
+                <a:solidFill>
+                  <a:srgbClr val="FFFFFF"/>
+                </a:solidFill>
+              </a14:hiddenFill>
+            </a:ext>
+            <a:ext uri="{91240B29-F687-4F45-9708-019B960494DF}">
+              <a14:hiddenLine xmlns:a14="http://schemas.microsoft.com/office/drawing/2010/main" w="9525" cap="flat">
+                <a:solidFill>
+                  <a:srgbClr val="3465A4"/>
+                </a:solidFill>
+                <a:round/>
+                <a:headEnd/>
+                <a:tailEnd/>
+              </a14:hiddenLine>
+            </a:ext>
+            <a:ext uri="{AF507438-7753-43E0-B8FC-AC1667EBCBE1}">
+              <a14:hiddenEffects xmlns:a14="http://schemas.microsoft.com/office/drawing/2010/main">
+                <a:effectLst>
+                  <a:outerShdw dist="35921" dir="2700000" algn="ctr" rotWithShape="0">
+                    <a:srgbClr val="808080"/>
+                  </a:outerShdw>
+                </a:effectLst>
+              </a14:hiddenEffects>
+            </a:ext>
+          </a:extLst>
+        </p:spPr>
+        <p:txBody>
+          <a:bodyPr wrap="square" lIns="175649" tIns="87825" rIns="175649" bIns="87825">
+            <a:spAutoFit/>
+          </a:bodyPr>
+          <a:lstStyle>
+            <a:lvl1pPr>
+              <a:tabLst>
+                <a:tab pos="0" algn="l"/>
+                <a:tab pos="914400" algn="l"/>
+                <a:tab pos="1828800" algn="l"/>
+                <a:tab pos="2743200" algn="l"/>
+                <a:tab pos="3657600" algn="l"/>
+                <a:tab pos="4572000" algn="l"/>
+                <a:tab pos="5486400" algn="l"/>
+                <a:tab pos="6400800" algn="l"/>
+                <a:tab pos="7315200" algn="l"/>
+                <a:tab pos="8229600" algn="l"/>
+                <a:tab pos="9144000" algn="l"/>
+                <a:tab pos="10058400" algn="l"/>
+                <a:tab pos="10333038" algn="l"/>
+                <a:tab pos="10782300" algn="l"/>
+                <a:tab pos="11231563" algn="l"/>
+                <a:tab pos="11680825" algn="l"/>
+                <a:tab pos="12130088" algn="l"/>
+                <a:tab pos="12579350" algn="l"/>
+                <a:tab pos="13028613" algn="l"/>
+                <a:tab pos="13477875" algn="l"/>
+                <a:tab pos="13927138" algn="l"/>
+                <a:tab pos="14376400" algn="l"/>
+              </a:tabLst>
+              <a:defRPr sz="7800">
+                <a:solidFill>
+                  <a:srgbClr val="000000"/>
+                </a:solidFill>
+                <a:latin typeface="Arial" panose="020B0604020202020204" pitchFamily="34" charset="0"/>
+                <a:ea typeface="ＭＳ Ｐゴシック" panose="020B0600070205080204" pitchFamily="34" charset="-128"/>
+              </a:defRPr>
+            </a:lvl1pPr>
+            <a:lvl2pPr>
+              <a:tabLst>
+                <a:tab pos="0" algn="l"/>
+                <a:tab pos="914400" algn="l"/>
+                <a:tab pos="1828800" algn="l"/>
+                <a:tab pos="2743200" algn="l"/>
+                <a:tab pos="3657600" algn="l"/>
+                <a:tab pos="4572000" algn="l"/>
+                <a:tab pos="5486400" algn="l"/>
+                <a:tab pos="6400800" algn="l"/>
+                <a:tab pos="7315200" algn="l"/>
+                <a:tab pos="8229600" algn="l"/>
+                <a:tab pos="9144000" algn="l"/>
+                <a:tab pos="10058400" algn="l"/>
+                <a:tab pos="10333038" algn="l"/>
+                <a:tab pos="10782300" algn="l"/>
+                <a:tab pos="11231563" algn="l"/>
+                <a:tab pos="11680825" algn="l"/>
+                <a:tab pos="12130088" algn="l"/>
+                <a:tab pos="12579350" algn="l"/>
+                <a:tab pos="13028613" algn="l"/>
+                <a:tab pos="13477875" algn="l"/>
+                <a:tab pos="13927138" algn="l"/>
+                <a:tab pos="14376400" algn="l"/>
+              </a:tabLst>
+              <a:defRPr sz="7800">
+                <a:solidFill>
+                  <a:srgbClr val="000000"/>
+                </a:solidFill>
+                <a:latin typeface="Arial" panose="020B0604020202020204" pitchFamily="34" charset="0"/>
+                <a:ea typeface="ＭＳ Ｐゴシック" panose="020B0600070205080204" pitchFamily="34" charset="-128"/>
+              </a:defRPr>
+            </a:lvl2pPr>
+            <a:lvl3pPr>
+              <a:tabLst>
+                <a:tab pos="0" algn="l"/>
+                <a:tab pos="914400" algn="l"/>
+                <a:tab pos="1828800" algn="l"/>
+                <a:tab pos="2743200" algn="l"/>
+                <a:tab pos="3657600" algn="l"/>
+                <a:tab pos="4572000" algn="l"/>
+                <a:tab pos="5486400" algn="l"/>
+                <a:tab pos="6400800" algn="l"/>
+                <a:tab pos="7315200" algn="l"/>
+                <a:tab pos="8229600" algn="l"/>
+                <a:tab pos="9144000" algn="l"/>
+                <a:tab pos="10058400" algn="l"/>
+                <a:tab pos="10333038" algn="l"/>
+                <a:tab pos="10782300" algn="l"/>
+                <a:tab pos="11231563" algn="l"/>
+                <a:tab pos="11680825" algn="l"/>
+                <a:tab pos="12130088" algn="l"/>
+                <a:tab pos="12579350" algn="l"/>
+                <a:tab pos="13028613" algn="l"/>
+                <a:tab pos="13477875" algn="l"/>
+                <a:tab pos="13927138" algn="l"/>
+                <a:tab pos="14376400" algn="l"/>
+              </a:tabLst>
+              <a:defRPr sz="7800">
+                <a:solidFill>
+                  <a:srgbClr val="000000"/>
+                </a:solidFill>
+                <a:latin typeface="Arial" panose="020B0604020202020204" pitchFamily="34" charset="0"/>
+                <a:ea typeface="ＭＳ Ｐゴシック" panose="020B0600070205080204" pitchFamily="34" charset="-128"/>
+              </a:defRPr>
+            </a:lvl3pPr>
+            <a:lvl4pPr>
+              <a:tabLst>
+                <a:tab pos="0" algn="l"/>
+                <a:tab pos="914400" algn="l"/>
+                <a:tab pos="1828800" algn="l"/>
+                <a:tab pos="2743200" algn="l"/>
+                <a:tab pos="3657600" algn="l"/>
+                <a:tab pos="4572000" algn="l"/>
+                <a:tab pos="5486400" algn="l"/>
+                <a:tab pos="6400800" algn="l"/>
+                <a:tab pos="7315200" algn="l"/>
+                <a:tab pos="8229600" algn="l"/>
+                <a:tab pos="9144000" algn="l"/>
+                <a:tab pos="10058400" algn="l"/>
+                <a:tab pos="10333038" algn="l"/>
+                <a:tab pos="10782300" algn="l"/>
+                <a:tab pos="11231563" algn="l"/>
+                <a:tab pos="11680825" algn="l"/>
+                <a:tab pos="12130088" algn="l"/>
+                <a:tab pos="12579350" algn="l"/>
+                <a:tab pos="13028613" algn="l"/>
+                <a:tab pos="13477875" algn="l"/>
+                <a:tab pos="13927138" algn="l"/>
+                <a:tab pos="14376400" algn="l"/>
+              </a:tabLst>
+              <a:defRPr sz="7800">
+                <a:solidFill>
+                  <a:srgbClr val="000000"/>
+                </a:solidFill>
+                <a:latin typeface="Arial" panose="020B0604020202020204" pitchFamily="34" charset="0"/>
+                <a:ea typeface="ＭＳ Ｐゴシック" panose="020B0600070205080204" pitchFamily="34" charset="-128"/>
+              </a:defRPr>
+            </a:lvl4pPr>
+            <a:lvl5pPr>
+              <a:tabLst>
+                <a:tab pos="0" algn="l"/>
+                <a:tab pos="914400" algn="l"/>
+                <a:tab pos="1828800" algn="l"/>
+                <a:tab pos="2743200" algn="l"/>
+                <a:tab pos="3657600" algn="l"/>
+                <a:tab pos="4572000" algn="l"/>
+                <a:tab pos="5486400" algn="l"/>
+                <a:tab pos="6400800" algn="l"/>
+                <a:tab pos="7315200" algn="l"/>
+                <a:tab pos="8229600" algn="l"/>
+                <a:tab pos="9144000" algn="l"/>
+                <a:tab pos="10058400" algn="l"/>
+                <a:tab pos="10333038" algn="l"/>
+                <a:tab pos="10782300" algn="l"/>
+                <a:tab pos="11231563" algn="l"/>
+                <a:tab pos="11680825" algn="l"/>
+                <a:tab pos="12130088" algn="l"/>
+                <a:tab pos="12579350" algn="l"/>
+                <a:tab pos="13028613" algn="l"/>
+                <a:tab pos="13477875" algn="l"/>
+                <a:tab pos="13927138" algn="l"/>
+                <a:tab pos="14376400" algn="l"/>
+              </a:tabLst>
+              <a:defRPr sz="7800">
+                <a:solidFill>
+                  <a:srgbClr val="000000"/>
+                </a:solidFill>
+                <a:latin typeface="Arial" panose="020B0604020202020204" pitchFamily="34" charset="0"/>
+                <a:ea typeface="ＭＳ Ｐゴシック" panose="020B0600070205080204" pitchFamily="34" charset="-128"/>
+              </a:defRPr>
+            </a:lvl5pPr>
+            <a:lvl6pPr marL="2514600" indent="-228600" defTabSz="449263" eaLnBrk="0" fontAlgn="base" hangingPunct="0">
+              <a:spcBef>
+                <a:spcPct val="0"/>
+              </a:spcBef>
+              <a:spcAft>
+                <a:spcPct val="0"/>
+              </a:spcAft>
+              <a:buClr>
+                <a:srgbClr val="000000"/>
+              </a:buClr>
+              <a:buSzPct val="100000"/>
+              <a:buFont typeface="Times New Roman" panose="02020603050405020304" pitchFamily="18" charset="0"/>
+              <a:tabLst>
+                <a:tab pos="0" algn="l"/>
+                <a:tab pos="914400" algn="l"/>
+                <a:tab pos="1828800" algn="l"/>
+                <a:tab pos="2743200" algn="l"/>
+                <a:tab pos="3657600" algn="l"/>
+                <a:tab pos="4572000" algn="l"/>
+                <a:tab pos="5486400" algn="l"/>
+                <a:tab pos="6400800" algn="l"/>
+                <a:tab pos="7315200" algn="l"/>
+                <a:tab pos="8229600" algn="l"/>
+                <a:tab pos="9144000" algn="l"/>
+                <a:tab pos="10058400" algn="l"/>
+                <a:tab pos="10333038" algn="l"/>
+                <a:tab pos="10782300" algn="l"/>
+                <a:tab pos="11231563" algn="l"/>
+                <a:tab pos="11680825" algn="l"/>
+                <a:tab pos="12130088" algn="l"/>
+                <a:tab pos="12579350" algn="l"/>
+                <a:tab pos="13028613" algn="l"/>
+                <a:tab pos="13477875" algn="l"/>
+                <a:tab pos="13927138" algn="l"/>
+                <a:tab pos="14376400" algn="l"/>
+              </a:tabLst>
+              <a:defRPr sz="7800">
+                <a:solidFill>
+                  <a:srgbClr val="000000"/>
+                </a:solidFill>
+                <a:latin typeface="Arial" panose="020B0604020202020204" pitchFamily="34" charset="0"/>
+                <a:ea typeface="ＭＳ Ｐゴシック" panose="020B0600070205080204" pitchFamily="34" charset="-128"/>
+              </a:defRPr>
+            </a:lvl6pPr>
+            <a:lvl7pPr marL="2971800" indent="-228600" defTabSz="449263" eaLnBrk="0" fontAlgn="base" hangingPunct="0">
+              <a:spcBef>
+                <a:spcPct val="0"/>
+              </a:spcBef>
+              <a:spcAft>
+                <a:spcPct val="0"/>
+              </a:spcAft>
+              <a:buClr>
+                <a:srgbClr val="000000"/>
+              </a:buClr>
+              <a:buSzPct val="100000"/>
+              <a:buFont typeface="Times New Roman" panose="02020603050405020304" pitchFamily="18" charset="0"/>
+              <a:tabLst>
+                <a:tab pos="0" algn="l"/>
+                <a:tab pos="914400" algn="l"/>
+                <a:tab pos="1828800" algn="l"/>
+                <a:tab pos="2743200" algn="l"/>
+                <a:tab pos="3657600" algn="l"/>
+                <a:tab pos="4572000" algn="l"/>
+                <a:tab pos="5486400" algn="l"/>
+                <a:tab pos="6400800" algn="l"/>
+                <a:tab pos="7315200" algn="l"/>
+                <a:tab pos="8229600" algn="l"/>
+                <a:tab pos="9144000" algn="l"/>
+                <a:tab pos="10058400" algn="l"/>
+                <a:tab pos="10333038" algn="l"/>
+                <a:tab pos="10782300" algn="l"/>
+                <a:tab pos="11231563" algn="l"/>
+                <a:tab pos="11680825" algn="l"/>
+                <a:tab pos="12130088" algn="l"/>
+                <a:tab pos="12579350" algn="l"/>
+                <a:tab pos="13028613" algn="l"/>
+                <a:tab pos="13477875" algn="l"/>
+                <a:tab pos="13927138" algn="l"/>
+                <a:tab pos="14376400" algn="l"/>
+              </a:tabLst>
+              <a:defRPr sz="7800">
+                <a:solidFill>
+                  <a:srgbClr val="000000"/>
+                </a:solidFill>
+                <a:latin typeface="Arial" panose="020B0604020202020204" pitchFamily="34" charset="0"/>
+                <a:ea typeface="ＭＳ Ｐゴシック" panose="020B0600070205080204" pitchFamily="34" charset="-128"/>
+              </a:defRPr>
+            </a:lvl7pPr>
+            <a:lvl8pPr marL="3429000" indent="-228600" defTabSz="449263" eaLnBrk="0" fontAlgn="base" hangingPunct="0">
+              <a:spcBef>
+                <a:spcPct val="0"/>
+              </a:spcBef>
+              <a:spcAft>
+                <a:spcPct val="0"/>
+              </a:spcAft>
+              <a:buClr>
+                <a:srgbClr val="000000"/>
+              </a:buClr>
+              <a:buSzPct val="100000"/>
+              <a:buFont typeface="Times New Roman" panose="02020603050405020304" pitchFamily="18" charset="0"/>
+              <a:tabLst>
+                <a:tab pos="0" algn="l"/>
+                <a:tab pos="914400" algn="l"/>
+                <a:tab pos="1828800" algn="l"/>
+                <a:tab pos="2743200" algn="l"/>
+                <a:tab pos="3657600" algn="l"/>
+                <a:tab pos="4572000" algn="l"/>
+                <a:tab pos="5486400" algn="l"/>
+                <a:tab pos="6400800" algn="l"/>
+                <a:tab pos="7315200" algn="l"/>
+                <a:tab pos="8229600" algn="l"/>
+                <a:tab pos="9144000" algn="l"/>
+                <a:tab pos="10058400" algn="l"/>
+                <a:tab pos="10333038" algn="l"/>
+                <a:tab pos="10782300" algn="l"/>
+                <a:tab pos="11231563" algn="l"/>
+                <a:tab pos="11680825" algn="l"/>
+                <a:tab pos="12130088" algn="l"/>
+                <a:tab pos="12579350" algn="l"/>
+                <a:tab pos="13028613" algn="l"/>
+                <a:tab pos="13477875" algn="l"/>
+                <a:tab pos="13927138" algn="l"/>
+                <a:tab pos="14376400" algn="l"/>
+              </a:tabLst>
+              <a:defRPr sz="7800">
+                <a:solidFill>
+                  <a:srgbClr val="000000"/>
+                </a:solidFill>
+                <a:latin typeface="Arial" panose="020B0604020202020204" pitchFamily="34" charset="0"/>
+                <a:ea typeface="ＭＳ Ｐゴシック" panose="020B0600070205080204" pitchFamily="34" charset="-128"/>
+              </a:defRPr>
+            </a:lvl8pPr>
+            <a:lvl9pPr marL="3886200" indent="-228600" defTabSz="449263" eaLnBrk="0" fontAlgn="base" hangingPunct="0">
+              <a:spcBef>
+                <a:spcPct val="0"/>
+              </a:spcBef>
+              <a:spcAft>
+                <a:spcPct val="0"/>
+              </a:spcAft>
+              <a:buClr>
+                <a:srgbClr val="000000"/>
+              </a:buClr>
+              <a:buSzPct val="100000"/>
+              <a:buFont typeface="Times New Roman" panose="02020603050405020304" pitchFamily="18" charset="0"/>
+              <a:tabLst>
+                <a:tab pos="0" algn="l"/>
+                <a:tab pos="914400" algn="l"/>
+                <a:tab pos="1828800" algn="l"/>
+                <a:tab pos="2743200" algn="l"/>
+                <a:tab pos="3657600" algn="l"/>
+                <a:tab pos="4572000" algn="l"/>
+                <a:tab pos="5486400" algn="l"/>
+                <a:tab pos="6400800" algn="l"/>
+                <a:tab pos="7315200" algn="l"/>
+                <a:tab pos="8229600" algn="l"/>
+                <a:tab pos="9144000" algn="l"/>
+                <a:tab pos="10058400" algn="l"/>
+                <a:tab pos="10333038" algn="l"/>
+                <a:tab pos="10782300" algn="l"/>
+                <a:tab pos="11231563" algn="l"/>
+                <a:tab pos="11680825" algn="l"/>
+                <a:tab pos="12130088" algn="l"/>
+                <a:tab pos="12579350" algn="l"/>
+                <a:tab pos="13028613" algn="l"/>
+                <a:tab pos="13477875" algn="l"/>
+                <a:tab pos="13927138" algn="l"/>
+                <a:tab pos="14376400" algn="l"/>
+              </a:tabLst>
+              <a:defRPr sz="7800">
+                <a:solidFill>
+                  <a:srgbClr val="000000"/>
+                </a:solidFill>
+                <a:latin typeface="Arial" panose="020B0604020202020204" pitchFamily="34" charset="0"/>
+                <a:ea typeface="ＭＳ Ｐゴシック" panose="020B0600070205080204" pitchFamily="34" charset="-128"/>
+              </a:defRPr>
+            </a:lvl9pPr>
+          </a:lstStyle>
+          <a:p>
+            <a:pPr algn="ctr" eaLnBrk="1" hangingPunct="1">
+              <a:buClrTx/>
+              <a:buFontTx/>
+              <a:buNone/>
+            </a:pPr>
+            <a:r>
+              <a:rPr lang="en-GB" altLang="en-US" sz="2667" b="1" dirty="0">
+                <a:solidFill>
+                  <a:srgbClr val="004377"/>
+                </a:solidFill>
+              </a:rPr>
+              <a:t>Workplan</a:t>
+            </a:r>
+          </a:p>
+        </p:txBody>
+      </p:sp>
+      <p:sp>
+        <p:nvSpPr>
+          <p:cNvPr id="3" name="Text Box 16">
+            <a:extLst>
+              <a:ext uri="{FF2B5EF4-FFF2-40B4-BE49-F238E27FC236}">
+                <a16:creationId xmlns:a16="http://schemas.microsoft.com/office/drawing/2014/main" id="{45D8BE49-6FB6-2451-06E1-85ACDE3BEBDA}"/>
+              </a:ext>
+            </a:extLst>
+          </p:cNvPr>
+          <p:cNvSpPr txBox="1">
+            <a:spLocks noChangeArrowheads="1"/>
+          </p:cNvSpPr>
+          <p:nvPr/>
+        </p:nvSpPr>
+        <p:spPr bwMode="auto">
+          <a:xfrm>
+            <a:off x="9066505" y="3681778"/>
+            <a:ext cx="8496000" cy="1285361"/>
+          </a:xfrm>
+          <a:prstGeom prst="rect">
+            <a:avLst/>
+          </a:prstGeom>
+          <a:noFill/>
+          <a:ln>
+            <a:noFill/>
+          </a:ln>
+          <a:effectLst/>
+          <a:extLst>
+            <a:ext uri="{909E8E84-426E-40DD-AFC4-6F175D3DCCD1}">
+              <a14:hiddenFill xmlns:a14="http://schemas.microsoft.com/office/drawing/2010/main">
+                <a:solidFill>
+                  <a:srgbClr val="FFFFFF"/>
+                </a:solidFill>
+              </a14:hiddenFill>
+            </a:ext>
+            <a:ext uri="{91240B29-F687-4F45-9708-019B960494DF}">
+              <a14:hiddenLine xmlns:a14="http://schemas.microsoft.com/office/drawing/2010/main" w="9525" cap="flat">
+                <a:solidFill>
+                  <a:srgbClr val="3465A4"/>
+                </a:solidFill>
+                <a:round/>
+                <a:headEnd/>
+                <a:tailEnd/>
+              </a14:hiddenLine>
+            </a:ext>
+            <a:ext uri="{AF507438-7753-43E0-B8FC-AC1667EBCBE1}">
+              <a14:hiddenEffects xmlns:a14="http://schemas.microsoft.com/office/drawing/2010/main">
+                <a:effectLst>
+                  <a:outerShdw dist="35921" dir="2700000" algn="ctr" rotWithShape="0">
+                    <a:srgbClr val="808080"/>
+                  </a:outerShdw>
+                </a:effectLst>
+              </a14:hiddenEffects>
+            </a:ext>
+          </a:extLst>
+        </p:spPr>
+        <p:txBody>
+          <a:bodyPr lIns="175649" tIns="87825" rIns="175649" bIns="87825">
+            <a:spAutoFit/>
+          </a:bodyPr>
+          <a:lstStyle>
+            <a:lvl1pPr marL="512763" indent="-512763">
+              <a:tabLst>
+                <a:tab pos="512763" algn="l"/>
+                <a:tab pos="1427163" algn="l"/>
+                <a:tab pos="2341563" algn="l"/>
+                <a:tab pos="3255963" algn="l"/>
+                <a:tab pos="4170363" algn="l"/>
+                <a:tab pos="5084763" algn="l"/>
+                <a:tab pos="5999163" algn="l"/>
+                <a:tab pos="6913563" algn="l"/>
+                <a:tab pos="7827963" algn="l"/>
+                <a:tab pos="8742363" algn="l"/>
+                <a:tab pos="9656763" algn="l"/>
+                <a:tab pos="10571163" algn="l"/>
+                <a:tab pos="10782300" algn="l"/>
+                <a:tab pos="11231563" algn="l"/>
+                <a:tab pos="11680825" algn="l"/>
+                <a:tab pos="12130088" algn="l"/>
+                <a:tab pos="12579350" algn="l"/>
+                <a:tab pos="13028613" algn="l"/>
+                <a:tab pos="13477875" algn="l"/>
+              </a:tabLst>
+              <a:defRPr sz="7800">
+                <a:solidFill>
+                  <a:srgbClr val="000000"/>
+                </a:solidFill>
+                <a:latin typeface="Arial" panose="020B0604020202020204" pitchFamily="34" charset="0"/>
+                <a:ea typeface="ＭＳ Ｐゴシック" panose="020B0600070205080204" pitchFamily="34" charset="-128"/>
+              </a:defRPr>
+            </a:lvl1pPr>
+            <a:lvl2pPr>
+              <a:tabLst>
+                <a:tab pos="512763" algn="l"/>
+                <a:tab pos="1427163" algn="l"/>
+                <a:tab pos="2341563" algn="l"/>
+                <a:tab pos="3255963" algn="l"/>
+                <a:tab pos="4170363" algn="l"/>
+                <a:tab pos="5084763" algn="l"/>
+                <a:tab pos="5999163" algn="l"/>
+                <a:tab pos="6913563" algn="l"/>
+                <a:tab pos="7827963" algn="l"/>
+                <a:tab pos="8742363" algn="l"/>
+                <a:tab pos="9656763" algn="l"/>
+                <a:tab pos="10571163" algn="l"/>
+                <a:tab pos="10782300" algn="l"/>
+                <a:tab pos="11231563" algn="l"/>
+                <a:tab pos="11680825" algn="l"/>
+                <a:tab pos="12130088" algn="l"/>
+                <a:tab pos="12579350" algn="l"/>
+                <a:tab pos="13028613" algn="l"/>
+                <a:tab pos="13477875" algn="l"/>
+              </a:tabLst>
+              <a:defRPr sz="7800">
+                <a:solidFill>
+                  <a:srgbClr val="000000"/>
+                </a:solidFill>
+                <a:latin typeface="Arial" panose="020B0604020202020204" pitchFamily="34" charset="0"/>
+                <a:ea typeface="ＭＳ Ｐゴシック" panose="020B0600070205080204" pitchFamily="34" charset="-128"/>
+              </a:defRPr>
+            </a:lvl2pPr>
+            <a:lvl3pPr>
+              <a:tabLst>
+                <a:tab pos="512763" algn="l"/>
+                <a:tab pos="1427163" algn="l"/>
+                <a:tab pos="2341563" algn="l"/>
+                <a:tab pos="3255963" algn="l"/>
+                <a:tab pos="4170363" algn="l"/>
+                <a:tab pos="5084763" algn="l"/>
+                <a:tab pos="5999163" algn="l"/>
+                <a:tab pos="6913563" algn="l"/>
+                <a:tab pos="7827963" algn="l"/>
+                <a:tab pos="8742363" algn="l"/>
+                <a:tab pos="9656763" algn="l"/>
+                <a:tab pos="10571163" algn="l"/>
+                <a:tab pos="10782300" algn="l"/>
+                <a:tab pos="11231563" algn="l"/>
+                <a:tab pos="11680825" algn="l"/>
+                <a:tab pos="12130088" algn="l"/>
+                <a:tab pos="12579350" algn="l"/>
+                <a:tab pos="13028613" algn="l"/>
+                <a:tab pos="13477875" algn="l"/>
+              </a:tabLst>
+              <a:defRPr sz="7800">
+                <a:solidFill>
+                  <a:srgbClr val="000000"/>
+                </a:solidFill>
+                <a:latin typeface="Arial" panose="020B0604020202020204" pitchFamily="34" charset="0"/>
+                <a:ea typeface="ＭＳ Ｐゴシック" panose="020B0600070205080204" pitchFamily="34" charset="-128"/>
+              </a:defRPr>
+            </a:lvl3pPr>
+            <a:lvl4pPr>
+              <a:tabLst>
+                <a:tab pos="512763" algn="l"/>
+                <a:tab pos="1427163" algn="l"/>
+                <a:tab pos="2341563" algn="l"/>
+                <a:tab pos="3255963" algn="l"/>
+                <a:tab pos="4170363" algn="l"/>
+                <a:tab pos="5084763" algn="l"/>
+                <a:tab pos="5999163" algn="l"/>
+                <a:tab pos="6913563" algn="l"/>
+                <a:tab pos="7827963" algn="l"/>
+                <a:tab pos="8742363" algn="l"/>
+                <a:tab pos="9656763" algn="l"/>
+                <a:tab pos="10571163" algn="l"/>
+                <a:tab pos="10782300" algn="l"/>
+                <a:tab pos="11231563" algn="l"/>
+                <a:tab pos="11680825" algn="l"/>
+                <a:tab pos="12130088" algn="l"/>
+                <a:tab pos="12579350" algn="l"/>
+                <a:tab pos="13028613" algn="l"/>
+                <a:tab pos="13477875" algn="l"/>
+              </a:tabLst>
+              <a:defRPr sz="7800">
+                <a:solidFill>
+                  <a:srgbClr val="000000"/>
+                </a:solidFill>
+                <a:latin typeface="Arial" panose="020B0604020202020204" pitchFamily="34" charset="0"/>
+                <a:ea typeface="ＭＳ Ｐゴシック" panose="020B0600070205080204" pitchFamily="34" charset="-128"/>
+              </a:defRPr>
+            </a:lvl4pPr>
+            <a:lvl5pPr>
+              <a:tabLst>
+                <a:tab pos="512763" algn="l"/>
+                <a:tab pos="1427163" algn="l"/>
+                <a:tab pos="2341563" algn="l"/>
+                <a:tab pos="3255963" algn="l"/>
+                <a:tab pos="4170363" algn="l"/>
+                <a:tab pos="5084763" algn="l"/>
+                <a:tab pos="5999163" algn="l"/>
+                <a:tab pos="6913563" algn="l"/>
+                <a:tab pos="7827963" algn="l"/>
+                <a:tab pos="8742363" algn="l"/>
+                <a:tab pos="9656763" algn="l"/>
+                <a:tab pos="10571163" algn="l"/>
+                <a:tab pos="10782300" algn="l"/>
+                <a:tab pos="11231563" algn="l"/>
+                <a:tab pos="11680825" algn="l"/>
+                <a:tab pos="12130088" algn="l"/>
+                <a:tab pos="12579350" algn="l"/>
+                <a:tab pos="13028613" algn="l"/>
+                <a:tab pos="13477875" algn="l"/>
+              </a:tabLst>
+              <a:defRPr sz="7800">
+                <a:solidFill>
+                  <a:srgbClr val="000000"/>
+                </a:solidFill>
+                <a:latin typeface="Arial" panose="020B0604020202020204" pitchFamily="34" charset="0"/>
+                <a:ea typeface="ＭＳ Ｐゴシック" panose="020B0600070205080204" pitchFamily="34" charset="-128"/>
+              </a:defRPr>
+            </a:lvl5pPr>
+            <a:lvl6pPr marL="2514600" indent="-228600" defTabSz="449263" eaLnBrk="0" fontAlgn="base" hangingPunct="0">
+              <a:spcBef>
+                <a:spcPct val="0"/>
+              </a:spcBef>
+              <a:spcAft>
+                <a:spcPct val="0"/>
+              </a:spcAft>
+              <a:buClr>
+                <a:srgbClr val="000000"/>
+              </a:buClr>
+              <a:buSzPct val="100000"/>
+              <a:buFont typeface="Times New Roman" panose="02020603050405020304" pitchFamily="18" charset="0"/>
+              <a:tabLst>
+                <a:tab pos="512763" algn="l"/>
+                <a:tab pos="1427163" algn="l"/>
+                <a:tab pos="2341563" algn="l"/>
+                <a:tab pos="3255963" algn="l"/>
+                <a:tab pos="4170363" algn="l"/>
+                <a:tab pos="5084763" algn="l"/>
+                <a:tab pos="5999163" algn="l"/>
+                <a:tab pos="6913563" algn="l"/>
+                <a:tab pos="7827963" algn="l"/>
+                <a:tab pos="8742363" algn="l"/>
+                <a:tab pos="9656763" algn="l"/>
+                <a:tab pos="10571163" algn="l"/>
+                <a:tab pos="10782300" algn="l"/>
+                <a:tab pos="11231563" algn="l"/>
+                <a:tab pos="11680825" algn="l"/>
+                <a:tab pos="12130088" algn="l"/>
+                <a:tab pos="12579350" algn="l"/>
+                <a:tab pos="13028613" algn="l"/>
+                <a:tab pos="13477875" algn="l"/>
+              </a:tabLst>
+              <a:defRPr sz="7800">
+                <a:solidFill>
+                  <a:srgbClr val="000000"/>
+                </a:solidFill>
+                <a:latin typeface="Arial" panose="020B0604020202020204" pitchFamily="34" charset="0"/>
+                <a:ea typeface="ＭＳ Ｐゴシック" panose="020B0600070205080204" pitchFamily="34" charset="-128"/>
+              </a:defRPr>
+            </a:lvl6pPr>
+            <a:lvl7pPr marL="2971800" indent="-228600" defTabSz="449263" eaLnBrk="0" fontAlgn="base" hangingPunct="0">
+              <a:spcBef>
+                <a:spcPct val="0"/>
+              </a:spcBef>
+              <a:spcAft>
+                <a:spcPct val="0"/>
+              </a:spcAft>
+              <a:buClr>
+                <a:srgbClr val="000000"/>
+              </a:buClr>
+              <a:buSzPct val="100000"/>
+              <a:buFont typeface="Times New Roman" panose="02020603050405020304" pitchFamily="18" charset="0"/>
+              <a:tabLst>
+                <a:tab pos="512763" algn="l"/>
+                <a:tab pos="1427163" algn="l"/>
+                <a:tab pos="2341563" algn="l"/>
+                <a:tab pos="3255963" algn="l"/>
+                <a:tab pos="4170363" algn="l"/>
+                <a:tab pos="5084763" algn="l"/>
+                <a:tab pos="5999163" algn="l"/>
+                <a:tab pos="6913563" algn="l"/>
+                <a:tab pos="7827963" algn="l"/>
+                <a:tab pos="8742363" algn="l"/>
+                <a:tab pos="9656763" algn="l"/>
+                <a:tab pos="10571163" algn="l"/>
+                <a:tab pos="10782300" algn="l"/>
+                <a:tab pos="11231563" algn="l"/>
+                <a:tab pos="11680825" algn="l"/>
+                <a:tab pos="12130088" algn="l"/>
+                <a:tab pos="12579350" algn="l"/>
+                <a:tab pos="13028613" algn="l"/>
+                <a:tab pos="13477875" algn="l"/>
+              </a:tabLst>
+              <a:defRPr sz="7800">
+                <a:solidFill>
+                  <a:srgbClr val="000000"/>
+                </a:solidFill>
+                <a:latin typeface="Arial" panose="020B0604020202020204" pitchFamily="34" charset="0"/>
+                <a:ea typeface="ＭＳ Ｐゴシック" panose="020B0600070205080204" pitchFamily="34" charset="-128"/>
+              </a:defRPr>
+            </a:lvl7pPr>
+            <a:lvl8pPr marL="3429000" indent="-228600" defTabSz="449263" eaLnBrk="0" fontAlgn="base" hangingPunct="0">
+              <a:spcBef>
+                <a:spcPct val="0"/>
+              </a:spcBef>
+              <a:spcAft>
+                <a:spcPct val="0"/>
+              </a:spcAft>
+              <a:buClr>
+                <a:srgbClr val="000000"/>
+              </a:buClr>
+              <a:buSzPct val="100000"/>
+              <a:buFont typeface="Times New Roman" panose="02020603050405020304" pitchFamily="18" charset="0"/>
+              <a:tabLst>
+                <a:tab pos="512763" algn="l"/>
+                <a:tab pos="1427163" algn="l"/>
+                <a:tab pos="2341563" algn="l"/>
+                <a:tab pos="3255963" algn="l"/>
+                <a:tab pos="4170363" algn="l"/>
+                <a:tab pos="5084763" algn="l"/>
+                <a:tab pos="5999163" algn="l"/>
+                <a:tab pos="6913563" algn="l"/>
+                <a:tab pos="7827963" algn="l"/>
+                <a:tab pos="8742363" algn="l"/>
+                <a:tab pos="9656763" algn="l"/>
+                <a:tab pos="10571163" algn="l"/>
+                <a:tab pos="10782300" algn="l"/>
+                <a:tab pos="11231563" algn="l"/>
+                <a:tab pos="11680825" algn="l"/>
+                <a:tab pos="12130088" algn="l"/>
+                <a:tab pos="12579350" algn="l"/>
+                <a:tab pos="13028613" algn="l"/>
+                <a:tab pos="13477875" algn="l"/>
+              </a:tabLst>
+              <a:defRPr sz="7800">
+                <a:solidFill>
+                  <a:srgbClr val="000000"/>
+                </a:solidFill>
+                <a:latin typeface="Arial" panose="020B0604020202020204" pitchFamily="34" charset="0"/>
+                <a:ea typeface="ＭＳ Ｐゴシック" panose="020B0600070205080204" pitchFamily="34" charset="-128"/>
+              </a:defRPr>
+            </a:lvl8pPr>
+            <a:lvl9pPr marL="3886200" indent="-228600" defTabSz="449263" eaLnBrk="0" fontAlgn="base" hangingPunct="0">
+              <a:spcBef>
+                <a:spcPct val="0"/>
+              </a:spcBef>
+              <a:spcAft>
+                <a:spcPct val="0"/>
+              </a:spcAft>
+              <a:buClr>
+                <a:srgbClr val="000000"/>
+              </a:buClr>
+              <a:buSzPct val="100000"/>
+              <a:buFont typeface="Times New Roman" panose="02020603050405020304" pitchFamily="18" charset="0"/>
+              <a:tabLst>
+                <a:tab pos="512763" algn="l"/>
+                <a:tab pos="1427163" algn="l"/>
+                <a:tab pos="2341563" algn="l"/>
+                <a:tab pos="3255963" algn="l"/>
+                <a:tab pos="4170363" algn="l"/>
+                <a:tab pos="5084763" algn="l"/>
+                <a:tab pos="5999163" algn="l"/>
+                <a:tab pos="6913563" algn="l"/>
+                <a:tab pos="7827963" algn="l"/>
+                <a:tab pos="8742363" algn="l"/>
+                <a:tab pos="9656763" algn="l"/>
+                <a:tab pos="10571163" algn="l"/>
+                <a:tab pos="10782300" algn="l"/>
+                <a:tab pos="11231563" algn="l"/>
+                <a:tab pos="11680825" algn="l"/>
+                <a:tab pos="12130088" algn="l"/>
+                <a:tab pos="12579350" algn="l"/>
+                <a:tab pos="13028613" algn="l"/>
+                <a:tab pos="13477875" algn="l"/>
+              </a:tabLst>
+              <a:defRPr sz="7800">
+                <a:solidFill>
+                  <a:srgbClr val="000000"/>
+                </a:solidFill>
+                <a:latin typeface="Arial" panose="020B0604020202020204" pitchFamily="34" charset="0"/>
+                <a:ea typeface="ＭＳ Ｐゴシック" panose="020B0600070205080204" pitchFamily="34" charset="-128"/>
+              </a:defRPr>
+            </a:lvl9pPr>
+          </a:lstStyle>
+          <a:p>
+            <a:pPr>
+              <a:buFont typeface="Arial" panose="020B0604020202020204" pitchFamily="34" charset="0"/>
+              <a:buChar char="•"/>
+            </a:pPr>
+            <a:r>
+              <a:rPr lang="en-US" altLang="en-US" sz="2400" dirty="0">
+                <a:latin typeface="Arial Narrow" panose="020B0606020202030204" pitchFamily="34" charset="0"/>
+              </a:rPr>
+              <a:t>Key tasks involve thorough </a:t>
+            </a:r>
+            <a:r>
+              <a:rPr lang="en-US" altLang="en-US" sz="2400" b="1" dirty="0">
+                <a:latin typeface="Arial Narrow" panose="020B0606020202030204" pitchFamily="34" charset="0"/>
+              </a:rPr>
+              <a:t>literature review</a:t>
+            </a:r>
+            <a:r>
+              <a:rPr lang="en-US" altLang="en-US" sz="2400" dirty="0">
+                <a:latin typeface="Arial Narrow" panose="020B0606020202030204" pitchFamily="34" charset="0"/>
+              </a:rPr>
+              <a:t>, </a:t>
+            </a:r>
+            <a:r>
+              <a:rPr lang="en-US" altLang="en-US" sz="2400" b="1" dirty="0">
+                <a:latin typeface="Arial Narrow" panose="020B0606020202030204" pitchFamily="34" charset="0"/>
+              </a:rPr>
+              <a:t>algorithms implementation</a:t>
+            </a:r>
+            <a:r>
+              <a:rPr lang="en-US" altLang="en-US" sz="2400" dirty="0">
+                <a:latin typeface="Arial Narrow" panose="020B0606020202030204" pitchFamily="34" charset="0"/>
+              </a:rPr>
+              <a:t>, system integration</a:t>
+            </a:r>
+            <a:r>
+              <a:rPr lang="en-US" altLang="en-US" sz="2400" b="1" dirty="0">
+                <a:latin typeface="Arial Narrow" panose="020B0606020202030204" pitchFamily="34" charset="0"/>
+              </a:rPr>
+              <a:t> </a:t>
+            </a:r>
+            <a:r>
+              <a:rPr lang="en-US" altLang="en-US" sz="2400" dirty="0">
+                <a:latin typeface="Arial Narrow" panose="020B0606020202030204" pitchFamily="34" charset="0"/>
+              </a:rPr>
+              <a:t>with</a:t>
+            </a:r>
+            <a:r>
+              <a:rPr lang="en-US" altLang="en-US" sz="2400" b="1" dirty="0">
+                <a:latin typeface="Arial Narrow" panose="020B0606020202030204" pitchFamily="34" charset="0"/>
+              </a:rPr>
+              <a:t> ITC-2007</a:t>
+            </a:r>
+            <a:r>
+              <a:rPr lang="en-US" altLang="en-US" sz="2400" dirty="0">
+                <a:latin typeface="Arial Narrow" panose="020B0606020202030204" pitchFamily="34" charset="0"/>
+              </a:rPr>
+              <a:t> (track 3) standards, and extensive </a:t>
+            </a:r>
+            <a:r>
+              <a:rPr lang="en-US" altLang="en-US" sz="2400" b="1" dirty="0">
+                <a:latin typeface="Arial Narrow" panose="020B0606020202030204" pitchFamily="34" charset="0"/>
+              </a:rPr>
+              <a:t>testing</a:t>
+            </a:r>
+            <a:r>
+              <a:rPr lang="en-US" altLang="en-US" sz="2400" dirty="0">
+                <a:latin typeface="Arial Narrow" panose="020B0606020202030204" pitchFamily="34" charset="0"/>
+              </a:rPr>
+              <a:t> (Figure 2).</a:t>
+            </a:r>
+          </a:p>
+        </p:txBody>
+      </p:sp>
+      <p:sp>
+        <p:nvSpPr>
+          <p:cNvPr id="4" name="Text Box 15">
+            <a:extLst>
+              <a:ext uri="{FF2B5EF4-FFF2-40B4-BE49-F238E27FC236}">
+                <a16:creationId xmlns:a16="http://schemas.microsoft.com/office/drawing/2014/main" id="{1ADA6029-24FF-28FE-C4D6-6CABBC729561}"/>
+              </a:ext>
+            </a:extLst>
+          </p:cNvPr>
+          <p:cNvSpPr txBox="1">
+            <a:spLocks noChangeArrowheads="1"/>
+          </p:cNvSpPr>
+          <p:nvPr/>
+        </p:nvSpPr>
+        <p:spPr bwMode="auto">
+          <a:xfrm>
+            <a:off x="1262474" y="15170150"/>
+            <a:ext cx="6451698" cy="382165"/>
+          </a:xfrm>
+          <a:prstGeom prst="rect">
+            <a:avLst/>
+          </a:prstGeom>
+          <a:noFill/>
+          <a:ln>
+            <a:noFill/>
+          </a:ln>
+          <a:effectLst/>
+          <a:extLst>
+            <a:ext uri="{909E8E84-426E-40DD-AFC4-6F175D3DCCD1}">
+              <a14:hiddenFill xmlns:a14="http://schemas.microsoft.com/office/drawing/2010/main">
+                <a:solidFill>
+                  <a:srgbClr val="FFFFFF"/>
+                </a:solidFill>
+              </a14:hiddenFill>
+            </a:ext>
+            <a:ext uri="{91240B29-F687-4F45-9708-019B960494DF}">
+              <a14:hiddenLine xmlns:a14="http://schemas.microsoft.com/office/drawing/2010/main" w="9525" cap="flat">
+                <a:solidFill>
+                  <a:srgbClr val="3465A4"/>
+                </a:solidFill>
+                <a:round/>
+                <a:headEnd/>
+                <a:tailEnd/>
+              </a14:hiddenLine>
+            </a:ext>
+            <a:ext uri="{AF507438-7753-43E0-B8FC-AC1667EBCBE1}">
+              <a14:hiddenEffects xmlns:a14="http://schemas.microsoft.com/office/drawing/2010/main">
+                <a:effectLst>
+                  <a:outerShdw dist="35921" dir="2700000" algn="ctr" rotWithShape="0">
+                    <a:srgbClr val="808080"/>
+                  </a:outerShdw>
+                </a:effectLst>
+              </a14:hiddenEffects>
+            </a:ext>
+          </a:extLst>
+        </p:spPr>
+        <p:txBody>
+          <a:bodyPr lIns="175649" tIns="87825" rIns="175649" bIns="87825">
+            <a:spAutoFit/>
+          </a:bodyPr>
+          <a:lstStyle>
+            <a:lvl1pPr>
+              <a:tabLst>
+                <a:tab pos="0" algn="l"/>
+                <a:tab pos="914400" algn="l"/>
+                <a:tab pos="1828800" algn="l"/>
+                <a:tab pos="2743200" algn="l"/>
+                <a:tab pos="3657600" algn="l"/>
+                <a:tab pos="4572000" algn="l"/>
+                <a:tab pos="5486400" algn="l"/>
+                <a:tab pos="6400800" algn="l"/>
+                <a:tab pos="7315200" algn="l"/>
+                <a:tab pos="8229600" algn="l"/>
+                <a:tab pos="9144000" algn="l"/>
+                <a:tab pos="10058400" algn="l"/>
+                <a:tab pos="10333038" algn="l"/>
+                <a:tab pos="10782300" algn="l"/>
+                <a:tab pos="11231563" algn="l"/>
+                <a:tab pos="11680825" algn="l"/>
+                <a:tab pos="12130088" algn="l"/>
+                <a:tab pos="12579350" algn="l"/>
+                <a:tab pos="13028613" algn="l"/>
+                <a:tab pos="13477875" algn="l"/>
+              </a:tabLst>
+              <a:defRPr sz="7800">
+                <a:solidFill>
+                  <a:srgbClr val="000000"/>
+                </a:solidFill>
+                <a:latin typeface="Arial" panose="020B0604020202020204" pitchFamily="34" charset="0"/>
+                <a:ea typeface="ＭＳ Ｐゴシック" panose="020B0600070205080204" pitchFamily="34" charset="-128"/>
+              </a:defRPr>
+            </a:lvl1pPr>
+            <a:lvl2pPr>
+              <a:tabLst>
+                <a:tab pos="0" algn="l"/>
+                <a:tab pos="914400" algn="l"/>
+                <a:tab pos="1828800" algn="l"/>
+                <a:tab pos="2743200" algn="l"/>
+                <a:tab pos="3657600" algn="l"/>
+                <a:tab pos="4572000" algn="l"/>
+                <a:tab pos="5486400" algn="l"/>
+                <a:tab pos="6400800" algn="l"/>
+                <a:tab pos="7315200" algn="l"/>
+                <a:tab pos="8229600" algn="l"/>
+                <a:tab pos="9144000" algn="l"/>
+                <a:tab pos="10058400" algn="l"/>
+                <a:tab pos="10333038" algn="l"/>
+                <a:tab pos="10782300" algn="l"/>
+                <a:tab pos="11231563" algn="l"/>
+                <a:tab pos="11680825" algn="l"/>
+                <a:tab pos="12130088" algn="l"/>
+                <a:tab pos="12579350" algn="l"/>
+                <a:tab pos="13028613" algn="l"/>
+                <a:tab pos="13477875" algn="l"/>
+              </a:tabLst>
+              <a:defRPr sz="7800">
+                <a:solidFill>
+                  <a:srgbClr val="000000"/>
+                </a:solidFill>
+                <a:latin typeface="Arial" panose="020B0604020202020204" pitchFamily="34" charset="0"/>
+                <a:ea typeface="ＭＳ Ｐゴシック" panose="020B0600070205080204" pitchFamily="34" charset="-128"/>
+              </a:defRPr>
+            </a:lvl2pPr>
+            <a:lvl3pPr>
+              <a:tabLst>
+                <a:tab pos="0" algn="l"/>
+                <a:tab pos="914400" algn="l"/>
+                <a:tab pos="1828800" algn="l"/>
+                <a:tab pos="2743200" algn="l"/>
+                <a:tab pos="3657600" algn="l"/>
+                <a:tab pos="4572000" algn="l"/>
+                <a:tab pos="5486400" algn="l"/>
+                <a:tab pos="6400800" algn="l"/>
+                <a:tab pos="7315200" algn="l"/>
+                <a:tab pos="8229600" algn="l"/>
+                <a:tab pos="9144000" algn="l"/>
+                <a:tab pos="10058400" algn="l"/>
+                <a:tab pos="10333038" algn="l"/>
+                <a:tab pos="10782300" algn="l"/>
+                <a:tab pos="11231563" algn="l"/>
+                <a:tab pos="11680825" algn="l"/>
+                <a:tab pos="12130088" algn="l"/>
+                <a:tab pos="12579350" algn="l"/>
+                <a:tab pos="13028613" algn="l"/>
+                <a:tab pos="13477875" algn="l"/>
+              </a:tabLst>
+              <a:defRPr sz="7800">
+                <a:solidFill>
+                  <a:srgbClr val="000000"/>
+                </a:solidFill>
+                <a:latin typeface="Arial" panose="020B0604020202020204" pitchFamily="34" charset="0"/>
+                <a:ea typeface="ＭＳ Ｐゴシック" panose="020B0600070205080204" pitchFamily="34" charset="-128"/>
+              </a:defRPr>
+            </a:lvl3pPr>
+            <a:lvl4pPr>
+              <a:tabLst>
+                <a:tab pos="0" algn="l"/>
+                <a:tab pos="914400" algn="l"/>
+                <a:tab pos="1828800" algn="l"/>
+                <a:tab pos="2743200" algn="l"/>
+                <a:tab pos="3657600" algn="l"/>
+                <a:tab pos="4572000" algn="l"/>
+                <a:tab pos="5486400" algn="l"/>
+                <a:tab pos="6400800" algn="l"/>
+                <a:tab pos="7315200" algn="l"/>
+                <a:tab pos="8229600" algn="l"/>
+                <a:tab pos="9144000" algn="l"/>
+                <a:tab pos="10058400" algn="l"/>
+                <a:tab pos="10333038" algn="l"/>
+                <a:tab pos="10782300" algn="l"/>
+                <a:tab pos="11231563" algn="l"/>
+                <a:tab pos="11680825" algn="l"/>
+                <a:tab pos="12130088" algn="l"/>
+                <a:tab pos="12579350" algn="l"/>
+                <a:tab pos="13028613" algn="l"/>
+                <a:tab pos="13477875" algn="l"/>
+              </a:tabLst>
+              <a:defRPr sz="7800">
+                <a:solidFill>
+                  <a:srgbClr val="000000"/>
+                </a:solidFill>
+                <a:latin typeface="Arial" panose="020B0604020202020204" pitchFamily="34" charset="0"/>
+                <a:ea typeface="ＭＳ Ｐゴシック" panose="020B0600070205080204" pitchFamily="34" charset="-128"/>
+              </a:defRPr>
+            </a:lvl4pPr>
+            <a:lvl5pPr>
+              <a:tabLst>
+                <a:tab pos="0" algn="l"/>
+                <a:tab pos="914400" algn="l"/>
+                <a:tab pos="1828800" algn="l"/>
+                <a:tab pos="2743200" algn="l"/>
+                <a:tab pos="3657600" algn="l"/>
+                <a:tab pos="4572000" algn="l"/>
+                <a:tab pos="5486400" algn="l"/>
+                <a:tab pos="6400800" algn="l"/>
+                <a:tab pos="7315200" algn="l"/>
+                <a:tab pos="8229600" algn="l"/>
+                <a:tab pos="9144000" algn="l"/>
+                <a:tab pos="10058400" algn="l"/>
+                <a:tab pos="10333038" algn="l"/>
+                <a:tab pos="10782300" algn="l"/>
+                <a:tab pos="11231563" algn="l"/>
+                <a:tab pos="11680825" algn="l"/>
+                <a:tab pos="12130088" algn="l"/>
+                <a:tab pos="12579350" algn="l"/>
+                <a:tab pos="13028613" algn="l"/>
+                <a:tab pos="13477875" algn="l"/>
+              </a:tabLst>
+              <a:defRPr sz="7800">
+                <a:solidFill>
+                  <a:srgbClr val="000000"/>
+                </a:solidFill>
+                <a:latin typeface="Arial" panose="020B0604020202020204" pitchFamily="34" charset="0"/>
+                <a:ea typeface="ＭＳ Ｐゴシック" panose="020B0600070205080204" pitchFamily="34" charset="-128"/>
+              </a:defRPr>
+            </a:lvl5pPr>
+            <a:lvl6pPr marL="2514600" indent="-228600" defTabSz="449263" eaLnBrk="0" fontAlgn="base" hangingPunct="0">
+              <a:spcBef>
+                <a:spcPct val="0"/>
+              </a:spcBef>
+              <a:spcAft>
+                <a:spcPct val="0"/>
+              </a:spcAft>
+              <a:buClr>
+                <a:srgbClr val="000000"/>
+              </a:buClr>
+              <a:buSzPct val="100000"/>
+              <a:buFont typeface="Times New Roman" panose="02020603050405020304" pitchFamily="18" charset="0"/>
+              <a:tabLst>
+                <a:tab pos="0" algn="l"/>
+                <a:tab pos="914400" algn="l"/>
+                <a:tab pos="1828800" algn="l"/>
+                <a:tab pos="2743200" algn="l"/>
+                <a:tab pos="3657600" algn="l"/>
+                <a:tab pos="4572000" algn="l"/>
+                <a:tab pos="5486400" algn="l"/>
+                <a:tab pos="6400800" algn="l"/>
+                <a:tab pos="7315200" algn="l"/>
+                <a:tab pos="8229600" algn="l"/>
+                <a:tab pos="9144000" algn="l"/>
+                <a:tab pos="10058400" algn="l"/>
+                <a:tab pos="10333038" algn="l"/>
+                <a:tab pos="10782300" algn="l"/>
+                <a:tab pos="11231563" algn="l"/>
+                <a:tab pos="11680825" algn="l"/>
+                <a:tab pos="12130088" algn="l"/>
+                <a:tab pos="12579350" algn="l"/>
+                <a:tab pos="13028613" algn="l"/>
+                <a:tab pos="13477875" algn="l"/>
+              </a:tabLst>
+              <a:defRPr sz="7800">
+                <a:solidFill>
+                  <a:srgbClr val="000000"/>
+                </a:solidFill>
+                <a:latin typeface="Arial" panose="020B0604020202020204" pitchFamily="34" charset="0"/>
+                <a:ea typeface="ＭＳ Ｐゴシック" panose="020B0600070205080204" pitchFamily="34" charset="-128"/>
+              </a:defRPr>
+            </a:lvl6pPr>
+            <a:lvl7pPr marL="2971800" indent="-228600" defTabSz="449263" eaLnBrk="0" fontAlgn="base" hangingPunct="0">
+              <a:spcBef>
+                <a:spcPct val="0"/>
+              </a:spcBef>
+              <a:spcAft>
+                <a:spcPct val="0"/>
+              </a:spcAft>
+              <a:buClr>
+                <a:srgbClr val="000000"/>
+              </a:buClr>
+              <a:buSzPct val="100000"/>
+              <a:buFont typeface="Times New Roman" panose="02020603050405020304" pitchFamily="18" charset="0"/>
+              <a:tabLst>
+                <a:tab pos="0" algn="l"/>
+                <a:tab pos="914400" algn="l"/>
+                <a:tab pos="1828800" algn="l"/>
+                <a:tab pos="2743200" algn="l"/>
+                <a:tab pos="3657600" algn="l"/>
+                <a:tab pos="4572000" algn="l"/>
+                <a:tab pos="5486400" algn="l"/>
+                <a:tab pos="6400800" algn="l"/>
+                <a:tab pos="7315200" algn="l"/>
+                <a:tab pos="8229600" algn="l"/>
+                <a:tab pos="9144000" algn="l"/>
+                <a:tab pos="10058400" algn="l"/>
+                <a:tab pos="10333038" algn="l"/>
+                <a:tab pos="10782300" algn="l"/>
+                <a:tab pos="11231563" algn="l"/>
+                <a:tab pos="11680825" algn="l"/>
+                <a:tab pos="12130088" algn="l"/>
+                <a:tab pos="12579350" algn="l"/>
+                <a:tab pos="13028613" algn="l"/>
+                <a:tab pos="13477875" algn="l"/>
+              </a:tabLst>
+              <a:defRPr sz="7800">
+                <a:solidFill>
+                  <a:srgbClr val="000000"/>
+                </a:solidFill>
+                <a:latin typeface="Arial" panose="020B0604020202020204" pitchFamily="34" charset="0"/>
+                <a:ea typeface="ＭＳ Ｐゴシック" panose="020B0600070205080204" pitchFamily="34" charset="-128"/>
+              </a:defRPr>
+            </a:lvl7pPr>
+            <a:lvl8pPr marL="3429000" indent="-228600" defTabSz="449263" eaLnBrk="0" fontAlgn="base" hangingPunct="0">
+              <a:spcBef>
+                <a:spcPct val="0"/>
+              </a:spcBef>
+              <a:spcAft>
+                <a:spcPct val="0"/>
+              </a:spcAft>
+              <a:buClr>
+                <a:srgbClr val="000000"/>
+              </a:buClr>
+              <a:buSzPct val="100000"/>
+              <a:buFont typeface="Times New Roman" panose="02020603050405020304" pitchFamily="18" charset="0"/>
+              <a:tabLst>
+                <a:tab pos="0" algn="l"/>
+                <a:tab pos="914400" algn="l"/>
+                <a:tab pos="1828800" algn="l"/>
+                <a:tab pos="2743200" algn="l"/>
+                <a:tab pos="3657600" algn="l"/>
+                <a:tab pos="4572000" algn="l"/>
+                <a:tab pos="5486400" algn="l"/>
+                <a:tab pos="6400800" algn="l"/>
+                <a:tab pos="7315200" algn="l"/>
+                <a:tab pos="8229600" algn="l"/>
+                <a:tab pos="9144000" algn="l"/>
+                <a:tab pos="10058400" algn="l"/>
+                <a:tab pos="10333038" algn="l"/>
+                <a:tab pos="10782300" algn="l"/>
+                <a:tab pos="11231563" algn="l"/>
+                <a:tab pos="11680825" algn="l"/>
+                <a:tab pos="12130088" algn="l"/>
+                <a:tab pos="12579350" algn="l"/>
+                <a:tab pos="13028613" algn="l"/>
+                <a:tab pos="13477875" algn="l"/>
+              </a:tabLst>
+              <a:defRPr sz="7800">
+                <a:solidFill>
+                  <a:srgbClr val="000000"/>
+                </a:solidFill>
+                <a:latin typeface="Arial" panose="020B0604020202020204" pitchFamily="34" charset="0"/>
+                <a:ea typeface="ＭＳ Ｐゴシック" panose="020B0600070205080204" pitchFamily="34" charset="-128"/>
+              </a:defRPr>
+            </a:lvl8pPr>
+            <a:lvl9pPr marL="3886200" indent="-228600" defTabSz="449263" eaLnBrk="0" fontAlgn="base" hangingPunct="0">
+              <a:spcBef>
+                <a:spcPct val="0"/>
+              </a:spcBef>
+              <a:spcAft>
+                <a:spcPct val="0"/>
+              </a:spcAft>
+              <a:buClr>
+                <a:srgbClr val="000000"/>
+              </a:buClr>
+              <a:buSzPct val="100000"/>
+              <a:buFont typeface="Times New Roman" panose="02020603050405020304" pitchFamily="18" charset="0"/>
+              <a:tabLst>
+                <a:tab pos="0" algn="l"/>
+                <a:tab pos="914400" algn="l"/>
+                <a:tab pos="1828800" algn="l"/>
+                <a:tab pos="2743200" algn="l"/>
+                <a:tab pos="3657600" algn="l"/>
+                <a:tab pos="4572000" algn="l"/>
+                <a:tab pos="5486400" algn="l"/>
+                <a:tab pos="6400800" algn="l"/>
+                <a:tab pos="7315200" algn="l"/>
+                <a:tab pos="8229600" algn="l"/>
+                <a:tab pos="9144000" algn="l"/>
+                <a:tab pos="10058400" algn="l"/>
+                <a:tab pos="10333038" algn="l"/>
+                <a:tab pos="10782300" algn="l"/>
+                <a:tab pos="11231563" algn="l"/>
+                <a:tab pos="11680825" algn="l"/>
+                <a:tab pos="12130088" algn="l"/>
+                <a:tab pos="12579350" algn="l"/>
+                <a:tab pos="13028613" algn="l"/>
+                <a:tab pos="13477875" algn="l"/>
+              </a:tabLst>
+              <a:defRPr sz="7800">
+                <a:solidFill>
+                  <a:srgbClr val="000000"/>
+                </a:solidFill>
+                <a:latin typeface="Arial" panose="020B0604020202020204" pitchFamily="34" charset="0"/>
+                <a:ea typeface="ＭＳ Ｐゴシック" panose="020B0600070205080204" pitchFamily="34" charset="-128"/>
+              </a:defRPr>
+            </a:lvl9pPr>
+          </a:lstStyle>
+          <a:p>
+            <a:pPr algn="ctr">
+              <a:buClrTx/>
+              <a:buFontTx/>
+              <a:buNone/>
+            </a:pPr>
+            <a:r>
+              <a:rPr lang="en-US" altLang="en-US" sz="1331" dirty="0"/>
+              <a:t>Figure 1 – Monte Carlo Tree Search steps.</a:t>
+            </a:r>
+          </a:p>
+        </p:txBody>
+      </p:sp>
+      <p:pic>
+        <p:nvPicPr>
+          <p:cNvPr id="38" name="Picture 37" descr="A diagram of a diagram&#10;&#10;AI-generated content may be incorrect.">
+            <a:extLst>
+              <a:ext uri="{FF2B5EF4-FFF2-40B4-BE49-F238E27FC236}">
+                <a16:creationId xmlns:a16="http://schemas.microsoft.com/office/drawing/2014/main" id="{1C4074BE-D4F6-AA37-D6E4-BBE1B6361BF5}"/>
+              </a:ext>
+            </a:extLst>
+          </p:cNvPr>
+          <p:cNvPicPr>
+            <a:picLocks noChangeAspect="1"/>
+          </p:cNvPicPr>
+          <p:nvPr/>
+        </p:nvPicPr>
+        <p:blipFill>
+          <a:blip r:embed="rId9">
+            <a:extLst>
+              <a:ext uri="{28A0092B-C50C-407E-A947-70E740481C1C}">
+                <a14:useLocalDpi xmlns:a14="http://schemas.microsoft.com/office/drawing/2010/main" val="0"/>
+              </a:ext>
+            </a:extLst>
+          </a:blip>
+          <a:stretch>
+            <a:fillRect/>
+          </a:stretch>
+        </p:blipFill>
+        <p:spPr>
+          <a:xfrm>
+            <a:off x="1367482" y="7919162"/>
+            <a:ext cx="6249257" cy="7345121"/>
+          </a:xfrm>
+          <a:prstGeom prst="rect">
+            <a:avLst/>
+          </a:prstGeom>
+        </p:spPr>
+      </p:pic>
+      <p:pic>
+        <p:nvPicPr>
+          <p:cNvPr id="48" name="Picture 47" descr="A screenshot of a computer screen&#10;&#10;AI-generated content may be incorrect.">
+            <a:extLst>
+              <a:ext uri="{FF2B5EF4-FFF2-40B4-BE49-F238E27FC236}">
+                <a16:creationId xmlns:a16="http://schemas.microsoft.com/office/drawing/2014/main" id="{B8DC75BB-14D4-F5E5-10D0-CC62452BB85C}"/>
+              </a:ext>
+            </a:extLst>
+          </p:cNvPr>
+          <p:cNvPicPr>
+            <a:picLocks noChangeAspect="1"/>
+          </p:cNvPicPr>
+          <p:nvPr/>
+        </p:nvPicPr>
+        <p:blipFill>
+          <a:blip r:embed="rId10">
+            <a:extLst>
+              <a:ext uri="{28A0092B-C50C-407E-A947-70E740481C1C}">
+                <a14:useLocalDpi xmlns:a14="http://schemas.microsoft.com/office/drawing/2010/main" val="0"/>
+              </a:ext>
+            </a:extLst>
+          </a:blip>
+          <a:stretch>
+            <a:fillRect/>
+          </a:stretch>
+        </p:blipFill>
+        <p:spPr>
+          <a:xfrm>
+            <a:off x="9275132" y="4967139"/>
+            <a:ext cx="8117404" cy="3134645"/>
+          </a:xfrm>
+          <a:prstGeom prst="rect">
+            <a:avLst/>
+          </a:prstGeom>
+        </p:spPr>
+      </p:pic>
+      <p:sp>
+        <p:nvSpPr>
+          <p:cNvPr id="49" name="Text Box 15">
+            <a:extLst>
+              <a:ext uri="{FF2B5EF4-FFF2-40B4-BE49-F238E27FC236}">
+                <a16:creationId xmlns:a16="http://schemas.microsoft.com/office/drawing/2014/main" id="{0F209562-80A3-4272-C389-18C6DEB468BF}"/>
+              </a:ext>
+            </a:extLst>
+          </p:cNvPr>
+          <p:cNvSpPr txBox="1">
+            <a:spLocks noChangeArrowheads="1"/>
+          </p:cNvSpPr>
+          <p:nvPr/>
+        </p:nvSpPr>
+        <p:spPr bwMode="auto">
+          <a:xfrm>
+            <a:off x="10218411" y="8135491"/>
+            <a:ext cx="6451698" cy="382165"/>
+          </a:xfrm>
+          <a:prstGeom prst="rect">
+            <a:avLst/>
+          </a:prstGeom>
+          <a:noFill/>
+          <a:ln>
+            <a:noFill/>
+          </a:ln>
+          <a:effectLst/>
+          <a:extLst>
+            <a:ext uri="{909E8E84-426E-40DD-AFC4-6F175D3DCCD1}">
+              <a14:hiddenFill xmlns:a14="http://schemas.microsoft.com/office/drawing/2010/main">
+                <a:solidFill>
+                  <a:srgbClr val="FFFFFF"/>
+                </a:solidFill>
+              </a14:hiddenFill>
+            </a:ext>
+            <a:ext uri="{91240B29-F687-4F45-9708-019B960494DF}">
+              <a14:hiddenLine xmlns:a14="http://schemas.microsoft.com/office/drawing/2010/main" w="9525" cap="flat">
+                <a:solidFill>
+                  <a:srgbClr val="3465A4"/>
+                </a:solidFill>
+                <a:round/>
+                <a:headEnd/>
+                <a:tailEnd/>
+              </a14:hiddenLine>
+            </a:ext>
+            <a:ext uri="{AF507438-7753-43E0-B8FC-AC1667EBCBE1}">
+              <a14:hiddenEffects xmlns:a14="http://schemas.microsoft.com/office/drawing/2010/main">
+                <a:effectLst>
+                  <a:outerShdw dist="35921" dir="2700000" algn="ctr" rotWithShape="0">
+                    <a:srgbClr val="808080"/>
+                  </a:outerShdw>
+                </a:effectLst>
+              </a14:hiddenEffects>
+            </a:ext>
+          </a:extLst>
+        </p:spPr>
+        <p:txBody>
+          <a:bodyPr lIns="175649" tIns="87825" rIns="175649" bIns="87825">
+            <a:spAutoFit/>
+          </a:bodyPr>
+          <a:lstStyle>
+            <a:lvl1pPr>
+              <a:tabLst>
+                <a:tab pos="0" algn="l"/>
+                <a:tab pos="914400" algn="l"/>
+                <a:tab pos="1828800" algn="l"/>
+                <a:tab pos="2743200" algn="l"/>
+                <a:tab pos="3657600" algn="l"/>
+                <a:tab pos="4572000" algn="l"/>
+                <a:tab pos="5486400" algn="l"/>
+                <a:tab pos="6400800" algn="l"/>
+                <a:tab pos="7315200" algn="l"/>
+                <a:tab pos="8229600" algn="l"/>
+                <a:tab pos="9144000" algn="l"/>
+                <a:tab pos="10058400" algn="l"/>
+                <a:tab pos="10333038" algn="l"/>
+                <a:tab pos="10782300" algn="l"/>
+                <a:tab pos="11231563" algn="l"/>
+                <a:tab pos="11680825" algn="l"/>
+                <a:tab pos="12130088" algn="l"/>
+                <a:tab pos="12579350" algn="l"/>
+                <a:tab pos="13028613" algn="l"/>
+                <a:tab pos="13477875" algn="l"/>
+              </a:tabLst>
+              <a:defRPr sz="7800">
+                <a:solidFill>
+                  <a:srgbClr val="000000"/>
+                </a:solidFill>
+                <a:latin typeface="Arial" panose="020B0604020202020204" pitchFamily="34" charset="0"/>
+                <a:ea typeface="ＭＳ Ｐゴシック" panose="020B0600070205080204" pitchFamily="34" charset="-128"/>
+              </a:defRPr>
+            </a:lvl1pPr>
+            <a:lvl2pPr>
+              <a:tabLst>
+                <a:tab pos="0" algn="l"/>
+                <a:tab pos="914400" algn="l"/>
+                <a:tab pos="1828800" algn="l"/>
+                <a:tab pos="2743200" algn="l"/>
+                <a:tab pos="3657600" algn="l"/>
+                <a:tab pos="4572000" algn="l"/>
+                <a:tab pos="5486400" algn="l"/>
+                <a:tab pos="6400800" algn="l"/>
+                <a:tab pos="7315200" algn="l"/>
+                <a:tab pos="8229600" algn="l"/>
+                <a:tab pos="9144000" algn="l"/>
+                <a:tab pos="10058400" algn="l"/>
+                <a:tab pos="10333038" algn="l"/>
+                <a:tab pos="10782300" algn="l"/>
+                <a:tab pos="11231563" algn="l"/>
+                <a:tab pos="11680825" algn="l"/>
+                <a:tab pos="12130088" algn="l"/>
+                <a:tab pos="12579350" algn="l"/>
+                <a:tab pos="13028613" algn="l"/>
+                <a:tab pos="13477875" algn="l"/>
+              </a:tabLst>
+              <a:defRPr sz="7800">
+                <a:solidFill>
+                  <a:srgbClr val="000000"/>
+                </a:solidFill>
+                <a:latin typeface="Arial" panose="020B0604020202020204" pitchFamily="34" charset="0"/>
+                <a:ea typeface="ＭＳ Ｐゴシック" panose="020B0600070205080204" pitchFamily="34" charset="-128"/>
+              </a:defRPr>
+            </a:lvl2pPr>
+            <a:lvl3pPr>
+              <a:tabLst>
+                <a:tab pos="0" algn="l"/>
+                <a:tab pos="914400" algn="l"/>
+                <a:tab pos="1828800" algn="l"/>
+                <a:tab pos="2743200" algn="l"/>
+                <a:tab pos="3657600" algn="l"/>
+                <a:tab pos="4572000" algn="l"/>
+                <a:tab pos="5486400" algn="l"/>
+                <a:tab pos="6400800" algn="l"/>
+                <a:tab pos="7315200" algn="l"/>
+                <a:tab pos="8229600" algn="l"/>
+                <a:tab pos="9144000" algn="l"/>
+                <a:tab pos="10058400" algn="l"/>
+                <a:tab pos="10333038" algn="l"/>
+                <a:tab pos="10782300" algn="l"/>
+                <a:tab pos="11231563" algn="l"/>
+                <a:tab pos="11680825" algn="l"/>
+                <a:tab pos="12130088" algn="l"/>
+                <a:tab pos="12579350" algn="l"/>
+                <a:tab pos="13028613" algn="l"/>
+                <a:tab pos="13477875" algn="l"/>
+              </a:tabLst>
+              <a:defRPr sz="7800">
+                <a:solidFill>
+                  <a:srgbClr val="000000"/>
+                </a:solidFill>
+                <a:latin typeface="Arial" panose="020B0604020202020204" pitchFamily="34" charset="0"/>
+                <a:ea typeface="ＭＳ Ｐゴシック" panose="020B0600070205080204" pitchFamily="34" charset="-128"/>
+              </a:defRPr>
+            </a:lvl3pPr>
+            <a:lvl4pPr>
+              <a:tabLst>
+                <a:tab pos="0" algn="l"/>
+                <a:tab pos="914400" algn="l"/>
+                <a:tab pos="1828800" algn="l"/>
+                <a:tab pos="2743200" algn="l"/>
+                <a:tab pos="3657600" algn="l"/>
+                <a:tab pos="4572000" algn="l"/>
+                <a:tab pos="5486400" algn="l"/>
+                <a:tab pos="6400800" algn="l"/>
+                <a:tab pos="7315200" algn="l"/>
+                <a:tab pos="8229600" algn="l"/>
+                <a:tab pos="9144000" algn="l"/>
+                <a:tab pos="10058400" algn="l"/>
+                <a:tab pos="10333038" algn="l"/>
+                <a:tab pos="10782300" algn="l"/>
+                <a:tab pos="11231563" algn="l"/>
+                <a:tab pos="11680825" algn="l"/>
+                <a:tab pos="12130088" algn="l"/>
+                <a:tab pos="12579350" algn="l"/>
+                <a:tab pos="13028613" algn="l"/>
+                <a:tab pos="13477875" algn="l"/>
+              </a:tabLst>
+              <a:defRPr sz="7800">
+                <a:solidFill>
+                  <a:srgbClr val="000000"/>
+                </a:solidFill>
+                <a:latin typeface="Arial" panose="020B0604020202020204" pitchFamily="34" charset="0"/>
+                <a:ea typeface="ＭＳ Ｐゴシック" panose="020B0600070205080204" pitchFamily="34" charset="-128"/>
+              </a:defRPr>
+            </a:lvl4pPr>
+            <a:lvl5pPr>
+              <a:tabLst>
+                <a:tab pos="0" algn="l"/>
+                <a:tab pos="914400" algn="l"/>
+                <a:tab pos="1828800" algn="l"/>
+                <a:tab pos="2743200" algn="l"/>
+                <a:tab pos="3657600" algn="l"/>
+                <a:tab pos="4572000" algn="l"/>
+                <a:tab pos="5486400" algn="l"/>
+                <a:tab pos="6400800" algn="l"/>
+                <a:tab pos="7315200" algn="l"/>
+                <a:tab pos="8229600" algn="l"/>
+                <a:tab pos="9144000" algn="l"/>
+                <a:tab pos="10058400" algn="l"/>
+                <a:tab pos="10333038" algn="l"/>
+                <a:tab pos="10782300" algn="l"/>
+                <a:tab pos="11231563" algn="l"/>
+                <a:tab pos="11680825" algn="l"/>
+                <a:tab pos="12130088" algn="l"/>
+                <a:tab pos="12579350" algn="l"/>
+                <a:tab pos="13028613" algn="l"/>
+                <a:tab pos="13477875" algn="l"/>
+              </a:tabLst>
+              <a:defRPr sz="7800">
+                <a:solidFill>
+                  <a:srgbClr val="000000"/>
+                </a:solidFill>
+                <a:latin typeface="Arial" panose="020B0604020202020204" pitchFamily="34" charset="0"/>
+                <a:ea typeface="ＭＳ Ｐゴシック" panose="020B0600070205080204" pitchFamily="34" charset="-128"/>
+              </a:defRPr>
+            </a:lvl5pPr>
+            <a:lvl6pPr marL="2514600" indent="-228600" defTabSz="449263" eaLnBrk="0" fontAlgn="base" hangingPunct="0">
+              <a:spcBef>
+                <a:spcPct val="0"/>
+              </a:spcBef>
+              <a:spcAft>
+                <a:spcPct val="0"/>
+              </a:spcAft>
+              <a:buClr>
+                <a:srgbClr val="000000"/>
+              </a:buClr>
+              <a:buSzPct val="100000"/>
+              <a:buFont typeface="Times New Roman" panose="02020603050405020304" pitchFamily="18" charset="0"/>
+              <a:tabLst>
+                <a:tab pos="0" algn="l"/>
+                <a:tab pos="914400" algn="l"/>
+                <a:tab pos="1828800" algn="l"/>
+                <a:tab pos="2743200" algn="l"/>
+                <a:tab pos="3657600" algn="l"/>
+                <a:tab pos="4572000" algn="l"/>
+                <a:tab pos="5486400" algn="l"/>
+                <a:tab pos="6400800" algn="l"/>
+                <a:tab pos="7315200" algn="l"/>
+                <a:tab pos="8229600" algn="l"/>
+                <a:tab pos="9144000" algn="l"/>
+                <a:tab pos="10058400" algn="l"/>
+                <a:tab pos="10333038" algn="l"/>
+                <a:tab pos="10782300" algn="l"/>
+                <a:tab pos="11231563" algn="l"/>
+                <a:tab pos="11680825" algn="l"/>
+                <a:tab pos="12130088" algn="l"/>
+                <a:tab pos="12579350" algn="l"/>
+                <a:tab pos="13028613" algn="l"/>
+                <a:tab pos="13477875" algn="l"/>
+              </a:tabLst>
+              <a:defRPr sz="7800">
+                <a:solidFill>
+                  <a:srgbClr val="000000"/>
+                </a:solidFill>
+                <a:latin typeface="Arial" panose="020B0604020202020204" pitchFamily="34" charset="0"/>
+                <a:ea typeface="ＭＳ Ｐゴシック" panose="020B0600070205080204" pitchFamily="34" charset="-128"/>
+              </a:defRPr>
+            </a:lvl6pPr>
+            <a:lvl7pPr marL="2971800" indent="-228600" defTabSz="449263" eaLnBrk="0" fontAlgn="base" hangingPunct="0">
+              <a:spcBef>
+                <a:spcPct val="0"/>
+              </a:spcBef>
+              <a:spcAft>
+                <a:spcPct val="0"/>
+              </a:spcAft>
+              <a:buClr>
+                <a:srgbClr val="000000"/>
+              </a:buClr>
+              <a:buSzPct val="100000"/>
+              <a:buFont typeface="Times New Roman" panose="02020603050405020304" pitchFamily="18" charset="0"/>
+              <a:tabLst>
+                <a:tab pos="0" algn="l"/>
+                <a:tab pos="914400" algn="l"/>
+                <a:tab pos="1828800" algn="l"/>
+                <a:tab pos="2743200" algn="l"/>
+                <a:tab pos="3657600" algn="l"/>
+                <a:tab pos="4572000" algn="l"/>
+                <a:tab pos="5486400" algn="l"/>
+                <a:tab pos="6400800" algn="l"/>
+                <a:tab pos="7315200" algn="l"/>
+                <a:tab pos="8229600" algn="l"/>
+                <a:tab pos="9144000" algn="l"/>
+                <a:tab pos="10058400" algn="l"/>
+                <a:tab pos="10333038" algn="l"/>
+                <a:tab pos="10782300" algn="l"/>
+                <a:tab pos="11231563" algn="l"/>
+                <a:tab pos="11680825" algn="l"/>
+                <a:tab pos="12130088" algn="l"/>
+                <a:tab pos="12579350" algn="l"/>
+                <a:tab pos="13028613" algn="l"/>
+                <a:tab pos="13477875" algn="l"/>
+              </a:tabLst>
+              <a:defRPr sz="7800">
+                <a:solidFill>
+                  <a:srgbClr val="000000"/>
+                </a:solidFill>
+                <a:latin typeface="Arial" panose="020B0604020202020204" pitchFamily="34" charset="0"/>
+                <a:ea typeface="ＭＳ Ｐゴシック" panose="020B0600070205080204" pitchFamily="34" charset="-128"/>
+              </a:defRPr>
+            </a:lvl7pPr>
+            <a:lvl8pPr marL="3429000" indent="-228600" defTabSz="449263" eaLnBrk="0" fontAlgn="base" hangingPunct="0">
+              <a:spcBef>
+                <a:spcPct val="0"/>
+              </a:spcBef>
+              <a:spcAft>
+                <a:spcPct val="0"/>
+              </a:spcAft>
+              <a:buClr>
+                <a:srgbClr val="000000"/>
+              </a:buClr>
+              <a:buSzPct val="100000"/>
+              <a:buFont typeface="Times New Roman" panose="02020603050405020304" pitchFamily="18" charset="0"/>
+              <a:tabLst>
+                <a:tab pos="0" algn="l"/>
+                <a:tab pos="914400" algn="l"/>
+                <a:tab pos="1828800" algn="l"/>
+                <a:tab pos="2743200" algn="l"/>
+                <a:tab pos="3657600" algn="l"/>
+                <a:tab pos="4572000" algn="l"/>
+                <a:tab pos="5486400" algn="l"/>
+                <a:tab pos="6400800" algn="l"/>
+                <a:tab pos="7315200" algn="l"/>
+                <a:tab pos="8229600" algn="l"/>
+                <a:tab pos="9144000" algn="l"/>
+                <a:tab pos="10058400" algn="l"/>
+                <a:tab pos="10333038" algn="l"/>
+                <a:tab pos="10782300" algn="l"/>
+                <a:tab pos="11231563" algn="l"/>
+                <a:tab pos="11680825" algn="l"/>
+                <a:tab pos="12130088" algn="l"/>
+                <a:tab pos="12579350" algn="l"/>
+                <a:tab pos="13028613" algn="l"/>
+                <a:tab pos="13477875" algn="l"/>
+              </a:tabLst>
+              <a:defRPr sz="7800">
+                <a:solidFill>
+                  <a:srgbClr val="000000"/>
+                </a:solidFill>
+                <a:latin typeface="Arial" panose="020B0604020202020204" pitchFamily="34" charset="0"/>
+                <a:ea typeface="ＭＳ Ｐゴシック" panose="020B0600070205080204" pitchFamily="34" charset="-128"/>
+              </a:defRPr>
+            </a:lvl8pPr>
+            <a:lvl9pPr marL="3886200" indent="-228600" defTabSz="449263" eaLnBrk="0" fontAlgn="base" hangingPunct="0">
+              <a:spcBef>
+                <a:spcPct val="0"/>
+              </a:spcBef>
+              <a:spcAft>
+                <a:spcPct val="0"/>
+              </a:spcAft>
+              <a:buClr>
+                <a:srgbClr val="000000"/>
+              </a:buClr>
+              <a:buSzPct val="100000"/>
+              <a:buFont typeface="Times New Roman" panose="02020603050405020304" pitchFamily="18" charset="0"/>
+              <a:tabLst>
+                <a:tab pos="0" algn="l"/>
+                <a:tab pos="914400" algn="l"/>
+                <a:tab pos="1828800" algn="l"/>
+                <a:tab pos="2743200" algn="l"/>
+                <a:tab pos="3657600" algn="l"/>
+                <a:tab pos="4572000" algn="l"/>
+                <a:tab pos="5486400" algn="l"/>
+                <a:tab pos="6400800" algn="l"/>
+                <a:tab pos="7315200" algn="l"/>
+                <a:tab pos="8229600" algn="l"/>
+                <a:tab pos="9144000" algn="l"/>
+                <a:tab pos="10058400" algn="l"/>
+                <a:tab pos="10333038" algn="l"/>
+                <a:tab pos="10782300" algn="l"/>
+                <a:tab pos="11231563" algn="l"/>
+                <a:tab pos="11680825" algn="l"/>
+                <a:tab pos="12130088" algn="l"/>
+                <a:tab pos="12579350" algn="l"/>
+                <a:tab pos="13028613" algn="l"/>
+                <a:tab pos="13477875" algn="l"/>
+              </a:tabLst>
+              <a:defRPr sz="7800">
+                <a:solidFill>
+                  <a:srgbClr val="000000"/>
+                </a:solidFill>
+                <a:latin typeface="Arial" panose="020B0604020202020204" pitchFamily="34" charset="0"/>
+                <a:ea typeface="ＭＳ Ｐゴシック" panose="020B0600070205080204" pitchFamily="34" charset="-128"/>
+              </a:defRPr>
+            </a:lvl9pPr>
+          </a:lstStyle>
+          <a:p>
+            <a:pPr algn="ctr">
+              <a:buClrTx/>
+              <a:buFontTx/>
+              <a:buNone/>
+            </a:pPr>
+            <a:r>
+              <a:rPr lang="en-US" altLang="en-US" sz="1331" dirty="0"/>
+              <a:t>Figure 2 – Gantt chart with the project tasks and estimated duration</a:t>
+            </a:r>
+          </a:p>
+        </p:txBody>
+      </p:sp>
+      <p:sp>
+        <p:nvSpPr>
+          <p:cNvPr id="51" name="Text Box 15">
+            <a:extLst>
+              <a:ext uri="{FF2B5EF4-FFF2-40B4-BE49-F238E27FC236}">
+                <a16:creationId xmlns:a16="http://schemas.microsoft.com/office/drawing/2014/main" id="{30D07C7B-853C-830F-0C6A-0C6BB9F62745}"/>
+              </a:ext>
+            </a:extLst>
+          </p:cNvPr>
+          <p:cNvSpPr txBox="1">
+            <a:spLocks noChangeArrowheads="1"/>
+          </p:cNvSpPr>
+          <p:nvPr/>
+        </p:nvSpPr>
+        <p:spPr bwMode="auto">
+          <a:xfrm>
+            <a:off x="10309558" y="15264589"/>
+            <a:ext cx="6451698" cy="382165"/>
+          </a:xfrm>
+          <a:prstGeom prst="rect">
+            <a:avLst/>
+          </a:prstGeom>
+          <a:noFill/>
+          <a:ln>
+            <a:noFill/>
+          </a:ln>
+          <a:effectLst/>
+          <a:extLst>
+            <a:ext uri="{909E8E84-426E-40DD-AFC4-6F175D3DCCD1}">
+              <a14:hiddenFill xmlns:a14="http://schemas.microsoft.com/office/drawing/2010/main">
+                <a:solidFill>
+                  <a:srgbClr val="FFFFFF"/>
+                </a:solidFill>
+              </a14:hiddenFill>
+            </a:ext>
+            <a:ext uri="{91240B29-F687-4F45-9708-019B960494DF}">
+              <a14:hiddenLine xmlns:a14="http://schemas.microsoft.com/office/drawing/2010/main" w="9525" cap="flat">
+                <a:solidFill>
+                  <a:srgbClr val="3465A4"/>
+                </a:solidFill>
+                <a:round/>
+                <a:headEnd/>
+                <a:tailEnd/>
+              </a14:hiddenLine>
+            </a:ext>
+            <a:ext uri="{AF507438-7753-43E0-B8FC-AC1667EBCBE1}">
+              <a14:hiddenEffects xmlns:a14="http://schemas.microsoft.com/office/drawing/2010/main">
+                <a:effectLst>
+                  <a:outerShdw dist="35921" dir="2700000" algn="ctr" rotWithShape="0">
+                    <a:srgbClr val="808080"/>
+                  </a:outerShdw>
+                </a:effectLst>
+              </a14:hiddenEffects>
+            </a:ext>
+          </a:extLst>
+        </p:spPr>
+        <p:txBody>
+          <a:bodyPr lIns="175649" tIns="87825" rIns="175649" bIns="87825">
+            <a:spAutoFit/>
+          </a:bodyPr>
+          <a:lstStyle>
+            <a:lvl1pPr>
+              <a:tabLst>
+                <a:tab pos="0" algn="l"/>
+                <a:tab pos="914400" algn="l"/>
+                <a:tab pos="1828800" algn="l"/>
+                <a:tab pos="2743200" algn="l"/>
+                <a:tab pos="3657600" algn="l"/>
+                <a:tab pos="4572000" algn="l"/>
+                <a:tab pos="5486400" algn="l"/>
+                <a:tab pos="6400800" algn="l"/>
+                <a:tab pos="7315200" algn="l"/>
+                <a:tab pos="8229600" algn="l"/>
+                <a:tab pos="9144000" algn="l"/>
+                <a:tab pos="10058400" algn="l"/>
+                <a:tab pos="10333038" algn="l"/>
+                <a:tab pos="10782300" algn="l"/>
+                <a:tab pos="11231563" algn="l"/>
+                <a:tab pos="11680825" algn="l"/>
+                <a:tab pos="12130088" algn="l"/>
+                <a:tab pos="12579350" algn="l"/>
+                <a:tab pos="13028613" algn="l"/>
+                <a:tab pos="13477875" algn="l"/>
+              </a:tabLst>
+              <a:defRPr sz="7800">
+                <a:solidFill>
+                  <a:srgbClr val="000000"/>
+                </a:solidFill>
+                <a:latin typeface="Arial" panose="020B0604020202020204" pitchFamily="34" charset="0"/>
+                <a:ea typeface="ＭＳ Ｐゴシック" panose="020B0600070205080204" pitchFamily="34" charset="-128"/>
+              </a:defRPr>
+            </a:lvl1pPr>
+            <a:lvl2pPr>
+              <a:tabLst>
+                <a:tab pos="0" algn="l"/>
+                <a:tab pos="914400" algn="l"/>
+                <a:tab pos="1828800" algn="l"/>
+                <a:tab pos="2743200" algn="l"/>
+                <a:tab pos="3657600" algn="l"/>
+                <a:tab pos="4572000" algn="l"/>
+                <a:tab pos="5486400" algn="l"/>
+                <a:tab pos="6400800" algn="l"/>
+                <a:tab pos="7315200" algn="l"/>
+                <a:tab pos="8229600" algn="l"/>
+                <a:tab pos="9144000" algn="l"/>
+                <a:tab pos="10058400" algn="l"/>
+                <a:tab pos="10333038" algn="l"/>
+                <a:tab pos="10782300" algn="l"/>
+                <a:tab pos="11231563" algn="l"/>
+                <a:tab pos="11680825" algn="l"/>
+                <a:tab pos="12130088" algn="l"/>
+                <a:tab pos="12579350" algn="l"/>
+                <a:tab pos="13028613" algn="l"/>
+                <a:tab pos="13477875" algn="l"/>
+              </a:tabLst>
+              <a:defRPr sz="7800">
+                <a:solidFill>
+                  <a:srgbClr val="000000"/>
+                </a:solidFill>
+                <a:latin typeface="Arial" panose="020B0604020202020204" pitchFamily="34" charset="0"/>
+                <a:ea typeface="ＭＳ Ｐゴシック" panose="020B0600070205080204" pitchFamily="34" charset="-128"/>
+              </a:defRPr>
+            </a:lvl2pPr>
+            <a:lvl3pPr>
+              <a:tabLst>
+                <a:tab pos="0" algn="l"/>
+                <a:tab pos="914400" algn="l"/>
+                <a:tab pos="1828800" algn="l"/>
+                <a:tab pos="2743200" algn="l"/>
+                <a:tab pos="3657600" algn="l"/>
+                <a:tab pos="4572000" algn="l"/>
+                <a:tab pos="5486400" algn="l"/>
+                <a:tab pos="6400800" algn="l"/>
+                <a:tab pos="7315200" algn="l"/>
+                <a:tab pos="8229600" algn="l"/>
+                <a:tab pos="9144000" algn="l"/>
+                <a:tab pos="10058400" algn="l"/>
+                <a:tab pos="10333038" algn="l"/>
+                <a:tab pos="10782300" algn="l"/>
+                <a:tab pos="11231563" algn="l"/>
+                <a:tab pos="11680825" algn="l"/>
+                <a:tab pos="12130088" algn="l"/>
+                <a:tab pos="12579350" algn="l"/>
+                <a:tab pos="13028613" algn="l"/>
+                <a:tab pos="13477875" algn="l"/>
+              </a:tabLst>
+              <a:defRPr sz="7800">
+                <a:solidFill>
+                  <a:srgbClr val="000000"/>
+                </a:solidFill>
+                <a:latin typeface="Arial" panose="020B0604020202020204" pitchFamily="34" charset="0"/>
+                <a:ea typeface="ＭＳ Ｐゴシック" panose="020B0600070205080204" pitchFamily="34" charset="-128"/>
+              </a:defRPr>
+            </a:lvl3pPr>
+            <a:lvl4pPr>
+              <a:tabLst>
+                <a:tab pos="0" algn="l"/>
+                <a:tab pos="914400" algn="l"/>
+                <a:tab pos="1828800" algn="l"/>
+                <a:tab pos="2743200" algn="l"/>
+                <a:tab pos="3657600" algn="l"/>
+                <a:tab pos="4572000" algn="l"/>
+                <a:tab pos="5486400" algn="l"/>
+                <a:tab pos="6400800" algn="l"/>
+                <a:tab pos="7315200" algn="l"/>
+                <a:tab pos="8229600" algn="l"/>
+                <a:tab pos="9144000" algn="l"/>
+                <a:tab pos="10058400" algn="l"/>
+                <a:tab pos="10333038" algn="l"/>
+                <a:tab pos="10782300" algn="l"/>
+                <a:tab pos="11231563" algn="l"/>
+                <a:tab pos="11680825" algn="l"/>
+                <a:tab pos="12130088" algn="l"/>
+                <a:tab pos="12579350" algn="l"/>
+                <a:tab pos="13028613" algn="l"/>
+                <a:tab pos="13477875" algn="l"/>
+              </a:tabLst>
+              <a:defRPr sz="7800">
+                <a:solidFill>
+                  <a:srgbClr val="000000"/>
+                </a:solidFill>
+                <a:latin typeface="Arial" panose="020B0604020202020204" pitchFamily="34" charset="0"/>
+                <a:ea typeface="ＭＳ Ｐゴシック" panose="020B0600070205080204" pitchFamily="34" charset="-128"/>
+              </a:defRPr>
+            </a:lvl4pPr>
+            <a:lvl5pPr>
+              <a:tabLst>
+                <a:tab pos="0" algn="l"/>
+                <a:tab pos="914400" algn="l"/>
+                <a:tab pos="1828800" algn="l"/>
+                <a:tab pos="2743200" algn="l"/>
+                <a:tab pos="3657600" algn="l"/>
+                <a:tab pos="4572000" algn="l"/>
+                <a:tab pos="5486400" algn="l"/>
+                <a:tab pos="6400800" algn="l"/>
+                <a:tab pos="7315200" algn="l"/>
+                <a:tab pos="8229600" algn="l"/>
+                <a:tab pos="9144000" algn="l"/>
+                <a:tab pos="10058400" algn="l"/>
+                <a:tab pos="10333038" algn="l"/>
+                <a:tab pos="10782300" algn="l"/>
+                <a:tab pos="11231563" algn="l"/>
+                <a:tab pos="11680825" algn="l"/>
+                <a:tab pos="12130088" algn="l"/>
+                <a:tab pos="12579350" algn="l"/>
+                <a:tab pos="13028613" algn="l"/>
+                <a:tab pos="13477875" algn="l"/>
+              </a:tabLst>
+              <a:defRPr sz="7800">
+                <a:solidFill>
+                  <a:srgbClr val="000000"/>
+                </a:solidFill>
+                <a:latin typeface="Arial" panose="020B0604020202020204" pitchFamily="34" charset="0"/>
+                <a:ea typeface="ＭＳ Ｐゴシック" panose="020B0600070205080204" pitchFamily="34" charset="-128"/>
+              </a:defRPr>
+            </a:lvl5pPr>
+            <a:lvl6pPr marL="2514600" indent="-228600" defTabSz="449263" eaLnBrk="0" fontAlgn="base" hangingPunct="0">
+              <a:spcBef>
+                <a:spcPct val="0"/>
+              </a:spcBef>
+              <a:spcAft>
+                <a:spcPct val="0"/>
+              </a:spcAft>
+              <a:buClr>
+                <a:srgbClr val="000000"/>
+              </a:buClr>
+              <a:buSzPct val="100000"/>
+              <a:buFont typeface="Times New Roman" panose="02020603050405020304" pitchFamily="18" charset="0"/>
+              <a:tabLst>
+                <a:tab pos="0" algn="l"/>
+                <a:tab pos="914400" algn="l"/>
+                <a:tab pos="1828800" algn="l"/>
+                <a:tab pos="2743200" algn="l"/>
+                <a:tab pos="3657600" algn="l"/>
+                <a:tab pos="4572000" algn="l"/>
+                <a:tab pos="5486400" algn="l"/>
+                <a:tab pos="6400800" algn="l"/>
+                <a:tab pos="7315200" algn="l"/>
+                <a:tab pos="8229600" algn="l"/>
+                <a:tab pos="9144000" algn="l"/>
+                <a:tab pos="10058400" algn="l"/>
+                <a:tab pos="10333038" algn="l"/>
+                <a:tab pos="10782300" algn="l"/>
+                <a:tab pos="11231563" algn="l"/>
+                <a:tab pos="11680825" algn="l"/>
+                <a:tab pos="12130088" algn="l"/>
+                <a:tab pos="12579350" algn="l"/>
+                <a:tab pos="13028613" algn="l"/>
+                <a:tab pos="13477875" algn="l"/>
+              </a:tabLst>
+              <a:defRPr sz="7800">
+                <a:solidFill>
+                  <a:srgbClr val="000000"/>
+                </a:solidFill>
+                <a:latin typeface="Arial" panose="020B0604020202020204" pitchFamily="34" charset="0"/>
+                <a:ea typeface="ＭＳ Ｐゴシック" panose="020B0600070205080204" pitchFamily="34" charset="-128"/>
+              </a:defRPr>
+            </a:lvl6pPr>
+            <a:lvl7pPr marL="2971800" indent="-228600" defTabSz="449263" eaLnBrk="0" fontAlgn="base" hangingPunct="0">
+              <a:spcBef>
+                <a:spcPct val="0"/>
+              </a:spcBef>
+              <a:spcAft>
+                <a:spcPct val="0"/>
+              </a:spcAft>
+              <a:buClr>
+                <a:srgbClr val="000000"/>
+              </a:buClr>
+              <a:buSzPct val="100000"/>
+              <a:buFont typeface="Times New Roman" panose="02020603050405020304" pitchFamily="18" charset="0"/>
+              <a:tabLst>
+                <a:tab pos="0" algn="l"/>
+                <a:tab pos="914400" algn="l"/>
+                <a:tab pos="1828800" algn="l"/>
+                <a:tab pos="2743200" algn="l"/>
+                <a:tab pos="3657600" algn="l"/>
+                <a:tab pos="4572000" algn="l"/>
+                <a:tab pos="5486400" algn="l"/>
+                <a:tab pos="6400800" algn="l"/>
+                <a:tab pos="7315200" algn="l"/>
+                <a:tab pos="8229600" algn="l"/>
+                <a:tab pos="9144000" algn="l"/>
+                <a:tab pos="10058400" algn="l"/>
+                <a:tab pos="10333038" algn="l"/>
+                <a:tab pos="10782300" algn="l"/>
+                <a:tab pos="11231563" algn="l"/>
+                <a:tab pos="11680825" algn="l"/>
+                <a:tab pos="12130088" algn="l"/>
+                <a:tab pos="12579350" algn="l"/>
+                <a:tab pos="13028613" algn="l"/>
+                <a:tab pos="13477875" algn="l"/>
+              </a:tabLst>
+              <a:defRPr sz="7800">
+                <a:solidFill>
+                  <a:srgbClr val="000000"/>
+                </a:solidFill>
+                <a:latin typeface="Arial" panose="020B0604020202020204" pitchFamily="34" charset="0"/>
+                <a:ea typeface="ＭＳ Ｐゴシック" panose="020B0600070205080204" pitchFamily="34" charset="-128"/>
+              </a:defRPr>
+            </a:lvl7pPr>
+            <a:lvl8pPr marL="3429000" indent="-228600" defTabSz="449263" eaLnBrk="0" fontAlgn="base" hangingPunct="0">
+              <a:spcBef>
+                <a:spcPct val="0"/>
+              </a:spcBef>
+              <a:spcAft>
+                <a:spcPct val="0"/>
+              </a:spcAft>
+              <a:buClr>
+                <a:srgbClr val="000000"/>
+              </a:buClr>
+              <a:buSzPct val="100000"/>
+              <a:buFont typeface="Times New Roman" panose="02020603050405020304" pitchFamily="18" charset="0"/>
+              <a:tabLst>
+                <a:tab pos="0" algn="l"/>
+                <a:tab pos="914400" algn="l"/>
+                <a:tab pos="1828800" algn="l"/>
+                <a:tab pos="2743200" algn="l"/>
+                <a:tab pos="3657600" algn="l"/>
+                <a:tab pos="4572000" algn="l"/>
+                <a:tab pos="5486400" algn="l"/>
+                <a:tab pos="6400800" algn="l"/>
+                <a:tab pos="7315200" algn="l"/>
+                <a:tab pos="8229600" algn="l"/>
+                <a:tab pos="9144000" algn="l"/>
+                <a:tab pos="10058400" algn="l"/>
+                <a:tab pos="10333038" algn="l"/>
+                <a:tab pos="10782300" algn="l"/>
+                <a:tab pos="11231563" algn="l"/>
+                <a:tab pos="11680825" algn="l"/>
+                <a:tab pos="12130088" algn="l"/>
+                <a:tab pos="12579350" algn="l"/>
+                <a:tab pos="13028613" algn="l"/>
+                <a:tab pos="13477875" algn="l"/>
+              </a:tabLst>
+              <a:defRPr sz="7800">
+                <a:solidFill>
+                  <a:srgbClr val="000000"/>
+                </a:solidFill>
+                <a:latin typeface="Arial" panose="020B0604020202020204" pitchFamily="34" charset="0"/>
+                <a:ea typeface="ＭＳ Ｐゴシック" panose="020B0600070205080204" pitchFamily="34" charset="-128"/>
+              </a:defRPr>
+            </a:lvl8pPr>
+            <a:lvl9pPr marL="3886200" indent="-228600" defTabSz="449263" eaLnBrk="0" fontAlgn="base" hangingPunct="0">
+              <a:spcBef>
+                <a:spcPct val="0"/>
+              </a:spcBef>
+              <a:spcAft>
+                <a:spcPct val="0"/>
+              </a:spcAft>
+              <a:buClr>
+                <a:srgbClr val="000000"/>
+              </a:buClr>
+              <a:buSzPct val="100000"/>
+              <a:buFont typeface="Times New Roman" panose="02020603050405020304" pitchFamily="18" charset="0"/>
+              <a:tabLst>
+                <a:tab pos="0" algn="l"/>
+                <a:tab pos="914400" algn="l"/>
+                <a:tab pos="1828800" algn="l"/>
+                <a:tab pos="2743200" algn="l"/>
+                <a:tab pos="3657600" algn="l"/>
+                <a:tab pos="4572000" algn="l"/>
+                <a:tab pos="5486400" algn="l"/>
+                <a:tab pos="6400800" algn="l"/>
+                <a:tab pos="7315200" algn="l"/>
+                <a:tab pos="8229600" algn="l"/>
+                <a:tab pos="9144000" algn="l"/>
+                <a:tab pos="10058400" algn="l"/>
+                <a:tab pos="10333038" algn="l"/>
+                <a:tab pos="10782300" algn="l"/>
+                <a:tab pos="11231563" algn="l"/>
+                <a:tab pos="11680825" algn="l"/>
+                <a:tab pos="12130088" algn="l"/>
+                <a:tab pos="12579350" algn="l"/>
+                <a:tab pos="13028613" algn="l"/>
+                <a:tab pos="13477875" algn="l"/>
+              </a:tabLst>
+              <a:defRPr sz="7800">
+                <a:solidFill>
+                  <a:srgbClr val="000000"/>
+                </a:solidFill>
+                <a:latin typeface="Arial" panose="020B0604020202020204" pitchFamily="34" charset="0"/>
+                <a:ea typeface="ＭＳ Ｐゴシック" panose="020B0600070205080204" pitchFamily="34" charset="-128"/>
+              </a:defRPr>
+            </a:lvl9pPr>
+          </a:lstStyle>
+          <a:p>
+            <a:pPr algn="ctr">
+              <a:buClrTx/>
+              <a:buFontTx/>
+              <a:buNone/>
+            </a:pPr>
+            <a:r>
+              <a:rPr lang="en-US" altLang="en-US" sz="1331" dirty="0"/>
+              <a:t>Figure 3 – Constraint progress</a:t>
+            </a:r>
+          </a:p>
+        </p:txBody>
+      </p:sp>
+    </p:spTree>
+    <p:extLst>
+      <p:ext uri="{BB962C8B-B14F-4D97-AF65-F5344CB8AC3E}">
+        <p14:creationId xmlns:p14="http://schemas.microsoft.com/office/powerpoint/2010/main" val="4251329930"/>
+      </p:ext>
+    </p:extLst>
+  </p:cSld>
+  <p:clrMapOvr>
+    <a:masterClrMapping/>
+  </p:clrMapOvr>
+  <p:transition spd="med"/>
+  <p:timing>
+    <p:tnLst>
+      <p:par>
+        <p:cTn id="1" dur="indefinite" restart="never" nodeType="tmRoot">
+          <p:childTnLst>
+            <p:seq concurrent="1" nextAc="seek">
+              <p:cTn id="2" dur="0" nodeType="mainSeq"/>
+              <p:prevCondLst>
+                <p:cond evt="onPrev" delay="0">
+                  <p:tgtEl>
+                    <p:sldTgt/>
+                  </p:tgtEl>
+                </p:cond>
+              </p:prevCondLst>
+              <p:nextCondLst>
+                <p:cond evt="onNext" delay="0">
+                  <p:tgtEl>
+                    <p:sldTgt/>
+                  </p:tgtEl>
+                </p:cond>
+              </p:nextCondLst>
+            </p:seq>
+          </p:childTnLst>
+        </p:cTn>
+      </p:par>
+    </p:tnLst>
+  </p:timing>
+</p:sld>
+</file>
+
+<file path=ppt/slides/slide2.xml><?xml version="1.0" encoding="utf-8"?>
+<p:sld xmlns:a="http://schemas.openxmlformats.org/drawingml/2006/main" xmlns:r="http://schemas.openxmlformats.org/officeDocument/2006/relationships" xmlns:p="http://schemas.openxmlformats.org/presentationml/2006/main">
+  <p:cSld>
+    <p:spTree>
+      <p:nvGrpSpPr>
+        <p:cNvPr id="1" name="">
+          <a:extLst>
+            <a:ext uri="{FF2B5EF4-FFF2-40B4-BE49-F238E27FC236}">
+              <a16:creationId xmlns:a16="http://schemas.microsoft.com/office/drawing/2014/main" id="{9CAE18DA-315A-79DD-325B-2F71C3EAC062}"/>
+            </a:ext>
+          </a:extLst>
+        </p:cNvPr>
+        <p:cNvGrpSpPr/>
+        <p:nvPr/>
+      </p:nvGrpSpPr>
+      <p:grpSpPr>
+        <a:xfrm>
+          <a:off x="0" y="0"/>
+          <a:ext cx="0" cy="0"/>
+          <a:chOff x="0" y="0"/>
+          <a:chExt cx="0" cy="0"/>
+        </a:xfrm>
+      </p:grpSpPr>
+      <p:sp>
+        <p:nvSpPr>
+          <p:cNvPr id="22" name="TextBox 21">
+            <a:extLst>
+              <a:ext uri="{FF2B5EF4-FFF2-40B4-BE49-F238E27FC236}">
+                <a16:creationId xmlns:a16="http://schemas.microsoft.com/office/drawing/2014/main" id="{EA3D1E4F-A95E-A421-EA9A-8C3AF4EAF9B6}"/>
+              </a:ext>
+            </a:extLst>
+          </p:cNvPr>
+          <p:cNvSpPr txBox="1"/>
+          <p:nvPr/>
+        </p:nvSpPr>
+        <p:spPr>
+          <a:xfrm>
+            <a:off x="13333834" y="23851177"/>
+            <a:ext cx="2263761" cy="1077218"/>
+          </a:xfrm>
+          <a:prstGeom prst="rect">
+            <a:avLst/>
+          </a:prstGeom>
+          <a:noFill/>
+        </p:spPr>
+        <p:txBody>
+          <a:bodyPr wrap="none" rtlCol="0">
+            <a:spAutoFit/>
+          </a:bodyPr>
+          <a:lstStyle/>
+          <a:p>
+            <a:r>
+              <a:rPr lang="en-US" sz="6400" b="1" u="sng" dirty="0">
+                <a:latin typeface="Arial Nova" panose="020B0504020202020204" pitchFamily="34" charset="0"/>
+              </a:rPr>
+              <a:t>M:DS</a:t>
+            </a:r>
+          </a:p>
+        </p:txBody>
+      </p:sp>
+      <p:sp>
+        <p:nvSpPr>
+          <p:cNvPr id="5" name="Rectangle 4">
+            <a:extLst>
+              <a:ext uri="{FF2B5EF4-FFF2-40B4-BE49-F238E27FC236}">
+                <a16:creationId xmlns:a16="http://schemas.microsoft.com/office/drawing/2014/main" id="{29FC00D6-E73B-45D1-439D-8FA2FF54B5D6}"/>
+              </a:ext>
+            </a:extLst>
+          </p:cNvPr>
+          <p:cNvSpPr/>
+          <p:nvPr/>
+        </p:nvSpPr>
+        <p:spPr>
+          <a:xfrm>
+            <a:off x="1132648" y="3261"/>
+            <a:ext cx="16849204" cy="2592000"/>
+          </a:xfrm>
+          <a:prstGeom prst="rect">
+            <a:avLst/>
+          </a:prstGeom>
+          <a:solidFill>
+            <a:srgbClr val="264074"/>
+          </a:solidFill>
+        </p:spPr>
+        <p:style>
+          <a:lnRef idx="2">
+            <a:schemeClr val="accent1">
+              <a:shade val="50000"/>
+            </a:schemeClr>
+          </a:lnRef>
+          <a:fillRef idx="1">
+            <a:schemeClr val="accent1"/>
+          </a:fillRef>
+          <a:effectRef idx="0">
+            <a:schemeClr val="accent1"/>
+          </a:effectRef>
+          <a:fontRef idx="minor">
+            <a:schemeClr val="lt1"/>
+          </a:fontRef>
+        </p:style>
+        <p:txBody>
+          <a:bodyPr rtlCol="0" anchor="ctr"/>
+          <a:lstStyle/>
+          <a:p>
+            <a:pPr algn="ctr">
+              <a:spcBef>
+                <a:spcPts val="267"/>
+              </a:spcBef>
+            </a:pPr>
+            <a:r>
+              <a:rPr lang="en-GB" altLang="en-US" sz="5334" b="1" dirty="0">
+                <a:solidFill>
+                  <a:srgbClr val="FFFFFF"/>
+                </a:solidFill>
+                <a:latin typeface="Arial" panose="020B0604020202020204" pitchFamily="34" charset="0"/>
+                <a:ea typeface="ＭＳ Ｐゴシック" panose="020B0600070205080204" pitchFamily="34" charset="-128"/>
+              </a:rPr>
+              <a:t>Title</a:t>
+            </a:r>
+            <a:br>
+              <a:rPr lang="en-GB" altLang="en-US" sz="4399" b="1" dirty="0">
+                <a:solidFill>
+                  <a:srgbClr val="FFFFFF"/>
+                </a:solidFill>
+                <a:latin typeface="Arial Narrow" panose="020B0606020202030204" pitchFamily="34" charset="0"/>
+              </a:rPr>
+            </a:br>
+            <a:r>
+              <a:rPr lang="en-GB" altLang="en-US" sz="2667" b="1" dirty="0">
+                <a:solidFill>
+                  <a:srgbClr val="FFFFFF"/>
+                </a:solidFill>
+                <a:latin typeface="Arial" panose="020B0604020202020204" pitchFamily="34" charset="0"/>
+                <a:ea typeface="ＭＳ Ｐゴシック" panose="020B0600070205080204" pitchFamily="34" charset="-128"/>
+              </a:rPr>
+              <a:t>Candidate’s name (First and Last)</a:t>
+            </a:r>
+            <a:r>
+              <a:rPr lang="en-GB" altLang="en-US" sz="2667" b="1" baseline="30000" dirty="0">
+                <a:solidFill>
+                  <a:srgbClr val="FFFFFF"/>
+                </a:solidFill>
+                <a:latin typeface="Arial" panose="020B0604020202020204" pitchFamily="34" charset="0"/>
+                <a:ea typeface="ＭＳ Ｐゴシック" panose="020B0600070205080204" pitchFamily="34" charset="-128"/>
+              </a:rPr>
+              <a:t>1</a:t>
+            </a:r>
+            <a:r>
+              <a:rPr lang="en-GB" altLang="en-US" sz="2667" b="1" dirty="0">
+                <a:solidFill>
+                  <a:srgbClr val="FFFFFF"/>
+                </a:solidFill>
+                <a:latin typeface="Arial" panose="020B0604020202020204" pitchFamily="34" charset="0"/>
+                <a:ea typeface="ＭＳ Ｐゴシック" panose="020B0600070205080204" pitchFamily="34" charset="-128"/>
+              </a:rPr>
+              <a:t> | Supervisor’s name</a:t>
+            </a:r>
+            <a:r>
+              <a:rPr lang="en-GB" altLang="en-US" sz="2667" b="1" baseline="30000" dirty="0">
+                <a:solidFill>
+                  <a:srgbClr val="FFFFFF"/>
+                </a:solidFill>
+                <a:latin typeface="Arial" panose="020B0604020202020204" pitchFamily="34" charset="0"/>
+                <a:ea typeface="ＭＳ Ｐゴシック" panose="020B0600070205080204" pitchFamily="34" charset="-128"/>
+              </a:rPr>
+              <a:t>1</a:t>
+            </a:r>
+          </a:p>
+          <a:p>
+            <a:pPr algn="ctr">
+              <a:spcBef>
+                <a:spcPts val="267"/>
+              </a:spcBef>
+            </a:pPr>
+            <a:r>
+              <a:rPr lang="en-GB" altLang="en-US" sz="2667" baseline="30000" dirty="0">
+                <a:solidFill>
+                  <a:srgbClr val="FFFFFF"/>
+                </a:solidFill>
+                <a:latin typeface="Arial" panose="020B0604020202020204" pitchFamily="34" charset="0"/>
+                <a:ea typeface="ＭＳ Ｐゴシック" panose="020B0600070205080204" pitchFamily="34" charset="-128"/>
+              </a:rPr>
+              <a:t>1</a:t>
+            </a:r>
+            <a:r>
+              <a:rPr lang="en-GB" altLang="en-US" sz="2667" dirty="0">
+                <a:solidFill>
+                  <a:srgbClr val="FFFFFF"/>
+                </a:solidFill>
+                <a:latin typeface="Arial" panose="020B0604020202020204" pitchFamily="34" charset="0"/>
+                <a:ea typeface="ＭＳ Ｐゴシック" panose="020B0600070205080204" pitchFamily="34" charset="-128"/>
+              </a:rPr>
+              <a:t>Faculdade de </a:t>
+            </a:r>
+            <a:r>
+              <a:rPr lang="en-GB" altLang="en-US" sz="2667" dirty="0" err="1">
+                <a:solidFill>
+                  <a:srgbClr val="FFFFFF"/>
+                </a:solidFill>
+                <a:latin typeface="Arial" panose="020B0604020202020204" pitchFamily="34" charset="0"/>
+                <a:ea typeface="ＭＳ Ｐゴシック" panose="020B0600070205080204" pitchFamily="34" charset="-128"/>
+              </a:rPr>
+              <a:t>Ciências</a:t>
+            </a:r>
+            <a:r>
+              <a:rPr lang="en-GB" altLang="en-US" sz="2667" dirty="0">
+                <a:solidFill>
+                  <a:srgbClr val="FFFFFF"/>
+                </a:solidFill>
+                <a:latin typeface="Arial" panose="020B0604020202020204" pitchFamily="34" charset="0"/>
+                <a:ea typeface="ＭＳ Ｐゴシック" panose="020B0600070205080204" pitchFamily="34" charset="-128"/>
+              </a:rPr>
+              <a:t> da </a:t>
+            </a:r>
+            <a:r>
+              <a:rPr lang="en-GB" altLang="en-US" sz="2667" dirty="0" err="1">
+                <a:solidFill>
+                  <a:srgbClr val="FFFFFF"/>
+                </a:solidFill>
+                <a:latin typeface="Arial" panose="020B0604020202020204" pitchFamily="34" charset="0"/>
+                <a:ea typeface="ＭＳ Ｐゴシック" panose="020B0600070205080204" pitchFamily="34" charset="-128"/>
+              </a:rPr>
+              <a:t>Universidade</a:t>
+            </a:r>
+            <a:r>
+              <a:rPr lang="en-GB" altLang="en-US" sz="2667" dirty="0">
+                <a:solidFill>
+                  <a:srgbClr val="FFFFFF"/>
+                </a:solidFill>
+                <a:latin typeface="Arial" panose="020B0604020202020204" pitchFamily="34" charset="0"/>
+                <a:ea typeface="ＭＳ Ｐゴシック" panose="020B0600070205080204" pitchFamily="34" charset="-128"/>
+              </a:rPr>
+              <a:t> do Porto</a:t>
+            </a:r>
+            <a:endParaRPr lang="en-US" sz="2667" dirty="0">
+              <a:solidFill>
+                <a:srgbClr val="FFFFFF"/>
+              </a:solidFill>
+              <a:latin typeface="Arial" panose="020B0604020202020204" pitchFamily="34" charset="0"/>
+              <a:ea typeface="ＭＳ Ｐゴシック" panose="020B0600070205080204" pitchFamily="34" charset="-128"/>
+            </a:endParaRPr>
+          </a:p>
+        </p:txBody>
+      </p:sp>
+      <p:sp>
+        <p:nvSpPr>
+          <p:cNvPr id="6" name="Line 3">
+            <a:extLst>
+              <a:ext uri="{FF2B5EF4-FFF2-40B4-BE49-F238E27FC236}">
+                <a16:creationId xmlns:a16="http://schemas.microsoft.com/office/drawing/2014/main" id="{2118E621-F696-CF62-806E-9B081C1AA394}"/>
+              </a:ext>
+            </a:extLst>
+          </p:cNvPr>
+          <p:cNvSpPr>
+            <a:spLocks noChangeShapeType="1"/>
+          </p:cNvSpPr>
+          <p:nvPr/>
+        </p:nvSpPr>
+        <p:spPr bwMode="auto">
+          <a:xfrm>
+            <a:off x="9000494" y="3241027"/>
+            <a:ext cx="68699" cy="19620000"/>
+          </a:xfrm>
+          <a:prstGeom prst="line">
+            <a:avLst/>
+          </a:prstGeom>
+          <a:noFill/>
+          <a:ln w="38160" cap="sq">
+            <a:solidFill>
+              <a:srgbClr val="063967"/>
+            </a:solidFill>
+            <a:prstDash val="dash"/>
+            <a:miter lim="800000"/>
+            <a:headEnd/>
+            <a:tailEnd/>
+          </a:ln>
+          <a:effectLst/>
+          <a:extLst>
+            <a:ext uri="{909E8E84-426E-40DD-AFC4-6F175D3DCCD1}">
+              <a14:hiddenFill xmlns:a14="http://schemas.microsoft.com/office/drawing/2010/main">
+                <a:noFill/>
+              </a14:hiddenFill>
+            </a:ext>
+            <a:ext uri="{AF507438-7753-43E0-B8FC-AC1667EBCBE1}">
+              <a14:hiddenEffects xmlns:a14="http://schemas.microsoft.com/office/drawing/2010/main">
+                <a:effectLst>
+                  <a:outerShdw dist="35921" dir="2700000" algn="ctr" rotWithShape="0">
+                    <a:srgbClr val="808080"/>
+                  </a:outerShdw>
+                </a:effectLst>
+              </a14:hiddenEffects>
+            </a:ext>
+          </a:extLst>
+        </p:spPr>
+        <p:txBody>
+          <a:bodyPr/>
+          <a:lstStyle/>
+          <a:p>
+            <a:endParaRPr lang="en-US" sz="2741"/>
+          </a:p>
+        </p:txBody>
+      </p:sp>
+      <p:sp>
+        <p:nvSpPr>
+          <p:cNvPr id="7" name="Text Box 4">
+            <a:extLst>
+              <a:ext uri="{FF2B5EF4-FFF2-40B4-BE49-F238E27FC236}">
+                <a16:creationId xmlns:a16="http://schemas.microsoft.com/office/drawing/2014/main" id="{90C63F18-FEC2-9FED-1B07-D05CE3455E45}"/>
               </a:ext>
             </a:extLst>
           </p:cNvPr>
@@ -3089,7 +11309,7 @@
           <p:cNvPr id="8" name="Text Box 5">
             <a:extLst>
               <a:ext uri="{FF2B5EF4-FFF2-40B4-BE49-F238E27FC236}">
-                <a16:creationId xmlns:a16="http://schemas.microsoft.com/office/drawing/2014/main" id="{ECF76505-F4FF-681B-D922-55625D18DEED}"/>
+                <a16:creationId xmlns:a16="http://schemas.microsoft.com/office/drawing/2014/main" id="{3CD66747-763B-B03D-0875-DC5CE20FA433}"/>
               </a:ext>
             </a:extLst>
           </p:cNvPr>
@@ -3509,7 +11729,7 @@
           <p:cNvPr id="9" name="Text Box 6">
             <a:extLst>
               <a:ext uri="{FF2B5EF4-FFF2-40B4-BE49-F238E27FC236}">
-                <a16:creationId xmlns:a16="http://schemas.microsoft.com/office/drawing/2014/main" id="{0ACE65AE-7599-F9F7-0FCA-62DB36D22FDD}"/>
+                <a16:creationId xmlns:a16="http://schemas.microsoft.com/office/drawing/2014/main" id="{DA2EC608-7B89-8643-5DB7-7760E8E81563}"/>
               </a:ext>
             </a:extLst>
           </p:cNvPr>
@@ -3929,7 +12149,7 @@
           <p:cNvPr id="10" name="Text Box 7">
             <a:extLst>
               <a:ext uri="{FF2B5EF4-FFF2-40B4-BE49-F238E27FC236}">
-                <a16:creationId xmlns:a16="http://schemas.microsoft.com/office/drawing/2014/main" id="{C5A4C2FD-174F-BED2-DC67-7712DDE75DA6}"/>
+                <a16:creationId xmlns:a16="http://schemas.microsoft.com/office/drawing/2014/main" id="{0356E80D-D3D9-36FD-CD09-A7DBEC222C58}"/>
               </a:ext>
             </a:extLst>
           </p:cNvPr>
@@ -4367,7 +12587,7 @@
           <p:cNvPr id="11" name="Text Box 8">
             <a:extLst>
               <a:ext uri="{FF2B5EF4-FFF2-40B4-BE49-F238E27FC236}">
-                <a16:creationId xmlns:a16="http://schemas.microsoft.com/office/drawing/2014/main" id="{2BE55C83-1AC2-28A7-A60B-1DF573241314}"/>
+                <a16:creationId xmlns:a16="http://schemas.microsoft.com/office/drawing/2014/main" id="{2EF8B432-C3E2-DC1A-25E4-F830EB46D1BD}"/>
               </a:ext>
             </a:extLst>
           </p:cNvPr>
@@ -4817,7 +13037,7 @@
           <p:cNvPr id="12" name="Text Box 9">
             <a:extLst>
               <a:ext uri="{FF2B5EF4-FFF2-40B4-BE49-F238E27FC236}">
-                <a16:creationId xmlns:a16="http://schemas.microsoft.com/office/drawing/2014/main" id="{E76C4D7D-C502-1934-293B-08340239CAE8}"/>
+                <a16:creationId xmlns:a16="http://schemas.microsoft.com/office/drawing/2014/main" id="{B93A3B94-3D2E-D811-5158-34BDD9E8DA45}"/>
               </a:ext>
             </a:extLst>
           </p:cNvPr>
@@ -5255,7 +13475,7 @@
           <p:cNvPr id="13" name="Text Box 10">
             <a:extLst>
               <a:ext uri="{FF2B5EF4-FFF2-40B4-BE49-F238E27FC236}">
-                <a16:creationId xmlns:a16="http://schemas.microsoft.com/office/drawing/2014/main" id="{0D742E1B-B6E9-3A8F-DAA2-F3F3B8BAE1D2}"/>
+                <a16:creationId xmlns:a16="http://schemas.microsoft.com/office/drawing/2014/main" id="{B6CF6576-4DFF-1222-C3A9-22FA28979CA2}"/>
               </a:ext>
             </a:extLst>
           </p:cNvPr>
@@ -5693,7 +13913,7 @@
           <p:cNvPr id="14" name="Text Box 11">
             <a:extLst>
               <a:ext uri="{FF2B5EF4-FFF2-40B4-BE49-F238E27FC236}">
-                <a16:creationId xmlns:a16="http://schemas.microsoft.com/office/drawing/2014/main" id="{01F15BEA-C983-67F2-8F7B-1454EA4B9BF1}"/>
+                <a16:creationId xmlns:a16="http://schemas.microsoft.com/office/drawing/2014/main" id="{B0A635DD-9EA4-ABC1-A07D-C3BD773CD512}"/>
               </a:ext>
             </a:extLst>
           </p:cNvPr>
@@ -6155,7 +14375,7 @@
           <p:cNvPr id="15" name="Text Box 12">
             <a:extLst>
               <a:ext uri="{FF2B5EF4-FFF2-40B4-BE49-F238E27FC236}">
-                <a16:creationId xmlns:a16="http://schemas.microsoft.com/office/drawing/2014/main" id="{814CCA4B-C391-7EFB-EB93-31AB45DFAF6E}"/>
+                <a16:creationId xmlns:a16="http://schemas.microsoft.com/office/drawing/2014/main" id="{0B7BC68E-8233-18EF-8DD7-D8E65733D277}"/>
               </a:ext>
             </a:extLst>
           </p:cNvPr>
@@ -6593,7 +14813,7 @@
           <p:cNvPr id="16" name="Line 13">
             <a:extLst>
               <a:ext uri="{FF2B5EF4-FFF2-40B4-BE49-F238E27FC236}">
-                <a16:creationId xmlns:a16="http://schemas.microsoft.com/office/drawing/2014/main" id="{321A05C8-ED90-2625-99FC-CBEEA48A2FA3}"/>
+                <a16:creationId xmlns:a16="http://schemas.microsoft.com/office/drawing/2014/main" id="{68D54A26-2F06-100D-4924-52176907455E}"/>
               </a:ext>
             </a:extLst>
           </p:cNvPr>
@@ -6651,7 +14871,7 @@
           <p:cNvPr id="17" name="Picture 14">
             <a:extLst>
               <a:ext uri="{FF2B5EF4-FFF2-40B4-BE49-F238E27FC236}">
-                <a16:creationId xmlns:a16="http://schemas.microsoft.com/office/drawing/2014/main" id="{8CF061D8-6392-6835-09C3-CD3E3DCCB98C}"/>
+                <a16:creationId xmlns:a16="http://schemas.microsoft.com/office/drawing/2014/main" id="{CAB982ED-7494-FDF7-8DD0-B016F7ABF434}"/>
               </a:ext>
             </a:extLst>
           </p:cNvPr>
@@ -6725,7 +14945,7 @@
           <p:cNvPr id="18" name="Text Box 15">
             <a:extLst>
               <a:ext uri="{FF2B5EF4-FFF2-40B4-BE49-F238E27FC236}">
-                <a16:creationId xmlns:a16="http://schemas.microsoft.com/office/drawing/2014/main" id="{3C87399E-737B-22B4-8F4E-E4E099E4F9EE}"/>
+                <a16:creationId xmlns:a16="http://schemas.microsoft.com/office/drawing/2014/main" id="{45BF2765-F630-8E47-CB19-FF5E1C8DF9EF}"/>
               </a:ext>
             </a:extLst>
           </p:cNvPr>
@@ -7123,7 +15343,7 @@
           <p:cNvPr id="19" name="Text Box 16">
             <a:extLst>
               <a:ext uri="{FF2B5EF4-FFF2-40B4-BE49-F238E27FC236}">
-                <a16:creationId xmlns:a16="http://schemas.microsoft.com/office/drawing/2014/main" id="{FF32F283-3978-50B9-5FE5-1AD998A07ECD}"/>
+                <a16:creationId xmlns:a16="http://schemas.microsoft.com/office/drawing/2014/main" id="{CDFF94F7-CD33-B18F-8E17-2772459E9ED7}"/>
               </a:ext>
             </a:extLst>
           </p:cNvPr>
@@ -7549,7 +15769,7 @@
           <p:cNvPr id="20" name="Picture 17">
             <a:extLst>
               <a:ext uri="{FF2B5EF4-FFF2-40B4-BE49-F238E27FC236}">
-                <a16:creationId xmlns:a16="http://schemas.microsoft.com/office/drawing/2014/main" id="{64703FF0-877A-B91D-485B-7D0A0D80E488}"/>
+                <a16:creationId xmlns:a16="http://schemas.microsoft.com/office/drawing/2014/main" id="{2161B39D-5FDE-9EF8-626B-142B7C11C5EF}"/>
               </a:ext>
             </a:extLst>
           </p:cNvPr>
@@ -7621,7 +15841,7 @@
           <p:cNvPr id="21" name="Picture 18">
             <a:extLst>
               <a:ext uri="{FF2B5EF4-FFF2-40B4-BE49-F238E27FC236}">
-                <a16:creationId xmlns:a16="http://schemas.microsoft.com/office/drawing/2014/main" id="{8AB1C1B9-0E81-C697-607F-D0E95979067F}"/>
+                <a16:creationId xmlns:a16="http://schemas.microsoft.com/office/drawing/2014/main" id="{0209A593-459E-8023-E843-7126E72B95C9}"/>
               </a:ext>
             </a:extLst>
           </p:cNvPr>
@@ -7695,7 +15915,7 @@
           <p:cNvPr id="28" name="Rectangle 27">
             <a:extLst>
               <a:ext uri="{FF2B5EF4-FFF2-40B4-BE49-F238E27FC236}">
-                <a16:creationId xmlns:a16="http://schemas.microsoft.com/office/drawing/2014/main" id="{53702C7C-A248-30DE-A8B6-2D51D7135B2B}"/>
+                <a16:creationId xmlns:a16="http://schemas.microsoft.com/office/drawing/2014/main" id="{A8C0DAB5-D646-99F6-276A-070372D03C0C}"/>
               </a:ext>
             </a:extLst>
           </p:cNvPr>
@@ -7759,7 +15979,7 @@
           <p:cNvPr id="29" name="TextBox 28">
             <a:extLst>
               <a:ext uri="{FF2B5EF4-FFF2-40B4-BE49-F238E27FC236}">
-                <a16:creationId xmlns:a16="http://schemas.microsoft.com/office/drawing/2014/main" id="{A2189257-9B68-2446-DCC4-7ED06F81654C}"/>
+                <a16:creationId xmlns:a16="http://schemas.microsoft.com/office/drawing/2014/main" id="{1430C808-ACEE-57DA-DAB2-A82978440B6D}"/>
               </a:ext>
             </a:extLst>
           </p:cNvPr>
@@ -7796,7 +16016,7 @@
           <p:cNvPr id="30" name="TextBox 29">
             <a:extLst>
               <a:ext uri="{FF2B5EF4-FFF2-40B4-BE49-F238E27FC236}">
-                <a16:creationId xmlns:a16="http://schemas.microsoft.com/office/drawing/2014/main" id="{186C172C-7258-C0DE-B78D-4A9D2C4E4128}"/>
+                <a16:creationId xmlns:a16="http://schemas.microsoft.com/office/drawing/2014/main" id="{7D27BF34-BAE1-C6AF-BFC9-AA7AB97D8ED5}"/>
               </a:ext>
             </a:extLst>
           </p:cNvPr>
@@ -7864,7 +16084,7 @@
           <p:cNvPr id="31" name="TextBox 30">
             <a:extLst>
               <a:ext uri="{FF2B5EF4-FFF2-40B4-BE49-F238E27FC236}">
-                <a16:creationId xmlns:a16="http://schemas.microsoft.com/office/drawing/2014/main" id="{A6709270-07D2-7381-FC95-704A92077790}"/>
+                <a16:creationId xmlns:a16="http://schemas.microsoft.com/office/drawing/2014/main" id="{D0B214C0-6AFE-E53A-DA9E-9B30D4A692D3}"/>
               </a:ext>
             </a:extLst>
           </p:cNvPr>
@@ -7950,7 +16170,7 @@
           <p:cNvPr id="2" name="Text Box 5">
             <a:extLst>
               <a:ext uri="{FF2B5EF4-FFF2-40B4-BE49-F238E27FC236}">
-                <a16:creationId xmlns:a16="http://schemas.microsoft.com/office/drawing/2014/main" id="{C5D2C364-ECC1-62EC-38C0-9B6CB9EFC655}"/>
+                <a16:creationId xmlns:a16="http://schemas.microsoft.com/office/drawing/2014/main" id="{B0856A99-012E-7708-B6B4-354B980F6ABE}"/>
               </a:ext>
             </a:extLst>
           </p:cNvPr>
@@ -8370,7 +16590,7 @@
           <p:cNvPr id="3" name="Text Box 16">
             <a:extLst>
               <a:ext uri="{FF2B5EF4-FFF2-40B4-BE49-F238E27FC236}">
-                <a16:creationId xmlns:a16="http://schemas.microsoft.com/office/drawing/2014/main" id="{29054FE0-F317-CAF0-99EC-5A4E3BAE0BA6}"/>
+                <a16:creationId xmlns:a16="http://schemas.microsoft.com/office/drawing/2014/main" id="{18BD01B3-0531-C7EB-8C3B-738A15E06258}"/>
               </a:ext>
             </a:extLst>
           </p:cNvPr>
@@ -8782,7 +17002,7 @@
     </p:spTree>
     <p:extLst>
       <p:ext uri="{BB962C8B-B14F-4D97-AF65-F5344CB8AC3E}">
-        <p14:creationId xmlns:p14="http://schemas.microsoft.com/office/powerpoint/2010/main" val="281502508"/>
+        <p14:creationId xmlns:p14="http://schemas.microsoft.com/office/powerpoint/2010/main" val="1947324789"/>
       </p:ext>
     </p:extLst>
   </p:cSld>

--- a/Docs/Poster.pptx
+++ b/Docs/Poster.pptx
@@ -2488,7 +2488,7 @@
           <a:p>
             <a:fld id="{C764DE79-268F-4C1A-8933-263129D2AF90}" type="datetimeFigureOut">
               <a:rPr lang="en-US" dirty="0"/>
-              <a:t>3/14/2025</a:t>
+              <a:t>3/20/2025</a:t>
             </a:fld>
             <a:endParaRPr lang="en-US" dirty="0"/>
           </a:p>
@@ -2905,8 +2905,8 @@
         </p:nvSpPr>
         <p:spPr bwMode="auto">
           <a:xfrm>
-            <a:off x="352909" y="3644931"/>
-            <a:ext cx="8496000" cy="4609348"/>
+            <a:off x="352909" y="3454971"/>
+            <a:ext cx="8496000" cy="5348012"/>
           </a:xfrm>
           <a:prstGeom prst="rect">
             <a:avLst/>
@@ -3414,6 +3414,11 @@
               </a:rPr>
               <a:t>. </a:t>
             </a:r>
+            <a:endParaRPr lang="en-US" sz="2400" dirty="0">
+              <a:latin typeface="Arial Narrow" panose="020B0606020202030204" pitchFamily="34" charset="0"/>
+              <a:ea typeface="Cambria" panose="02040503050406030204" pitchFamily="18" charset="0"/>
+              <a:cs typeface="Times New Roman" panose="02020603050405020304" pitchFamily="18" charset="0"/>
+            </a:endParaRPr>
           </a:p>
           <a:p>
             <a:pPr>
@@ -3421,13 +3426,379 @@
               <a:buChar char="•"/>
             </a:pPr>
             <a:r>
+              <a:rPr kumimoji="0" lang="pt-PT" altLang="pt-PT" sz="2400" b="0" i="0" u="none" strike="noStrike" cap="none" normalizeH="0" baseline="0" dirty="0" err="1">
+                <a:ln>
+                  <a:noFill/>
+                </a:ln>
+                <a:solidFill>
+                  <a:schemeClr val="tx1"/>
+                </a:solidFill>
+                <a:effectLst/>
+                <a:latin typeface="Arial Narrow" panose="020B0606020202030204" pitchFamily="34" charset="0"/>
+              </a:rPr>
+              <a:t>This</a:t>
+            </a:r>
+            <a:r>
+              <a:rPr kumimoji="0" lang="pt-PT" altLang="pt-PT" sz="2400" b="0" i="0" u="none" strike="noStrike" cap="none" normalizeH="0" baseline="0" dirty="0">
+                <a:ln>
+                  <a:noFill/>
+                </a:ln>
+                <a:solidFill>
+                  <a:schemeClr val="tx1"/>
+                </a:solidFill>
+                <a:effectLst/>
+                <a:latin typeface="Arial Narrow" panose="020B0606020202030204" pitchFamily="34" charset="0"/>
+              </a:rPr>
+              <a:t> research </a:t>
+            </a:r>
+            <a:r>
+              <a:rPr kumimoji="0" lang="pt-PT" altLang="pt-PT" sz="2400" b="0" i="0" u="none" strike="noStrike" cap="none" normalizeH="0" baseline="0" dirty="0" err="1">
+                <a:ln>
+                  <a:noFill/>
+                </a:ln>
+                <a:solidFill>
+                  <a:schemeClr val="tx1"/>
+                </a:solidFill>
+                <a:effectLst/>
+                <a:latin typeface="Arial Narrow" panose="020B0606020202030204" pitchFamily="34" charset="0"/>
+              </a:rPr>
+              <a:t>focuses</a:t>
+            </a:r>
+            <a:r>
+              <a:rPr kumimoji="0" lang="pt-PT" altLang="pt-PT" sz="2400" b="0" i="0" u="none" strike="noStrike" cap="none" normalizeH="0" baseline="0" dirty="0">
+                <a:ln>
+                  <a:noFill/>
+                </a:ln>
+                <a:solidFill>
+                  <a:schemeClr val="tx1"/>
+                </a:solidFill>
+                <a:effectLst/>
+                <a:latin typeface="Arial Narrow" panose="020B0606020202030204" pitchFamily="34" charset="0"/>
+              </a:rPr>
+              <a:t> </a:t>
+            </a:r>
+            <a:r>
+              <a:rPr kumimoji="0" lang="pt-PT" altLang="pt-PT" sz="2400" b="0" i="0" u="none" strike="noStrike" cap="none" normalizeH="0" baseline="0" dirty="0" err="1">
+                <a:ln>
+                  <a:noFill/>
+                </a:ln>
+                <a:solidFill>
+                  <a:schemeClr val="tx1"/>
+                </a:solidFill>
+                <a:effectLst/>
+                <a:latin typeface="Arial Narrow" panose="020B0606020202030204" pitchFamily="34" charset="0"/>
+              </a:rPr>
+              <a:t>on</a:t>
+            </a:r>
+            <a:r>
+              <a:rPr kumimoji="0" lang="pt-PT" altLang="pt-PT" sz="2400" b="0" i="0" u="none" strike="noStrike" cap="none" normalizeH="0" baseline="0" dirty="0">
+                <a:ln>
+                  <a:noFill/>
+                </a:ln>
+                <a:solidFill>
+                  <a:schemeClr val="tx1"/>
+                </a:solidFill>
+                <a:effectLst/>
+                <a:latin typeface="Arial Narrow" panose="020B0606020202030204" pitchFamily="34" charset="0"/>
+              </a:rPr>
+              <a:t> </a:t>
+            </a:r>
+            <a:r>
+              <a:rPr kumimoji="0" lang="pt-PT" altLang="pt-PT" sz="2400" b="1" i="0" u="none" strike="noStrike" cap="none" normalizeH="0" baseline="0" dirty="0">
+                <a:ln>
+                  <a:noFill/>
+                </a:ln>
+                <a:solidFill>
+                  <a:schemeClr val="tx1"/>
+                </a:solidFill>
+                <a:effectLst/>
+                <a:latin typeface="Arial Narrow" panose="020B0606020202030204" pitchFamily="34" charset="0"/>
+              </a:rPr>
+              <a:t>Curriculum-</a:t>
+            </a:r>
+            <a:r>
+              <a:rPr kumimoji="0" lang="pt-PT" altLang="pt-PT" sz="2400" b="1" i="0" u="none" strike="noStrike" cap="none" normalizeH="0" baseline="0" dirty="0" err="1">
+                <a:ln>
+                  <a:noFill/>
+                </a:ln>
+                <a:solidFill>
+                  <a:schemeClr val="tx1"/>
+                </a:solidFill>
+                <a:effectLst/>
+                <a:latin typeface="Arial Narrow" panose="020B0606020202030204" pitchFamily="34" charset="0"/>
+              </a:rPr>
+              <a:t>Based</a:t>
+            </a:r>
+            <a:r>
+              <a:rPr kumimoji="0" lang="pt-PT" altLang="pt-PT" sz="2400" b="1" i="0" u="none" strike="noStrike" cap="none" normalizeH="0" baseline="0" dirty="0">
+                <a:ln>
+                  <a:noFill/>
+                </a:ln>
+                <a:solidFill>
+                  <a:schemeClr val="tx1"/>
+                </a:solidFill>
+                <a:effectLst/>
+                <a:latin typeface="Arial Narrow" panose="020B0606020202030204" pitchFamily="34" charset="0"/>
+              </a:rPr>
+              <a:t> </a:t>
+            </a:r>
+            <a:r>
+              <a:rPr kumimoji="0" lang="pt-PT" altLang="pt-PT" sz="2400" b="1" i="0" u="none" strike="noStrike" cap="none" normalizeH="0" baseline="0" dirty="0" err="1">
+                <a:ln>
+                  <a:noFill/>
+                </a:ln>
+                <a:solidFill>
+                  <a:schemeClr val="tx1"/>
+                </a:solidFill>
+                <a:effectLst/>
+                <a:latin typeface="Arial Narrow" panose="020B0606020202030204" pitchFamily="34" charset="0"/>
+              </a:rPr>
+              <a:t>Course</a:t>
+            </a:r>
+            <a:r>
+              <a:rPr kumimoji="0" lang="pt-PT" altLang="pt-PT" sz="2400" b="1" i="0" u="none" strike="noStrike" cap="none" normalizeH="0" baseline="0" dirty="0">
+                <a:ln>
+                  <a:noFill/>
+                </a:ln>
+                <a:solidFill>
+                  <a:schemeClr val="tx1"/>
+                </a:solidFill>
+                <a:effectLst/>
+                <a:latin typeface="Arial Narrow" panose="020B0606020202030204" pitchFamily="34" charset="0"/>
+              </a:rPr>
+              <a:t> </a:t>
+            </a:r>
+            <a:r>
+              <a:rPr kumimoji="0" lang="pt-PT" altLang="pt-PT" sz="2400" b="1" i="0" u="none" strike="noStrike" cap="none" normalizeH="0" baseline="0" dirty="0" err="1">
+                <a:ln>
+                  <a:noFill/>
+                </a:ln>
+                <a:solidFill>
+                  <a:schemeClr val="tx1"/>
+                </a:solidFill>
+                <a:effectLst/>
+                <a:latin typeface="Arial Narrow" panose="020B0606020202030204" pitchFamily="34" charset="0"/>
+              </a:rPr>
+              <a:t>Timetabling</a:t>
+            </a:r>
+            <a:r>
+              <a:rPr kumimoji="0" lang="pt-PT" altLang="pt-PT" sz="2400" b="0" i="0" u="none" strike="noStrike" cap="none" normalizeH="0" baseline="0" dirty="0">
+                <a:ln>
+                  <a:noFill/>
+                </a:ln>
+                <a:solidFill>
+                  <a:schemeClr val="tx1"/>
+                </a:solidFill>
+                <a:effectLst/>
+                <a:latin typeface="Arial Narrow" panose="020B0606020202030204" pitchFamily="34" charset="0"/>
+              </a:rPr>
+              <a:t> (CB-CTT), a </a:t>
+            </a:r>
+            <a:r>
+              <a:rPr kumimoji="0" lang="pt-PT" altLang="pt-PT" sz="2400" b="0" i="0" u="none" strike="noStrike" cap="none" normalizeH="0" baseline="0" dirty="0" err="1">
+                <a:ln>
+                  <a:noFill/>
+                </a:ln>
+                <a:solidFill>
+                  <a:schemeClr val="tx1"/>
+                </a:solidFill>
+                <a:effectLst/>
+                <a:latin typeface="Arial Narrow" panose="020B0606020202030204" pitchFamily="34" charset="0"/>
+              </a:rPr>
+              <a:t>variant</a:t>
+            </a:r>
+            <a:r>
+              <a:rPr kumimoji="0" lang="pt-PT" altLang="pt-PT" sz="2400" b="0" i="0" u="none" strike="noStrike" cap="none" normalizeH="0" baseline="0" dirty="0">
+                <a:ln>
+                  <a:noFill/>
+                </a:ln>
+                <a:solidFill>
+                  <a:schemeClr val="tx1"/>
+                </a:solidFill>
+                <a:effectLst/>
+                <a:latin typeface="Arial Narrow" panose="020B0606020202030204" pitchFamily="34" charset="0"/>
+              </a:rPr>
+              <a:t> </a:t>
+            </a:r>
+            <a:r>
+              <a:rPr kumimoji="0" lang="pt-PT" altLang="pt-PT" sz="2400" b="0" i="0" u="none" strike="noStrike" cap="none" normalizeH="0" baseline="0" dirty="0" err="1">
+                <a:ln>
+                  <a:noFill/>
+                </a:ln>
+                <a:solidFill>
+                  <a:schemeClr val="tx1"/>
+                </a:solidFill>
+                <a:effectLst/>
+                <a:latin typeface="Arial Narrow" panose="020B0606020202030204" pitchFamily="34" charset="0"/>
+              </a:rPr>
+              <a:t>of</a:t>
+            </a:r>
+            <a:r>
+              <a:rPr kumimoji="0" lang="pt-PT" altLang="pt-PT" sz="2400" b="0" i="0" u="none" strike="noStrike" cap="none" normalizeH="0" baseline="0" dirty="0">
+                <a:ln>
+                  <a:noFill/>
+                </a:ln>
+                <a:solidFill>
+                  <a:schemeClr val="tx1"/>
+                </a:solidFill>
+                <a:effectLst/>
+                <a:latin typeface="Arial Narrow" panose="020B0606020202030204" pitchFamily="34" charset="0"/>
+              </a:rPr>
+              <a:t> UCTTP </a:t>
+            </a:r>
+            <a:r>
+              <a:rPr kumimoji="0" lang="pt-PT" altLang="pt-PT" sz="2400" b="0" i="0" u="none" strike="noStrike" cap="none" normalizeH="0" baseline="0" dirty="0" err="1">
+                <a:ln>
+                  <a:noFill/>
+                </a:ln>
+                <a:solidFill>
+                  <a:schemeClr val="tx1"/>
+                </a:solidFill>
+                <a:effectLst/>
+                <a:latin typeface="Arial Narrow" panose="020B0606020202030204" pitchFamily="34" charset="0"/>
+              </a:rPr>
+              <a:t>that</a:t>
+            </a:r>
+            <a:r>
+              <a:rPr kumimoji="0" lang="pt-PT" altLang="pt-PT" sz="2400" b="0" i="0" u="none" strike="noStrike" cap="none" normalizeH="0" baseline="0" dirty="0">
+                <a:ln>
+                  <a:noFill/>
+                </a:ln>
+                <a:solidFill>
+                  <a:schemeClr val="tx1"/>
+                </a:solidFill>
+                <a:effectLst/>
+                <a:latin typeface="Arial Narrow" panose="020B0606020202030204" pitchFamily="34" charset="0"/>
+              </a:rPr>
+              <a:t> </a:t>
+            </a:r>
+            <a:r>
+              <a:rPr kumimoji="0" lang="pt-PT" altLang="pt-PT" sz="2400" b="0" i="0" u="none" strike="noStrike" cap="none" normalizeH="0" baseline="0" dirty="0" err="1">
+                <a:ln>
+                  <a:noFill/>
+                </a:ln>
+                <a:solidFill>
+                  <a:schemeClr val="tx1"/>
+                </a:solidFill>
+                <a:effectLst/>
+                <a:latin typeface="Arial Narrow" panose="020B0606020202030204" pitchFamily="34" charset="0"/>
+              </a:rPr>
+              <a:t>focuses</a:t>
+            </a:r>
+            <a:r>
+              <a:rPr kumimoji="0" lang="pt-PT" altLang="pt-PT" sz="2400" b="0" i="0" u="none" strike="noStrike" cap="none" normalizeH="0" baseline="0" dirty="0">
+                <a:ln>
+                  <a:noFill/>
+                </a:ln>
+                <a:solidFill>
+                  <a:schemeClr val="tx1"/>
+                </a:solidFill>
+                <a:effectLst/>
+                <a:latin typeface="Arial Narrow" panose="020B0606020202030204" pitchFamily="34" charset="0"/>
+              </a:rPr>
+              <a:t> </a:t>
+            </a:r>
+            <a:r>
+              <a:rPr kumimoji="0" lang="pt-PT" altLang="pt-PT" sz="2400" b="0" i="0" u="none" strike="noStrike" cap="none" normalizeH="0" baseline="0" dirty="0" err="1">
+                <a:ln>
+                  <a:noFill/>
+                </a:ln>
+                <a:solidFill>
+                  <a:schemeClr val="tx1"/>
+                </a:solidFill>
+                <a:effectLst/>
+                <a:latin typeface="Arial Narrow" panose="020B0606020202030204" pitchFamily="34" charset="0"/>
+              </a:rPr>
+              <a:t>on</a:t>
+            </a:r>
+            <a:r>
+              <a:rPr kumimoji="0" lang="pt-PT" altLang="pt-PT" sz="2400" b="0" i="0" u="none" strike="noStrike" cap="none" normalizeH="0" baseline="0" dirty="0">
+                <a:ln>
+                  <a:noFill/>
+                </a:ln>
+                <a:solidFill>
+                  <a:schemeClr val="tx1"/>
+                </a:solidFill>
+                <a:effectLst/>
+                <a:latin typeface="Arial Narrow" panose="020B0606020202030204" pitchFamily="34" charset="0"/>
+              </a:rPr>
+              <a:t> </a:t>
+            </a:r>
+            <a:r>
+              <a:rPr kumimoji="0" lang="pt-PT" altLang="pt-PT" sz="2400" b="0" i="0" u="none" strike="noStrike" cap="none" normalizeH="0" baseline="0" dirty="0" err="1">
+                <a:ln>
+                  <a:noFill/>
+                </a:ln>
+                <a:solidFill>
+                  <a:schemeClr val="tx1"/>
+                </a:solidFill>
+                <a:effectLst/>
+                <a:latin typeface="Arial Narrow" panose="020B0606020202030204" pitchFamily="34" charset="0"/>
+              </a:rPr>
+              <a:t>course</a:t>
+            </a:r>
+            <a:r>
+              <a:rPr kumimoji="0" lang="pt-PT" altLang="pt-PT" sz="2400" b="0" i="0" u="none" strike="noStrike" cap="none" normalizeH="0" baseline="0" dirty="0">
+                <a:ln>
+                  <a:noFill/>
+                </a:ln>
+                <a:solidFill>
+                  <a:schemeClr val="tx1"/>
+                </a:solidFill>
+                <a:effectLst/>
+                <a:latin typeface="Arial Narrow" panose="020B0606020202030204" pitchFamily="34" charset="0"/>
+              </a:rPr>
+              <a:t> </a:t>
+            </a:r>
+            <a:r>
+              <a:rPr kumimoji="0" lang="pt-PT" altLang="pt-PT" sz="2400" b="0" i="0" u="none" strike="noStrike" cap="none" normalizeH="0" baseline="0" dirty="0" err="1">
+                <a:ln>
+                  <a:noFill/>
+                </a:ln>
+                <a:solidFill>
+                  <a:schemeClr val="tx1"/>
+                </a:solidFill>
+                <a:effectLst/>
+                <a:latin typeface="Arial Narrow" panose="020B0606020202030204" pitchFamily="34" charset="0"/>
+              </a:rPr>
+              <a:t>scheduling</a:t>
+            </a:r>
+            <a:r>
+              <a:rPr kumimoji="0" lang="pt-PT" altLang="pt-PT" sz="2400" b="0" i="0" u="none" strike="noStrike" cap="none" normalizeH="0" baseline="0" dirty="0">
+                <a:ln>
+                  <a:noFill/>
+                </a:ln>
+                <a:solidFill>
+                  <a:schemeClr val="tx1"/>
+                </a:solidFill>
+                <a:effectLst/>
+                <a:latin typeface="Arial Narrow" panose="020B0606020202030204" pitchFamily="34" charset="0"/>
+              </a:rPr>
+              <a:t>.</a:t>
+            </a:r>
+          </a:p>
+          <a:p>
+            <a:pPr>
+              <a:buFont typeface="Arial" panose="020B0604020202020204" pitchFamily="34" charset="0"/>
+              <a:buChar char="•"/>
+            </a:pPr>
+            <a:r>
+              <a:rPr lang="en-US" sz="2400" b="1" dirty="0">
+                <a:effectLst/>
+                <a:latin typeface="Arial Narrow" panose="020B0606020202030204" pitchFamily="34" charset="0"/>
+                <a:ea typeface="Cambria" panose="02040503050406030204" pitchFamily="18" charset="0"/>
+                <a:cs typeface="Times New Roman" panose="02020603050405020304" pitchFamily="18" charset="0"/>
+              </a:rPr>
+              <a:t>FCUP’s timetabling building process</a:t>
+            </a:r>
+            <a:r>
               <a:rPr lang="en-US" sz="2400" dirty="0">
                 <a:effectLst/>
                 <a:latin typeface="Arial Narrow" panose="020B0606020202030204" pitchFamily="34" charset="0"/>
                 <a:ea typeface="Cambria" panose="02040503050406030204" pitchFamily="18" charset="0"/>
                 <a:cs typeface="Times New Roman" panose="02020603050405020304" pitchFamily="18" charset="0"/>
               </a:rPr>
-              <a:t>FCUP’s timetabling building process is </a:t>
+              <a:t> is </a:t>
             </a:r>
             <a:r>
               <a:rPr lang="en-US" sz="2400" u="sng" dirty="0">
@@ -3873,7 +4244,7 @@
         </p:nvSpPr>
         <p:spPr bwMode="auto">
           <a:xfrm>
-            <a:off x="153285" y="15612588"/>
+            <a:off x="153285" y="16128379"/>
             <a:ext cx="8820000" cy="587799"/>
           </a:xfrm>
           <a:prstGeom prst="rect">
@@ -4311,7 +4682,7 @@
         </p:nvSpPr>
         <p:spPr bwMode="auto">
           <a:xfrm>
-            <a:off x="9073457" y="8639547"/>
+            <a:off x="9073457" y="8495531"/>
             <a:ext cx="8820000" cy="587799"/>
           </a:xfrm>
           <a:prstGeom prst="rect">
@@ -4731,7 +5102,7 @@
         </p:nvSpPr>
         <p:spPr bwMode="auto">
           <a:xfrm>
-            <a:off x="9034260" y="16848459"/>
+            <a:off x="9034260" y="16980740"/>
             <a:ext cx="8820000" cy="587799"/>
           </a:xfrm>
           <a:prstGeom prst="rect">
@@ -5151,7 +5522,7 @@
         </p:nvSpPr>
         <p:spPr bwMode="auto">
           <a:xfrm>
-            <a:off x="153285" y="3094931"/>
+            <a:off x="153285" y="2950915"/>
             <a:ext cx="8820000" cy="587799"/>
           </a:xfrm>
           <a:prstGeom prst="rect">
@@ -5589,7 +5960,7 @@
         </p:nvSpPr>
         <p:spPr bwMode="auto">
           <a:xfrm>
-            <a:off x="201323" y="16155934"/>
+            <a:off x="201323" y="16704443"/>
             <a:ext cx="8424000" cy="2393357"/>
           </a:xfrm>
           <a:prstGeom prst="rect">
@@ -6099,7 +6470,7 @@
         </p:nvSpPr>
         <p:spPr bwMode="auto">
           <a:xfrm>
-            <a:off x="153285" y="18636924"/>
+            <a:off x="153285" y="19080707"/>
             <a:ext cx="8820000" cy="587799"/>
           </a:xfrm>
           <a:prstGeom prst="rect">
@@ -6537,7 +6908,7 @@
         </p:nvSpPr>
         <p:spPr bwMode="auto">
           <a:xfrm>
-            <a:off x="226701" y="19170463"/>
+            <a:off x="226701" y="19656771"/>
             <a:ext cx="8496000" cy="3870684"/>
           </a:xfrm>
           <a:prstGeom prst="rect">
@@ -7053,7 +7424,7 @@
               <a:rPr lang="en-US" sz="2400" dirty="0">
                 <a:latin typeface="Arial Narrow" panose="020B0606020202030204" pitchFamily="34" charset="0"/>
               </a:rPr>
-              <a:t>has not been explored in the context of UCTTP, and this is the </a:t>
+              <a:t>has not been explored in the context of CB-CTT, and this is the </a:t>
             </a:r>
             <a:r>
               <a:rPr lang="en-US" sz="2400" b="1" dirty="0">
@@ -7089,7 +7460,7 @@
         </p:nvSpPr>
         <p:spPr bwMode="auto">
           <a:xfrm>
-            <a:off x="9187589" y="17352515"/>
+            <a:off x="9187589" y="17496531"/>
             <a:ext cx="8460000" cy="6025120"/>
           </a:xfrm>
           <a:prstGeom prst="rect">
@@ -7730,8 +8101,8 @@
         </p:nvSpPr>
         <p:spPr bwMode="auto">
           <a:xfrm>
-            <a:off x="9073457" y="9145094"/>
-            <a:ext cx="8496000" cy="1654693"/>
+            <a:off x="9073457" y="8959262"/>
+            <a:ext cx="8496000" cy="5224901"/>
           </a:xfrm>
           <a:prstGeom prst="rect">
             <a:avLst/>
@@ -8091,52 +8462,516 @@
             </a:lvl9pPr>
           </a:lstStyle>
           <a:p>
-            <a:pPr>
+            <a:pPr marL="0" indent="0"/>
+            <a:r>
+              <a:rPr kumimoji="0" lang="pt-PT" altLang="pt-PT" sz="2400" b="1" i="0" u="none" strike="noStrike" cap="none" normalizeH="0" baseline="0" dirty="0">
+                <a:ln>
+                  <a:noFill/>
+                </a:ln>
+                <a:solidFill>
+                  <a:schemeClr val="tx1"/>
+                </a:solidFill>
+                <a:effectLst/>
+                <a:latin typeface="Arial Narrow" panose="020B0606020202030204" pitchFamily="34" charset="0"/>
+              </a:rPr>
+              <a:t>Tests setup:</a:t>
+            </a:r>
+            <a:endParaRPr kumimoji="0" lang="en-US" altLang="pt-PT" sz="2400" b="1" i="0" u="none" strike="noStrike" cap="none" normalizeH="0" baseline="0" dirty="0">
+              <a:ln>
+                <a:noFill/>
+              </a:ln>
+              <a:solidFill>
+                <a:schemeClr val="tx1"/>
+              </a:solidFill>
+              <a:effectLst/>
+              <a:latin typeface="Arial Narrow" panose="020B0606020202030204" pitchFamily="34" charset="0"/>
+            </a:endParaRPr>
+          </a:p>
+          <a:p>
+            <a:pPr marL="342900" indent="-342900">
               <a:buFont typeface="Arial" panose="020B0604020202020204" pitchFamily="34" charset="0"/>
               <a:buChar char="•"/>
             </a:pPr>
             <a:r>
-              <a:rPr lang="en-US" altLang="en-US" sz="2400" dirty="0">
+              <a:rPr lang="en-US" sz="2400" dirty="0">
                 <a:latin typeface="Arial Narrow" panose="020B0606020202030204" pitchFamily="34" charset="0"/>
               </a:rPr>
-              <a:t>Show some results</a:t>
-            </a:r>
+              <a:t>Tested </a:t>
+            </a:r>
+            <a:r>
+              <a:rPr lang="en-US" sz="2400" b="1" dirty="0">
+                <a:latin typeface="Arial Narrow" panose="020B0606020202030204" pitchFamily="34" charset="0"/>
+              </a:rPr>
+              <a:t>C</a:t>
+            </a:r>
+            <a:r>
+              <a:rPr lang="en-US" sz="2400" dirty="0">
+                <a:latin typeface="Arial Narrow" panose="020B0606020202030204" pitchFamily="34" charset="0"/>
+              </a:rPr>
+              <a:t> values (UCT formula) ranging from</a:t>
+            </a:r>
+            <a:r>
+              <a:rPr lang="en-US" sz="2400" b="1" dirty="0">
+                <a:latin typeface="Arial Narrow" panose="020B0606020202030204" pitchFamily="34" charset="0"/>
+              </a:rPr>
+              <a:t> 0.1 </a:t>
+            </a:r>
+            <a:r>
+              <a:rPr lang="en-US" sz="2400" dirty="0">
+                <a:latin typeface="Arial Narrow" panose="020B0606020202030204" pitchFamily="34" charset="0"/>
+              </a:rPr>
+              <a:t>to </a:t>
+            </a:r>
+            <a:r>
+              <a:rPr lang="en-US" sz="2400" b="1" dirty="0">
+                <a:latin typeface="Arial Narrow" panose="020B0606020202030204" pitchFamily="34" charset="0"/>
+              </a:rPr>
+              <a:t>1000</a:t>
+            </a:r>
+            <a:r>
+              <a:rPr lang="en-US" sz="2400" dirty="0">
+                <a:latin typeface="Arial Narrow" panose="020B0606020202030204" pitchFamily="34" charset="0"/>
+              </a:rPr>
+              <a:t>.</a:t>
+            </a:r>
+          </a:p>
+          <a:p>
+            <a:pPr marL="342900" indent="-342900">
+              <a:buFont typeface="Arial" panose="020B0604020202020204" pitchFamily="34" charset="0"/>
+              <a:buChar char="•"/>
+            </a:pPr>
+            <a:r>
+              <a:rPr lang="en-US" sz="2400" dirty="0">
+                <a:latin typeface="Arial Narrow" panose="020B0606020202030204" pitchFamily="34" charset="0"/>
+              </a:rPr>
+              <a:t>Evaluated </a:t>
+            </a:r>
+            <a:r>
+              <a:rPr lang="en-US" sz="2400" b="1" dirty="0">
+                <a:latin typeface="Arial Narrow" panose="020B0606020202030204" pitchFamily="34" charset="0"/>
+              </a:rPr>
+              <a:t>alternative UCT formula </a:t>
+            </a:r>
+            <a:r>
+              <a:rPr lang="en-US" sz="2400" dirty="0">
+                <a:latin typeface="Arial Narrow" panose="020B0606020202030204" pitchFamily="34" charset="0"/>
+              </a:rPr>
+              <a:t>(modified exploitation term) with accumulated reward.</a:t>
+            </a:r>
+          </a:p>
+          <a:p>
+            <a:pPr marL="342900" indent="-342900">
+              <a:buFont typeface="Arial" panose="020B0604020202020204" pitchFamily="34" charset="0"/>
+              <a:buChar char="•"/>
+            </a:pPr>
+            <a:endParaRPr lang="en-US" sz="700" dirty="0">
+              <a:latin typeface="Arial Narrow" panose="020B0606020202030204" pitchFamily="34" charset="0"/>
+            </a:endParaRPr>
+          </a:p>
+          <a:p>
+            <a:pPr marL="0" indent="0"/>
+            <a:r>
+              <a:rPr kumimoji="0" lang="pt-PT" altLang="pt-PT" sz="2400" b="1" i="0" u="none" strike="noStrike" cap="none" normalizeH="0" baseline="0" dirty="0">
+                <a:ln>
+                  <a:noFill/>
+                </a:ln>
+                <a:solidFill>
+                  <a:schemeClr val="tx1"/>
+                </a:solidFill>
+                <a:effectLst/>
+                <a:latin typeface="Arial Narrow" panose="020B0606020202030204" pitchFamily="34" charset="0"/>
+              </a:rPr>
+              <a:t>Testing procedure:</a:t>
+            </a:r>
+            <a:endParaRPr lang="pt-PT" altLang="pt-PT" sz="2400" dirty="0">
+              <a:solidFill>
+                <a:schemeClr val="tx1"/>
+              </a:solidFill>
+              <a:latin typeface="Arial Narrow" panose="020B0606020202030204" pitchFamily="34" charset="0"/>
+            </a:endParaRPr>
+          </a:p>
+          <a:p>
+            <a:pPr marL="342900" marR="0" lvl="0" indent="-342900" algn="l" defTabSz="914400" rtl="0" eaLnBrk="0" fontAlgn="base" latinLnBrk="0" hangingPunct="0">
+              <a:lnSpc>
+                <a:spcPct val="100000"/>
+              </a:lnSpc>
+              <a:spcBef>
+                <a:spcPct val="0"/>
+              </a:spcBef>
+              <a:spcAft>
+                <a:spcPct val="0"/>
+              </a:spcAft>
+              <a:buClrTx/>
+              <a:buSzTx/>
+              <a:buFont typeface="Arial" panose="020B0604020202020204" pitchFamily="34" charset="0"/>
+              <a:buChar char="•"/>
+              <a:tabLst/>
+            </a:pPr>
+            <a:r>
+              <a:rPr kumimoji="0" lang="pt-PT" altLang="pt-PT" sz="2400" b="1" i="0" u="none" strike="noStrike" cap="none" normalizeH="0" baseline="0" dirty="0">
+                <a:ln>
+                  <a:noFill/>
+                </a:ln>
+                <a:solidFill>
+                  <a:schemeClr val="tx1"/>
+                </a:solidFill>
+                <a:effectLst/>
+                <a:latin typeface="Arial Narrow" panose="020B0606020202030204" pitchFamily="34" charset="0"/>
+              </a:rPr>
+              <a:t>Without seed (1-hour runs):</a:t>
+            </a:r>
+            <a:r>
+              <a:rPr kumimoji="0" lang="pt-PT" altLang="pt-PT" sz="2400" b="0" i="0" u="none" strike="noStrike" cap="none" normalizeH="0" baseline="0" dirty="0">
+                <a:ln>
+                  <a:noFill/>
+                </a:ln>
+                <a:solidFill>
+                  <a:schemeClr val="tx1"/>
+                </a:solidFill>
+                <a:effectLst/>
+                <a:latin typeface="Arial Narrow" panose="020B0606020202030204" pitchFamily="34" charset="0"/>
+              </a:rPr>
+              <a:t> Algorithm runs for 1 hour with no fixed seed </a:t>
+            </a:r>
+            <a:r>
+              <a:rPr lang="en-US" sz="2400" dirty="0">
+                <a:latin typeface="Arial Narrow" panose="020B0606020202030204" pitchFamily="34" charset="0"/>
+              </a:rPr>
+              <a:t>to assess its ability </a:t>
+            </a:r>
+            <a:r>
+              <a:rPr kumimoji="0" lang="pt-PT" altLang="pt-PT" sz="2400" b="0" i="0" u="none" strike="noStrike" cap="none" normalizeH="0" baseline="0" dirty="0">
+                <a:ln>
+                  <a:noFill/>
+                </a:ln>
+                <a:solidFill>
+                  <a:schemeClr val="tx1"/>
+                </a:solidFill>
+                <a:effectLst/>
+                <a:latin typeface="Arial Narrow" panose="020B0606020202030204" pitchFamily="34" charset="0"/>
+              </a:rPr>
+              <a:t>to </a:t>
+            </a:r>
+            <a:r>
+              <a:rPr kumimoji="0" lang="pt-PT" altLang="pt-PT" sz="2400" b="0" i="0" u="none" strike="noStrike" cap="none" normalizeH="0" baseline="0" dirty="0" err="1">
+                <a:ln>
+                  <a:noFill/>
+                </a:ln>
+                <a:solidFill>
+                  <a:schemeClr val="tx1"/>
+                </a:solidFill>
+                <a:effectLst/>
+                <a:latin typeface="Arial Narrow" panose="020B0606020202030204" pitchFamily="34" charset="0"/>
+              </a:rPr>
+              <a:t>evaluate</a:t>
+            </a:r>
+            <a:r>
+              <a:rPr kumimoji="0" lang="pt-PT" altLang="pt-PT" sz="2400" b="0" i="0" u="none" strike="noStrike" cap="none" normalizeH="0" baseline="0" dirty="0">
+                <a:ln>
+                  <a:noFill/>
+                </a:ln>
+                <a:solidFill>
+                  <a:schemeClr val="tx1"/>
+                </a:solidFill>
+                <a:effectLst/>
+                <a:latin typeface="Arial Narrow" panose="020B0606020202030204" pitchFamily="34" charset="0"/>
+              </a:rPr>
+              <a:t> </a:t>
+            </a:r>
+            <a:r>
+              <a:rPr kumimoji="0" lang="pt-PT" altLang="pt-PT" sz="2400" b="0" i="0" u="none" strike="noStrike" cap="none" normalizeH="0" baseline="0" dirty="0" err="1">
+                <a:ln>
+                  <a:noFill/>
+                </a:ln>
+                <a:solidFill>
+                  <a:schemeClr val="tx1"/>
+                </a:solidFill>
+                <a:effectLst/>
+                <a:latin typeface="Arial Narrow" panose="020B0606020202030204" pitchFamily="34" charset="0"/>
+              </a:rPr>
+              <a:t>its</a:t>
+            </a:r>
+            <a:r>
+              <a:rPr kumimoji="0" lang="pt-PT" altLang="pt-PT" sz="2400" b="0" i="0" u="none" strike="noStrike" cap="none" normalizeH="0" baseline="0" dirty="0">
+                <a:ln>
+                  <a:noFill/>
+                </a:ln>
+                <a:solidFill>
+                  <a:schemeClr val="tx1"/>
+                </a:solidFill>
+                <a:effectLst/>
+                <a:latin typeface="Arial Narrow" panose="020B0606020202030204" pitchFamily="34" charset="0"/>
+              </a:rPr>
+              <a:t> </a:t>
+            </a:r>
+            <a:r>
+              <a:rPr kumimoji="0" lang="pt-PT" altLang="pt-PT" sz="2400" b="0" i="0" u="none" strike="noStrike" cap="none" normalizeH="0" baseline="0" dirty="0" err="1">
+                <a:ln>
+                  <a:noFill/>
+                </a:ln>
+                <a:solidFill>
+                  <a:schemeClr val="tx1"/>
+                </a:solidFill>
+                <a:effectLst/>
+                <a:latin typeface="Arial Narrow" panose="020B0606020202030204" pitchFamily="34" charset="0"/>
+              </a:rPr>
+              <a:t>capacity</a:t>
+            </a:r>
+            <a:r>
+              <a:rPr kumimoji="0" lang="pt-PT" altLang="pt-PT" sz="2400" b="0" i="0" u="none" strike="noStrike" cap="none" normalizeH="0" baseline="0" dirty="0">
+                <a:ln>
+                  <a:noFill/>
+                </a:ln>
+                <a:solidFill>
+                  <a:schemeClr val="tx1"/>
+                </a:solidFill>
+                <a:effectLst/>
+                <a:latin typeface="Arial Narrow" panose="020B0606020202030204" pitchFamily="34" charset="0"/>
+              </a:rPr>
+              <a:t> to converge to </a:t>
+            </a:r>
+            <a:r>
+              <a:rPr kumimoji="0" lang="pt-PT" altLang="pt-PT" sz="2400" b="0" i="0" u="none" strike="noStrike" cap="none" normalizeH="0" baseline="0" dirty="0" err="1">
+                <a:ln>
+                  <a:noFill/>
+                </a:ln>
+                <a:solidFill>
+                  <a:schemeClr val="tx1"/>
+                </a:solidFill>
+                <a:effectLst/>
+                <a:latin typeface="Arial Narrow" panose="020B0606020202030204" pitchFamily="34" charset="0"/>
+              </a:rPr>
+              <a:t>high-quality</a:t>
+            </a:r>
+            <a:r>
+              <a:rPr kumimoji="0" lang="pt-PT" altLang="pt-PT" sz="2400" b="0" i="0" u="none" strike="noStrike" cap="none" normalizeH="0" baseline="0" dirty="0">
+                <a:ln>
+                  <a:noFill/>
+                </a:ln>
+                <a:solidFill>
+                  <a:schemeClr val="tx1"/>
+                </a:solidFill>
+                <a:effectLst/>
+                <a:latin typeface="Arial Narrow" panose="020B0606020202030204" pitchFamily="34" charset="0"/>
+              </a:rPr>
+              <a:t> </a:t>
+            </a:r>
+            <a:r>
+              <a:rPr kumimoji="0" lang="pt-PT" altLang="pt-PT" sz="2400" b="0" i="0" u="none" strike="noStrike" cap="none" normalizeH="0" baseline="0" dirty="0" err="1">
+                <a:ln>
+                  <a:noFill/>
+                </a:ln>
+                <a:solidFill>
+                  <a:schemeClr val="tx1"/>
+                </a:solidFill>
+                <a:effectLst/>
+                <a:latin typeface="Arial Narrow" panose="020B0606020202030204" pitchFamily="34" charset="0"/>
+              </a:rPr>
+              <a:t>solutions</a:t>
+            </a:r>
+            <a:r>
+              <a:rPr kumimoji="0" lang="pt-PT" altLang="pt-PT" sz="2400" b="0" i="0" u="none" strike="noStrike" cap="none" normalizeH="0" baseline="0" dirty="0">
+                <a:ln>
+                  <a:noFill/>
+                </a:ln>
+                <a:solidFill>
+                  <a:schemeClr val="tx1"/>
+                </a:solidFill>
+                <a:effectLst/>
+                <a:latin typeface="Arial Narrow" panose="020B0606020202030204" pitchFamily="34" charset="0"/>
+              </a:rPr>
+              <a:t> with </a:t>
+            </a:r>
+            <a:r>
+              <a:rPr kumimoji="0" lang="pt-PT" altLang="pt-PT" sz="2400" b="0" i="0" u="none" strike="noStrike" cap="none" normalizeH="0" baseline="0" dirty="0" err="1">
+                <a:ln>
+                  <a:noFill/>
+                </a:ln>
+                <a:solidFill>
+                  <a:schemeClr val="tx1"/>
+                </a:solidFill>
+                <a:effectLst/>
+                <a:latin typeface="Arial Narrow" panose="020B0606020202030204" pitchFamily="34" charset="0"/>
+              </a:rPr>
+              <a:t>sufficient</a:t>
+            </a:r>
+            <a:r>
+              <a:rPr kumimoji="0" lang="pt-PT" altLang="pt-PT" sz="2400" b="0" i="0" u="none" strike="noStrike" cap="none" normalizeH="0" baseline="0" dirty="0">
+                <a:ln>
+                  <a:noFill/>
+                </a:ln>
+                <a:solidFill>
+                  <a:schemeClr val="tx1"/>
+                </a:solidFill>
+                <a:effectLst/>
+                <a:latin typeface="Arial Narrow" panose="020B0606020202030204" pitchFamily="34" charset="0"/>
+              </a:rPr>
+              <a:t> </a:t>
+            </a:r>
+            <a:r>
+              <a:rPr kumimoji="0" lang="pt-PT" altLang="pt-PT" sz="2400" b="0" i="0" u="none" strike="noStrike" cap="none" normalizeH="0" baseline="0" dirty="0" err="1">
+                <a:ln>
+                  <a:noFill/>
+                </a:ln>
+                <a:solidFill>
+                  <a:schemeClr val="tx1"/>
+                </a:solidFill>
+                <a:effectLst/>
+                <a:latin typeface="Arial Narrow" panose="020B0606020202030204" pitchFamily="34" charset="0"/>
+              </a:rPr>
+              <a:t>runtime</a:t>
+            </a:r>
+            <a:r>
+              <a:rPr kumimoji="0" lang="pt-PT" altLang="pt-PT" sz="2400" b="0" i="0" u="none" strike="noStrike" cap="none" normalizeH="0" baseline="0" dirty="0">
+                <a:ln>
+                  <a:noFill/>
+                </a:ln>
+                <a:solidFill>
+                  <a:schemeClr val="tx1"/>
+                </a:solidFill>
+                <a:effectLst/>
+                <a:latin typeface="Arial Narrow" panose="020B0606020202030204" pitchFamily="34" charset="0"/>
+              </a:rPr>
+              <a:t>.</a:t>
+            </a:r>
+          </a:p>
+          <a:p>
+            <a:pPr marL="342900" indent="-342900">
+              <a:buFont typeface="Arial" panose="020B0604020202020204" pitchFamily="34" charset="0"/>
+              <a:buChar char="•"/>
+            </a:pPr>
+            <a:r>
+              <a:rPr kumimoji="0" lang="pt-PT" altLang="pt-PT" sz="2400" b="1" i="0" u="none" strike="noStrike" cap="none" normalizeH="0" baseline="0" dirty="0">
+                <a:ln>
+                  <a:noFill/>
+                </a:ln>
+                <a:solidFill>
+                  <a:schemeClr val="tx1"/>
+                </a:solidFill>
+                <a:effectLst/>
+                <a:latin typeface="Arial Narrow" panose="020B0606020202030204" pitchFamily="34" charset="0"/>
+              </a:rPr>
+              <a:t>With </a:t>
+            </a:r>
+            <a:r>
+              <a:rPr lang="pt-PT" altLang="pt-PT" sz="2400" b="1" dirty="0">
+                <a:solidFill>
+                  <a:schemeClr val="tx1"/>
+                </a:solidFill>
+                <a:latin typeface="Arial Narrow" panose="020B0606020202030204" pitchFamily="34" charset="0"/>
+              </a:rPr>
+              <a:t>f</a:t>
+            </a:r>
+            <a:r>
+              <a:rPr kumimoji="0" lang="pt-PT" altLang="pt-PT" sz="2400" b="1" i="0" u="none" strike="noStrike" cap="none" normalizeH="0" baseline="0" dirty="0">
+                <a:ln>
+                  <a:noFill/>
+                </a:ln>
+                <a:solidFill>
+                  <a:schemeClr val="tx1"/>
+                </a:solidFill>
+                <a:effectLst/>
+                <a:latin typeface="Arial Narrow" panose="020B0606020202030204" pitchFamily="34" charset="0"/>
+              </a:rPr>
+              <a:t>ixed seeds (10-minute runs):</a:t>
+            </a:r>
+            <a:r>
+              <a:rPr kumimoji="0" lang="pt-PT" altLang="pt-PT" sz="2400" b="0" i="0" u="none" strike="noStrike" cap="none" normalizeH="0" baseline="0" dirty="0">
+                <a:ln>
+                  <a:noFill/>
+                </a:ln>
+                <a:solidFill>
+                  <a:schemeClr val="tx1"/>
+                </a:solidFill>
+                <a:effectLst/>
+                <a:latin typeface="Arial Narrow" panose="020B0606020202030204" pitchFamily="34" charset="0"/>
+              </a:rPr>
+              <a:t> Algorithm runs for 10 minutes using 10 different seeds for reproducibility and consistency.</a:t>
+            </a:r>
+          </a:p>
+          <a:p>
+            <a:pPr marL="342900" indent="-342900">
+              <a:buFont typeface="Arial" panose="020B0604020202020204" pitchFamily="34" charset="0"/>
+              <a:buChar char="•"/>
+            </a:pPr>
+            <a:endParaRPr kumimoji="0" lang="pt-PT" altLang="pt-PT" sz="700" b="0" i="0" u="none" strike="noStrike" cap="none" normalizeH="0" baseline="0" dirty="0">
+              <a:ln>
+                <a:noFill/>
+              </a:ln>
+              <a:solidFill>
+                <a:schemeClr val="tx1"/>
+              </a:solidFill>
+              <a:effectLst/>
+              <a:latin typeface="Arial Narrow" panose="020B0606020202030204" pitchFamily="34" charset="0"/>
+            </a:endParaRPr>
+          </a:p>
+          <a:p>
+            <a:pPr marL="0" indent="0"/>
+            <a:r>
+              <a:rPr lang="pt-PT" altLang="pt-PT" sz="2400" dirty="0" err="1">
+                <a:solidFill>
+                  <a:schemeClr val="tx1"/>
+                </a:solidFill>
+                <a:latin typeface="Arial Narrow" panose="020B0606020202030204" pitchFamily="34" charset="0"/>
+              </a:rPr>
+              <a:t>Results</a:t>
+            </a:r>
+            <a:r>
+              <a:rPr lang="pt-PT" altLang="pt-PT" sz="2400" dirty="0">
+                <a:solidFill>
+                  <a:schemeClr val="tx1"/>
+                </a:solidFill>
+                <a:latin typeface="Arial Narrow" panose="020B0606020202030204" pitchFamily="34" charset="0"/>
+              </a:rPr>
+              <a:t> (…) Figure 3 (…)</a:t>
+            </a:r>
+            <a:endParaRPr kumimoji="0" lang="pt-PT" altLang="pt-PT" sz="2400" b="0" i="0" u="none" strike="noStrike" cap="none" normalizeH="0" baseline="0" dirty="0">
+              <a:ln>
+                <a:noFill/>
+              </a:ln>
+              <a:solidFill>
+                <a:schemeClr val="tx1"/>
+              </a:solidFill>
+              <a:effectLst/>
+              <a:latin typeface="Arial Narrow" panose="020B0606020202030204" pitchFamily="34" charset="0"/>
+            </a:endParaRPr>
+          </a:p>
+          <a:p>
+            <a:pPr marL="0" marR="0" lvl="0" indent="0" algn="l" defTabSz="914400" rtl="0" eaLnBrk="0" fontAlgn="base" latinLnBrk="0" hangingPunct="0">
+              <a:lnSpc>
+                <a:spcPct val="100000"/>
+              </a:lnSpc>
+              <a:spcBef>
+                <a:spcPct val="0"/>
+              </a:spcBef>
+              <a:spcAft>
+                <a:spcPct val="0"/>
+              </a:spcAft>
+              <a:buClrTx/>
+              <a:buSzTx/>
+              <a:buFontTx/>
+              <a:buNone/>
+              <a:tabLst/>
+            </a:pPr>
+            <a:endParaRPr kumimoji="0" lang="pt-PT" altLang="pt-PT" sz="2400" b="0" i="0" u="none" strike="noStrike" cap="none" normalizeH="0" baseline="0" dirty="0">
+              <a:ln>
+                <a:noFill/>
+              </a:ln>
+              <a:solidFill>
+                <a:schemeClr val="tx1"/>
+              </a:solidFill>
+              <a:effectLst/>
+              <a:latin typeface="Arial Narrow" panose="020B0606020202030204" pitchFamily="34" charset="0"/>
+            </a:endParaRPr>
           </a:p>
           <a:p>
             <a:pPr>
               <a:buFont typeface="Arial" panose="020B0604020202020204" pitchFamily="34" charset="0"/>
               <a:buChar char="•"/>
             </a:pPr>
-            <a:r>
-              <a:rPr lang="en-US" altLang="en-US" sz="2400" dirty="0">
-                <a:latin typeface="Arial Narrow" panose="020B0606020202030204" pitchFamily="34" charset="0"/>
-              </a:rPr>
-              <a:t>Focus on what is more promising</a:t>
-            </a:r>
-          </a:p>
-          <a:p>
-            <a:pPr>
-              <a:buFont typeface="Arial" panose="020B0604020202020204" pitchFamily="34" charset="0"/>
-              <a:buChar char="•"/>
-            </a:pPr>
-            <a:r>
-              <a:rPr lang="en-US" altLang="en-US" sz="2400" dirty="0">
-                <a:latin typeface="Arial Narrow" panose="020B0606020202030204" pitchFamily="34" charset="0"/>
-              </a:rPr>
-              <a:t>Show plots, visualizations, diagrams</a:t>
-            </a:r>
-          </a:p>
-          <a:p>
-            <a:pPr>
-              <a:buFont typeface="Arial" panose="020B0604020202020204" pitchFamily="34" charset="0"/>
-              <a:buChar char="•"/>
-            </a:pPr>
-            <a:r>
-              <a:rPr lang="en-US" altLang="en-US" sz="2400" dirty="0">
-                <a:latin typeface="Arial Narrow" panose="020B0606020202030204" pitchFamily="34" charset="0"/>
-              </a:rPr>
-              <a:t>What are your expectations for the next developments?</a:t>
-            </a:r>
+            <a:endParaRPr lang="en-US" sz="2400" dirty="0">
+              <a:latin typeface="Arial Narrow" panose="020B0606020202030204" pitchFamily="34" charset="0"/>
+            </a:endParaRPr>
           </a:p>
         </p:txBody>
       </p:sp>
@@ -8403,7 +9238,7 @@
         </p:nvSpPr>
         <p:spPr bwMode="auto">
           <a:xfrm>
-            <a:off x="9037796" y="3094931"/>
+            <a:off x="9037796" y="2950915"/>
             <a:ext cx="8820000" cy="587799"/>
           </a:xfrm>
           <a:prstGeom prst="rect">
@@ -8823,7 +9658,7 @@
         </p:nvSpPr>
         <p:spPr bwMode="auto">
           <a:xfrm>
-            <a:off x="9066505" y="3681778"/>
+            <a:off x="9066505" y="3491818"/>
             <a:ext cx="8496000" cy="1285361"/>
           </a:xfrm>
           <a:prstGeom prst="rect">
@@ -9273,7 +10108,7 @@
         </p:nvSpPr>
         <p:spPr bwMode="auto">
           <a:xfrm>
-            <a:off x="1262474" y="15170150"/>
+            <a:off x="1262474" y="15768339"/>
             <a:ext cx="6451698" cy="382165"/>
           </a:xfrm>
           <a:prstGeom prst="rect">
@@ -9683,8 +10518,8 @@
         </p:blipFill>
         <p:spPr>
           <a:xfrm>
-            <a:off x="1367482" y="7919162"/>
-            <a:ext cx="6249257" cy="7345121"/>
+            <a:off x="1392573" y="8424796"/>
+            <a:ext cx="6341423" cy="7453450"/>
           </a:xfrm>
           <a:prstGeom prst="rect">
             <a:avLst/>
@@ -9719,7 +10554,7 @@
         </p:blipFill>
         <p:spPr>
           <a:xfrm>
-            <a:off x="9275132" y="4967139"/>
+            <a:off x="9275132" y="4823123"/>
             <a:ext cx="8117404" cy="3134645"/>
           </a:xfrm>
           <a:prstGeom prst="rect">
@@ -9743,7 +10578,7 @@
         </p:nvSpPr>
         <p:spPr bwMode="auto">
           <a:xfrm>
-            <a:off x="10218411" y="8135491"/>
+            <a:off x="10218411" y="8063483"/>
             <a:ext cx="6451698" cy="382165"/>
           </a:xfrm>
           <a:prstGeom prst="rect">
@@ -10141,8 +10976,8 @@
         </p:nvSpPr>
         <p:spPr bwMode="auto">
           <a:xfrm>
-            <a:off x="10309558" y="15264589"/>
-            <a:ext cx="6451698" cy="382165"/>
+            <a:off x="9169589" y="16632435"/>
+            <a:ext cx="8496000" cy="382165"/>
           </a:xfrm>
           <a:prstGeom prst="rect">
             <a:avLst/>
@@ -10182,7 +11017,7 @@
           </a:extLst>
         </p:spPr>
         <p:txBody>
-          <a:bodyPr lIns="175649" tIns="87825" rIns="175649" bIns="87825">
+          <a:bodyPr wrap="square" lIns="175649" tIns="87825" rIns="175649" bIns="87825">
             <a:spAutoFit/>
           </a:bodyPr>
           <a:lstStyle>
@@ -10518,11 +11353,507 @@
             </a:pPr>
             <a:r>
               <a:rPr lang="en-US" altLang="en-US" sz="1331" dirty="0"/>
-              <a:t>Figure 3 – Constraint progress</a:t>
+              <a:t>Figure 3 – Constraint progress of the best solution found for comp01 instance from ITC-2007</a:t>
             </a:r>
           </a:p>
         </p:txBody>
       </p:sp>
+      <p:sp>
+        <p:nvSpPr>
+          <p:cNvPr id="17" name="Rectangle 1">
+            <a:extLst>
+              <a:ext uri="{FF2B5EF4-FFF2-40B4-BE49-F238E27FC236}">
+                <a16:creationId xmlns:a16="http://schemas.microsoft.com/office/drawing/2014/main" id="{693B7079-8C69-1C11-3118-71571C26C093}"/>
+              </a:ext>
+            </a:extLst>
+          </p:cNvPr>
+          <p:cNvSpPr>
+            <a:spLocks noChangeArrowheads="1"/>
+          </p:cNvSpPr>
+          <p:nvPr/>
+        </p:nvSpPr>
+        <p:spPr bwMode="auto">
+          <a:xfrm>
+            <a:off x="0" y="0"/>
+            <a:ext cx="18000663" cy="0"/>
+          </a:xfrm>
+          <a:prstGeom prst="rect">
+            <a:avLst/>
+          </a:prstGeom>
+          <a:noFill/>
+          <a:ln>
+            <a:noFill/>
+          </a:ln>
+          <a:effectLst/>
+          <a:extLst>
+            <a:ext uri="{909E8E84-426E-40DD-AFC4-6F175D3DCCD1}">
+              <a14:hiddenFill xmlns:a14="http://schemas.microsoft.com/office/drawing/2010/main">
+                <a:solidFill>
+                  <a:schemeClr val="accent1"/>
+                </a:solidFill>
+              </a14:hiddenFill>
+            </a:ext>
+            <a:ext uri="{91240B29-F687-4F45-9708-019B960494DF}">
+              <a14:hiddenLine xmlns:a14="http://schemas.microsoft.com/office/drawing/2010/main" w="9525">
+                <a:solidFill>
+                  <a:schemeClr val="tx1"/>
+                </a:solidFill>
+                <a:miter lim="800000"/>
+                <a:headEnd/>
+                <a:tailEnd/>
+              </a14:hiddenLine>
+            </a:ext>
+            <a:ext uri="{AF507438-7753-43E0-B8FC-AC1667EBCBE1}">
+              <a14:hiddenEffects xmlns:a14="http://schemas.microsoft.com/office/drawing/2010/main">
+                <a:effectLst>
+                  <a:outerShdw dist="35921" dir="2700000" algn="ctr" rotWithShape="0">
+                    <a:schemeClr val="bg2"/>
+                  </a:outerShdw>
+                </a:effectLst>
+              </a14:hiddenEffects>
+            </a:ext>
+          </a:extLst>
+        </p:spPr>
+        <p:txBody>
+          <a:bodyPr vert="horz" wrap="none" lIns="91440" tIns="45720" rIns="91440" bIns="45720" numCol="1" anchor="ctr" anchorCtr="0" compatLnSpc="1">
+            <a:prstTxWarp prst="textNoShape">
+              <a:avLst/>
+            </a:prstTxWarp>
+            <a:spAutoFit/>
+          </a:bodyPr>
+          <a:lstStyle/>
+          <a:p>
+            <a:pPr marL="0" marR="0" lvl="0" indent="0" algn="l" defTabSz="914400" rtl="0" eaLnBrk="0" fontAlgn="base" latinLnBrk="0" hangingPunct="0">
+              <a:lnSpc>
+                <a:spcPct val="100000"/>
+              </a:lnSpc>
+              <a:spcBef>
+                <a:spcPct val="0"/>
+              </a:spcBef>
+              <a:spcAft>
+                <a:spcPct val="0"/>
+              </a:spcAft>
+              <a:buClrTx/>
+              <a:buSzTx/>
+              <a:buFontTx/>
+              <a:buNone/>
+              <a:tabLst/>
+            </a:pPr>
+            <a:r>
+              <a:rPr kumimoji="0" lang="pt-PT" altLang="pt-PT" sz="1800" b="0" i="0" u="none" strike="noStrike" cap="none" normalizeH="0" baseline="0" dirty="0" err="1">
+                <a:ln>
+                  <a:noFill/>
+                </a:ln>
+                <a:solidFill>
+                  <a:schemeClr val="tx1"/>
+                </a:solidFill>
+                <a:effectLst/>
+                <a:latin typeface="Arial" panose="020B0604020202020204" pitchFamily="34" charset="0"/>
+              </a:rPr>
+              <a:t>This</a:t>
+            </a:r>
+            <a:r>
+              <a:rPr kumimoji="0" lang="pt-PT" altLang="pt-PT" sz="1800" b="0" i="0" u="none" strike="noStrike" cap="none" normalizeH="0" baseline="0" dirty="0">
+                <a:ln>
+                  <a:noFill/>
+                </a:ln>
+                <a:solidFill>
+                  <a:schemeClr val="tx1"/>
+                </a:solidFill>
+                <a:effectLst/>
+                <a:latin typeface="Arial" panose="020B0604020202020204" pitchFamily="34" charset="0"/>
+              </a:rPr>
+              <a:t> research </a:t>
+            </a:r>
+            <a:r>
+              <a:rPr kumimoji="0" lang="pt-PT" altLang="pt-PT" sz="1800" b="0" i="0" u="none" strike="noStrike" cap="none" normalizeH="0" baseline="0" dirty="0" err="1">
+                <a:ln>
+                  <a:noFill/>
+                </a:ln>
+                <a:solidFill>
+                  <a:schemeClr val="tx1"/>
+                </a:solidFill>
+                <a:effectLst/>
+                <a:latin typeface="Arial" panose="020B0604020202020204" pitchFamily="34" charset="0"/>
+              </a:rPr>
+              <a:t>focuses</a:t>
+            </a:r>
+            <a:r>
+              <a:rPr kumimoji="0" lang="pt-PT" altLang="pt-PT" sz="1800" b="0" i="0" u="none" strike="noStrike" cap="none" normalizeH="0" baseline="0" dirty="0">
+                <a:ln>
+                  <a:noFill/>
+                </a:ln>
+                <a:solidFill>
+                  <a:schemeClr val="tx1"/>
+                </a:solidFill>
+                <a:effectLst/>
+                <a:latin typeface="Arial" panose="020B0604020202020204" pitchFamily="34" charset="0"/>
+              </a:rPr>
+              <a:t> </a:t>
+            </a:r>
+            <a:r>
+              <a:rPr kumimoji="0" lang="pt-PT" altLang="pt-PT" sz="1800" b="0" i="0" u="none" strike="noStrike" cap="none" normalizeH="0" baseline="0" dirty="0" err="1">
+                <a:ln>
+                  <a:noFill/>
+                </a:ln>
+                <a:solidFill>
+                  <a:schemeClr val="tx1"/>
+                </a:solidFill>
+                <a:effectLst/>
+                <a:latin typeface="Arial" panose="020B0604020202020204" pitchFamily="34" charset="0"/>
+              </a:rPr>
+              <a:t>on</a:t>
+            </a:r>
+            <a:r>
+              <a:rPr kumimoji="0" lang="pt-PT" altLang="pt-PT" sz="1800" b="0" i="0" u="none" strike="noStrike" cap="none" normalizeH="0" baseline="0" dirty="0">
+                <a:ln>
+                  <a:noFill/>
+                </a:ln>
+                <a:solidFill>
+                  <a:schemeClr val="tx1"/>
+                </a:solidFill>
+                <a:effectLst/>
+                <a:latin typeface="Arial" panose="020B0604020202020204" pitchFamily="34" charset="0"/>
+              </a:rPr>
+              <a:t> Curriculum-</a:t>
+            </a:r>
+            <a:r>
+              <a:rPr kumimoji="0" lang="pt-PT" altLang="pt-PT" sz="1800" b="0" i="0" u="none" strike="noStrike" cap="none" normalizeH="0" baseline="0" dirty="0" err="1">
+                <a:ln>
+                  <a:noFill/>
+                </a:ln>
+                <a:solidFill>
+                  <a:schemeClr val="tx1"/>
+                </a:solidFill>
+                <a:effectLst/>
+                <a:latin typeface="Arial" panose="020B0604020202020204" pitchFamily="34" charset="0"/>
+              </a:rPr>
+              <a:t>Based</a:t>
+            </a:r>
+            <a:r>
+              <a:rPr kumimoji="0" lang="pt-PT" altLang="pt-PT" sz="1800" b="0" i="0" u="none" strike="noStrike" cap="none" normalizeH="0" baseline="0" dirty="0">
+                <a:ln>
+                  <a:noFill/>
+                </a:ln>
+                <a:solidFill>
+                  <a:schemeClr val="tx1"/>
+                </a:solidFill>
+                <a:effectLst/>
+                <a:latin typeface="Arial" panose="020B0604020202020204" pitchFamily="34" charset="0"/>
+              </a:rPr>
+              <a:t> </a:t>
+            </a:r>
+            <a:r>
+              <a:rPr kumimoji="0" lang="pt-PT" altLang="pt-PT" sz="1800" b="0" i="0" u="none" strike="noStrike" cap="none" normalizeH="0" baseline="0" dirty="0" err="1">
+                <a:ln>
+                  <a:noFill/>
+                </a:ln>
+                <a:solidFill>
+                  <a:schemeClr val="tx1"/>
+                </a:solidFill>
+                <a:effectLst/>
+                <a:latin typeface="Arial" panose="020B0604020202020204" pitchFamily="34" charset="0"/>
+              </a:rPr>
+              <a:t>Course</a:t>
+            </a:r>
+            <a:r>
+              <a:rPr kumimoji="0" lang="pt-PT" altLang="pt-PT" sz="1800" b="0" i="0" u="none" strike="noStrike" cap="none" normalizeH="0" baseline="0" dirty="0">
+                <a:ln>
+                  <a:noFill/>
+                </a:ln>
+                <a:solidFill>
+                  <a:schemeClr val="tx1"/>
+                </a:solidFill>
+                <a:effectLst/>
+                <a:latin typeface="Arial" panose="020B0604020202020204" pitchFamily="34" charset="0"/>
+              </a:rPr>
+              <a:t> </a:t>
+            </a:r>
+            <a:r>
+              <a:rPr kumimoji="0" lang="pt-PT" altLang="pt-PT" sz="1800" b="0" i="0" u="none" strike="noStrike" cap="none" normalizeH="0" baseline="0" dirty="0" err="1">
+                <a:ln>
+                  <a:noFill/>
+                </a:ln>
+                <a:solidFill>
+                  <a:schemeClr val="tx1"/>
+                </a:solidFill>
+                <a:effectLst/>
+                <a:latin typeface="Arial" panose="020B0604020202020204" pitchFamily="34" charset="0"/>
+              </a:rPr>
+              <a:t>Timetabling</a:t>
+            </a:r>
+            <a:r>
+              <a:rPr kumimoji="0" lang="pt-PT" altLang="pt-PT" sz="1800" b="0" i="0" u="none" strike="noStrike" cap="none" normalizeH="0" baseline="0" dirty="0">
+                <a:ln>
+                  <a:noFill/>
+                </a:ln>
+                <a:solidFill>
+                  <a:schemeClr val="tx1"/>
+                </a:solidFill>
+                <a:effectLst/>
+                <a:latin typeface="Arial" panose="020B0604020202020204" pitchFamily="34" charset="0"/>
+              </a:rPr>
+              <a:t> (CB-CTT), a </a:t>
+            </a:r>
+            <a:r>
+              <a:rPr kumimoji="0" lang="pt-PT" altLang="pt-PT" sz="1800" b="0" i="0" u="none" strike="noStrike" cap="none" normalizeH="0" baseline="0" dirty="0" err="1">
+                <a:ln>
+                  <a:noFill/>
+                </a:ln>
+                <a:solidFill>
+                  <a:schemeClr val="tx1"/>
+                </a:solidFill>
+                <a:effectLst/>
+                <a:latin typeface="Arial" panose="020B0604020202020204" pitchFamily="34" charset="0"/>
+              </a:rPr>
+              <a:t>variant</a:t>
+            </a:r>
+            <a:r>
+              <a:rPr kumimoji="0" lang="pt-PT" altLang="pt-PT" sz="1800" b="0" i="0" u="none" strike="noStrike" cap="none" normalizeH="0" baseline="0" dirty="0">
+                <a:ln>
+                  <a:noFill/>
+                </a:ln>
+                <a:solidFill>
+                  <a:schemeClr val="tx1"/>
+                </a:solidFill>
+                <a:effectLst/>
+                <a:latin typeface="Arial" panose="020B0604020202020204" pitchFamily="34" charset="0"/>
+              </a:rPr>
+              <a:t> </a:t>
+            </a:r>
+            <a:r>
+              <a:rPr kumimoji="0" lang="pt-PT" altLang="pt-PT" sz="1800" b="0" i="0" u="none" strike="noStrike" cap="none" normalizeH="0" baseline="0" dirty="0" err="1">
+                <a:ln>
+                  <a:noFill/>
+                </a:ln>
+                <a:solidFill>
+                  <a:schemeClr val="tx1"/>
+                </a:solidFill>
+                <a:effectLst/>
+                <a:latin typeface="Arial" panose="020B0604020202020204" pitchFamily="34" charset="0"/>
+              </a:rPr>
+              <a:t>of</a:t>
+            </a:r>
+            <a:r>
+              <a:rPr kumimoji="0" lang="pt-PT" altLang="pt-PT" sz="1800" b="0" i="0" u="none" strike="noStrike" cap="none" normalizeH="0" baseline="0" dirty="0">
+                <a:ln>
+                  <a:noFill/>
+                </a:ln>
+                <a:solidFill>
+                  <a:schemeClr val="tx1"/>
+                </a:solidFill>
+                <a:effectLst/>
+                <a:latin typeface="Arial" panose="020B0604020202020204" pitchFamily="34" charset="0"/>
+              </a:rPr>
+              <a:t> UCTTP </a:t>
+            </a:r>
+            <a:r>
+              <a:rPr kumimoji="0" lang="pt-PT" altLang="pt-PT" sz="1800" b="0" i="0" u="none" strike="noStrike" cap="none" normalizeH="0" baseline="0" dirty="0" err="1">
+                <a:ln>
+                  <a:noFill/>
+                </a:ln>
+                <a:solidFill>
+                  <a:schemeClr val="tx1"/>
+                </a:solidFill>
+                <a:effectLst/>
+                <a:latin typeface="Arial" panose="020B0604020202020204" pitchFamily="34" charset="0"/>
+              </a:rPr>
+              <a:t>that</a:t>
+            </a:r>
+            <a:r>
+              <a:rPr kumimoji="0" lang="pt-PT" altLang="pt-PT" sz="1800" b="0" i="0" u="none" strike="noStrike" cap="none" normalizeH="0" baseline="0" dirty="0">
+                <a:ln>
+                  <a:noFill/>
+                </a:ln>
+                <a:solidFill>
+                  <a:schemeClr val="tx1"/>
+                </a:solidFill>
+                <a:effectLst/>
+                <a:latin typeface="Arial" panose="020B0604020202020204" pitchFamily="34" charset="0"/>
+              </a:rPr>
+              <a:t> </a:t>
+            </a:r>
+            <a:r>
+              <a:rPr kumimoji="0" lang="pt-PT" altLang="pt-PT" sz="1800" b="0" i="0" u="none" strike="noStrike" cap="none" normalizeH="0" baseline="0" dirty="0" err="1">
+                <a:ln>
+                  <a:noFill/>
+                </a:ln>
+                <a:solidFill>
+                  <a:schemeClr val="tx1"/>
+                </a:solidFill>
+                <a:effectLst/>
+                <a:latin typeface="Arial" panose="020B0604020202020204" pitchFamily="34" charset="0"/>
+              </a:rPr>
+              <a:t>focuses</a:t>
+            </a:r>
+            <a:r>
+              <a:rPr kumimoji="0" lang="pt-PT" altLang="pt-PT" sz="1800" b="0" i="0" u="none" strike="noStrike" cap="none" normalizeH="0" baseline="0" dirty="0">
+                <a:ln>
+                  <a:noFill/>
+                </a:ln>
+                <a:solidFill>
+                  <a:schemeClr val="tx1"/>
+                </a:solidFill>
+                <a:effectLst/>
+                <a:latin typeface="Arial" panose="020B0604020202020204" pitchFamily="34" charset="0"/>
+              </a:rPr>
+              <a:t> </a:t>
+            </a:r>
+            <a:r>
+              <a:rPr kumimoji="0" lang="pt-PT" altLang="pt-PT" sz="1800" b="0" i="0" u="none" strike="noStrike" cap="none" normalizeH="0" baseline="0" dirty="0" err="1">
+                <a:ln>
+                  <a:noFill/>
+                </a:ln>
+                <a:solidFill>
+                  <a:schemeClr val="tx1"/>
+                </a:solidFill>
+                <a:effectLst/>
+                <a:latin typeface="Arial" panose="020B0604020202020204" pitchFamily="34" charset="0"/>
+              </a:rPr>
+              <a:t>on</a:t>
+            </a:r>
+            <a:r>
+              <a:rPr kumimoji="0" lang="pt-PT" altLang="pt-PT" sz="1800" b="0" i="0" u="none" strike="noStrike" cap="none" normalizeH="0" baseline="0" dirty="0">
+                <a:ln>
+                  <a:noFill/>
+                </a:ln>
+                <a:solidFill>
+                  <a:schemeClr val="tx1"/>
+                </a:solidFill>
+                <a:effectLst/>
+                <a:latin typeface="Arial" panose="020B0604020202020204" pitchFamily="34" charset="0"/>
+              </a:rPr>
+              <a:t> </a:t>
+            </a:r>
+            <a:r>
+              <a:rPr kumimoji="0" lang="pt-PT" altLang="pt-PT" sz="1800" b="0" i="0" u="none" strike="noStrike" cap="none" normalizeH="0" baseline="0" dirty="0" err="1">
+                <a:ln>
+                  <a:noFill/>
+                </a:ln>
+                <a:solidFill>
+                  <a:schemeClr val="tx1"/>
+                </a:solidFill>
+                <a:effectLst/>
+                <a:latin typeface="Arial" panose="020B0604020202020204" pitchFamily="34" charset="0"/>
+              </a:rPr>
+              <a:t>course</a:t>
+            </a:r>
+            <a:r>
+              <a:rPr kumimoji="0" lang="pt-PT" altLang="pt-PT" sz="1800" b="0" i="0" u="none" strike="noStrike" cap="none" normalizeH="0" baseline="0" dirty="0">
+                <a:ln>
+                  <a:noFill/>
+                </a:ln>
+                <a:solidFill>
+                  <a:schemeClr val="tx1"/>
+                </a:solidFill>
+                <a:effectLst/>
+                <a:latin typeface="Arial" panose="020B0604020202020204" pitchFamily="34" charset="0"/>
+              </a:rPr>
+              <a:t> </a:t>
+            </a:r>
+            <a:r>
+              <a:rPr kumimoji="0" lang="pt-PT" altLang="pt-PT" sz="1800" b="0" i="0" u="none" strike="noStrike" cap="none" normalizeH="0" baseline="0" dirty="0" err="1">
+                <a:ln>
+                  <a:noFill/>
+                </a:ln>
+                <a:solidFill>
+                  <a:schemeClr val="tx1"/>
+                </a:solidFill>
+                <a:effectLst/>
+                <a:latin typeface="Arial" panose="020B0604020202020204" pitchFamily="34" charset="0"/>
+              </a:rPr>
+              <a:t>scheduling</a:t>
+            </a:r>
+            <a:r>
+              <a:rPr kumimoji="0" lang="pt-PT" altLang="pt-PT" sz="1800" b="0" i="0" u="none" strike="noStrike" cap="none" normalizeH="0" baseline="0" dirty="0">
+                <a:ln>
+                  <a:noFill/>
+                </a:ln>
+                <a:solidFill>
+                  <a:schemeClr val="tx1"/>
+                </a:solidFill>
+                <a:effectLst/>
+                <a:latin typeface="Arial" panose="020B0604020202020204" pitchFamily="34" charset="0"/>
+              </a:rPr>
+              <a:t>.</a:t>
+            </a:r>
+          </a:p>
+        </p:txBody>
+      </p:sp>
+      <p:pic>
+        <p:nvPicPr>
+          <p:cNvPr id="25" name="Picture 14">
+            <a:extLst>
+              <a:ext uri="{FF2B5EF4-FFF2-40B4-BE49-F238E27FC236}">
+                <a16:creationId xmlns:a16="http://schemas.microsoft.com/office/drawing/2014/main" id="{4C6E4A4A-CBD5-B48C-22D0-0ED83DA68998}"/>
+              </a:ext>
+            </a:extLst>
+          </p:cNvPr>
+          <p:cNvPicPr>
+            <a:picLocks noChangeAspect="1" noChangeArrowheads="1"/>
+          </p:cNvPicPr>
+          <p:nvPr/>
+        </p:nvPicPr>
+        <p:blipFill>
+          <a:blip r:embed="rId11">
+            <a:extLst>
+              <a:ext uri="{28A0092B-C50C-407E-A947-70E740481C1C}">
+                <a14:useLocalDpi xmlns:a14="http://schemas.microsoft.com/office/drawing/2010/main" val="0"/>
+              </a:ext>
+            </a:extLst>
+          </a:blip>
+          <a:srcRect/>
+          <a:stretch>
+            <a:fillRect/>
+          </a:stretch>
+        </p:blipFill>
+        <p:spPr bwMode="auto">
+          <a:xfrm>
+            <a:off x="10366027" y="13450447"/>
+            <a:ext cx="6107699" cy="3181988"/>
+          </a:xfrm>
+          <a:prstGeom prst="rect">
+            <a:avLst/>
+          </a:prstGeom>
+          <a:noFill/>
+          <a:ln>
+            <a:noFill/>
+          </a:ln>
+          <a:effectLst/>
+          <a:extLst>
+            <a:ext uri="{909E8E84-426E-40DD-AFC4-6F175D3DCCD1}">
+              <a14:hiddenFill xmlns:a14="http://schemas.microsoft.com/office/drawing/2010/main">
+                <a:blipFill dpi="0" rotWithShape="0">
+                  <a:blip/>
+                  <a:srcRect/>
+                  <a:stretch>
+                    <a:fillRect/>
+                  </a:stretch>
+                </a:blipFill>
+              </a14:hiddenFill>
+            </a:ext>
+            <a:ext uri="{91240B29-F687-4F45-9708-019B960494DF}">
+              <a14:hiddenLine xmlns:a14="http://schemas.microsoft.com/office/drawing/2010/main" w="9525" cap="flat">
+                <a:solidFill>
+                  <a:srgbClr val="3465A4"/>
+                </a:solidFill>
+                <a:round/>
+                <a:headEnd/>
+                <a:tailEnd/>
+              </a14:hiddenLine>
+            </a:ext>
+            <a:ext uri="{AF507438-7753-43E0-B8FC-AC1667EBCBE1}">
+              <a14:hiddenEffects xmlns:a14="http://schemas.microsoft.com/office/drawing/2010/main">
+                <a:effectLst>
+                  <a:outerShdw dist="35921" dir="2700000" algn="ctr" rotWithShape="0">
+                    <a:srgbClr val="808080"/>
+                  </a:outerShdw>
+                </a:effectLst>
+              </a14:hiddenEffects>
+            </a:ext>
+          </a:extLst>
+        </p:spPr>
+      </p:pic>
     </p:spTree>
     <p:extLst>
       <p:ext uri="{BB962C8B-B14F-4D97-AF65-F5344CB8AC3E}">

--- a/Docs/Poster.pptx
+++ b/Docs/Poster.pptx
@@ -2488,7 +2488,7 @@
           <a:p>
             <a:fld id="{C764DE79-268F-4C1A-8933-263129D2AF90}" type="datetimeFigureOut">
               <a:rPr lang="en-US" dirty="0"/>
-              <a:t>3/20/2025</a:t>
+              <a:t>3/22/2025</a:t>
             </a:fld>
             <a:endParaRPr lang="en-US" dirty="0"/>
           </a:p>
@@ -2905,8 +2905,8 @@
         </p:nvSpPr>
         <p:spPr bwMode="auto">
           <a:xfrm>
-            <a:off x="352909" y="3454971"/>
-            <a:ext cx="8496000" cy="5348012"/>
+            <a:off x="352909" y="3238947"/>
+            <a:ext cx="8496000" cy="4609348"/>
           </a:xfrm>
           <a:prstGeom prst="rect">
             <a:avLst/>
@@ -3853,21 +3853,6 @@
                 <a:cs typeface="Times New Roman" panose="02020603050405020304" pitchFamily="18" charset="0"/>
               </a:rPr>
               <a:t>. </a:t>
-            </a:r>
-          </a:p>
-          <a:p>
-            <a:pPr>
-              <a:buFont typeface="Arial" panose="020B0604020202020204" pitchFamily="34" charset="0"/>
-              <a:buChar char="•"/>
-            </a:pPr>
-            <a:r>
-              <a:rPr lang="en-US" sz="2400" dirty="0">
-                <a:effectLst/>
-                <a:latin typeface="Arial Narrow" panose="020B0606020202030204" pitchFamily="34" charset="0"/>
-                <a:ea typeface="Cambria" panose="02040503050406030204" pitchFamily="18" charset="0"/>
-                <a:cs typeface="Times New Roman" panose="02020603050405020304" pitchFamily="18" charset="0"/>
-              </a:rPr>
-              <a:t>Current tools focus primarily on visualizing timetables or on basic conflict detection without offering optimized solutions.</a:t>
             </a:r>
           </a:p>
           <a:p>
@@ -4172,64 +4157,6 @@
       </p:sp>
       <p:sp>
         <p:nvSpPr>
-          <p:cNvPr id="6" name="Line 3">
-            <a:extLst>
-              <a:ext uri="{FF2B5EF4-FFF2-40B4-BE49-F238E27FC236}">
-                <a16:creationId xmlns:a16="http://schemas.microsoft.com/office/drawing/2014/main" id="{D141A5F8-5893-573A-D7F1-89291A490BB3}"/>
-              </a:ext>
-            </a:extLst>
-          </p:cNvPr>
-          <p:cNvSpPr>
-            <a:spLocks noChangeShapeType="1"/>
-          </p:cNvSpPr>
-          <p:nvPr/>
-        </p:nvSpPr>
-        <p:spPr bwMode="auto">
-          <a:xfrm>
-            <a:off x="9000494" y="3241027"/>
-            <a:ext cx="68699" cy="19620000"/>
-          </a:xfrm>
-          <a:prstGeom prst="line">
-            <a:avLst/>
-          </a:prstGeom>
-          <a:noFill/>
-          <a:ln w="38160" cap="sq">
-            <a:solidFill>
-              <a:srgbClr val="063967"/>
-            </a:solidFill>
-            <a:prstDash val="dash"/>
-            <a:miter lim="800000"/>
-            <a:headEnd/>
-            <a:tailEnd/>
-          </a:ln>
-          <a:effectLst/>
-          <a:extLst>
-            <a:ext uri="{909E8E84-426E-40DD-AFC4-6F175D3DCCD1}">
-              <a14:hiddenFill xmlns:a14="http://schemas.microsoft.com/office/drawing/2010/main">
-                <a:noFill/>
-              </a14:hiddenFill>
-            </a:ext>
-            <a:ext uri="{AF507438-7753-43E0-B8FC-AC1667EBCBE1}">
-              <a14:hiddenEffects xmlns:a14="http://schemas.microsoft.com/office/drawing/2010/main">
-                <a:effectLst>
-                  <a:outerShdw dist="35921" dir="2700000" algn="ctr" rotWithShape="0">
-                    <a:srgbClr val="808080"/>
-                  </a:outerShdw>
-                </a:effectLst>
-              </a14:hiddenEffects>
-            </a:ext>
-          </a:extLst>
-        </p:spPr>
-        <p:txBody>
-          <a:bodyPr/>
-          <a:lstStyle/>
-          <a:p>
-            <a:endParaRPr lang="en-US" sz="2741"/>
-          </a:p>
-        </p:txBody>
-      </p:sp>
-      <p:sp>
-        <p:nvSpPr>
           <p:cNvPr id="7" name="Text Box 4">
             <a:extLst>
               <a:ext uri="{FF2B5EF4-FFF2-40B4-BE49-F238E27FC236}">
@@ -4244,7 +4171,7 @@
         </p:nvSpPr>
         <p:spPr bwMode="auto">
           <a:xfrm>
-            <a:off x="153285" y="16128379"/>
+            <a:off x="153285" y="15192275"/>
             <a:ext cx="8820000" cy="587799"/>
           </a:xfrm>
           <a:prstGeom prst="rect">
@@ -4682,7 +4609,7 @@
         </p:nvSpPr>
         <p:spPr bwMode="auto">
           <a:xfrm>
-            <a:off x="9073457" y="8495531"/>
+            <a:off x="9073457" y="7919467"/>
             <a:ext cx="8820000" cy="587799"/>
           </a:xfrm>
           <a:prstGeom prst="rect">
@@ -5102,7 +5029,7 @@
         </p:nvSpPr>
         <p:spPr bwMode="auto">
           <a:xfrm>
-            <a:off x="9034260" y="16980740"/>
+            <a:off x="9034260" y="16560427"/>
             <a:ext cx="8820000" cy="587799"/>
           </a:xfrm>
           <a:prstGeom prst="rect">
@@ -5522,7 +5449,7 @@
         </p:nvSpPr>
         <p:spPr bwMode="auto">
           <a:xfrm>
-            <a:off x="153285" y="2950915"/>
+            <a:off x="153285" y="2806899"/>
             <a:ext cx="8820000" cy="587799"/>
           </a:xfrm>
           <a:prstGeom prst="rect">
@@ -5960,8 +5887,8 @@
         </p:nvSpPr>
         <p:spPr bwMode="auto">
           <a:xfrm>
-            <a:off x="201323" y="16704443"/>
-            <a:ext cx="8424000" cy="2393357"/>
+            <a:off x="201323" y="15624323"/>
+            <a:ext cx="8460000" cy="2393357"/>
           </a:xfrm>
           <a:prstGeom prst="rect">
             <a:avLst/>
@@ -6449,7 +6376,19 @@
               <a:rPr lang="en-US" altLang="en-US" sz="2400" dirty="0">
                 <a:latin typeface="Arial Narrow" panose="020B0606020202030204" pitchFamily="34" charset="0"/>
               </a:rPr>
-              <a:t>Integrate these functionalities into a timetable visualization interface that was previously developed using reactive programming.</a:t>
+              <a:t>Integrate these functionalities into a timetable visualization </a:t>
+            </a:r>
+            <a:r>
+              <a:rPr lang="en-US" altLang="en-US" sz="2400" b="1" dirty="0">
+                <a:latin typeface="Arial Narrow" panose="020B0606020202030204" pitchFamily="34" charset="0"/>
+              </a:rPr>
+              <a:t>interface</a:t>
+            </a:r>
+            <a:r>
+              <a:rPr lang="en-US" altLang="en-US" sz="2400" dirty="0">
+                <a:latin typeface="Arial Narrow" panose="020B0606020202030204" pitchFamily="34" charset="0"/>
+              </a:rPr>
+              <a:t> that was previously developed using reactive programming.</a:t>
             </a:r>
           </a:p>
         </p:txBody>
@@ -6470,7 +6409,7 @@
         </p:nvSpPr>
         <p:spPr bwMode="auto">
           <a:xfrm>
-            <a:off x="153285" y="19080707"/>
+            <a:off x="153285" y="17928579"/>
             <a:ext cx="8820000" cy="587799"/>
           </a:xfrm>
           <a:prstGeom prst="rect">
@@ -6908,8 +6847,8 @@
         </p:nvSpPr>
         <p:spPr bwMode="auto">
           <a:xfrm>
-            <a:off x="226701" y="19656771"/>
-            <a:ext cx="8496000" cy="3870684"/>
+            <a:off x="201323" y="18360627"/>
+            <a:ext cx="8496000" cy="5348012"/>
           </a:xfrm>
           <a:prstGeom prst="rect">
             <a:avLst/>
@@ -7349,7 +7288,7 @@
               <a:rPr lang="en-US" altLang="en-US" sz="2400" dirty="0">
                 <a:latin typeface="Arial Narrow" panose="020B0606020202030204" pitchFamily="34" charset="0"/>
               </a:rPr>
-              <a:t> emerged as the most promising, particularly single-solution-based algorithms like </a:t>
+              <a:t> emerged as one of the most promising, particularly single-solution-based algorithms like </a:t>
             </a:r>
             <a:r>
               <a:rPr lang="en-US" altLang="en-US" sz="2400" b="1" dirty="0">
@@ -7361,7 +7300,7 @@
               <a:rPr lang="en-US" altLang="en-US" sz="2400" dirty="0">
                 <a:latin typeface="Arial Narrow" panose="020B0606020202030204" pitchFamily="34" charset="0"/>
               </a:rPr>
-              <a:t> and </a:t>
+              <a:t> (SA) and </a:t>
             </a:r>
             <a:r>
               <a:rPr lang="en-US" altLang="en-US" sz="2400" b="1" dirty="0">
@@ -7373,7 +7312,7 @@
               <a:rPr lang="en-US" altLang="en-US" sz="2400" dirty="0">
                 <a:latin typeface="Arial Narrow" panose="020B0606020202030204" pitchFamily="34" charset="0"/>
               </a:rPr>
-              <a:t>.</a:t>
+              <a:t> (TS).</a:t>
             </a:r>
           </a:p>
           <a:p>
@@ -7391,7 +7330,7 @@
               <a:rPr lang="en-US" sz="2400" dirty="0">
                 <a:latin typeface="Arial Narrow" panose="020B0606020202030204" pitchFamily="34" charset="0"/>
               </a:rPr>
-              <a:t>, such as the one used by Tomáš Müller [5] in the Second International Timetabling Competition (</a:t>
+              <a:t>, such as the one used by Tomáš Müller [5] in the </a:t>
             </a:r>
             <a:r>
               <a:rPr lang="en-US" sz="2400" b="1" dirty="0">
@@ -7403,7 +7342,160 @@
               <a:rPr lang="en-US" sz="2400" dirty="0">
                 <a:latin typeface="Arial Narrow" panose="020B0606020202030204" pitchFamily="34" charset="0"/>
               </a:rPr>
-              <a:t>), were also shown to be effective.</a:t>
+              <a:t>, were also shown to be effective.</a:t>
+            </a:r>
+          </a:p>
+          <a:p>
+            <a:pPr>
+              <a:buFont typeface="Arial" panose="020B0604020202020204" pitchFamily="34" charset="0"/>
+              <a:buChar char="•"/>
+            </a:pPr>
+            <a:r>
+              <a:rPr lang="en-US" sz="2400" dirty="0">
+                <a:latin typeface="Arial Narrow" panose="020B0606020202030204" pitchFamily="34" charset="0"/>
+              </a:rPr>
+              <a:t>Goh [6] study on the Post-Enrollment Course Timetabling Problem (PE-CTT) found that </a:t>
+            </a:r>
+            <a:r>
+              <a:rPr lang="en-US" sz="2400" b="1" dirty="0">
+                <a:latin typeface="Arial Narrow" panose="020B0606020202030204" pitchFamily="34" charset="0"/>
+              </a:rPr>
+              <a:t>TS </a:t>
+            </a:r>
+            <a:r>
+              <a:rPr lang="pt-PT" sz="2400" b="1" dirty="0" err="1">
+                <a:latin typeface="Arial Narrow" panose="020B0606020202030204" pitchFamily="34" charset="0"/>
+              </a:rPr>
+              <a:t>outperformed</a:t>
+            </a:r>
+            <a:r>
+              <a:rPr lang="pt-PT" sz="2400" b="1" dirty="0">
+                <a:latin typeface="Arial Narrow" panose="020B0606020202030204" pitchFamily="34" charset="0"/>
+              </a:rPr>
+              <a:t> MCTS</a:t>
+            </a:r>
+            <a:r>
+              <a:rPr lang="pt-PT" sz="2400" dirty="0">
+                <a:latin typeface="Arial Narrow" panose="020B0606020202030204" pitchFamily="34" charset="0"/>
+              </a:rPr>
+              <a:t>,</a:t>
+            </a:r>
+            <a:r>
+              <a:rPr kumimoji="0" lang="pt-PT" altLang="pt-PT" sz="2400" b="0" i="0" u="none" strike="noStrike" cap="none" normalizeH="0" baseline="0" dirty="0">
+                <a:ln>
+                  <a:noFill/>
+                </a:ln>
+                <a:solidFill>
+                  <a:schemeClr val="tx1"/>
+                </a:solidFill>
+                <a:effectLst/>
+                <a:latin typeface="Arial Narrow" panose="020B0606020202030204" pitchFamily="34" charset="0"/>
+              </a:rPr>
+              <a:t> </a:t>
+            </a:r>
+            <a:r>
+              <a:rPr kumimoji="0" lang="pt-PT" altLang="pt-PT" sz="2400" b="0" i="0" u="none" strike="noStrike" cap="none" normalizeH="0" baseline="0" dirty="0" err="1">
+                <a:ln>
+                  <a:noFill/>
+                </a:ln>
+                <a:solidFill>
+                  <a:schemeClr val="tx1"/>
+                </a:solidFill>
+                <a:effectLst/>
+                <a:latin typeface="Arial Narrow" panose="020B0606020202030204" pitchFamily="34" charset="0"/>
+              </a:rPr>
+              <a:t>despite</a:t>
+            </a:r>
+            <a:r>
+              <a:rPr kumimoji="0" lang="pt-PT" altLang="pt-PT" sz="2400" b="0" i="0" u="none" strike="noStrike" cap="none" normalizeH="0" baseline="0" dirty="0">
+                <a:ln>
+                  <a:noFill/>
+                </a:ln>
+                <a:solidFill>
+                  <a:schemeClr val="tx1"/>
+                </a:solidFill>
+                <a:effectLst/>
+                <a:latin typeface="Arial Narrow" panose="020B0606020202030204" pitchFamily="34" charset="0"/>
+              </a:rPr>
+              <a:t> </a:t>
+            </a:r>
+            <a:r>
+              <a:rPr kumimoji="0" lang="pt-PT" altLang="pt-PT" sz="2400" b="0" i="0" u="none" strike="noStrike" cap="none" normalizeH="0" baseline="0" dirty="0" err="1">
+                <a:ln>
+                  <a:noFill/>
+                </a:ln>
+                <a:solidFill>
+                  <a:schemeClr val="tx1"/>
+                </a:solidFill>
+                <a:effectLst/>
+                <a:latin typeface="Arial Narrow" panose="020B0606020202030204" pitchFamily="34" charset="0"/>
+              </a:rPr>
+              <a:t>improvements</a:t>
+            </a:r>
+            <a:r>
+              <a:rPr kumimoji="0" lang="pt-PT" altLang="pt-PT" sz="2400" b="0" i="0" u="none" strike="noStrike" cap="none" normalizeH="0" baseline="0" dirty="0">
+                <a:ln>
+                  <a:noFill/>
+                </a:ln>
+                <a:solidFill>
+                  <a:schemeClr val="tx1"/>
+                </a:solidFill>
+                <a:effectLst/>
+                <a:latin typeface="Arial Narrow" panose="020B0606020202030204" pitchFamily="34" charset="0"/>
+              </a:rPr>
+              <a:t> to </a:t>
+            </a:r>
+            <a:r>
+              <a:rPr kumimoji="0" lang="pt-PT" altLang="pt-PT" sz="2400" b="0" i="0" u="none" strike="noStrike" cap="none" normalizeH="0" baseline="0" dirty="0" err="1">
+                <a:ln>
+                  <a:noFill/>
+                </a:ln>
+                <a:solidFill>
+                  <a:schemeClr val="tx1"/>
+                </a:solidFill>
+                <a:effectLst/>
+                <a:latin typeface="Arial Narrow" panose="020B0606020202030204" pitchFamily="34" charset="0"/>
+              </a:rPr>
+              <a:t>the</a:t>
+            </a:r>
+            <a:r>
+              <a:rPr kumimoji="0" lang="pt-PT" altLang="pt-PT" sz="2400" b="0" i="0" u="none" strike="noStrike" cap="none" normalizeH="0" baseline="0" dirty="0">
+                <a:ln>
+                  <a:noFill/>
+                </a:ln>
+                <a:solidFill>
+                  <a:schemeClr val="tx1"/>
+                </a:solidFill>
+                <a:effectLst/>
+                <a:latin typeface="Arial Narrow" panose="020B0606020202030204" pitchFamily="34" charset="0"/>
+              </a:rPr>
+              <a:t> standard MCTS </a:t>
+            </a:r>
+            <a:r>
+              <a:rPr kumimoji="0" lang="pt-PT" altLang="pt-PT" sz="2400" b="0" i="0" u="none" strike="noStrike" cap="none" normalizeH="0" baseline="0" dirty="0" err="1">
+                <a:ln>
+                  <a:noFill/>
+                </a:ln>
+                <a:solidFill>
+                  <a:schemeClr val="tx1"/>
+                </a:solidFill>
+                <a:effectLst/>
+                <a:latin typeface="Arial Narrow" panose="020B0606020202030204" pitchFamily="34" charset="0"/>
+              </a:rPr>
+              <a:t>algorithm</a:t>
+            </a:r>
+            <a:r>
+              <a:rPr kumimoji="0" lang="pt-PT" altLang="pt-PT" sz="2400" b="0" i="0" u="none" strike="noStrike" cap="none" normalizeH="0" baseline="0" dirty="0">
+                <a:ln>
+                  <a:noFill/>
+                </a:ln>
+                <a:solidFill>
+                  <a:schemeClr val="tx1"/>
+                </a:solidFill>
+                <a:effectLst/>
+                <a:latin typeface="Arial Narrow" panose="020B0606020202030204" pitchFamily="34" charset="0"/>
+              </a:rPr>
+              <a:t>.</a:t>
             </a:r>
             <a:endParaRPr lang="en-US" altLang="en-US" sz="2400" dirty="0">
               <a:latin typeface="Arial Narrow" panose="020B0606020202030204" pitchFamily="34" charset="0"/>
@@ -7415,28 +7507,22 @@
               <a:buChar char="•"/>
             </a:pPr>
             <a:r>
+              <a:rPr lang="en-US" sz="2400" dirty="0">
+                <a:latin typeface="Arial Narrow" panose="020B0606020202030204" pitchFamily="34" charset="0"/>
+              </a:rPr>
+              <a:t>MCTS and its hybridization remain unexplored in the context of CB-CTT, making this the </a:t>
+            </a:r>
+            <a:r>
               <a:rPr lang="en-US" sz="2400" b="1" dirty="0">
                 <a:latin typeface="Arial Narrow" panose="020B0606020202030204" pitchFamily="34" charset="0"/>
               </a:rPr>
-              <a:t>MCTS </a:t>
+              <a:t>novel contribution</a:t>
             </a:r>
             <a:r>
               <a:rPr lang="en-US" sz="2400" dirty="0">
                 <a:latin typeface="Arial Narrow" panose="020B0606020202030204" pitchFamily="34" charset="0"/>
               </a:rPr>
-              <a:t>has not been explored in the context of CB-CTT, and this is the </a:t>
-            </a:r>
-            <a:r>
-              <a:rPr lang="en-US" sz="2400" b="1" dirty="0">
-                <a:latin typeface="Arial Narrow" panose="020B0606020202030204" pitchFamily="34" charset="0"/>
-              </a:rPr>
-              <a:t>novel contribution</a:t>
-            </a:r>
-            <a:r>
-              <a:rPr lang="en-US" sz="2400" dirty="0">
-                <a:latin typeface="Arial Narrow" panose="020B0606020202030204" pitchFamily="34" charset="0"/>
-              </a:rPr>
-              <a:t> of our work.</a:t>
+              <a:t> of our work. This decision is driven by the potential of MCTS to effectively navigate large search spaces and its underutilization in this domain.</a:t>
             </a:r>
             <a:endParaRPr lang="en-US" altLang="en-US" sz="2400" dirty="0">
               <a:latin typeface="Arial Narrow" panose="020B0606020202030204" pitchFamily="34" charset="0"/>
@@ -7460,8 +7546,8 @@
         </p:nvSpPr>
         <p:spPr bwMode="auto">
           <a:xfrm>
-            <a:off x="9187589" y="17496531"/>
-            <a:ext cx="8460000" cy="6025120"/>
+            <a:off x="9187589" y="16992475"/>
+            <a:ext cx="8460000" cy="6640673"/>
           </a:xfrm>
           <a:prstGeom prst="rect">
             <a:avLst/>
@@ -7841,7 +7927,7 @@
                 </a:solidFill>
                 <a:latin typeface="Arial Narrow" panose="020B0606020202030204" pitchFamily="34" charset="0"/>
               </a:rPr>
-              <a:t>	problems,” OR Spectrum, vol. 30, no. 1, pp. 167–190, Jan. 2008. [Online]. 	Available: </a:t>
+              <a:t>	problems,” OR Spectrum, vol. 30, no. 1, pp. 167–190, Jan. 2008.  Available: 	</a:t>
             </a:r>
             <a:r>
               <a:rPr lang="en-US" altLang="en-US" sz="2000" dirty="0">
@@ -7905,37 +7991,7 @@
                 </a:solidFill>
                 <a:latin typeface="Arial Narrow" panose="020B0606020202030204" pitchFamily="34" charset="0"/>
               </a:rPr>
-              <a:t>	for the university course timetabling problem,” Intelligent Systems with 	Applications, vol. 19, p. 200253, Sep. 2023. [Online]. Available: 	https://linkinghub.elsevier.com/retrieve/pii/S2667305323000789</a:t>
-            </a:r>
-          </a:p>
-          <a:p>
-            <a:pPr marL="0" indent="0"/>
-            <a:r>
-              <a:rPr lang="en-US" altLang="en-US" sz="2000" dirty="0">
-                <a:solidFill>
-                  <a:schemeClr val="tx1"/>
-                </a:solidFill>
-                <a:latin typeface="Arial Narrow" panose="020B0606020202030204" pitchFamily="34" charset="0"/>
-              </a:rPr>
-              <a:t>[3]	H. Babaei, J. Karimpour, and A. </a:t>
-            </a:r>
-            <a:r>
-              <a:rPr lang="en-US" altLang="en-US" sz="2000" dirty="0" err="1">
-                <a:solidFill>
-                  <a:schemeClr val="tx1"/>
-                </a:solidFill>
-                <a:latin typeface="Arial Narrow" panose="020B0606020202030204" pitchFamily="34" charset="0"/>
-              </a:rPr>
-              <a:t>Hadidi</a:t>
-            </a:r>
-            <a:r>
-              <a:rPr lang="en-US" altLang="en-US" sz="2000" dirty="0">
-                <a:solidFill>
-                  <a:schemeClr val="tx1"/>
-                </a:solidFill>
-                <a:latin typeface="Arial Narrow" panose="020B0606020202030204" pitchFamily="34" charset="0"/>
-              </a:rPr>
-              <a:t>, “A survey of approaches for university 	course timetabling problem,” Computers &amp; Industrial Engineering, vol. 86, pp. 43–	59, Aug. 2015. [Online]. Available: 	</a:t>
+              <a:t>	for the university course timetabling problem,” Intelligent Systems with 	Applications, vol. 19, p. 200253, Sep. 2023. Available: 	</a:t>
             </a:r>
             <a:r>
               <a:rPr lang="en-US" altLang="en-US" sz="2000" dirty="0">
@@ -7951,7 +8007,7 @@
                   </a:extLst>
                 </a:hlinkClick>
               </a:rPr>
-              <a:t>https://linkinghub.elsevier.com/retrieve/pii/S0360835214003714</a:t>
+              <a:t>https://linkinghub.elsevier.com/retrieve/pii/S2667305323000789</a:t>
             </a:r>
             <a:endParaRPr lang="en-US" altLang="en-US" sz="2000" dirty="0">
               <a:solidFill>
@@ -7969,7 +8025,25 @@
                 </a:solidFill>
                 <a:latin typeface="Arial Narrow" panose="020B0606020202030204" pitchFamily="34" charset="0"/>
               </a:rPr>
-              <a:t>[4]	M. C. Chen, S. N. Sze, S. L. Goh, N. R. Sabar, and G. Kendall, “A survey of 	university course timetabling problem: Perspectives, trends and opportunities,” 	IEEE Access, vol. 9, pp. 106 515–106 529, 2021, conference Name: IEEE Access. 	[Online]. Available: 	</a:t>
+              <a:t>[3]	H. Babaei, J. Karimpour, and A. </a:t>
+            </a:r>
+            <a:r>
+              <a:rPr lang="en-US" altLang="en-US" sz="2000" dirty="0" err="1">
+                <a:solidFill>
+                  <a:schemeClr val="tx1"/>
+                </a:solidFill>
+                <a:latin typeface="Arial Narrow" panose="020B0606020202030204" pitchFamily="34" charset="0"/>
+              </a:rPr>
+              <a:t>Hadidi</a:t>
+            </a:r>
+            <a:r>
+              <a:rPr lang="en-US" altLang="en-US" sz="2000" dirty="0">
+                <a:solidFill>
+                  <a:schemeClr val="tx1"/>
+                </a:solidFill>
+                <a:latin typeface="Arial Narrow" panose="020B0606020202030204" pitchFamily="34" charset="0"/>
+              </a:rPr>
+              <a:t>, “A survey of approaches for university 	course timetabling problem,” Computers &amp; Industrial Engineering, vol. 86, pp. 43–	59, Aug. 2015. Available: 	</a:t>
             </a:r>
             <a:r>
               <a:rPr lang="en-US" altLang="en-US" sz="2000" dirty="0">
@@ -7985,7 +8059,7 @@
                   </a:extLst>
                 </a:hlinkClick>
               </a:rPr>
-              <a:t>https://ieeexplore.ieee.org/document/9499056/?arnumber=9499056</a:t>
+              <a:t>https://linkinghub.elsevier.com/retrieve/pii/S0360835214003714</a:t>
             </a:r>
             <a:endParaRPr lang="en-US" altLang="en-US" sz="2000" dirty="0">
               <a:solidFill>
@@ -7998,9 +8072,12 @@
             <a:pPr marL="0" indent="0"/>
             <a:r>
               <a:rPr lang="en-US" altLang="en-US" sz="2000" dirty="0">
+                <a:solidFill>
+                  <a:schemeClr val="tx1"/>
+                </a:solidFill>
                 <a:latin typeface="Arial Narrow" panose="020B0606020202030204" pitchFamily="34" charset="0"/>
               </a:rPr>
-              <a:t>[5]	T. Müller, “Itc2007 solver description: a hybrid approach,” Annals of Operations 	Research, vol. 172, no. 1, pp. 429–446, Nov. 2009. [Online]. Available: 	</a:t>
+              <a:t>[4]	M. C. Chen, S. N. Sze, S. L. Goh, N. R. Sabar, and G. Kendall, “A survey of 	university course timetabling problem: Perspectives, trends and opportunities,” 	IEEE Access, vol. 9, pp. 106 515–106 529, 2021, conference Name: IEEE Access. 	Available: </a:t>
             </a:r>
             <a:r>
               <a:rPr lang="en-US" altLang="en-US" sz="2000" dirty="0">
@@ -8016,9 +8093,92 @@
                   </a:extLst>
                 </a:hlinkClick>
               </a:rPr>
+              <a:t>https://ieeexplore.ieee.org/document/9499056/?arnumber=9499056</a:t>
+            </a:r>
+            <a:endParaRPr lang="en-US" altLang="en-US" sz="2000" dirty="0">
+              <a:solidFill>
+                <a:schemeClr val="tx1"/>
+              </a:solidFill>
+              <a:latin typeface="Arial Narrow" panose="020B0606020202030204" pitchFamily="34" charset="0"/>
+            </a:endParaRPr>
+          </a:p>
+          <a:p>
+            <a:pPr marL="0" indent="0"/>
+            <a:r>
+              <a:rPr lang="en-US" altLang="en-US" sz="2000" dirty="0">
+                <a:latin typeface="Arial Narrow" panose="020B0606020202030204" pitchFamily="34" charset="0"/>
+              </a:rPr>
+              <a:t>[5]	T. Müller, “Itc2007 solver description: a hybrid approach,” Annals of Operations 	Research, vol. 172, no. 1, pp. 429–446, Nov. 2009. Available: 	</a:t>
+            </a:r>
+            <a:r>
+              <a:rPr lang="en-US" altLang="en-US" sz="2000" dirty="0">
+                <a:solidFill>
+                  <a:schemeClr val="tx1"/>
+                </a:solidFill>
+                <a:latin typeface="Arial Narrow" panose="020B0606020202030204" pitchFamily="34" charset="0"/>
+                <a:hlinkClick r:id="rId7">
+                  <a:extLst>
+                    <a:ext uri="{A12FA001-AC4F-418D-AE19-62706E023703}">
+                      <ahyp:hlinkClr xmlns:ahyp="http://schemas.microsoft.com/office/drawing/2018/hyperlinkcolor" val="tx"/>
+                    </a:ext>
+                  </a:extLst>
+                </a:hlinkClick>
+              </a:rPr>
               <a:t>http://link.springer.com/10.1007/s10479-009-0644-y</a:t>
             </a:r>
             <a:endParaRPr lang="en-US" altLang="en-US" sz="2000" dirty="0">
+              <a:solidFill>
+                <a:schemeClr val="tx1"/>
+              </a:solidFill>
+              <a:latin typeface="Arial Narrow" panose="020B0606020202030204" pitchFamily="34" charset="0"/>
+            </a:endParaRPr>
+          </a:p>
+          <a:p>
+            <a:pPr marL="0" indent="0"/>
+            <a:r>
+              <a:rPr lang="en-US" sz="2000" dirty="0">
+                <a:solidFill>
+                  <a:schemeClr val="tx1"/>
+                </a:solidFill>
+                <a:latin typeface="Arial Narrow" panose="020B0606020202030204" pitchFamily="34" charset="0"/>
+              </a:rPr>
+              <a:t>[6]	</a:t>
+            </a:r>
+            <a:r>
+              <a:rPr lang="en-US" sz="2000" dirty="0">
+                <a:latin typeface="Arial Narrow" panose="020B0606020202030204" pitchFamily="34" charset="0"/>
+              </a:rPr>
+              <a:t>S. L. Goh, “An investigation of monte </a:t>
+            </a:r>
+            <a:r>
+              <a:rPr lang="en-US" sz="2000" dirty="0" err="1">
+                <a:latin typeface="Arial Narrow" panose="020B0606020202030204" pitchFamily="34" charset="0"/>
+              </a:rPr>
+              <a:t>carlo</a:t>
+            </a:r>
+            <a:r>
+              <a:rPr lang="en-US" sz="2000" dirty="0">
+                <a:latin typeface="Arial Narrow" panose="020B0606020202030204" pitchFamily="34" charset="0"/>
+              </a:rPr>
+              <a:t> tree search and local search for course 	timetabling problems,”, pp. 76–105, Jul. 2017. Available: 	</a:t>
+            </a:r>
+            <a:r>
+              <a:rPr lang="en-US" sz="2000" dirty="0">
+                <a:solidFill>
+                  <a:schemeClr val="tx1"/>
+                </a:solidFill>
+                <a:latin typeface="Arial Narrow" panose="020B0606020202030204" pitchFamily="34" charset="0"/>
+                <a:hlinkClick r:id="rId8">
+                  <a:extLst>
+                    <a:ext uri="{A12FA001-AC4F-418D-AE19-62706E023703}">
+                      <ahyp:hlinkClr xmlns:ahyp="http://schemas.microsoft.com/office/drawing/2018/hyperlinkcolor" val="tx"/>
+                    </a:ext>
+                  </a:extLst>
+                </a:hlinkClick>
+              </a:rPr>
+              <a:t>https://eprints.nottingham.ac.uk/43558/</a:t>
+            </a:r>
+            <a:endParaRPr lang="en-US" sz="2000" dirty="0">
               <a:solidFill>
                 <a:schemeClr val="tx1"/>
               </a:solidFill>
@@ -8101,8 +8261,8 @@
         </p:nvSpPr>
         <p:spPr bwMode="auto">
           <a:xfrm>
-            <a:off x="9073457" y="8959262"/>
-            <a:ext cx="8496000" cy="5224901"/>
+            <a:off x="9073457" y="8351515"/>
+            <a:ext cx="8496000" cy="2762688"/>
           </a:xfrm>
           <a:prstGeom prst="rect">
             <a:avLst/>
@@ -8464,6 +8624,19 @@
           <a:p>
             <a:pPr marL="0" indent="0"/>
             <a:r>
+              <a:rPr kumimoji="0" lang="pt-PT" altLang="pt-PT" sz="2400" b="1" i="0" u="none" strike="noStrike" cap="none" normalizeH="0" baseline="0" dirty="0" err="1">
+                <a:ln>
+                  <a:noFill/>
+                </a:ln>
+                <a:solidFill>
+                  <a:schemeClr val="tx1"/>
+                </a:solidFill>
+                <a:effectLst/>
+                <a:latin typeface="Arial Narrow" panose="020B0606020202030204" pitchFamily="34" charset="0"/>
+              </a:rPr>
+              <a:t>Tests</a:t>
+            </a:r>
+            <a:r>
               <a:rPr kumimoji="0" lang="pt-PT" altLang="pt-PT" sz="2400" b="1" i="0" u="none" strike="noStrike" cap="none" normalizeH="0" baseline="0" dirty="0">
                 <a:ln>
                   <a:noFill/>
@@ -8474,18 +8647,8 @@
                 <a:effectLst/>
                 <a:latin typeface="Arial Narrow" panose="020B0606020202030204" pitchFamily="34" charset="0"/>
               </a:rPr>
-              <a:t>Tests setup:</a:t>
-            </a:r>
-            <a:endParaRPr kumimoji="0" lang="en-US" altLang="pt-PT" sz="2400" b="1" i="0" u="none" strike="noStrike" cap="none" normalizeH="0" baseline="0" dirty="0">
-              <a:ln>
-                <a:noFill/>
-              </a:ln>
-              <a:solidFill>
-                <a:schemeClr val="tx1"/>
-              </a:solidFill>
-              <a:effectLst/>
-              <a:latin typeface="Arial Narrow" panose="020B0606020202030204" pitchFamily="34" charset="0"/>
-            </a:endParaRPr>
+              <a:t> </a:t>
+            </a:r>
           </a:p>
           <a:p>
             <a:pPr marL="342900" indent="-342900">
@@ -8499,402 +8662,42 @@
               <a:t>Tested </a:t>
             </a:r>
             <a:r>
+              <a:rPr lang="en-US" sz="2400" b="1" i="1" dirty="0">
+                <a:latin typeface="Arial Narrow" panose="020B0606020202030204" pitchFamily="34" charset="0"/>
+              </a:rPr>
+              <a:t>C</a:t>
+            </a:r>
+            <a:r>
+              <a:rPr lang="en-US" sz="2400" dirty="0">
+                <a:latin typeface="Arial Narrow" panose="020B0606020202030204" pitchFamily="34" charset="0"/>
+              </a:rPr>
+              <a:t> values (0.1 to 1000) in the </a:t>
+            </a:r>
+            <a:r>
               <a:rPr lang="en-US" sz="2400" b="1" dirty="0">
                 <a:latin typeface="Arial Narrow" panose="020B0606020202030204" pitchFamily="34" charset="0"/>
               </a:rPr>
-              <a:t>C</a:t>
+              <a:t>UCT formula</a:t>
             </a:r>
             <a:r>
               <a:rPr lang="en-US" sz="2400" dirty="0">
                 <a:latin typeface="Arial Narrow" panose="020B0606020202030204" pitchFamily="34" charset="0"/>
               </a:rPr>
-              <a:t> values (UCT formula) ranging from</a:t>
+              <a:t> and in a </a:t>
             </a:r>
             <a:r>
               <a:rPr lang="en-US" sz="2400" b="1" dirty="0">
                 <a:latin typeface="Arial Narrow" panose="020B0606020202030204" pitchFamily="34" charset="0"/>
               </a:rPr>
-              <a:t> 0.1 </a:t>
+              <a:t>modified version </a:t>
             </a:r>
             <a:r>
               <a:rPr lang="en-US" sz="2400" dirty="0">
                 <a:latin typeface="Arial Narrow" panose="020B0606020202030204" pitchFamily="34" charset="0"/>
               </a:rPr>
-              <a:t>to </a:t>
-            </a:r>
-            <a:r>
-              <a:rPr lang="en-US" sz="2400" b="1" dirty="0">
-                <a:latin typeface="Arial Narrow" panose="020B0606020202030204" pitchFamily="34" charset="0"/>
-              </a:rPr>
-              <a:t>1000</a:t>
-            </a:r>
-            <a:r>
-              <a:rPr lang="en-US" sz="2400" dirty="0">
-                <a:latin typeface="Arial Narrow" panose="020B0606020202030204" pitchFamily="34" charset="0"/>
-              </a:rPr>
-              <a:t>.</a:t>
-            </a:r>
-          </a:p>
-          <a:p>
-            <a:pPr marL="342900" indent="-342900">
-              <a:buFont typeface="Arial" panose="020B0604020202020204" pitchFamily="34" charset="0"/>
-              <a:buChar char="•"/>
-            </a:pPr>
-            <a:r>
-              <a:rPr lang="en-US" sz="2400" dirty="0">
-                <a:latin typeface="Arial Narrow" panose="020B0606020202030204" pitchFamily="34" charset="0"/>
-              </a:rPr>
-              <a:t>Evaluated </a:t>
-            </a:r>
-            <a:r>
-              <a:rPr lang="en-US" sz="2400" b="1" dirty="0">
-                <a:latin typeface="Arial Narrow" panose="020B0606020202030204" pitchFamily="34" charset="0"/>
-              </a:rPr>
-              <a:t>alternative UCT formula </a:t>
-            </a:r>
-            <a:r>
-              <a:rPr lang="en-US" sz="2400" dirty="0">
-                <a:latin typeface="Arial Narrow" panose="020B0606020202030204" pitchFamily="34" charset="0"/>
-              </a:rPr>
-              <a:t>(modified exploitation term) with accumulated reward.</a:t>
-            </a:r>
-          </a:p>
-          <a:p>
-            <a:pPr marL="342900" indent="-342900">
-              <a:buFont typeface="Arial" panose="020B0604020202020204" pitchFamily="34" charset="0"/>
-              <a:buChar char="•"/>
-            </a:pPr>
-            <a:endParaRPr lang="en-US" sz="700" dirty="0">
-              <a:latin typeface="Arial Narrow" panose="020B0606020202030204" pitchFamily="34" charset="0"/>
-            </a:endParaRPr>
-          </a:p>
-          <a:p>
-            <a:pPr marL="0" indent="0"/>
-            <a:r>
-              <a:rPr kumimoji="0" lang="pt-PT" altLang="pt-PT" sz="2400" b="1" i="0" u="none" strike="noStrike" cap="none" normalizeH="0" baseline="0" dirty="0">
-                <a:ln>
-                  <a:noFill/>
-                </a:ln>
-                <a:solidFill>
-                  <a:schemeClr val="tx1"/>
-                </a:solidFill>
-                <a:effectLst/>
-                <a:latin typeface="Arial Narrow" panose="020B0606020202030204" pitchFamily="34" charset="0"/>
-              </a:rPr>
-              <a:t>Testing procedure:</a:t>
-            </a:r>
-            <a:endParaRPr lang="pt-PT" altLang="pt-PT" sz="2400" dirty="0">
-              <a:solidFill>
-                <a:schemeClr val="tx1"/>
-              </a:solidFill>
-              <a:latin typeface="Arial Narrow" panose="020B0606020202030204" pitchFamily="34" charset="0"/>
-            </a:endParaRPr>
-          </a:p>
-          <a:p>
-            <a:pPr marL="342900" marR="0" lvl="0" indent="-342900" algn="l" defTabSz="914400" rtl="0" eaLnBrk="0" fontAlgn="base" latinLnBrk="0" hangingPunct="0">
-              <a:lnSpc>
-                <a:spcPct val="100000"/>
-              </a:lnSpc>
-              <a:spcBef>
-                <a:spcPct val="0"/>
-              </a:spcBef>
-              <a:spcAft>
-                <a:spcPct val="0"/>
-              </a:spcAft>
-              <a:buClrTx/>
-              <a:buSzTx/>
-              <a:buFont typeface="Arial" panose="020B0604020202020204" pitchFamily="34" charset="0"/>
-              <a:buChar char="•"/>
-              <a:tabLst/>
-            </a:pPr>
-            <a:r>
-              <a:rPr kumimoji="0" lang="pt-PT" altLang="pt-PT" sz="2400" b="1" i="0" u="none" strike="noStrike" cap="none" normalizeH="0" baseline="0" dirty="0">
-                <a:ln>
-                  <a:noFill/>
-                </a:ln>
-                <a:solidFill>
-                  <a:schemeClr val="tx1"/>
-                </a:solidFill>
-                <a:effectLst/>
-                <a:latin typeface="Arial Narrow" panose="020B0606020202030204" pitchFamily="34" charset="0"/>
-              </a:rPr>
-              <a:t>Without seed (1-hour runs):</a:t>
-            </a:r>
-            <a:r>
-              <a:rPr kumimoji="0" lang="pt-PT" altLang="pt-PT" sz="2400" b="0" i="0" u="none" strike="noStrike" cap="none" normalizeH="0" baseline="0" dirty="0">
-                <a:ln>
-                  <a:noFill/>
-                </a:ln>
-                <a:solidFill>
-                  <a:schemeClr val="tx1"/>
-                </a:solidFill>
-                <a:effectLst/>
-                <a:latin typeface="Arial Narrow" panose="020B0606020202030204" pitchFamily="34" charset="0"/>
-              </a:rPr>
-              <a:t> Algorithm runs for 1 hour with no fixed seed </a:t>
-            </a:r>
-            <a:r>
-              <a:rPr lang="en-US" sz="2400" dirty="0">
-                <a:latin typeface="Arial Narrow" panose="020B0606020202030204" pitchFamily="34" charset="0"/>
-              </a:rPr>
-              <a:t>to assess its ability </a:t>
-            </a:r>
-            <a:r>
-              <a:rPr kumimoji="0" lang="pt-PT" altLang="pt-PT" sz="2400" b="0" i="0" u="none" strike="noStrike" cap="none" normalizeH="0" baseline="0" dirty="0">
-                <a:ln>
-                  <a:noFill/>
-                </a:ln>
-                <a:solidFill>
-                  <a:schemeClr val="tx1"/>
-                </a:solidFill>
-                <a:effectLst/>
-                <a:latin typeface="Arial Narrow" panose="020B0606020202030204" pitchFamily="34" charset="0"/>
-              </a:rPr>
-              <a:t>to </a:t>
-            </a:r>
-            <a:r>
-              <a:rPr kumimoji="0" lang="pt-PT" altLang="pt-PT" sz="2400" b="0" i="0" u="none" strike="noStrike" cap="none" normalizeH="0" baseline="0" dirty="0" err="1">
-                <a:ln>
-                  <a:noFill/>
-                </a:ln>
-                <a:solidFill>
-                  <a:schemeClr val="tx1"/>
-                </a:solidFill>
-                <a:effectLst/>
-                <a:latin typeface="Arial Narrow" panose="020B0606020202030204" pitchFamily="34" charset="0"/>
-              </a:rPr>
-              <a:t>evaluate</a:t>
-            </a:r>
-            <a:r>
-              <a:rPr kumimoji="0" lang="pt-PT" altLang="pt-PT" sz="2400" b="0" i="0" u="none" strike="noStrike" cap="none" normalizeH="0" baseline="0" dirty="0">
-                <a:ln>
-                  <a:noFill/>
-                </a:ln>
-                <a:solidFill>
-                  <a:schemeClr val="tx1"/>
-                </a:solidFill>
-                <a:effectLst/>
-                <a:latin typeface="Arial Narrow" panose="020B0606020202030204" pitchFamily="34" charset="0"/>
-              </a:rPr>
-              <a:t> </a:t>
-            </a:r>
-            <a:r>
-              <a:rPr kumimoji="0" lang="pt-PT" altLang="pt-PT" sz="2400" b="0" i="0" u="none" strike="noStrike" cap="none" normalizeH="0" baseline="0" dirty="0" err="1">
-                <a:ln>
-                  <a:noFill/>
-                </a:ln>
-                <a:solidFill>
-                  <a:schemeClr val="tx1"/>
-                </a:solidFill>
-                <a:effectLst/>
-                <a:latin typeface="Arial Narrow" panose="020B0606020202030204" pitchFamily="34" charset="0"/>
-              </a:rPr>
-              <a:t>its</a:t>
-            </a:r>
-            <a:r>
-              <a:rPr kumimoji="0" lang="pt-PT" altLang="pt-PT" sz="2400" b="0" i="0" u="none" strike="noStrike" cap="none" normalizeH="0" baseline="0" dirty="0">
-                <a:ln>
-                  <a:noFill/>
-                </a:ln>
-                <a:solidFill>
-                  <a:schemeClr val="tx1"/>
-                </a:solidFill>
-                <a:effectLst/>
-                <a:latin typeface="Arial Narrow" panose="020B0606020202030204" pitchFamily="34" charset="0"/>
-              </a:rPr>
-              <a:t> </a:t>
-            </a:r>
-            <a:r>
-              <a:rPr kumimoji="0" lang="pt-PT" altLang="pt-PT" sz="2400" b="0" i="0" u="none" strike="noStrike" cap="none" normalizeH="0" baseline="0" dirty="0" err="1">
-                <a:ln>
-                  <a:noFill/>
-                </a:ln>
-                <a:solidFill>
-                  <a:schemeClr val="tx1"/>
-                </a:solidFill>
-                <a:effectLst/>
-                <a:latin typeface="Arial Narrow" panose="020B0606020202030204" pitchFamily="34" charset="0"/>
-              </a:rPr>
-              <a:t>capacity</a:t>
-            </a:r>
-            <a:r>
-              <a:rPr kumimoji="0" lang="pt-PT" altLang="pt-PT" sz="2400" b="0" i="0" u="none" strike="noStrike" cap="none" normalizeH="0" baseline="0" dirty="0">
-                <a:ln>
-                  <a:noFill/>
-                </a:ln>
-                <a:solidFill>
-                  <a:schemeClr val="tx1"/>
-                </a:solidFill>
-                <a:effectLst/>
-                <a:latin typeface="Arial Narrow" panose="020B0606020202030204" pitchFamily="34" charset="0"/>
-              </a:rPr>
-              <a:t> to converge to </a:t>
-            </a:r>
-            <a:r>
-              <a:rPr kumimoji="0" lang="pt-PT" altLang="pt-PT" sz="2400" b="0" i="0" u="none" strike="noStrike" cap="none" normalizeH="0" baseline="0" dirty="0" err="1">
-                <a:ln>
-                  <a:noFill/>
-                </a:ln>
-                <a:solidFill>
-                  <a:schemeClr val="tx1"/>
-                </a:solidFill>
-                <a:effectLst/>
-                <a:latin typeface="Arial Narrow" panose="020B0606020202030204" pitchFamily="34" charset="0"/>
-              </a:rPr>
-              <a:t>high-quality</a:t>
-            </a:r>
-            <a:r>
-              <a:rPr kumimoji="0" lang="pt-PT" altLang="pt-PT" sz="2400" b="0" i="0" u="none" strike="noStrike" cap="none" normalizeH="0" baseline="0" dirty="0">
-                <a:ln>
-                  <a:noFill/>
-                </a:ln>
-                <a:solidFill>
-                  <a:schemeClr val="tx1"/>
-                </a:solidFill>
-                <a:effectLst/>
-                <a:latin typeface="Arial Narrow" panose="020B0606020202030204" pitchFamily="34" charset="0"/>
-              </a:rPr>
-              <a:t> </a:t>
-            </a:r>
-            <a:r>
-              <a:rPr kumimoji="0" lang="pt-PT" altLang="pt-PT" sz="2400" b="0" i="0" u="none" strike="noStrike" cap="none" normalizeH="0" baseline="0" dirty="0" err="1">
-                <a:ln>
-                  <a:noFill/>
-                </a:ln>
-                <a:solidFill>
-                  <a:schemeClr val="tx1"/>
-                </a:solidFill>
-                <a:effectLst/>
-                <a:latin typeface="Arial Narrow" panose="020B0606020202030204" pitchFamily="34" charset="0"/>
-              </a:rPr>
-              <a:t>solutions</a:t>
-            </a:r>
-            <a:r>
-              <a:rPr kumimoji="0" lang="pt-PT" altLang="pt-PT" sz="2400" b="0" i="0" u="none" strike="noStrike" cap="none" normalizeH="0" baseline="0" dirty="0">
-                <a:ln>
-                  <a:noFill/>
-                </a:ln>
-                <a:solidFill>
-                  <a:schemeClr val="tx1"/>
-                </a:solidFill>
-                <a:effectLst/>
-                <a:latin typeface="Arial Narrow" panose="020B0606020202030204" pitchFamily="34" charset="0"/>
-              </a:rPr>
-              <a:t> with </a:t>
-            </a:r>
-            <a:r>
-              <a:rPr kumimoji="0" lang="pt-PT" altLang="pt-PT" sz="2400" b="0" i="0" u="none" strike="noStrike" cap="none" normalizeH="0" baseline="0" dirty="0" err="1">
-                <a:ln>
-                  <a:noFill/>
-                </a:ln>
-                <a:solidFill>
-                  <a:schemeClr val="tx1"/>
-                </a:solidFill>
-                <a:effectLst/>
-                <a:latin typeface="Arial Narrow" panose="020B0606020202030204" pitchFamily="34" charset="0"/>
-              </a:rPr>
-              <a:t>sufficient</a:t>
-            </a:r>
-            <a:r>
-              <a:rPr kumimoji="0" lang="pt-PT" altLang="pt-PT" sz="2400" b="0" i="0" u="none" strike="noStrike" cap="none" normalizeH="0" baseline="0" dirty="0">
-                <a:ln>
-                  <a:noFill/>
-                </a:ln>
-                <a:solidFill>
-                  <a:schemeClr val="tx1"/>
-                </a:solidFill>
-                <a:effectLst/>
-                <a:latin typeface="Arial Narrow" panose="020B0606020202030204" pitchFamily="34" charset="0"/>
-              </a:rPr>
-              <a:t> </a:t>
-            </a:r>
-            <a:r>
-              <a:rPr kumimoji="0" lang="pt-PT" altLang="pt-PT" sz="2400" b="0" i="0" u="none" strike="noStrike" cap="none" normalizeH="0" baseline="0" dirty="0" err="1">
-                <a:ln>
-                  <a:noFill/>
-                </a:ln>
-                <a:solidFill>
-                  <a:schemeClr val="tx1"/>
-                </a:solidFill>
-                <a:effectLst/>
-                <a:latin typeface="Arial Narrow" panose="020B0606020202030204" pitchFamily="34" charset="0"/>
-              </a:rPr>
-              <a:t>runtime</a:t>
-            </a:r>
-            <a:r>
-              <a:rPr kumimoji="0" lang="pt-PT" altLang="pt-PT" sz="2400" b="0" i="0" u="none" strike="noStrike" cap="none" normalizeH="0" baseline="0" dirty="0">
-                <a:ln>
-                  <a:noFill/>
-                </a:ln>
-                <a:solidFill>
-                  <a:schemeClr val="tx1"/>
-                </a:solidFill>
-                <a:effectLst/>
-                <a:latin typeface="Arial Narrow" panose="020B0606020202030204" pitchFamily="34" charset="0"/>
-              </a:rPr>
-              <a:t>.</a:t>
-            </a:r>
-          </a:p>
-          <a:p>
-            <a:pPr marL="342900" indent="-342900">
-              <a:buFont typeface="Arial" panose="020B0604020202020204" pitchFamily="34" charset="0"/>
-              <a:buChar char="•"/>
-            </a:pPr>
-            <a:r>
-              <a:rPr kumimoji="0" lang="pt-PT" altLang="pt-PT" sz="2400" b="1" i="0" u="none" strike="noStrike" cap="none" normalizeH="0" baseline="0" dirty="0">
-                <a:ln>
-                  <a:noFill/>
-                </a:ln>
-                <a:solidFill>
-                  <a:schemeClr val="tx1"/>
-                </a:solidFill>
-                <a:effectLst/>
-                <a:latin typeface="Arial Narrow" panose="020B0606020202030204" pitchFamily="34" charset="0"/>
-              </a:rPr>
-              <a:t>With </a:t>
-            </a:r>
-            <a:r>
-              <a:rPr lang="pt-PT" altLang="pt-PT" sz="2400" b="1" dirty="0">
-                <a:solidFill>
-                  <a:schemeClr val="tx1"/>
-                </a:solidFill>
-                <a:latin typeface="Arial Narrow" panose="020B0606020202030204" pitchFamily="34" charset="0"/>
-              </a:rPr>
-              <a:t>f</a:t>
-            </a:r>
-            <a:r>
-              <a:rPr kumimoji="0" lang="pt-PT" altLang="pt-PT" sz="2400" b="1" i="0" u="none" strike="noStrike" cap="none" normalizeH="0" baseline="0" dirty="0">
-                <a:ln>
-                  <a:noFill/>
-                </a:ln>
-                <a:solidFill>
-                  <a:schemeClr val="tx1"/>
-                </a:solidFill>
-                <a:effectLst/>
-                <a:latin typeface="Arial Narrow" panose="020B0606020202030204" pitchFamily="34" charset="0"/>
-              </a:rPr>
-              <a:t>ixed seeds (10-minute runs):</a:t>
-            </a:r>
-            <a:r>
-              <a:rPr kumimoji="0" lang="pt-PT" altLang="pt-PT" sz="2400" b="0" i="0" u="none" strike="noStrike" cap="none" normalizeH="0" baseline="0" dirty="0">
-                <a:ln>
-                  <a:noFill/>
-                </a:ln>
-                <a:solidFill>
-                  <a:schemeClr val="tx1"/>
-                </a:solidFill>
-                <a:effectLst/>
-                <a:latin typeface="Arial Narrow" panose="020B0606020202030204" pitchFamily="34" charset="0"/>
-              </a:rPr>
-              <a:t> Algorithm runs for 10 minutes using 10 different seeds for reproducibility and consistency.</a:t>
-            </a:r>
-          </a:p>
-          <a:p>
-            <a:pPr marL="342900" indent="-342900">
-              <a:buFont typeface="Arial" panose="020B0604020202020204" pitchFamily="34" charset="0"/>
-              <a:buChar char="•"/>
-            </a:pPr>
-            <a:endParaRPr kumimoji="0" lang="pt-PT" altLang="pt-PT" sz="700" b="0" i="0" u="none" strike="noStrike" cap="none" normalizeH="0" baseline="0" dirty="0">
+              <a:t>incorporating accumulated rewards for exploitation.</a:t>
+            </a:r>
+            <a:endParaRPr kumimoji="0" lang="pt-PT" altLang="pt-PT" sz="2400" b="0" i="0" u="none" strike="noStrike" cap="none" normalizeH="0" baseline="0" dirty="0">
               <a:ln>
                 <a:noFill/>
               </a:ln>
@@ -8908,7 +8711,7 @@
           <a:p>
             <a:pPr marL="0" indent="0"/>
             <a:r>
-              <a:rPr lang="pt-PT" altLang="pt-PT" sz="2400" dirty="0" err="1">
+              <a:rPr lang="pt-PT" altLang="pt-PT" sz="2400" b="1" dirty="0" err="1">
                 <a:solidFill>
                   <a:schemeClr val="tx1"/>
                 </a:solidFill>
@@ -8916,6 +8719,18 @@
               </a:rPr>
               <a:t>Results</a:t>
             </a:r>
+            <a:r>
+              <a:rPr lang="pt-PT" altLang="pt-PT" sz="2400" b="1" dirty="0">
+                <a:solidFill>
+                  <a:schemeClr val="tx1"/>
+                </a:solidFill>
+                <a:latin typeface="Arial Narrow" panose="020B0606020202030204" pitchFamily="34" charset="0"/>
+              </a:rPr>
+              <a:t>:</a:t>
+            </a:r>
+          </a:p>
+          <a:p>
+            <a:pPr marL="0" indent="0"/>
             <a:r>
               <a:rPr lang="pt-PT" altLang="pt-PT" sz="2400" dirty="0">
                 <a:solidFill>
@@ -8990,7 +8805,7 @@
           <p:nvPr/>
         </p:nvPicPr>
         <p:blipFill rotWithShape="1">
-          <a:blip r:embed="rId7">
+          <a:blip r:embed="rId9">
             <a:extLst>
               <a:ext uri="{28A0092B-C50C-407E-A947-70E740481C1C}">
                 <a14:useLocalDpi xmlns:a14="http://schemas.microsoft.com/office/drawing/2010/main" val="0"/>
@@ -9062,7 +8877,7 @@
           <p:nvPr/>
         </p:nvPicPr>
         <p:blipFill>
-          <a:blip r:embed="rId8">
+          <a:blip r:embed="rId10">
             <a:extLst>
               <a:ext uri="{28A0092B-C50C-407E-A947-70E740481C1C}">
                 <a14:useLocalDpi xmlns:a14="http://schemas.microsoft.com/office/drawing/2010/main" val="0"/>
@@ -9238,7 +9053,7 @@
         </p:nvSpPr>
         <p:spPr bwMode="auto">
           <a:xfrm>
-            <a:off x="9037796" y="2950915"/>
+            <a:off x="9037796" y="2806899"/>
             <a:ext cx="8820000" cy="587799"/>
           </a:xfrm>
           <a:prstGeom prst="rect">
@@ -9658,7 +9473,7 @@
         </p:nvSpPr>
         <p:spPr bwMode="auto">
           <a:xfrm>
-            <a:off x="9066505" y="3491818"/>
+            <a:off x="9066505" y="3238947"/>
             <a:ext cx="8496000" cy="1285361"/>
           </a:xfrm>
           <a:prstGeom prst="rect">
@@ -10108,7 +9923,7 @@
         </p:nvSpPr>
         <p:spPr bwMode="auto">
           <a:xfrm>
-            <a:off x="1262474" y="15768339"/>
+            <a:off x="1262474" y="14786667"/>
             <a:ext cx="6451698" cy="382165"/>
           </a:xfrm>
           <a:prstGeom prst="rect">
@@ -10505,7 +10320,7 @@
           <p:nvPr/>
         </p:nvPicPr>
         <p:blipFill>
-          <a:blip r:embed="rId9">
+          <a:blip r:embed="rId11">
             <a:extLst>
               <a:ext uri="{28A0092B-C50C-407E-A947-70E740481C1C}">
                 <a14:useLocalDpi xmlns:a14="http://schemas.microsoft.com/office/drawing/2010/main" val="0"/>
@@ -10518,8 +10333,8 @@
         </p:blipFill>
         <p:spPr>
           <a:xfrm>
-            <a:off x="1392573" y="8424796"/>
-            <a:ext cx="6341423" cy="7453450"/>
+            <a:off x="1562215" y="7415411"/>
+            <a:ext cx="6351581" cy="7465389"/>
           </a:xfrm>
           <a:prstGeom prst="rect">
             <a:avLst/>
@@ -10541,7 +10356,7 @@
           <p:nvPr/>
         </p:nvPicPr>
         <p:blipFill>
-          <a:blip r:embed="rId10">
+          <a:blip r:embed="rId12">
             <a:extLst>
               <a:ext uri="{28A0092B-C50C-407E-A947-70E740481C1C}">
                 <a14:useLocalDpi xmlns:a14="http://schemas.microsoft.com/office/drawing/2010/main" val="0"/>
@@ -10554,8 +10369,8 @@
         </p:blipFill>
         <p:spPr>
           <a:xfrm>
-            <a:off x="9275132" y="4823123"/>
-            <a:ext cx="8117404" cy="3134645"/>
+            <a:off x="9343831" y="4607099"/>
+            <a:ext cx="7489199" cy="2892055"/>
           </a:xfrm>
           <a:prstGeom prst="rect">
             <a:avLst/>
@@ -10578,7 +10393,7 @@
         </p:nvSpPr>
         <p:spPr bwMode="auto">
           <a:xfrm>
-            <a:off x="10218411" y="8063483"/>
+            <a:off x="10257608" y="7559427"/>
             <a:ext cx="6451698" cy="382165"/>
           </a:xfrm>
           <a:prstGeom prst="rect">
@@ -10976,7 +10791,7 @@
         </p:nvSpPr>
         <p:spPr bwMode="auto">
           <a:xfrm>
-            <a:off x="9169589" y="16632435"/>
+            <a:off x="9169589" y="16200387"/>
             <a:ext cx="8496000" cy="382165"/>
           </a:xfrm>
           <a:prstGeom prst="rect">
@@ -11353,494 +11168,135 @@
             </a:pPr>
             <a:r>
               <a:rPr lang="en-US" altLang="en-US" sz="1331" dirty="0"/>
-              <a:t>Figure 3 – Constraint progress of the best solution found for comp01 instance from ITC-2007</a:t>
-            </a:r>
-          </a:p>
-        </p:txBody>
-      </p:sp>
-      <p:sp>
-        <p:nvSpPr>
-          <p:cNvPr id="17" name="Rectangle 1">
-            <a:extLst>
-              <a:ext uri="{FF2B5EF4-FFF2-40B4-BE49-F238E27FC236}">
-                <a16:creationId xmlns:a16="http://schemas.microsoft.com/office/drawing/2014/main" id="{693B7079-8C69-1C11-3118-71571C26C093}"/>
-              </a:ext>
-            </a:extLst>
-          </p:cNvPr>
-          <p:cNvSpPr>
-            <a:spLocks noChangeArrowheads="1"/>
-          </p:cNvSpPr>
-          <p:nvPr/>
-        </p:nvSpPr>
-        <p:spPr bwMode="auto">
-          <a:xfrm>
-            <a:off x="0" y="0"/>
-            <a:ext cx="18000663" cy="0"/>
-          </a:xfrm>
-          <a:prstGeom prst="rect">
-            <a:avLst/>
-          </a:prstGeom>
-          <a:noFill/>
-          <a:ln>
-            <a:noFill/>
-          </a:ln>
-          <a:effectLst/>
-          <a:extLst>
-            <a:ext uri="{909E8E84-426E-40DD-AFC4-6F175D3DCCD1}">
-              <a14:hiddenFill xmlns:a14="http://schemas.microsoft.com/office/drawing/2010/main">
-                <a:solidFill>
-                  <a:schemeClr val="accent1"/>
-                </a:solidFill>
-              </a14:hiddenFill>
-            </a:ext>
-            <a:ext uri="{91240B29-F687-4F45-9708-019B960494DF}">
-              <a14:hiddenLine xmlns:a14="http://schemas.microsoft.com/office/drawing/2010/main" w="9525">
-                <a:solidFill>
-                  <a:schemeClr val="tx1"/>
-                </a:solidFill>
-                <a:miter lim="800000"/>
-                <a:headEnd/>
-                <a:tailEnd/>
-              </a14:hiddenLine>
-            </a:ext>
-            <a:ext uri="{AF507438-7753-43E0-B8FC-AC1667EBCBE1}">
-              <a14:hiddenEffects xmlns:a14="http://schemas.microsoft.com/office/drawing/2010/main">
-                <a:effectLst>
-                  <a:outerShdw dist="35921" dir="2700000" algn="ctr" rotWithShape="0">
-                    <a:schemeClr val="bg2"/>
-                  </a:outerShdw>
-                </a:effectLst>
-              </a14:hiddenEffects>
-            </a:ext>
-          </a:extLst>
-        </p:spPr>
-        <p:txBody>
-          <a:bodyPr vert="horz" wrap="none" lIns="91440" tIns="45720" rIns="91440" bIns="45720" numCol="1" anchor="ctr" anchorCtr="0" compatLnSpc="1">
-            <a:prstTxWarp prst="textNoShape">
-              <a:avLst/>
-            </a:prstTxWarp>
-            <a:spAutoFit/>
-          </a:bodyPr>
-          <a:lstStyle/>
-          <a:p>
-            <a:pPr marL="0" marR="0" lvl="0" indent="0" algn="l" defTabSz="914400" rtl="0" eaLnBrk="0" fontAlgn="base" latinLnBrk="0" hangingPunct="0">
-              <a:lnSpc>
-                <a:spcPct val="100000"/>
-              </a:lnSpc>
-              <a:spcBef>
-                <a:spcPct val="0"/>
-              </a:spcBef>
-              <a:spcAft>
-                <a:spcPct val="0"/>
-              </a:spcAft>
-              <a:buClrTx/>
-              <a:buSzTx/>
-              <a:buFontTx/>
-              <a:buNone/>
-              <a:tabLst/>
-            </a:pPr>
-            <a:r>
-              <a:rPr kumimoji="0" lang="pt-PT" altLang="pt-PT" sz="1800" b="0" i="0" u="none" strike="noStrike" cap="none" normalizeH="0" baseline="0" dirty="0" err="1">
-                <a:ln>
-                  <a:noFill/>
-                </a:ln>
-                <a:solidFill>
-                  <a:schemeClr val="tx1"/>
-                </a:solidFill>
-                <a:effectLst/>
-                <a:latin typeface="Arial" panose="020B0604020202020204" pitchFamily="34" charset="0"/>
-              </a:rPr>
-              <a:t>This</a:t>
-            </a:r>
-            <a:r>
-              <a:rPr kumimoji="0" lang="pt-PT" altLang="pt-PT" sz="1800" b="0" i="0" u="none" strike="noStrike" cap="none" normalizeH="0" baseline="0" dirty="0">
-                <a:ln>
-                  <a:noFill/>
-                </a:ln>
-                <a:solidFill>
-                  <a:schemeClr val="tx1"/>
-                </a:solidFill>
-                <a:effectLst/>
-                <a:latin typeface="Arial" panose="020B0604020202020204" pitchFamily="34" charset="0"/>
-              </a:rPr>
-              <a:t> research </a:t>
-            </a:r>
-            <a:r>
-              <a:rPr kumimoji="0" lang="pt-PT" altLang="pt-PT" sz="1800" b="0" i="0" u="none" strike="noStrike" cap="none" normalizeH="0" baseline="0" dirty="0" err="1">
-                <a:ln>
-                  <a:noFill/>
-                </a:ln>
-                <a:solidFill>
-                  <a:schemeClr val="tx1"/>
-                </a:solidFill>
-                <a:effectLst/>
-                <a:latin typeface="Arial" panose="020B0604020202020204" pitchFamily="34" charset="0"/>
-              </a:rPr>
-              <a:t>focuses</a:t>
-            </a:r>
-            <a:r>
-              <a:rPr kumimoji="0" lang="pt-PT" altLang="pt-PT" sz="1800" b="0" i="0" u="none" strike="noStrike" cap="none" normalizeH="0" baseline="0" dirty="0">
-                <a:ln>
-                  <a:noFill/>
-                </a:ln>
-                <a:solidFill>
-                  <a:schemeClr val="tx1"/>
-                </a:solidFill>
-                <a:effectLst/>
-                <a:latin typeface="Arial" panose="020B0604020202020204" pitchFamily="34" charset="0"/>
-              </a:rPr>
-              <a:t> </a:t>
-            </a:r>
-            <a:r>
-              <a:rPr kumimoji="0" lang="pt-PT" altLang="pt-PT" sz="1800" b="0" i="0" u="none" strike="noStrike" cap="none" normalizeH="0" baseline="0" dirty="0" err="1">
-                <a:ln>
-                  <a:noFill/>
-                </a:ln>
-                <a:solidFill>
-                  <a:schemeClr val="tx1"/>
-                </a:solidFill>
-                <a:effectLst/>
-                <a:latin typeface="Arial" panose="020B0604020202020204" pitchFamily="34" charset="0"/>
-              </a:rPr>
-              <a:t>on</a:t>
-            </a:r>
-            <a:r>
-              <a:rPr kumimoji="0" lang="pt-PT" altLang="pt-PT" sz="1800" b="0" i="0" u="none" strike="noStrike" cap="none" normalizeH="0" baseline="0" dirty="0">
-                <a:ln>
-                  <a:noFill/>
-                </a:ln>
-                <a:solidFill>
-                  <a:schemeClr val="tx1"/>
-                </a:solidFill>
-                <a:effectLst/>
-                <a:latin typeface="Arial" panose="020B0604020202020204" pitchFamily="34" charset="0"/>
-              </a:rPr>
-              <a:t> Curriculum-</a:t>
-            </a:r>
-            <a:r>
-              <a:rPr kumimoji="0" lang="pt-PT" altLang="pt-PT" sz="1800" b="0" i="0" u="none" strike="noStrike" cap="none" normalizeH="0" baseline="0" dirty="0" err="1">
-                <a:ln>
-                  <a:noFill/>
-                </a:ln>
-                <a:solidFill>
-                  <a:schemeClr val="tx1"/>
-                </a:solidFill>
-                <a:effectLst/>
-                <a:latin typeface="Arial" panose="020B0604020202020204" pitchFamily="34" charset="0"/>
-              </a:rPr>
-              <a:t>Based</a:t>
-            </a:r>
-            <a:r>
-              <a:rPr kumimoji="0" lang="pt-PT" altLang="pt-PT" sz="1800" b="0" i="0" u="none" strike="noStrike" cap="none" normalizeH="0" baseline="0" dirty="0">
-                <a:ln>
-                  <a:noFill/>
-                </a:ln>
-                <a:solidFill>
-                  <a:schemeClr val="tx1"/>
-                </a:solidFill>
-                <a:effectLst/>
-                <a:latin typeface="Arial" panose="020B0604020202020204" pitchFamily="34" charset="0"/>
-              </a:rPr>
-              <a:t> </a:t>
-            </a:r>
-            <a:r>
-              <a:rPr kumimoji="0" lang="pt-PT" altLang="pt-PT" sz="1800" b="0" i="0" u="none" strike="noStrike" cap="none" normalizeH="0" baseline="0" dirty="0" err="1">
-                <a:ln>
-                  <a:noFill/>
-                </a:ln>
-                <a:solidFill>
-                  <a:schemeClr val="tx1"/>
-                </a:solidFill>
-                <a:effectLst/>
-                <a:latin typeface="Arial" panose="020B0604020202020204" pitchFamily="34" charset="0"/>
-              </a:rPr>
-              <a:t>Course</a:t>
-            </a:r>
-            <a:r>
-              <a:rPr kumimoji="0" lang="pt-PT" altLang="pt-PT" sz="1800" b="0" i="0" u="none" strike="noStrike" cap="none" normalizeH="0" baseline="0" dirty="0">
-                <a:ln>
-                  <a:noFill/>
-                </a:ln>
-                <a:solidFill>
-                  <a:schemeClr val="tx1"/>
-                </a:solidFill>
-                <a:effectLst/>
-                <a:latin typeface="Arial" panose="020B0604020202020204" pitchFamily="34" charset="0"/>
-              </a:rPr>
-              <a:t> </a:t>
-            </a:r>
-            <a:r>
-              <a:rPr kumimoji="0" lang="pt-PT" altLang="pt-PT" sz="1800" b="0" i="0" u="none" strike="noStrike" cap="none" normalizeH="0" baseline="0" dirty="0" err="1">
-                <a:ln>
-                  <a:noFill/>
-                </a:ln>
-                <a:solidFill>
-                  <a:schemeClr val="tx1"/>
-                </a:solidFill>
-                <a:effectLst/>
-                <a:latin typeface="Arial" panose="020B0604020202020204" pitchFamily="34" charset="0"/>
-              </a:rPr>
-              <a:t>Timetabling</a:t>
-            </a:r>
-            <a:r>
-              <a:rPr kumimoji="0" lang="pt-PT" altLang="pt-PT" sz="1800" b="0" i="0" u="none" strike="noStrike" cap="none" normalizeH="0" baseline="0" dirty="0">
-                <a:ln>
-                  <a:noFill/>
-                </a:ln>
-                <a:solidFill>
-                  <a:schemeClr val="tx1"/>
-                </a:solidFill>
-                <a:effectLst/>
-                <a:latin typeface="Arial" panose="020B0604020202020204" pitchFamily="34" charset="0"/>
-              </a:rPr>
-              <a:t> (CB-CTT), a </a:t>
-            </a:r>
-            <a:r>
-              <a:rPr kumimoji="0" lang="pt-PT" altLang="pt-PT" sz="1800" b="0" i="0" u="none" strike="noStrike" cap="none" normalizeH="0" baseline="0" dirty="0" err="1">
-                <a:ln>
-                  <a:noFill/>
-                </a:ln>
-                <a:solidFill>
-                  <a:schemeClr val="tx1"/>
-                </a:solidFill>
-                <a:effectLst/>
-                <a:latin typeface="Arial" panose="020B0604020202020204" pitchFamily="34" charset="0"/>
-              </a:rPr>
-              <a:t>variant</a:t>
-            </a:r>
-            <a:r>
-              <a:rPr kumimoji="0" lang="pt-PT" altLang="pt-PT" sz="1800" b="0" i="0" u="none" strike="noStrike" cap="none" normalizeH="0" baseline="0" dirty="0">
-                <a:ln>
-                  <a:noFill/>
-                </a:ln>
-                <a:solidFill>
-                  <a:schemeClr val="tx1"/>
-                </a:solidFill>
-                <a:effectLst/>
-                <a:latin typeface="Arial" panose="020B0604020202020204" pitchFamily="34" charset="0"/>
-              </a:rPr>
-              <a:t> </a:t>
-            </a:r>
-            <a:r>
-              <a:rPr kumimoji="0" lang="pt-PT" altLang="pt-PT" sz="1800" b="0" i="0" u="none" strike="noStrike" cap="none" normalizeH="0" baseline="0" dirty="0" err="1">
-                <a:ln>
-                  <a:noFill/>
-                </a:ln>
-                <a:solidFill>
-                  <a:schemeClr val="tx1"/>
-                </a:solidFill>
-                <a:effectLst/>
-                <a:latin typeface="Arial" panose="020B0604020202020204" pitchFamily="34" charset="0"/>
-              </a:rPr>
-              <a:t>of</a:t>
-            </a:r>
-            <a:r>
-              <a:rPr kumimoji="0" lang="pt-PT" altLang="pt-PT" sz="1800" b="0" i="0" u="none" strike="noStrike" cap="none" normalizeH="0" baseline="0" dirty="0">
-                <a:ln>
-                  <a:noFill/>
-                </a:ln>
-                <a:solidFill>
-                  <a:schemeClr val="tx1"/>
-                </a:solidFill>
-                <a:effectLst/>
-                <a:latin typeface="Arial" panose="020B0604020202020204" pitchFamily="34" charset="0"/>
-              </a:rPr>
-              <a:t> UCTTP </a:t>
-            </a:r>
-            <a:r>
-              <a:rPr kumimoji="0" lang="pt-PT" altLang="pt-PT" sz="1800" b="0" i="0" u="none" strike="noStrike" cap="none" normalizeH="0" baseline="0" dirty="0" err="1">
-                <a:ln>
-                  <a:noFill/>
-                </a:ln>
-                <a:solidFill>
-                  <a:schemeClr val="tx1"/>
-                </a:solidFill>
-                <a:effectLst/>
-                <a:latin typeface="Arial" panose="020B0604020202020204" pitchFamily="34" charset="0"/>
-              </a:rPr>
-              <a:t>that</a:t>
-            </a:r>
-            <a:r>
-              <a:rPr kumimoji="0" lang="pt-PT" altLang="pt-PT" sz="1800" b="0" i="0" u="none" strike="noStrike" cap="none" normalizeH="0" baseline="0" dirty="0">
-                <a:ln>
-                  <a:noFill/>
-                </a:ln>
-                <a:solidFill>
-                  <a:schemeClr val="tx1"/>
-                </a:solidFill>
-                <a:effectLst/>
-                <a:latin typeface="Arial" panose="020B0604020202020204" pitchFamily="34" charset="0"/>
-              </a:rPr>
-              <a:t> </a:t>
-            </a:r>
-            <a:r>
-              <a:rPr kumimoji="0" lang="pt-PT" altLang="pt-PT" sz="1800" b="0" i="0" u="none" strike="noStrike" cap="none" normalizeH="0" baseline="0" dirty="0" err="1">
-                <a:ln>
-                  <a:noFill/>
-                </a:ln>
-                <a:solidFill>
-                  <a:schemeClr val="tx1"/>
-                </a:solidFill>
-                <a:effectLst/>
-                <a:latin typeface="Arial" panose="020B0604020202020204" pitchFamily="34" charset="0"/>
-              </a:rPr>
-              <a:t>focuses</a:t>
-            </a:r>
-            <a:r>
-              <a:rPr kumimoji="0" lang="pt-PT" altLang="pt-PT" sz="1800" b="0" i="0" u="none" strike="noStrike" cap="none" normalizeH="0" baseline="0" dirty="0">
-                <a:ln>
-                  <a:noFill/>
-                </a:ln>
-                <a:solidFill>
-                  <a:schemeClr val="tx1"/>
-                </a:solidFill>
-                <a:effectLst/>
-                <a:latin typeface="Arial" panose="020B0604020202020204" pitchFamily="34" charset="0"/>
-              </a:rPr>
-              <a:t> </a:t>
-            </a:r>
-            <a:r>
-              <a:rPr kumimoji="0" lang="pt-PT" altLang="pt-PT" sz="1800" b="0" i="0" u="none" strike="noStrike" cap="none" normalizeH="0" baseline="0" dirty="0" err="1">
-                <a:ln>
-                  <a:noFill/>
-                </a:ln>
-                <a:solidFill>
-                  <a:schemeClr val="tx1"/>
-                </a:solidFill>
-                <a:effectLst/>
-                <a:latin typeface="Arial" panose="020B0604020202020204" pitchFamily="34" charset="0"/>
-              </a:rPr>
-              <a:t>on</a:t>
-            </a:r>
-            <a:r>
-              <a:rPr kumimoji="0" lang="pt-PT" altLang="pt-PT" sz="1800" b="0" i="0" u="none" strike="noStrike" cap="none" normalizeH="0" baseline="0" dirty="0">
-                <a:ln>
-                  <a:noFill/>
-                </a:ln>
-                <a:solidFill>
-                  <a:schemeClr val="tx1"/>
-                </a:solidFill>
-                <a:effectLst/>
-                <a:latin typeface="Arial" panose="020B0604020202020204" pitchFamily="34" charset="0"/>
-              </a:rPr>
-              <a:t> </a:t>
-            </a:r>
-            <a:r>
-              <a:rPr kumimoji="0" lang="pt-PT" altLang="pt-PT" sz="1800" b="0" i="0" u="none" strike="noStrike" cap="none" normalizeH="0" baseline="0" dirty="0" err="1">
-                <a:ln>
-                  <a:noFill/>
-                </a:ln>
-                <a:solidFill>
-                  <a:schemeClr val="tx1"/>
-                </a:solidFill>
-                <a:effectLst/>
-                <a:latin typeface="Arial" panose="020B0604020202020204" pitchFamily="34" charset="0"/>
-              </a:rPr>
-              <a:t>course</a:t>
-            </a:r>
-            <a:r>
-              <a:rPr kumimoji="0" lang="pt-PT" altLang="pt-PT" sz="1800" b="0" i="0" u="none" strike="noStrike" cap="none" normalizeH="0" baseline="0" dirty="0">
-                <a:ln>
-                  <a:noFill/>
-                </a:ln>
-                <a:solidFill>
-                  <a:schemeClr val="tx1"/>
-                </a:solidFill>
-                <a:effectLst/>
-                <a:latin typeface="Arial" panose="020B0604020202020204" pitchFamily="34" charset="0"/>
-              </a:rPr>
-              <a:t> </a:t>
-            </a:r>
-            <a:r>
-              <a:rPr kumimoji="0" lang="pt-PT" altLang="pt-PT" sz="1800" b="0" i="0" u="none" strike="noStrike" cap="none" normalizeH="0" baseline="0" dirty="0" err="1">
-                <a:ln>
-                  <a:noFill/>
-                </a:ln>
-                <a:solidFill>
-                  <a:schemeClr val="tx1"/>
-                </a:solidFill>
-                <a:effectLst/>
-                <a:latin typeface="Arial" panose="020B0604020202020204" pitchFamily="34" charset="0"/>
-              </a:rPr>
-              <a:t>scheduling</a:t>
-            </a:r>
-            <a:r>
-              <a:rPr kumimoji="0" lang="pt-PT" altLang="pt-PT" sz="1800" b="0" i="0" u="none" strike="noStrike" cap="none" normalizeH="0" baseline="0" dirty="0">
-                <a:ln>
-                  <a:noFill/>
-                </a:ln>
-                <a:solidFill>
-                  <a:schemeClr val="tx1"/>
-                </a:solidFill>
-                <a:effectLst/>
-                <a:latin typeface="Arial" panose="020B0604020202020204" pitchFamily="34" charset="0"/>
-              </a:rPr>
-              <a:t>.</a:t>
+              <a:t>Figure 3 – Soft constraint progress for comp01 instance from ITC-2007</a:t>
             </a:r>
           </a:p>
         </p:txBody>
       </p:sp>
       <p:pic>
         <p:nvPicPr>
-          <p:cNvPr id="25" name="Picture 14">
+          <p:cNvPr id="26" name="Picture 25" descr="A red and blue bars&#10;&#10;AI-generated content may be incorrect.">
             <a:extLst>
               <a:ext uri="{FF2B5EF4-FFF2-40B4-BE49-F238E27FC236}">
-                <a16:creationId xmlns:a16="http://schemas.microsoft.com/office/drawing/2014/main" id="{4C6E4A4A-CBD5-B48C-22D0-0ED83DA68998}"/>
+                <a16:creationId xmlns:a16="http://schemas.microsoft.com/office/drawing/2014/main" id="{1CBD89DF-5203-61F8-9609-68A5DC8C20DB}"/>
               </a:ext>
             </a:extLst>
           </p:cNvPr>
           <p:cNvPicPr>
-            <a:picLocks noChangeAspect="1" noChangeArrowheads="1"/>
+            <a:picLocks noChangeAspect="1"/>
           </p:cNvPicPr>
           <p:nvPr/>
         </p:nvPicPr>
         <p:blipFill>
-          <a:blip r:embed="rId11">
+          <a:blip r:embed="rId13">
             <a:extLst>
               <a:ext uri="{28A0092B-C50C-407E-A947-70E740481C1C}">
                 <a14:useLocalDpi xmlns:a14="http://schemas.microsoft.com/office/drawing/2010/main" val="0"/>
               </a:ext>
             </a:extLst>
           </a:blip>
-          <a:srcRect/>
-          <a:stretch>
-            <a:fillRect/>
-          </a:stretch>
+          <a:srcRect l="43332"/>
+          <a:stretch/>
         </p:blipFill>
-        <p:spPr bwMode="auto">
+        <p:spPr>
           <a:xfrm>
-            <a:off x="10366027" y="13450447"/>
-            <a:ext cx="6107699" cy="3181988"/>
+            <a:off x="9867234" y="10748025"/>
+            <a:ext cx="7188984" cy="5516584"/>
+          </a:xfrm>
+          <a:prstGeom prst="rect">
+            <a:avLst/>
+          </a:prstGeom>
+        </p:spPr>
+      </p:pic>
+      <p:sp>
+        <p:nvSpPr>
+          <p:cNvPr id="27" name="TextBox 26">
+            <a:extLst>
+              <a:ext uri="{FF2B5EF4-FFF2-40B4-BE49-F238E27FC236}">
+                <a16:creationId xmlns:a16="http://schemas.microsoft.com/office/drawing/2014/main" id="{5334083D-B3EC-7662-4357-CAA1B01E4DF3}"/>
+              </a:ext>
+            </a:extLst>
+          </p:cNvPr>
+          <p:cNvSpPr txBox="1"/>
+          <p:nvPr/>
+        </p:nvSpPr>
+        <p:spPr>
+          <a:xfrm rot="2470709">
+            <a:off x="10099468" y="12967954"/>
+            <a:ext cx="6636243" cy="1107996"/>
           </a:xfrm>
           <a:prstGeom prst="rect">
             <a:avLst/>
           </a:prstGeom>
           <a:noFill/>
-          <a:ln>
-            <a:noFill/>
+        </p:spPr>
+        <p:txBody>
+          <a:bodyPr wrap="square">
+            <a:spAutoFit/>
+          </a:bodyPr>
+          <a:lstStyle/>
+          <a:p>
+            <a:r>
+              <a:rPr lang="en-US" sz="6600" dirty="0">
+                <a:solidFill>
+                  <a:schemeClr val="tx1"/>
+                </a:solidFill>
+                <a:latin typeface="Arial Narrow" panose="020B0606020202030204" pitchFamily="34" charset="0"/>
+                <a:ea typeface="Cambria" panose="02040503050406030204" pitchFamily="18" charset="0"/>
+                <a:cs typeface="Times New Roman" panose="02020603050405020304" pitchFamily="18" charset="0"/>
+              </a:rPr>
+              <a:t>IMAGEM EXEMPLO</a:t>
+            </a:r>
+            <a:endParaRPr lang="en-US" sz="6600" dirty="0">
+              <a:solidFill>
+                <a:schemeClr val="tx1"/>
+              </a:solidFill>
+              <a:effectLst/>
+              <a:latin typeface="Arial Narrow" panose="020B0606020202030204" pitchFamily="34" charset="0"/>
+              <a:ea typeface="Cambria" panose="02040503050406030204" pitchFamily="18" charset="0"/>
+              <a:cs typeface="Times New Roman" panose="02020603050405020304" pitchFamily="18" charset="0"/>
+            </a:endParaRPr>
+          </a:p>
+        </p:txBody>
+      </p:sp>
+      <p:sp>
+        <p:nvSpPr>
+          <p:cNvPr id="32" name="Line 3">
+            <a:extLst>
+              <a:ext uri="{FF2B5EF4-FFF2-40B4-BE49-F238E27FC236}">
+                <a16:creationId xmlns:a16="http://schemas.microsoft.com/office/drawing/2014/main" id="{51044B2A-7BA6-4AE4-2648-5BCF0C742C80}"/>
+              </a:ext>
+            </a:extLst>
+          </p:cNvPr>
+          <p:cNvSpPr>
+            <a:spLocks noChangeShapeType="1"/>
+          </p:cNvSpPr>
+          <p:nvPr/>
+        </p:nvSpPr>
+        <p:spPr bwMode="auto">
+          <a:xfrm>
+            <a:off x="9000494" y="3241027"/>
+            <a:ext cx="68699" cy="19620000"/>
+          </a:xfrm>
+          <a:prstGeom prst="line">
+            <a:avLst/>
+          </a:prstGeom>
+          <a:noFill/>
+          <a:ln w="38160" cap="sq">
+            <a:solidFill>
+              <a:srgbClr val="063967"/>
+            </a:solidFill>
+            <a:prstDash val="dash"/>
+            <a:miter lim="800000"/>
+            <a:headEnd/>
+            <a:tailEnd/>
           </a:ln>
           <a:effectLst/>
           <a:extLst>
             <a:ext uri="{909E8E84-426E-40DD-AFC4-6F175D3DCCD1}">
               <a14:hiddenFill xmlns:a14="http://schemas.microsoft.com/office/drawing/2010/main">
-                <a:blipFill dpi="0" rotWithShape="0">
-                  <a:blip/>
-                  <a:srcRect/>
-                  <a:stretch>
-                    <a:fillRect/>
-                  </a:stretch>
-                </a:blipFill>
+                <a:noFill/>
               </a14:hiddenFill>
-            </a:ext>
-            <a:ext uri="{91240B29-F687-4F45-9708-019B960494DF}">
-              <a14:hiddenLine xmlns:a14="http://schemas.microsoft.com/office/drawing/2010/main" w="9525" cap="flat">
-                <a:solidFill>
-                  <a:srgbClr val="3465A4"/>
-                </a:solidFill>
-                <a:round/>
-                <a:headEnd/>
-                <a:tailEnd/>
-              </a14:hiddenLine>
             </a:ext>
             <a:ext uri="{AF507438-7753-43E0-B8FC-AC1667EBCBE1}">
               <a14:hiddenEffects xmlns:a14="http://schemas.microsoft.com/office/drawing/2010/main">
@@ -11853,7 +11309,14 @@
             </a:ext>
           </a:extLst>
         </p:spPr>
-      </p:pic>
+        <p:txBody>
+          <a:bodyPr/>
+          <a:lstStyle/>
+          <a:p>
+            <a:endParaRPr lang="en-US" sz="2741"/>
+          </a:p>
+        </p:txBody>
+      </p:sp>
     </p:spTree>
     <p:extLst>
       <p:ext uri="{BB962C8B-B14F-4D97-AF65-F5344CB8AC3E}">
